--- a/维护翻转课堂1.pptx
+++ b/维护翻转课堂1.pptx
@@ -5,10 +5,10 @@
     <p:sldMasterId id="2147483648" r:id="rId1"/>
   </p:sldMasterIdLst>
   <p:notesMasterIdLst>
-    <p:notesMasterId r:id="rId41"/>
+    <p:notesMasterId r:id="rId42"/>
   </p:notesMasterIdLst>
   <p:handoutMasterIdLst>
-    <p:handoutMasterId r:id="rId42"/>
+    <p:handoutMasterId r:id="rId43"/>
   </p:handoutMasterIdLst>
   <p:sldIdLst>
     <p:sldId id="272" r:id="rId2"/>
@@ -49,7 +49,8 @@
     <p:sldId id="354" r:id="rId37"/>
     <p:sldId id="311" r:id="rId38"/>
     <p:sldId id="355" r:id="rId39"/>
-    <p:sldId id="329" r:id="rId40"/>
+    <p:sldId id="363" r:id="rId40"/>
+    <p:sldId id="329" r:id="rId41"/>
   </p:sldIdLst>
   <p:sldSz cx="12192000" cy="6858000"/>
   <p:notesSz cx="6858000" cy="9144000"/>
@@ -249,7 +250,7 @@
           <a:p>
             <a:fld id="{0F9B84EA-7D68-4D60-9CB1-D50884785D1C}" type="datetimeFigureOut">
               <a:rPr lang="zh-CN" altLang="en-US" smtClean="0"/>
-              <a:t>2019/5/13</a:t>
+              <a:t>2019/5/16</a:t>
             </a:fld>
             <a:endParaRPr lang="zh-CN" altLang="en-US"/>
           </a:p>
@@ -418,7 +419,7 @@
           <a:p>
             <a:fld id="{9510E745-F699-43C2-9540-DC86FA995BBE}" type="datetimeFigureOut">
               <a:rPr lang="zh-CN" altLang="en-US" smtClean="0"/>
-              <a:t>2019/5/13</a:t>
+              <a:t>2019/5/16</a:t>
             </a:fld>
             <a:endParaRPr lang="zh-CN" altLang="en-US"/>
           </a:p>
@@ -902,7 +903,7 @@
           <a:p>
             <a:fld id="{D997B5FA-0921-464F-AAE1-844C04324D75}" type="datetimeFigureOut">
               <a:rPr lang="zh-CN" altLang="en-US" smtClean="0"/>
-              <a:t>2019/5/13</a:t>
+              <a:t>2019/5/16</a:t>
             </a:fld>
             <a:endParaRPr lang="zh-CN" altLang="en-US"/>
           </a:p>
@@ -1065,7 +1066,7 @@
           <a:p>
             <a:fld id="{D997B5FA-0921-464F-AAE1-844C04324D75}" type="datetimeFigureOut">
               <a:rPr lang="zh-CN" altLang="en-US" smtClean="0"/>
-              <a:t>2019/5/13</a:t>
+              <a:t>2019/5/16</a:t>
             </a:fld>
             <a:endParaRPr lang="zh-CN" altLang="en-US"/>
           </a:p>
@@ -1238,7 +1239,7 @@
           <a:p>
             <a:fld id="{D997B5FA-0921-464F-AAE1-844C04324D75}" type="datetimeFigureOut">
               <a:rPr lang="zh-CN" altLang="en-US" smtClean="0"/>
-              <a:t>2019/5/13</a:t>
+              <a:t>2019/5/16</a:t>
             </a:fld>
             <a:endParaRPr lang="zh-CN" altLang="en-US"/>
           </a:p>
@@ -1401,7 +1402,7 @@
           <a:p>
             <a:fld id="{D997B5FA-0921-464F-AAE1-844C04324D75}" type="datetimeFigureOut">
               <a:rPr lang="zh-CN" altLang="en-US" smtClean="0"/>
-              <a:t>2019/5/13</a:t>
+              <a:t>2019/5/16</a:t>
             </a:fld>
             <a:endParaRPr lang="zh-CN" altLang="en-US"/>
           </a:p>
@@ -1641,7 +1642,7 @@
           <a:p>
             <a:fld id="{D997B5FA-0921-464F-AAE1-844C04324D75}" type="datetimeFigureOut">
               <a:rPr lang="zh-CN" altLang="en-US" smtClean="0"/>
-              <a:t>2019/5/13</a:t>
+              <a:t>2019/5/16</a:t>
             </a:fld>
             <a:endParaRPr lang="zh-CN" altLang="en-US"/>
           </a:p>
@@ -1865,7 +1866,7 @@
           <a:p>
             <a:fld id="{D997B5FA-0921-464F-AAE1-844C04324D75}" type="datetimeFigureOut">
               <a:rPr lang="zh-CN" altLang="en-US" smtClean="0"/>
-              <a:t>2019/5/13</a:t>
+              <a:t>2019/5/16</a:t>
             </a:fld>
             <a:endParaRPr lang="zh-CN" altLang="en-US"/>
           </a:p>
@@ -3035,7 +3036,7 @@
           <a:p>
             <a:fld id="{D997B5FA-0921-464F-AAE1-844C04324D75}" type="datetimeFigureOut">
               <a:rPr lang="zh-CN" altLang="en-US" smtClean="0"/>
-              <a:t>2019/5/13</a:t>
+              <a:t>2019/5/16</a:t>
             </a:fld>
             <a:endParaRPr lang="zh-CN" altLang="en-US"/>
           </a:p>
@@ -3147,7 +3148,7 @@
           <a:p>
             <a:fld id="{D997B5FA-0921-464F-AAE1-844C04324D75}" type="datetimeFigureOut">
               <a:rPr lang="zh-CN" altLang="en-US" smtClean="0"/>
-              <a:t>2019/5/13</a:t>
+              <a:t>2019/5/16</a:t>
             </a:fld>
             <a:endParaRPr lang="zh-CN" altLang="en-US"/>
           </a:p>
@@ -3237,7 +3238,7 @@
           <a:p>
             <a:fld id="{D997B5FA-0921-464F-AAE1-844C04324D75}" type="datetimeFigureOut">
               <a:rPr lang="zh-CN" altLang="en-US" smtClean="0"/>
-              <a:t>2019/5/13</a:t>
+              <a:t>2019/5/16</a:t>
             </a:fld>
             <a:endParaRPr lang="zh-CN" altLang="en-US"/>
           </a:p>
@@ -3507,7 +3508,7 @@
           <a:p>
             <a:fld id="{D997B5FA-0921-464F-AAE1-844C04324D75}" type="datetimeFigureOut">
               <a:rPr lang="zh-CN" altLang="en-US" smtClean="0"/>
-              <a:t>2019/5/13</a:t>
+              <a:t>2019/5/16</a:t>
             </a:fld>
             <a:endParaRPr lang="zh-CN" altLang="en-US"/>
           </a:p>
@@ -3754,7 +3755,7 @@
           <a:p>
             <a:fld id="{D997B5FA-0921-464F-AAE1-844C04324D75}" type="datetimeFigureOut">
               <a:rPr lang="zh-CN" altLang="en-US" smtClean="0"/>
-              <a:t>2019/5/13</a:t>
+              <a:t>2019/5/16</a:t>
             </a:fld>
             <a:endParaRPr lang="zh-CN" altLang="en-US"/>
           </a:p>
@@ -3961,7 +3962,7 @@
           <a:p>
             <a:fld id="{D997B5FA-0921-464F-AAE1-844C04324D75}" type="datetimeFigureOut">
               <a:rPr lang="zh-CN" altLang="en-US" smtClean="0"/>
-              <a:t>2019/5/13</a:t>
+              <a:t>2019/5/16</a:t>
             </a:fld>
             <a:endParaRPr lang="zh-CN" altLang="en-US"/>
           </a:p>
@@ -12856,7 +12857,7 @@
           <a:graphicData uri="http://schemas.openxmlformats.org/presentationml/2006/ole">
             <mc:AlternateContent xmlns:mc="http://schemas.openxmlformats.org/markup-compatibility/2006">
               <mc:Choice xmlns:v="urn:schemas-microsoft-com:vml" Requires="v">
-                <p:oleObj spid="_x0000_s1030" name="图表" r:id="rId3" imgW="6206266" imgH="4176122" progId="Excel.Chart.8">
+                <p:oleObj spid="_x0000_s1031" name="图表" r:id="rId3" imgW="6206266" imgH="4176122" progId="Excel.Chart.8">
                   <p:embed/>
                 </p:oleObj>
               </mc:Choice>
@@ -19290,7 +19291,7 @@
           <a:graphicData uri="http://schemas.openxmlformats.org/presentationml/2006/ole">
             <mc:AlternateContent xmlns:mc="http://schemas.openxmlformats.org/markup-compatibility/2006">
               <mc:Choice xmlns:v="urn:schemas-microsoft-com:vml" Requires="v">
-                <p:oleObj spid="_x0000_s2053" name="图表" r:id="rId3" imgW="4151736" imgH="3103133" progId="Excel.Chart.8">
+                <p:oleObj spid="_x0000_s2054" name="图表" r:id="rId3" imgW="4151736" imgH="3103133" progId="Excel.Chart.8">
                   <p:embed/>
                 </p:oleObj>
               </mc:Choice>
@@ -32147,8 +32148,8 @@
         </p:nvSpPr>
         <p:spPr>
           <a:xfrm>
-            <a:off x="362415" y="340995"/>
-            <a:ext cx="954108" cy="461665"/>
+            <a:off x="439360" y="340995"/>
+            <a:ext cx="800219" cy="461665"/>
           </a:xfrm>
           <a:prstGeom prst="rect">
             <a:avLst/>
@@ -32175,7 +32176,7 @@
                 <a:cs typeface="仿宋" panose="02010609060101010101" charset="-122"/>
                 <a:sym typeface="+mn-lt"/>
               </a:rPr>
-              <a:t>three</a:t>
+              <a:t>four</a:t>
             </a:r>
             <a:endParaRPr lang="en-US" sz="2400" dirty="0">
               <a:solidFill>
@@ -32516,7 +32517,35 @@
                 <a:cs typeface="+mn-ea"/>
                 <a:sym typeface="+mn-lt"/>
               </a:rPr>
-              <a:t>软件维护策略</a:t>
+              <a:t>参考资料</a:t>
+            </a:r>
+            <a:r>
+              <a:rPr lang="en-US" altLang="zh-CN" sz="2400" b="1" dirty="0">
+                <a:solidFill>
+                  <a:schemeClr val="bg1">
+                    <a:lumMod val="50000"/>
+                  </a:schemeClr>
+                </a:solidFill>
+                <a:latin typeface="仿宋" panose="02010609060101010101" charset="-122"/>
+                <a:ea typeface="仿宋" panose="02010609060101010101" charset="-122"/>
+                <a:cs typeface="+mn-ea"/>
+                <a:sym typeface="+mn-lt"/>
+              </a:rPr>
+              <a:t>&amp;</a:t>
+            </a:r>
+            <a:r>
+              <a:rPr lang="zh-CN" altLang="en-US" sz="2400" b="1" dirty="0">
+                <a:solidFill>
+                  <a:schemeClr val="bg1">
+                    <a:lumMod val="50000"/>
+                  </a:schemeClr>
+                </a:solidFill>
+                <a:latin typeface="仿宋" panose="02010609060101010101" charset="-122"/>
+                <a:ea typeface="仿宋" panose="02010609060101010101" charset="-122"/>
+                <a:cs typeface="+mn-ea"/>
+                <a:sym typeface="+mn-lt"/>
+              </a:rPr>
+              <a:t>会议记录</a:t>
             </a:r>
           </a:p>
         </p:txBody>
@@ -33065,6 +33094,2333 @@
 </file>
 
 <file path=ppt/slides/slide39.xml><?xml version="1.0" encoding="utf-8"?>
+<p:sld xmlns:a="http://schemas.openxmlformats.org/drawingml/2006/main" xmlns:r="http://schemas.openxmlformats.org/officeDocument/2006/relationships" xmlns:p="http://schemas.openxmlformats.org/presentationml/2006/main">
+  <p:cSld>
+    <p:spTree>
+      <p:nvGrpSpPr>
+        <p:cNvPr id="1" name=""/>
+        <p:cNvGrpSpPr/>
+        <p:nvPr/>
+      </p:nvGrpSpPr>
+      <p:grpSpPr>
+        <a:xfrm>
+          <a:off x="0" y="0"/>
+          <a:ext cx="0" cy="0"/>
+          <a:chOff x="0" y="0"/>
+          <a:chExt cx="0" cy="0"/>
+        </a:xfrm>
+      </p:grpSpPr>
+      <p:grpSp>
+        <p:nvGrpSpPr>
+          <p:cNvPr id="12" name="组合 11"/>
+          <p:cNvGrpSpPr/>
+          <p:nvPr/>
+        </p:nvGrpSpPr>
+        <p:grpSpPr>
+          <a:xfrm>
+            <a:off x="819150" y="304165"/>
+            <a:ext cx="803910" cy="946785"/>
+            <a:chOff x="7448" y="3202"/>
+            <a:chExt cx="2827" cy="3146"/>
+          </a:xfrm>
+        </p:grpSpPr>
+        <p:cxnSp>
+          <p:nvCxnSpPr>
+            <p:cNvPr id="5" name="直接连接符 4"/>
+            <p:cNvCxnSpPr/>
+            <p:nvPr/>
+          </p:nvCxnSpPr>
+          <p:spPr>
+            <a:xfrm flipH="1">
+              <a:off x="7448" y="3324"/>
+              <a:ext cx="2721" cy="3025"/>
+            </a:xfrm>
+            <a:prstGeom prst="line">
+              <a:avLst/>
+            </a:prstGeom>
+            <a:ln>
+              <a:gradFill>
+                <a:gsLst>
+                  <a:gs pos="0">
+                    <a:schemeClr val="bg1"/>
+                  </a:gs>
+                  <a:gs pos="74000">
+                    <a:schemeClr val="bg1">
+                      <a:lumMod val="65000"/>
+                    </a:schemeClr>
+                  </a:gs>
+                </a:gsLst>
+                <a:lin ang="15720000" scaled="1"/>
+              </a:gradFill>
+            </a:ln>
+          </p:spPr>
+          <p:style>
+            <a:lnRef idx="1">
+              <a:schemeClr val="accent1"/>
+            </a:lnRef>
+            <a:fillRef idx="0">
+              <a:schemeClr val="accent1"/>
+            </a:fillRef>
+            <a:effectRef idx="0">
+              <a:schemeClr val="accent1"/>
+            </a:effectRef>
+            <a:fontRef idx="minor">
+              <a:schemeClr val="tx1"/>
+            </a:fontRef>
+          </p:style>
+        </p:cxnSp>
+        <p:sp>
+          <p:nvSpPr>
+            <p:cNvPr id="8" name="椭圆 7"/>
+            <p:cNvSpPr/>
+            <p:nvPr/>
+          </p:nvSpPr>
+          <p:spPr>
+            <a:xfrm>
+              <a:off x="10077" y="3202"/>
+              <a:ext cx="198" cy="213"/>
+            </a:xfrm>
+            <a:prstGeom prst="ellipse">
+              <a:avLst/>
+            </a:prstGeom>
+            <a:solidFill>
+              <a:schemeClr val="bg1">
+                <a:lumMod val="65000"/>
+              </a:schemeClr>
+            </a:solidFill>
+            <a:ln>
+              <a:noFill/>
+            </a:ln>
+          </p:spPr>
+          <p:style>
+            <a:lnRef idx="2">
+              <a:schemeClr val="accent1">
+                <a:shade val="50000"/>
+              </a:schemeClr>
+            </a:lnRef>
+            <a:fillRef idx="1">
+              <a:schemeClr val="accent1"/>
+            </a:fillRef>
+            <a:effectRef idx="0">
+              <a:schemeClr val="accent1"/>
+            </a:effectRef>
+            <a:fontRef idx="minor">
+              <a:schemeClr val="lt1"/>
+            </a:fontRef>
+          </p:style>
+          <p:txBody>
+            <a:bodyPr rtlCol="0" anchor="ctr"/>
+            <a:lstStyle/>
+            <a:p>
+              <a:pPr algn="ctr"/>
+              <a:endParaRPr lang="zh-CN" altLang="en-US">
+                <a:cs typeface="仿宋" panose="02010609060101010101" charset="-122"/>
+              </a:endParaRPr>
+            </a:p>
+          </p:txBody>
+        </p:sp>
+      </p:grpSp>
+      <p:sp>
+        <p:nvSpPr>
+          <p:cNvPr id="4" name="文本框 3"/>
+          <p:cNvSpPr txBox="1"/>
+          <p:nvPr/>
+        </p:nvSpPr>
+        <p:spPr>
+          <a:xfrm>
+            <a:off x="439360" y="340995"/>
+            <a:ext cx="800219" cy="461665"/>
+          </a:xfrm>
+          <a:prstGeom prst="rect">
+            <a:avLst/>
+          </a:prstGeom>
+          <a:noFill/>
+        </p:spPr>
+        <p:txBody>
+          <a:bodyPr wrap="none" rtlCol="0" anchor="t">
+            <a:spAutoFit/>
+          </a:bodyPr>
+          <a:lstStyle/>
+          <a:p>
+            <a:pPr algn="ctr"/>
+            <a:r>
+              <a:rPr lang="en-US" altLang="zh-CN" sz="2400" dirty="0">
+                <a:solidFill>
+                  <a:schemeClr val="tx1">
+                    <a:lumMod val="50000"/>
+                    <a:lumOff val="50000"/>
+                  </a:schemeClr>
+                </a:solidFill>
+                <a:latin typeface="仿宋" panose="02010609060101010101" charset="-122"/>
+                <a:ea typeface="仿宋" panose="02010609060101010101" charset="-122"/>
+                <a:cs typeface="仿宋" panose="02010609060101010101" charset="-122"/>
+                <a:sym typeface="+mn-lt"/>
+              </a:rPr>
+              <a:t>four</a:t>
+            </a:r>
+            <a:endParaRPr lang="en-US" sz="2400" dirty="0">
+              <a:solidFill>
+                <a:schemeClr val="tx1">
+                  <a:lumMod val="50000"/>
+                  <a:lumOff val="50000"/>
+                </a:schemeClr>
+              </a:solidFill>
+              <a:latin typeface="仿宋" panose="02010609060101010101" charset="-122"/>
+              <a:ea typeface="仿宋" panose="02010609060101010101" charset="-122"/>
+              <a:cs typeface="仿宋" panose="02010609060101010101" charset="-122"/>
+              <a:sym typeface="+mn-lt"/>
+            </a:endParaRPr>
+          </a:p>
+        </p:txBody>
+      </p:sp>
+      <p:sp>
+        <p:nvSpPr>
+          <p:cNvPr id="7" name="任意多边形 18"/>
+          <p:cNvSpPr/>
+          <p:nvPr/>
+        </p:nvSpPr>
+        <p:spPr>
+          <a:xfrm>
+            <a:off x="1738453" y="304127"/>
+            <a:ext cx="4419256" cy="618508"/>
+          </a:xfrm>
+          <a:custGeom>
+            <a:avLst/>
+            <a:gdLst>
+              <a:gd name="connsiteX0" fmla="*/ 98297 w 589768"/>
+              <a:gd name="connsiteY0" fmla="*/ 0 h 5346192"/>
+              <a:gd name="connsiteX1" fmla="*/ 491471 w 589768"/>
+              <a:gd name="connsiteY1" fmla="*/ 0 h 5346192"/>
+              <a:gd name="connsiteX2" fmla="*/ 589768 w 589768"/>
+              <a:gd name="connsiteY2" fmla="*/ 98297 h 5346192"/>
+              <a:gd name="connsiteX3" fmla="*/ 589768 w 589768"/>
+              <a:gd name="connsiteY3" fmla="*/ 5346192 h 5346192"/>
+              <a:gd name="connsiteX4" fmla="*/ 589768 w 589768"/>
+              <a:gd name="connsiteY4" fmla="*/ 5346192 h 5346192"/>
+              <a:gd name="connsiteX5" fmla="*/ 0 w 589768"/>
+              <a:gd name="connsiteY5" fmla="*/ 5346192 h 5346192"/>
+              <a:gd name="connsiteX6" fmla="*/ 0 w 589768"/>
+              <a:gd name="connsiteY6" fmla="*/ 5346192 h 5346192"/>
+              <a:gd name="connsiteX7" fmla="*/ 0 w 589768"/>
+              <a:gd name="connsiteY7" fmla="*/ 98297 h 5346192"/>
+              <a:gd name="connsiteX8" fmla="*/ 98297 w 589768"/>
+              <a:gd name="connsiteY8" fmla="*/ 0 h 5346192"/>
+            </a:gdLst>
+            <a:ahLst/>
+            <a:cxnLst>
+              <a:cxn ang="0">
+                <a:pos x="connsiteX0" y="connsiteY0"/>
+              </a:cxn>
+              <a:cxn ang="0">
+                <a:pos x="connsiteX1" y="connsiteY1"/>
+              </a:cxn>
+              <a:cxn ang="0">
+                <a:pos x="connsiteX2" y="connsiteY2"/>
+              </a:cxn>
+              <a:cxn ang="0">
+                <a:pos x="connsiteX3" y="connsiteY3"/>
+              </a:cxn>
+              <a:cxn ang="0">
+                <a:pos x="connsiteX4" y="connsiteY4"/>
+              </a:cxn>
+              <a:cxn ang="0">
+                <a:pos x="connsiteX5" y="connsiteY5"/>
+              </a:cxn>
+              <a:cxn ang="0">
+                <a:pos x="connsiteX6" y="connsiteY6"/>
+              </a:cxn>
+              <a:cxn ang="0">
+                <a:pos x="connsiteX7" y="connsiteY7"/>
+              </a:cxn>
+              <a:cxn ang="0">
+                <a:pos x="connsiteX8" y="connsiteY8"/>
+              </a:cxn>
+            </a:cxnLst>
+            <a:rect l="l" t="t" r="r" b="b"/>
+            <a:pathLst>
+              <a:path w="589768" h="5346192">
+                <a:moveTo>
+                  <a:pt x="589768" y="891056"/>
+                </a:moveTo>
+                <a:lnTo>
+                  <a:pt x="589768" y="4455136"/>
+                </a:lnTo>
+                <a:cubicBezTo>
+                  <a:pt x="589768" y="4947251"/>
+                  <a:pt x="584913" y="5346187"/>
+                  <a:pt x="578924" y="5346187"/>
+                </a:cubicBezTo>
+                <a:lnTo>
+                  <a:pt x="0" y="5346187"/>
+                </a:lnTo>
+                <a:lnTo>
+                  <a:pt x="0" y="5346187"/>
+                </a:lnTo>
+                <a:lnTo>
+                  <a:pt x="0" y="5"/>
+                </a:lnTo>
+                <a:lnTo>
+                  <a:pt x="0" y="5"/>
+                </a:lnTo>
+                <a:lnTo>
+                  <a:pt x="578924" y="5"/>
+                </a:lnTo>
+                <a:cubicBezTo>
+                  <a:pt x="584913" y="5"/>
+                  <a:pt x="589768" y="398941"/>
+                  <a:pt x="589768" y="891056"/>
+                </a:cubicBezTo>
+                <a:close/>
+              </a:path>
+            </a:pathLst>
+          </a:custGeom>
+          <a:noFill/>
+          <a:ln>
+            <a:noFill/>
+          </a:ln>
+          <a:effectLst/>
+        </p:spPr>
+        <p:style>
+          <a:lnRef idx="2">
+            <a:schemeClr val="dk2">
+              <a:alpha val="90000"/>
+              <a:tint val="40000"/>
+              <a:hueOff val="0"/>
+              <a:satOff val="0"/>
+              <a:lumOff val="0"/>
+              <a:alphaOff val="0"/>
+            </a:schemeClr>
+          </a:lnRef>
+          <a:fillRef idx="1">
+            <a:schemeClr val="dk2">
+              <a:alpha val="90000"/>
+              <a:tint val="40000"/>
+              <a:hueOff val="0"/>
+              <a:satOff val="0"/>
+              <a:lumOff val="0"/>
+              <a:alphaOff val="0"/>
+            </a:schemeClr>
+          </a:fillRef>
+          <a:effectRef idx="0">
+            <a:schemeClr val="dk2">
+              <a:alpha val="90000"/>
+              <a:tint val="40000"/>
+              <a:hueOff val="0"/>
+              <a:satOff val="0"/>
+              <a:lumOff val="0"/>
+              <a:alphaOff val="0"/>
+            </a:schemeClr>
+          </a:effectRef>
+          <a:fontRef idx="minor">
+            <a:schemeClr val="dk1">
+              <a:hueOff val="0"/>
+              <a:satOff val="0"/>
+              <a:lumOff val="0"/>
+              <a:alphaOff val="0"/>
+            </a:schemeClr>
+          </a:fontRef>
+        </p:style>
+        <p:txBody>
+          <a:bodyPr spcFirstLastPara="0" vert="horz" wrap="square" lIns="247650" tIns="152615" rIns="276440" bIns="152615" numCol="1" spcCol="1270" anchor="ctr" anchorCtr="0">
+            <a:noAutofit/>
+          </a:bodyPr>
+          <a:lstStyle>
+            <a:defPPr>
+              <a:defRPr lang="zh-CN">
+                <a:solidFill>
+                  <a:schemeClr val="dk1">
+                    <a:hueOff val="0"/>
+                    <a:satOff val="0"/>
+                    <a:lumOff val="0"/>
+                    <a:alphaOff val="0"/>
+                  </a:schemeClr>
+                </a:solidFill>
+              </a:defRPr>
+            </a:defPPr>
+            <a:lvl1pPr marL="0" algn="l" defTabSz="914400" rtl="0" eaLnBrk="1" latinLnBrk="0" hangingPunct="1">
+              <a:defRPr sz="1800" kern="1200">
+                <a:solidFill>
+                  <a:schemeClr val="dk1">
+                    <a:hueOff val="0"/>
+                    <a:satOff val="0"/>
+                    <a:lumOff val="0"/>
+                    <a:alphaOff val="0"/>
+                  </a:schemeClr>
+                </a:solidFill>
+                <a:latin typeface="+mn-lt"/>
+                <a:ea typeface="+mn-ea"/>
+                <a:cs typeface="+mn-cs"/>
+              </a:defRPr>
+            </a:lvl1pPr>
+            <a:lvl2pPr marL="457200" algn="l" defTabSz="914400" rtl="0" eaLnBrk="1" latinLnBrk="0" hangingPunct="1">
+              <a:defRPr sz="1800" kern="1200">
+                <a:solidFill>
+                  <a:schemeClr val="dk1">
+                    <a:hueOff val="0"/>
+                    <a:satOff val="0"/>
+                    <a:lumOff val="0"/>
+                    <a:alphaOff val="0"/>
+                  </a:schemeClr>
+                </a:solidFill>
+                <a:latin typeface="+mn-lt"/>
+                <a:ea typeface="+mn-ea"/>
+                <a:cs typeface="+mn-cs"/>
+              </a:defRPr>
+            </a:lvl2pPr>
+            <a:lvl3pPr marL="914400" algn="l" defTabSz="914400" rtl="0" eaLnBrk="1" latinLnBrk="0" hangingPunct="1">
+              <a:defRPr sz="1800" kern="1200">
+                <a:solidFill>
+                  <a:schemeClr val="dk1">
+                    <a:hueOff val="0"/>
+                    <a:satOff val="0"/>
+                    <a:lumOff val="0"/>
+                    <a:alphaOff val="0"/>
+                  </a:schemeClr>
+                </a:solidFill>
+                <a:latin typeface="+mn-lt"/>
+                <a:ea typeface="+mn-ea"/>
+                <a:cs typeface="+mn-cs"/>
+              </a:defRPr>
+            </a:lvl3pPr>
+            <a:lvl4pPr marL="1371600" algn="l" defTabSz="914400" rtl="0" eaLnBrk="1" latinLnBrk="0" hangingPunct="1">
+              <a:defRPr sz="1800" kern="1200">
+                <a:solidFill>
+                  <a:schemeClr val="dk1">
+                    <a:hueOff val="0"/>
+                    <a:satOff val="0"/>
+                    <a:lumOff val="0"/>
+                    <a:alphaOff val="0"/>
+                  </a:schemeClr>
+                </a:solidFill>
+                <a:latin typeface="+mn-lt"/>
+                <a:ea typeface="+mn-ea"/>
+                <a:cs typeface="+mn-cs"/>
+              </a:defRPr>
+            </a:lvl4pPr>
+            <a:lvl5pPr marL="1828800" algn="l" defTabSz="914400" rtl="0" eaLnBrk="1" latinLnBrk="0" hangingPunct="1">
+              <a:defRPr sz="1800" kern="1200">
+                <a:solidFill>
+                  <a:schemeClr val="dk1">
+                    <a:hueOff val="0"/>
+                    <a:satOff val="0"/>
+                    <a:lumOff val="0"/>
+                    <a:alphaOff val="0"/>
+                  </a:schemeClr>
+                </a:solidFill>
+                <a:latin typeface="+mn-lt"/>
+                <a:ea typeface="+mn-ea"/>
+                <a:cs typeface="+mn-cs"/>
+              </a:defRPr>
+            </a:lvl5pPr>
+            <a:lvl6pPr marL="2286000" algn="l" defTabSz="914400" rtl="0" eaLnBrk="1" latinLnBrk="0" hangingPunct="1">
+              <a:defRPr sz="1800" kern="1200">
+                <a:solidFill>
+                  <a:schemeClr val="dk1">
+                    <a:hueOff val="0"/>
+                    <a:satOff val="0"/>
+                    <a:lumOff val="0"/>
+                    <a:alphaOff val="0"/>
+                  </a:schemeClr>
+                </a:solidFill>
+                <a:latin typeface="+mn-lt"/>
+                <a:ea typeface="+mn-ea"/>
+                <a:cs typeface="+mn-cs"/>
+              </a:defRPr>
+            </a:lvl6pPr>
+            <a:lvl7pPr marL="2743200" algn="l" defTabSz="914400" rtl="0" eaLnBrk="1" latinLnBrk="0" hangingPunct="1">
+              <a:defRPr sz="1800" kern="1200">
+                <a:solidFill>
+                  <a:schemeClr val="dk1">
+                    <a:hueOff val="0"/>
+                    <a:satOff val="0"/>
+                    <a:lumOff val="0"/>
+                    <a:alphaOff val="0"/>
+                  </a:schemeClr>
+                </a:solidFill>
+                <a:latin typeface="+mn-lt"/>
+                <a:ea typeface="+mn-ea"/>
+                <a:cs typeface="+mn-cs"/>
+              </a:defRPr>
+            </a:lvl7pPr>
+            <a:lvl8pPr marL="3200400" algn="l" defTabSz="914400" rtl="0" eaLnBrk="1" latinLnBrk="0" hangingPunct="1">
+              <a:defRPr sz="1800" kern="1200">
+                <a:solidFill>
+                  <a:schemeClr val="dk1">
+                    <a:hueOff val="0"/>
+                    <a:satOff val="0"/>
+                    <a:lumOff val="0"/>
+                    <a:alphaOff val="0"/>
+                  </a:schemeClr>
+                </a:solidFill>
+                <a:latin typeface="+mn-lt"/>
+                <a:ea typeface="+mn-ea"/>
+                <a:cs typeface="+mn-cs"/>
+              </a:defRPr>
+            </a:lvl8pPr>
+            <a:lvl9pPr marL="3657600" algn="l" defTabSz="914400" rtl="0" eaLnBrk="1" latinLnBrk="0" hangingPunct="1">
+              <a:defRPr sz="1800" kern="1200">
+                <a:solidFill>
+                  <a:schemeClr val="dk1">
+                    <a:hueOff val="0"/>
+                    <a:satOff val="0"/>
+                    <a:lumOff val="0"/>
+                    <a:alphaOff val="0"/>
+                  </a:schemeClr>
+                </a:solidFill>
+                <a:latin typeface="+mn-lt"/>
+                <a:ea typeface="+mn-ea"/>
+                <a:cs typeface="+mn-cs"/>
+              </a:defRPr>
+            </a:lvl9pPr>
+          </a:lstStyle>
+          <a:p>
+            <a:pPr marL="0" lvl="1" defTabSz="711200">
+              <a:lnSpc>
+                <a:spcPct val="90000"/>
+              </a:lnSpc>
+              <a:spcBef>
+                <a:spcPct val="0"/>
+              </a:spcBef>
+              <a:spcAft>
+                <a:spcPct val="15000"/>
+              </a:spcAft>
+            </a:pPr>
+            <a:r>
+              <a:rPr lang="zh-CN" altLang="en-US" sz="2400" b="1" dirty="0">
+                <a:solidFill>
+                  <a:schemeClr val="bg1">
+                    <a:lumMod val="50000"/>
+                  </a:schemeClr>
+                </a:solidFill>
+                <a:latin typeface="仿宋" panose="02010609060101010101" charset="-122"/>
+                <a:ea typeface="仿宋" panose="02010609060101010101" charset="-122"/>
+                <a:cs typeface="+mn-ea"/>
+                <a:sym typeface="+mn-lt"/>
+              </a:rPr>
+              <a:t>参考资料</a:t>
+            </a:r>
+            <a:r>
+              <a:rPr lang="en-US" altLang="zh-CN" sz="2400" b="1" dirty="0">
+                <a:solidFill>
+                  <a:schemeClr val="bg1">
+                    <a:lumMod val="50000"/>
+                  </a:schemeClr>
+                </a:solidFill>
+                <a:latin typeface="仿宋" panose="02010609060101010101" charset="-122"/>
+                <a:ea typeface="仿宋" panose="02010609060101010101" charset="-122"/>
+                <a:cs typeface="+mn-ea"/>
+                <a:sym typeface="+mn-lt"/>
+              </a:rPr>
+              <a:t>&amp;</a:t>
+            </a:r>
+            <a:r>
+              <a:rPr lang="zh-CN" altLang="en-US" sz="2400" b="1" dirty="0">
+                <a:solidFill>
+                  <a:schemeClr val="bg1">
+                    <a:lumMod val="50000"/>
+                  </a:schemeClr>
+                </a:solidFill>
+                <a:latin typeface="仿宋" panose="02010609060101010101" charset="-122"/>
+                <a:ea typeface="仿宋" panose="02010609060101010101" charset="-122"/>
+                <a:cs typeface="+mn-ea"/>
+                <a:sym typeface="+mn-lt"/>
+              </a:rPr>
+              <a:t>会议记录</a:t>
+            </a:r>
+          </a:p>
+        </p:txBody>
+      </p:sp>
+      <p:cxnSp>
+        <p:nvCxnSpPr>
+          <p:cNvPr id="6" name="直接连接符 5"/>
+          <p:cNvCxnSpPr/>
+          <p:nvPr/>
+        </p:nvCxnSpPr>
+        <p:spPr>
+          <a:xfrm flipH="1">
+            <a:off x="5324475" y="6370955"/>
+            <a:ext cx="6680835" cy="19685"/>
+          </a:xfrm>
+          <a:prstGeom prst="line">
+            <a:avLst/>
+          </a:prstGeom>
+          <a:ln w="57150">
+            <a:gradFill>
+              <a:gsLst>
+                <a:gs pos="0">
+                  <a:schemeClr val="bg1">
+                    <a:alpha val="10000"/>
+                  </a:schemeClr>
+                </a:gs>
+                <a:gs pos="90000">
+                  <a:schemeClr val="bg1">
+                    <a:lumMod val="65000"/>
+                    <a:alpha val="44000"/>
+                  </a:schemeClr>
+                </a:gs>
+              </a:gsLst>
+              <a:lin ang="9420000" scaled="1"/>
+            </a:gradFill>
+          </a:ln>
+        </p:spPr>
+        <p:style>
+          <a:lnRef idx="1">
+            <a:schemeClr val="accent1"/>
+          </a:lnRef>
+          <a:fillRef idx="0">
+            <a:schemeClr val="accent1"/>
+          </a:fillRef>
+          <a:effectRef idx="0">
+            <a:schemeClr val="accent1"/>
+          </a:effectRef>
+          <a:fontRef idx="minor">
+            <a:schemeClr val="tx1"/>
+          </a:fontRef>
+        </p:style>
+      </p:cxnSp>
+      <p:sp>
+        <p:nvSpPr>
+          <p:cNvPr id="9" name="文本框 8"/>
+          <p:cNvSpPr txBox="1"/>
+          <p:nvPr/>
+        </p:nvSpPr>
+        <p:spPr>
+          <a:xfrm>
+            <a:off x="735331" y="1623178"/>
+            <a:ext cx="4236393" cy="590931"/>
+          </a:xfrm>
+          <a:prstGeom prst="rect">
+            <a:avLst/>
+          </a:prstGeom>
+          <a:noFill/>
+        </p:spPr>
+        <p:txBody>
+          <a:bodyPr wrap="square" rtlCol="0">
+            <a:spAutoFit/>
+          </a:bodyPr>
+          <a:lstStyle/>
+          <a:p>
+            <a:pPr marL="0" lvl="1" defTabSz="711200">
+              <a:lnSpc>
+                <a:spcPct val="90000"/>
+              </a:lnSpc>
+              <a:spcBef>
+                <a:spcPct val="0"/>
+              </a:spcBef>
+              <a:spcAft>
+                <a:spcPct val="15000"/>
+              </a:spcAft>
+            </a:pPr>
+            <a:r>
+              <a:rPr lang="zh-CN" altLang="en-US" sz="3600" b="1" dirty="0">
+                <a:latin typeface="仿宋" panose="02010609060101010101" charset="-122"/>
+                <a:ea typeface="仿宋" panose="02010609060101010101" charset="-122"/>
+                <a:cs typeface="+mn-ea"/>
+                <a:sym typeface="+mn-lt"/>
+              </a:rPr>
+              <a:t>会议记录</a:t>
+            </a:r>
+          </a:p>
+        </p:txBody>
+      </p:sp>
+      <p:cxnSp>
+        <p:nvCxnSpPr>
+          <p:cNvPr id="10" name="直接连接符 9"/>
+          <p:cNvCxnSpPr/>
+          <p:nvPr/>
+        </p:nvCxnSpPr>
+        <p:spPr>
+          <a:xfrm>
+            <a:off x="735331" y="2334084"/>
+            <a:ext cx="1312218" cy="0"/>
+          </a:xfrm>
+          <a:prstGeom prst="line">
+            <a:avLst/>
+          </a:prstGeom>
+          <a:ln w="57150">
+            <a:solidFill>
+              <a:schemeClr val="tx1">
+                <a:lumMod val="50000"/>
+                <a:lumOff val="50000"/>
+              </a:schemeClr>
+            </a:solidFill>
+          </a:ln>
+        </p:spPr>
+        <p:style>
+          <a:lnRef idx="1">
+            <a:schemeClr val="accent1"/>
+          </a:lnRef>
+          <a:fillRef idx="0">
+            <a:schemeClr val="accent1"/>
+          </a:fillRef>
+          <a:effectRef idx="0">
+            <a:schemeClr val="accent1"/>
+          </a:effectRef>
+          <a:fontRef idx="minor">
+            <a:schemeClr val="tx1"/>
+          </a:fontRef>
+        </p:style>
+      </p:cxnSp>
+      <p:graphicFrame>
+        <p:nvGraphicFramePr>
+          <p:cNvPr id="3" name="表格 2">
+            <a:extLst>
+              <a:ext uri="{FF2B5EF4-FFF2-40B4-BE49-F238E27FC236}">
+                <a16:creationId xmlns:a16="http://schemas.microsoft.com/office/drawing/2014/main" id="{BD23E60F-0272-4996-80C7-A5786ACC21F2}"/>
+              </a:ext>
+            </a:extLst>
+          </p:cNvPr>
+          <p:cNvGraphicFramePr>
+            <a:graphicFrameLocks noGrp="1"/>
+          </p:cNvGraphicFramePr>
+          <p:nvPr>
+            <p:extLst>
+              <p:ext uri="{D42A27DB-BD31-4B8C-83A1-F6EECF244321}">
+                <p14:modId xmlns:p14="http://schemas.microsoft.com/office/powerpoint/2010/main" val="739690171"/>
+              </p:ext>
+            </p:extLst>
+          </p:nvPr>
+        </p:nvGraphicFramePr>
+        <p:xfrm>
+          <a:off x="4339822" y="1743153"/>
+          <a:ext cx="5760911" cy="4136529"/>
+        </p:xfrm>
+        <a:graphic>
+          <a:graphicData uri="http://schemas.openxmlformats.org/drawingml/2006/table">
+            <a:tbl>
+              <a:tblPr>
+                <a:tableStyleId>{5C22544A-7EE6-4342-B048-85BDC9FD1C3A}</a:tableStyleId>
+              </a:tblPr>
+              <a:tblGrid>
+                <a:gridCol w="801886">
+                  <a:extLst>
+                    <a:ext uri="{9D8B030D-6E8A-4147-A177-3AD203B41FA5}">
+                      <a16:colId xmlns:a16="http://schemas.microsoft.com/office/drawing/2014/main" val="904439902"/>
+                    </a:ext>
+                  </a:extLst>
+                </a:gridCol>
+                <a:gridCol w="2321246">
+                  <a:extLst>
+                    <a:ext uri="{9D8B030D-6E8A-4147-A177-3AD203B41FA5}">
+                      <a16:colId xmlns:a16="http://schemas.microsoft.com/office/drawing/2014/main" val="3847759424"/>
+                    </a:ext>
+                  </a:extLst>
+                </a:gridCol>
+                <a:gridCol w="738577">
+                  <a:extLst>
+                    <a:ext uri="{9D8B030D-6E8A-4147-A177-3AD203B41FA5}">
+                      <a16:colId xmlns:a16="http://schemas.microsoft.com/office/drawing/2014/main" val="87460810"/>
+                    </a:ext>
+                  </a:extLst>
+                </a:gridCol>
+                <a:gridCol w="1899202">
+                  <a:extLst>
+                    <a:ext uri="{9D8B030D-6E8A-4147-A177-3AD203B41FA5}">
+                      <a16:colId xmlns:a16="http://schemas.microsoft.com/office/drawing/2014/main" val="4138335557"/>
+                    </a:ext>
+                  </a:extLst>
+                </a:gridCol>
+              </a:tblGrid>
+              <a:tr h="176209">
+                <a:tc>
+                  <a:txBody>
+                    <a:bodyPr/>
+                    <a:lstStyle/>
+                    <a:p>
+                      <a:pPr algn="ctr">
+                        <a:lnSpc>
+                          <a:spcPct val="200000"/>
+                        </a:lnSpc>
+                        <a:spcAft>
+                          <a:spcPts val="0"/>
+                        </a:spcAft>
+                      </a:pPr>
+                      <a:r>
+                        <a:rPr lang="zh-CN" sz="1050" kern="100">
+                          <a:effectLst/>
+                        </a:rPr>
+                        <a:t>会议地点</a:t>
+                      </a:r>
+                      <a:endParaRPr lang="zh-CN" sz="1050" kern="100">
+                        <a:effectLst/>
+                        <a:latin typeface="Times New Roman" charset="0"/>
+                        <a:ea typeface="宋体" charset="-122"/>
+                      </a:endParaRPr>
+                    </a:p>
+                  </a:txBody>
+                  <a:tcPr marL="40043" marR="40043" marT="0" marB="0"/>
+                </a:tc>
+                <a:tc>
+                  <a:txBody>
+                    <a:bodyPr/>
+                    <a:lstStyle/>
+                    <a:p>
+                      <a:pPr algn="ctr">
+                        <a:lnSpc>
+                          <a:spcPct val="200000"/>
+                        </a:lnSpc>
+                        <a:spcAft>
+                          <a:spcPts val="0"/>
+                        </a:spcAft>
+                      </a:pPr>
+                      <a:r>
+                        <a:rPr lang="zh-CN" sz="1050" kern="100">
+                          <a:effectLst/>
+                        </a:rPr>
+                        <a:t>微信语音</a:t>
+                      </a:r>
+                      <a:endParaRPr lang="zh-CN" sz="1050" kern="100">
+                        <a:effectLst/>
+                        <a:latin typeface="Times New Roman" charset="0"/>
+                        <a:ea typeface="宋体" charset="-122"/>
+                      </a:endParaRPr>
+                    </a:p>
+                  </a:txBody>
+                  <a:tcPr marL="40043" marR="40043" marT="0" marB="0"/>
+                </a:tc>
+                <a:tc>
+                  <a:txBody>
+                    <a:bodyPr/>
+                    <a:lstStyle/>
+                    <a:p>
+                      <a:pPr algn="ctr">
+                        <a:lnSpc>
+                          <a:spcPct val="200000"/>
+                        </a:lnSpc>
+                        <a:spcAft>
+                          <a:spcPts val="0"/>
+                        </a:spcAft>
+                      </a:pPr>
+                      <a:r>
+                        <a:rPr lang="zh-CN" sz="1050" kern="100">
+                          <a:effectLst/>
+                        </a:rPr>
+                        <a:t>会议时间</a:t>
+                      </a:r>
+                      <a:endParaRPr lang="zh-CN" sz="1050" kern="100">
+                        <a:effectLst/>
+                        <a:latin typeface="Times New Roman" charset="0"/>
+                        <a:ea typeface="宋体" charset="-122"/>
+                      </a:endParaRPr>
+                    </a:p>
+                  </a:txBody>
+                  <a:tcPr marL="40043" marR="40043" marT="0" marB="0"/>
+                </a:tc>
+                <a:tc>
+                  <a:txBody>
+                    <a:bodyPr/>
+                    <a:lstStyle/>
+                    <a:p>
+                      <a:pPr algn="just">
+                        <a:lnSpc>
+                          <a:spcPct val="200000"/>
+                        </a:lnSpc>
+                        <a:spcAft>
+                          <a:spcPts val="0"/>
+                        </a:spcAft>
+                      </a:pPr>
+                      <a:r>
+                        <a:rPr lang="en-US" sz="1050" kern="100" dirty="0">
+                          <a:effectLst/>
+                        </a:rPr>
+                        <a:t>20</a:t>
+                      </a:r>
+                      <a:r>
+                        <a:rPr lang="en-US" altLang="zh-CN" sz="1050" kern="100" dirty="0">
+                          <a:effectLst/>
+                        </a:rPr>
+                        <a:t>19</a:t>
+                      </a:r>
+                      <a:r>
+                        <a:rPr lang="en-US" sz="1050" kern="100" dirty="0">
+                          <a:effectLst/>
+                        </a:rPr>
+                        <a:t>.</a:t>
+                      </a:r>
+                      <a:r>
+                        <a:rPr lang="en-US" altLang="zh-CN" sz="1050" kern="100" dirty="0">
+                          <a:effectLst/>
+                        </a:rPr>
+                        <a:t>5.9</a:t>
+                      </a:r>
+                      <a:r>
+                        <a:rPr lang="en-US" sz="1050" kern="100" dirty="0">
+                          <a:effectLst/>
+                        </a:rPr>
+                        <a:t> 21:00</a:t>
+                      </a:r>
+                      <a:endParaRPr lang="zh-CN" sz="1050" kern="100" dirty="0">
+                        <a:effectLst/>
+                        <a:latin typeface="Times New Roman" charset="0"/>
+                        <a:ea typeface="宋体" charset="-122"/>
+                      </a:endParaRPr>
+                    </a:p>
+                  </a:txBody>
+                  <a:tcPr marL="40043" marR="40043" marT="0" marB="0"/>
+                </a:tc>
+                <a:extLst>
+                  <a:ext uri="{0D108BD9-81ED-4DB2-BD59-A6C34878D82A}">
+                    <a16:rowId xmlns:a16="http://schemas.microsoft.com/office/drawing/2014/main" val="1715953702"/>
+                  </a:ext>
+                </a:extLst>
+              </a:tr>
+              <a:tr h="176209">
+                <a:tc>
+                  <a:txBody>
+                    <a:bodyPr/>
+                    <a:lstStyle/>
+                    <a:p>
+                      <a:pPr algn="ctr">
+                        <a:lnSpc>
+                          <a:spcPct val="200000"/>
+                        </a:lnSpc>
+                        <a:spcAft>
+                          <a:spcPts val="0"/>
+                        </a:spcAft>
+                      </a:pPr>
+                      <a:r>
+                        <a:rPr lang="zh-CN" sz="1050" kern="100">
+                          <a:effectLst/>
+                        </a:rPr>
+                        <a:t>主 持 人</a:t>
+                      </a:r>
+                      <a:endParaRPr lang="zh-CN" sz="1050" kern="100">
+                        <a:effectLst/>
+                        <a:latin typeface="Times New Roman" charset="0"/>
+                        <a:ea typeface="宋体" charset="-122"/>
+                      </a:endParaRPr>
+                    </a:p>
+                  </a:txBody>
+                  <a:tcPr marL="40043" marR="40043" marT="0" marB="0"/>
+                </a:tc>
+                <a:tc>
+                  <a:txBody>
+                    <a:bodyPr/>
+                    <a:lstStyle/>
+                    <a:p>
+                      <a:pPr algn="ctr">
+                        <a:lnSpc>
+                          <a:spcPct val="200000"/>
+                        </a:lnSpc>
+                        <a:spcAft>
+                          <a:spcPts val="0"/>
+                        </a:spcAft>
+                      </a:pPr>
+                      <a:r>
+                        <a:rPr lang="zh-CN" altLang="en-US" sz="1050" kern="100" dirty="0">
+                          <a:effectLst/>
+                          <a:latin typeface="Times New Roman" charset="0"/>
+                          <a:ea typeface="宋体" charset="-122"/>
+                        </a:rPr>
+                        <a:t>方绪俊</a:t>
+                      </a:r>
+                      <a:endParaRPr lang="zh-CN" sz="1050" kern="100" dirty="0">
+                        <a:effectLst/>
+                        <a:latin typeface="Times New Roman" charset="0"/>
+                        <a:ea typeface="宋体" charset="-122"/>
+                      </a:endParaRPr>
+                    </a:p>
+                  </a:txBody>
+                  <a:tcPr marL="40043" marR="40043" marT="0" marB="0"/>
+                </a:tc>
+                <a:tc>
+                  <a:txBody>
+                    <a:bodyPr/>
+                    <a:lstStyle/>
+                    <a:p>
+                      <a:pPr algn="ctr">
+                        <a:lnSpc>
+                          <a:spcPct val="200000"/>
+                        </a:lnSpc>
+                        <a:spcAft>
+                          <a:spcPts val="0"/>
+                        </a:spcAft>
+                      </a:pPr>
+                      <a:r>
+                        <a:rPr lang="zh-CN" sz="1050" kern="100">
+                          <a:effectLst/>
+                        </a:rPr>
+                        <a:t>记录 人</a:t>
+                      </a:r>
+                      <a:endParaRPr lang="zh-CN" sz="1050" kern="100">
+                        <a:effectLst/>
+                        <a:latin typeface="Times New Roman" charset="0"/>
+                        <a:ea typeface="宋体" charset="-122"/>
+                      </a:endParaRPr>
+                    </a:p>
+                  </a:txBody>
+                  <a:tcPr marL="40043" marR="40043" marT="0" marB="0"/>
+                </a:tc>
+                <a:tc>
+                  <a:txBody>
+                    <a:bodyPr/>
+                    <a:lstStyle/>
+                    <a:p>
+                      <a:pPr algn="ctr">
+                        <a:lnSpc>
+                          <a:spcPct val="200000"/>
+                        </a:lnSpc>
+                        <a:spcAft>
+                          <a:spcPts val="0"/>
+                        </a:spcAft>
+                      </a:pPr>
+                      <a:r>
+                        <a:rPr lang="zh-CN" altLang="en-US" sz="1050" kern="100" dirty="0">
+                          <a:effectLst/>
+                          <a:latin typeface="Times New Roman" charset="0"/>
+                          <a:ea typeface="宋体" charset="-122"/>
+                        </a:rPr>
+                        <a:t>赵雨泽</a:t>
+                      </a:r>
+                      <a:endParaRPr lang="zh-CN" sz="1050" kern="100" dirty="0">
+                        <a:effectLst/>
+                        <a:latin typeface="Times New Roman" charset="0"/>
+                        <a:ea typeface="宋体" charset="-122"/>
+                      </a:endParaRPr>
+                    </a:p>
+                  </a:txBody>
+                  <a:tcPr marL="40043" marR="40043" marT="0" marB="0"/>
+                </a:tc>
+                <a:extLst>
+                  <a:ext uri="{0D108BD9-81ED-4DB2-BD59-A6C34878D82A}">
+                    <a16:rowId xmlns:a16="http://schemas.microsoft.com/office/drawing/2014/main" val="3024883784"/>
+                  </a:ext>
+                </a:extLst>
+              </a:tr>
+              <a:tr h="176209">
+                <a:tc>
+                  <a:txBody>
+                    <a:bodyPr/>
+                    <a:lstStyle/>
+                    <a:p>
+                      <a:pPr algn="ctr">
+                        <a:lnSpc>
+                          <a:spcPct val="200000"/>
+                        </a:lnSpc>
+                        <a:spcAft>
+                          <a:spcPts val="0"/>
+                        </a:spcAft>
+                      </a:pPr>
+                      <a:r>
+                        <a:rPr lang="zh-CN" sz="1050" kern="100">
+                          <a:effectLst/>
+                        </a:rPr>
+                        <a:t>参会人员</a:t>
+                      </a:r>
+                      <a:endParaRPr lang="zh-CN" sz="1050" kern="100">
+                        <a:effectLst/>
+                        <a:latin typeface="Times New Roman" charset="0"/>
+                        <a:ea typeface="宋体" charset="-122"/>
+                      </a:endParaRPr>
+                    </a:p>
+                  </a:txBody>
+                  <a:tcPr marL="40043" marR="40043" marT="0" marB="0" anchor="ctr"/>
+                </a:tc>
+                <a:tc gridSpan="3">
+                  <a:txBody>
+                    <a:bodyPr/>
+                    <a:lstStyle/>
+                    <a:p>
+                      <a:pPr algn="ctr">
+                        <a:lnSpc>
+                          <a:spcPct val="200000"/>
+                        </a:lnSpc>
+                        <a:spcAft>
+                          <a:spcPts val="0"/>
+                        </a:spcAft>
+                      </a:pPr>
+                      <a:r>
+                        <a:rPr lang="zh-CN" altLang="en-US" sz="1050" kern="100" dirty="0">
+                          <a:effectLst/>
+                        </a:rPr>
+                        <a:t>方绪俊、赵雨泽、王子超</a:t>
+                      </a:r>
+                      <a:endParaRPr lang="zh-CN" sz="1050" kern="100" dirty="0">
+                        <a:effectLst/>
+                        <a:latin typeface="Times New Roman" charset="0"/>
+                        <a:ea typeface="宋体" charset="-122"/>
+                      </a:endParaRPr>
+                    </a:p>
+                  </a:txBody>
+                  <a:tcPr marL="40043" marR="40043" marT="0" marB="0"/>
+                </a:tc>
+                <a:tc hMerge="1">
+                  <a:txBody>
+                    <a:bodyPr/>
+                    <a:lstStyle/>
+                    <a:p>
+                      <a:endParaRPr lang="zh-CN" altLang="en-US"/>
+                    </a:p>
+                  </a:txBody>
+                  <a:tcPr/>
+                </a:tc>
+                <a:tc hMerge="1">
+                  <a:txBody>
+                    <a:bodyPr/>
+                    <a:lstStyle/>
+                    <a:p>
+                      <a:endParaRPr lang="zh-CN" altLang="en-US"/>
+                    </a:p>
+                  </a:txBody>
+                  <a:tcPr/>
+                </a:tc>
+                <a:extLst>
+                  <a:ext uri="{0D108BD9-81ED-4DB2-BD59-A6C34878D82A}">
+                    <a16:rowId xmlns:a16="http://schemas.microsoft.com/office/drawing/2014/main" val="2095722278"/>
+                  </a:ext>
+                </a:extLst>
+              </a:tr>
+              <a:tr h="176209">
+                <a:tc>
+                  <a:txBody>
+                    <a:bodyPr/>
+                    <a:lstStyle/>
+                    <a:p>
+                      <a:pPr algn="ctr">
+                        <a:lnSpc>
+                          <a:spcPct val="200000"/>
+                        </a:lnSpc>
+                        <a:spcAft>
+                          <a:spcPts val="0"/>
+                        </a:spcAft>
+                      </a:pPr>
+                      <a:r>
+                        <a:rPr lang="zh-CN" sz="1050" kern="100">
+                          <a:effectLst/>
+                        </a:rPr>
+                        <a:t>会议主题</a:t>
+                      </a:r>
+                      <a:endParaRPr lang="zh-CN" sz="1050" kern="100">
+                        <a:effectLst/>
+                        <a:latin typeface="Times New Roman" charset="0"/>
+                        <a:ea typeface="宋体" charset="-122"/>
+                      </a:endParaRPr>
+                    </a:p>
+                  </a:txBody>
+                  <a:tcPr marL="40043" marR="40043" marT="0" marB="0" anchor="ctr"/>
+                </a:tc>
+                <a:tc gridSpan="3">
+                  <a:txBody>
+                    <a:bodyPr/>
+                    <a:lstStyle/>
+                    <a:p>
+                      <a:pPr algn="ctr">
+                        <a:lnSpc>
+                          <a:spcPct val="200000"/>
+                        </a:lnSpc>
+                        <a:spcAft>
+                          <a:spcPts val="0"/>
+                        </a:spcAft>
+                      </a:pPr>
+                      <a:r>
+                        <a:rPr lang="zh-CN" sz="1050" kern="100" dirty="0">
+                          <a:effectLst/>
+                        </a:rPr>
+                        <a:t>关于</a:t>
+                      </a:r>
+                      <a:r>
+                        <a:rPr lang="zh-CN" altLang="en-US" sz="1050" kern="100" dirty="0">
+                          <a:effectLst/>
+                        </a:rPr>
+                        <a:t>翻转课堂</a:t>
+                      </a:r>
+                      <a:r>
+                        <a:rPr lang="zh-CN" sz="1050" kern="100" dirty="0">
+                          <a:effectLst/>
+                        </a:rPr>
+                        <a:t>的讨论</a:t>
+                      </a:r>
+                      <a:endParaRPr lang="zh-CN" sz="1050" kern="100" dirty="0">
+                        <a:effectLst/>
+                        <a:latin typeface="Times New Roman" charset="0"/>
+                        <a:ea typeface="宋体" charset="-122"/>
+                      </a:endParaRPr>
+                    </a:p>
+                  </a:txBody>
+                  <a:tcPr marL="40043" marR="40043" marT="0" marB="0"/>
+                </a:tc>
+                <a:tc hMerge="1">
+                  <a:txBody>
+                    <a:bodyPr/>
+                    <a:lstStyle/>
+                    <a:p>
+                      <a:endParaRPr lang="zh-CN" altLang="en-US"/>
+                    </a:p>
+                  </a:txBody>
+                  <a:tcPr/>
+                </a:tc>
+                <a:tc hMerge="1">
+                  <a:txBody>
+                    <a:bodyPr/>
+                    <a:lstStyle/>
+                    <a:p>
+                      <a:endParaRPr lang="zh-CN" altLang="en-US"/>
+                    </a:p>
+                  </a:txBody>
+                  <a:tcPr/>
+                </a:tc>
+                <a:extLst>
+                  <a:ext uri="{0D108BD9-81ED-4DB2-BD59-A6C34878D82A}">
+                    <a16:rowId xmlns:a16="http://schemas.microsoft.com/office/drawing/2014/main" val="1520263398"/>
+                  </a:ext>
+                </a:extLst>
+              </a:tr>
+              <a:tr h="3050297">
+                <a:tc gridSpan="4">
+                  <a:txBody>
+                    <a:bodyPr/>
+                    <a:lstStyle/>
+                    <a:p>
+                      <a:pPr indent="76200" algn="just">
+                        <a:lnSpc>
+                          <a:spcPct val="200000"/>
+                        </a:lnSpc>
+                        <a:spcAft>
+                          <a:spcPts val="0"/>
+                        </a:spcAft>
+                      </a:pPr>
+                      <a:r>
+                        <a:rPr lang="zh-CN" sz="1050" kern="100" dirty="0">
+                          <a:effectLst/>
+                        </a:rPr>
+                        <a:t>会议内容：</a:t>
+                      </a:r>
+                    </a:p>
+                    <a:p>
+                      <a:pPr indent="76200" algn="just">
+                        <a:lnSpc>
+                          <a:spcPct val="200000"/>
+                        </a:lnSpc>
+                        <a:spcAft>
+                          <a:spcPts val="0"/>
+                        </a:spcAft>
+                      </a:pPr>
+                      <a:r>
+                        <a:rPr lang="en-US" altLang="zh-CN" sz="1050" kern="100" dirty="0">
+                          <a:effectLst/>
+                        </a:rPr>
+                        <a:t>1</a:t>
+                      </a:r>
+                      <a:r>
+                        <a:rPr lang="zh-CN" altLang="en-US" sz="1050" kern="100" dirty="0">
+                          <a:effectLst/>
+                        </a:rPr>
+                        <a:t>、接受任务分配</a:t>
+                      </a:r>
+                      <a:endParaRPr lang="en-US" altLang="zh-CN" sz="1050" kern="100" dirty="0">
+                        <a:effectLst/>
+                      </a:endParaRPr>
+                    </a:p>
+                    <a:p>
+                      <a:pPr indent="76200" algn="just">
+                        <a:lnSpc>
+                          <a:spcPct val="200000"/>
+                        </a:lnSpc>
+                        <a:spcAft>
+                          <a:spcPts val="0"/>
+                        </a:spcAft>
+                      </a:pPr>
+                      <a:r>
+                        <a:rPr lang="en-US" altLang="zh-CN" sz="1050" kern="100" dirty="0">
+                          <a:effectLst/>
+                        </a:rPr>
+                        <a:t>2</a:t>
+                      </a:r>
+                      <a:r>
+                        <a:rPr lang="zh-CN" altLang="en-US" sz="1050" kern="100" dirty="0">
+                          <a:effectLst/>
+                        </a:rPr>
+                        <a:t>、讨论关于翻转课堂的设计风格</a:t>
+                      </a:r>
+                      <a:endParaRPr lang="en-US" altLang="zh-CN" sz="1050" kern="100" dirty="0">
+                        <a:effectLst/>
+                      </a:endParaRPr>
+                    </a:p>
+                    <a:p>
+                      <a:pPr indent="76200" algn="just">
+                        <a:lnSpc>
+                          <a:spcPct val="200000"/>
+                        </a:lnSpc>
+                        <a:spcAft>
+                          <a:spcPts val="0"/>
+                        </a:spcAft>
+                      </a:pPr>
+                      <a:r>
+                        <a:rPr lang="zh-CN" sz="1050" kern="100" dirty="0">
+                          <a:effectLst/>
+                        </a:rPr>
+                        <a:t>近期安排：</a:t>
+                      </a:r>
+                      <a:endParaRPr lang="en-US" altLang="zh-CN" sz="1050" kern="100" dirty="0">
+                        <a:effectLst/>
+                      </a:endParaRPr>
+                    </a:p>
+                    <a:p>
+                      <a:pPr indent="76200" algn="just">
+                        <a:lnSpc>
+                          <a:spcPct val="200000"/>
+                        </a:lnSpc>
+                        <a:spcAft>
+                          <a:spcPts val="0"/>
+                        </a:spcAft>
+                      </a:pPr>
+                      <a:r>
+                        <a:rPr lang="zh-CN" altLang="en-US" sz="1050" kern="100" dirty="0">
+                          <a:effectLst/>
+                        </a:rPr>
+                        <a:t>方绪俊  </a:t>
+                      </a:r>
+                      <a:r>
+                        <a:rPr lang="en-US" altLang="zh-CN" sz="1050" kern="100" dirty="0">
+                          <a:effectLst/>
+                        </a:rPr>
+                        <a:t>7.2</a:t>
+                      </a:r>
+                      <a:r>
+                        <a:rPr lang="zh-CN" altLang="en-US" sz="1050" kern="100" dirty="0">
+                          <a:effectLst/>
+                        </a:rPr>
+                        <a:t>软件测试基础</a:t>
+                      </a:r>
+                      <a:endParaRPr lang="en-US" altLang="zh-CN" sz="1050" kern="100" dirty="0">
+                        <a:effectLst/>
+                      </a:endParaRPr>
+                    </a:p>
+                    <a:p>
+                      <a:pPr indent="76200" algn="just">
+                        <a:lnSpc>
+                          <a:spcPct val="200000"/>
+                        </a:lnSpc>
+                        <a:spcAft>
+                          <a:spcPts val="0"/>
+                        </a:spcAft>
+                      </a:pPr>
+                      <a:r>
+                        <a:rPr lang="zh-CN" altLang="en-US" sz="1050" kern="100" dirty="0">
+                          <a:effectLst/>
+                        </a:rPr>
+                        <a:t>赵雨泽  </a:t>
+                      </a:r>
+                      <a:r>
+                        <a:rPr lang="en-US" altLang="zh-CN" sz="1050" kern="100" dirty="0">
+                          <a:effectLst/>
+                        </a:rPr>
+                        <a:t>8.1</a:t>
+                      </a:r>
+                      <a:r>
+                        <a:rPr lang="zh-CN" altLang="en-US" sz="1050" kern="100" dirty="0">
+                          <a:effectLst/>
+                        </a:rPr>
+                        <a:t>、</a:t>
+                      </a:r>
+                      <a:r>
+                        <a:rPr lang="en-US" altLang="zh-CN" sz="1050" kern="100" dirty="0">
+                          <a:effectLst/>
+                        </a:rPr>
+                        <a:t>8.2</a:t>
+                      </a:r>
+                      <a:r>
+                        <a:rPr lang="zh-CN" altLang="en-US" sz="1050" kern="100" dirty="0">
+                          <a:effectLst/>
+                        </a:rPr>
+                        <a:t>软件维护</a:t>
+                      </a:r>
+                      <a:endParaRPr lang="en-US" altLang="zh-CN" sz="1050" kern="100" dirty="0">
+                        <a:effectLst/>
+                      </a:endParaRPr>
+                    </a:p>
+                    <a:p>
+                      <a:pPr indent="76200" algn="just">
+                        <a:lnSpc>
+                          <a:spcPct val="200000"/>
+                        </a:lnSpc>
+                        <a:spcAft>
+                          <a:spcPts val="0"/>
+                        </a:spcAft>
+                      </a:pPr>
+                      <a:r>
+                        <a:rPr lang="zh-CN" altLang="en-US" sz="1050" kern="100" dirty="0">
+                          <a:effectLst/>
+                        </a:rPr>
+                        <a:t>王子超  查找资料 </a:t>
+                      </a:r>
+                      <a:r>
+                        <a:rPr lang="en-US" altLang="zh-CN" sz="1050" kern="100" dirty="0">
+                          <a:effectLst/>
+                        </a:rPr>
+                        <a:t>ppt</a:t>
+                      </a:r>
+                      <a:r>
+                        <a:rPr lang="zh-CN" altLang="en-US" sz="1050" kern="100" dirty="0">
+                          <a:effectLst/>
+                        </a:rPr>
+                        <a:t>制作</a:t>
+                      </a:r>
+                      <a:endParaRPr lang="zh-CN" sz="1050" kern="100" dirty="0">
+                        <a:effectLst/>
+                      </a:endParaRPr>
+                    </a:p>
+                  </a:txBody>
+                  <a:tcPr marL="40043" marR="40043" marT="0" marB="0"/>
+                </a:tc>
+                <a:tc hMerge="1">
+                  <a:txBody>
+                    <a:bodyPr/>
+                    <a:lstStyle/>
+                    <a:p>
+                      <a:endParaRPr lang="zh-CN" altLang="en-US"/>
+                    </a:p>
+                  </a:txBody>
+                  <a:tcPr/>
+                </a:tc>
+                <a:tc hMerge="1">
+                  <a:txBody>
+                    <a:bodyPr/>
+                    <a:lstStyle/>
+                    <a:p>
+                      <a:endParaRPr lang="zh-CN" altLang="en-US"/>
+                    </a:p>
+                  </a:txBody>
+                  <a:tcPr/>
+                </a:tc>
+                <a:tc hMerge="1">
+                  <a:txBody>
+                    <a:bodyPr/>
+                    <a:lstStyle/>
+                    <a:p>
+                      <a:endParaRPr lang="zh-CN" altLang="en-US"/>
+                    </a:p>
+                  </a:txBody>
+                  <a:tcPr/>
+                </a:tc>
+                <a:extLst>
+                  <a:ext uri="{0D108BD9-81ED-4DB2-BD59-A6C34878D82A}">
+                    <a16:rowId xmlns:a16="http://schemas.microsoft.com/office/drawing/2014/main" val="1999646994"/>
+                  </a:ext>
+                </a:extLst>
+              </a:tr>
+            </a:tbl>
+          </a:graphicData>
+        </a:graphic>
+      </p:graphicFrame>
+    </p:spTree>
+    <p:extLst>
+      <p:ext uri="{BB962C8B-B14F-4D97-AF65-F5344CB8AC3E}">
+        <p14:creationId xmlns:p14="http://schemas.microsoft.com/office/powerpoint/2010/main" val="3386693728"/>
+      </p:ext>
+    </p:extLst>
+  </p:cSld>
+  <p:clrMapOvr>
+    <a:masterClrMapping/>
+  </p:clrMapOvr>
+  <p:timing>
+    <p:tnLst>
+      <p:par>
+        <p:cTn id="1" dur="indefinite" restart="never" nodeType="tmRoot">
+          <p:childTnLst>
+            <p:seq concurrent="1" nextAc="seek">
+              <p:cTn id="2" dur="indefinite" nodeType="mainSeq">
+                <p:childTnLst>
+                  <p:par>
+                    <p:cTn id="3" fill="hold">
+                      <p:stCondLst>
+                        <p:cond delay="indefinite"/>
+                        <p:cond evt="onBegin" delay="0">
+                          <p:tn val="2"/>
+                        </p:cond>
+                      </p:stCondLst>
+                      <p:childTnLst>
+                        <p:par>
+                          <p:cTn id="4" fill="hold">
+                            <p:stCondLst>
+                              <p:cond delay="0"/>
+                            </p:stCondLst>
+                            <p:childTnLst>
+                              <p:par>
+                                <p:cTn id="5" presetID="55" presetClass="entr" presetSubtype="0" fill="hold" grpId="0" nodeType="afterEffect">
+                                  <p:stCondLst>
+                                    <p:cond delay="0"/>
+                                  </p:stCondLst>
+                                  <p:childTnLst>
+                                    <p:set>
+                                      <p:cBhvr>
+                                        <p:cTn id="6" dur="1" fill="hold">
+                                          <p:stCondLst>
+                                            <p:cond delay="0"/>
+                                          </p:stCondLst>
+                                        </p:cTn>
+                                        <p:tgtEl>
+                                          <p:spTgt spid="9"/>
+                                        </p:tgtEl>
+                                        <p:attrNameLst>
+                                          <p:attrName>style.visibility</p:attrName>
+                                        </p:attrNameLst>
+                                      </p:cBhvr>
+                                      <p:to>
+                                        <p:strVal val="visible"/>
+                                      </p:to>
+                                    </p:set>
+                                    <p:anim calcmode="lin" valueType="num">
+                                      <p:cBhvr>
+                                        <p:cTn id="7" dur="1000" fill="hold"/>
+                                        <p:tgtEl>
+                                          <p:spTgt spid="9"/>
+                                        </p:tgtEl>
+                                        <p:attrNameLst>
+                                          <p:attrName>ppt_w</p:attrName>
+                                        </p:attrNameLst>
+                                      </p:cBhvr>
+                                      <p:tavLst>
+                                        <p:tav tm="0">
+                                          <p:val>
+                                            <p:strVal val="#ppt_w*0.70"/>
+                                          </p:val>
+                                        </p:tav>
+                                        <p:tav tm="100000">
+                                          <p:val>
+                                            <p:strVal val="#ppt_w"/>
+                                          </p:val>
+                                        </p:tav>
+                                      </p:tavLst>
+                                    </p:anim>
+                                    <p:anim calcmode="lin" valueType="num">
+                                      <p:cBhvr>
+                                        <p:cTn id="8" dur="1000" fill="hold"/>
+                                        <p:tgtEl>
+                                          <p:spTgt spid="9"/>
+                                        </p:tgtEl>
+                                        <p:attrNameLst>
+                                          <p:attrName>ppt_h</p:attrName>
+                                        </p:attrNameLst>
+                                      </p:cBhvr>
+                                      <p:tavLst>
+                                        <p:tav tm="0">
+                                          <p:val>
+                                            <p:strVal val="#ppt_h"/>
+                                          </p:val>
+                                        </p:tav>
+                                        <p:tav tm="100000">
+                                          <p:val>
+                                            <p:strVal val="#ppt_h"/>
+                                          </p:val>
+                                        </p:tav>
+                                      </p:tavLst>
+                                    </p:anim>
+                                    <p:animEffect transition="in" filter="fade">
+                                      <p:cBhvr>
+                                        <p:cTn id="9" dur="1000"/>
+                                        <p:tgtEl>
+                                          <p:spTgt spid="9"/>
+                                        </p:tgtEl>
+                                      </p:cBhvr>
+                                    </p:animEffect>
+                                  </p:childTnLst>
+                                </p:cTn>
+                              </p:par>
+                              <p:par>
+                                <p:cTn id="10" presetID="55" presetClass="entr" presetSubtype="0" fill="hold" nodeType="withEffect">
+                                  <p:stCondLst>
+                                    <p:cond delay="0"/>
+                                  </p:stCondLst>
+                                  <p:childTnLst>
+                                    <p:set>
+                                      <p:cBhvr>
+                                        <p:cTn id="11" dur="1" fill="hold">
+                                          <p:stCondLst>
+                                            <p:cond delay="0"/>
+                                          </p:stCondLst>
+                                        </p:cTn>
+                                        <p:tgtEl>
+                                          <p:spTgt spid="10"/>
+                                        </p:tgtEl>
+                                        <p:attrNameLst>
+                                          <p:attrName>style.visibility</p:attrName>
+                                        </p:attrNameLst>
+                                      </p:cBhvr>
+                                      <p:to>
+                                        <p:strVal val="visible"/>
+                                      </p:to>
+                                    </p:set>
+                                    <p:anim calcmode="lin" valueType="num">
+                                      <p:cBhvr>
+                                        <p:cTn id="12" dur="1000" fill="hold"/>
+                                        <p:tgtEl>
+                                          <p:spTgt spid="10"/>
+                                        </p:tgtEl>
+                                        <p:attrNameLst>
+                                          <p:attrName>ppt_w</p:attrName>
+                                        </p:attrNameLst>
+                                      </p:cBhvr>
+                                      <p:tavLst>
+                                        <p:tav tm="0">
+                                          <p:val>
+                                            <p:strVal val="#ppt_w*0.70"/>
+                                          </p:val>
+                                        </p:tav>
+                                        <p:tav tm="100000">
+                                          <p:val>
+                                            <p:strVal val="#ppt_w"/>
+                                          </p:val>
+                                        </p:tav>
+                                      </p:tavLst>
+                                    </p:anim>
+                                    <p:anim calcmode="lin" valueType="num">
+                                      <p:cBhvr>
+                                        <p:cTn id="13" dur="1000" fill="hold"/>
+                                        <p:tgtEl>
+                                          <p:spTgt spid="10"/>
+                                        </p:tgtEl>
+                                        <p:attrNameLst>
+                                          <p:attrName>ppt_h</p:attrName>
+                                        </p:attrNameLst>
+                                      </p:cBhvr>
+                                      <p:tavLst>
+                                        <p:tav tm="0">
+                                          <p:val>
+                                            <p:strVal val="#ppt_h"/>
+                                          </p:val>
+                                        </p:tav>
+                                        <p:tav tm="100000">
+                                          <p:val>
+                                            <p:strVal val="#ppt_h"/>
+                                          </p:val>
+                                        </p:tav>
+                                      </p:tavLst>
+                                    </p:anim>
+                                    <p:animEffect transition="in" filter="fade">
+                                      <p:cBhvr>
+                                        <p:cTn id="14" dur="1000"/>
+                                        <p:tgtEl>
+                                          <p:spTgt spid="10"/>
+                                        </p:tgtEl>
+                                      </p:cBhvr>
+                                    </p:animEffect>
+                                  </p:childTnLst>
+                                </p:cTn>
+                              </p:par>
+                            </p:childTnLst>
+                          </p:cTn>
+                        </p:par>
+                      </p:childTnLst>
+                    </p:cTn>
+                  </p:par>
+                </p:childTnLst>
+              </p:cTn>
+              <p:prevCondLst>
+                <p:cond evt="onPrev" delay="0">
+                  <p:tgtEl>
+                    <p:sldTgt/>
+                  </p:tgtEl>
+                </p:cond>
+              </p:prevCondLst>
+              <p:nextCondLst>
+                <p:cond evt="onNext" delay="0">
+                  <p:tgtEl>
+                    <p:sldTgt/>
+                  </p:tgtEl>
+                </p:cond>
+              </p:nextCondLst>
+            </p:seq>
+          </p:childTnLst>
+        </p:cTn>
+      </p:par>
+    </p:tnLst>
+    <p:bldLst>
+      <p:bldP spid="9" grpId="0"/>
+    </p:bldLst>
+  </p:timing>
+</p:sld>
+</file>
+
+<file path=ppt/slides/slide4.xml><?xml version="1.0" encoding="utf-8"?>
+<p:sld xmlns:a="http://schemas.openxmlformats.org/drawingml/2006/main" xmlns:r="http://schemas.openxmlformats.org/officeDocument/2006/relationships" xmlns:p="http://schemas.openxmlformats.org/presentationml/2006/main">
+  <p:cSld>
+    <p:spTree>
+      <p:nvGrpSpPr>
+        <p:cNvPr id="1" name=""/>
+        <p:cNvGrpSpPr/>
+        <p:nvPr/>
+      </p:nvGrpSpPr>
+      <p:grpSpPr>
+        <a:xfrm>
+          <a:off x="0" y="0"/>
+          <a:ext cx="0" cy="0"/>
+          <a:chOff x="0" y="0"/>
+          <a:chExt cx="0" cy="0"/>
+        </a:xfrm>
+      </p:grpSpPr>
+      <p:grpSp>
+        <p:nvGrpSpPr>
+          <p:cNvPr id="12" name="组合 11"/>
+          <p:cNvGrpSpPr/>
+          <p:nvPr/>
+        </p:nvGrpSpPr>
+        <p:grpSpPr>
+          <a:xfrm>
+            <a:off x="819150" y="304165"/>
+            <a:ext cx="803910" cy="946785"/>
+            <a:chOff x="7448" y="3202"/>
+            <a:chExt cx="2827" cy="3146"/>
+          </a:xfrm>
+        </p:grpSpPr>
+        <p:cxnSp>
+          <p:nvCxnSpPr>
+            <p:cNvPr id="5" name="直接连接符 4"/>
+            <p:cNvCxnSpPr/>
+            <p:nvPr/>
+          </p:nvCxnSpPr>
+          <p:spPr>
+            <a:xfrm flipH="1">
+              <a:off x="7448" y="3324"/>
+              <a:ext cx="2721" cy="3025"/>
+            </a:xfrm>
+            <a:prstGeom prst="line">
+              <a:avLst/>
+            </a:prstGeom>
+            <a:ln>
+              <a:gradFill>
+                <a:gsLst>
+                  <a:gs pos="0">
+                    <a:schemeClr val="bg1"/>
+                  </a:gs>
+                  <a:gs pos="74000">
+                    <a:schemeClr val="bg1">
+                      <a:lumMod val="65000"/>
+                    </a:schemeClr>
+                  </a:gs>
+                </a:gsLst>
+                <a:lin ang="15720000" scaled="1"/>
+              </a:gradFill>
+            </a:ln>
+          </p:spPr>
+          <p:style>
+            <a:lnRef idx="1">
+              <a:schemeClr val="accent1"/>
+            </a:lnRef>
+            <a:fillRef idx="0">
+              <a:schemeClr val="accent1"/>
+            </a:fillRef>
+            <a:effectRef idx="0">
+              <a:schemeClr val="accent1"/>
+            </a:effectRef>
+            <a:fontRef idx="minor">
+              <a:schemeClr val="tx1"/>
+            </a:fontRef>
+          </p:style>
+        </p:cxnSp>
+        <p:sp>
+          <p:nvSpPr>
+            <p:cNvPr id="8" name="椭圆 7"/>
+            <p:cNvSpPr/>
+            <p:nvPr/>
+          </p:nvSpPr>
+          <p:spPr>
+            <a:xfrm>
+              <a:off x="10077" y="3202"/>
+              <a:ext cx="198" cy="213"/>
+            </a:xfrm>
+            <a:prstGeom prst="ellipse">
+              <a:avLst/>
+            </a:prstGeom>
+            <a:solidFill>
+              <a:schemeClr val="bg1">
+                <a:lumMod val="65000"/>
+              </a:schemeClr>
+            </a:solidFill>
+            <a:ln>
+              <a:noFill/>
+            </a:ln>
+          </p:spPr>
+          <p:style>
+            <a:lnRef idx="2">
+              <a:schemeClr val="accent1">
+                <a:shade val="50000"/>
+              </a:schemeClr>
+            </a:lnRef>
+            <a:fillRef idx="1">
+              <a:schemeClr val="accent1"/>
+            </a:fillRef>
+            <a:effectRef idx="0">
+              <a:schemeClr val="accent1"/>
+            </a:effectRef>
+            <a:fontRef idx="minor">
+              <a:schemeClr val="lt1"/>
+            </a:fontRef>
+          </p:style>
+          <p:txBody>
+            <a:bodyPr rtlCol="0" anchor="ctr"/>
+            <a:lstStyle/>
+            <a:p>
+              <a:pPr algn="ctr"/>
+              <a:endParaRPr lang="zh-CN" altLang="en-US">
+                <a:cs typeface="仿宋" panose="02010609060101010101" charset="-122"/>
+              </a:endParaRPr>
+            </a:p>
+          </p:txBody>
+        </p:sp>
+      </p:grpSp>
+      <p:sp>
+        <p:nvSpPr>
+          <p:cNvPr id="4" name="文本框 3"/>
+          <p:cNvSpPr txBox="1"/>
+          <p:nvPr/>
+        </p:nvSpPr>
+        <p:spPr>
+          <a:xfrm>
+            <a:off x="516305" y="340995"/>
+            <a:ext cx="646331" cy="461665"/>
+          </a:xfrm>
+          <a:prstGeom prst="rect">
+            <a:avLst/>
+          </a:prstGeom>
+          <a:noFill/>
+        </p:spPr>
+        <p:txBody>
+          <a:bodyPr wrap="none" rtlCol="0" anchor="t">
+            <a:spAutoFit/>
+          </a:bodyPr>
+          <a:lstStyle/>
+          <a:p>
+            <a:pPr algn="ctr"/>
+            <a:r>
+              <a:rPr lang="en-US" altLang="zh-CN" sz="2400" dirty="0">
+                <a:solidFill>
+                  <a:schemeClr val="tx1">
+                    <a:lumMod val="50000"/>
+                    <a:lumOff val="50000"/>
+                  </a:schemeClr>
+                </a:solidFill>
+                <a:latin typeface="仿宋" panose="02010609060101010101" charset="-122"/>
+                <a:ea typeface="仿宋" panose="02010609060101010101" charset="-122"/>
+                <a:cs typeface="仿宋" panose="02010609060101010101" charset="-122"/>
+                <a:sym typeface="+mn-lt"/>
+              </a:rPr>
+              <a:t>one</a:t>
+            </a:r>
+            <a:endParaRPr lang="en-US" sz="2400" dirty="0">
+              <a:solidFill>
+                <a:schemeClr val="tx1">
+                  <a:lumMod val="50000"/>
+                  <a:lumOff val="50000"/>
+                </a:schemeClr>
+              </a:solidFill>
+              <a:latin typeface="仿宋" panose="02010609060101010101" charset="-122"/>
+              <a:ea typeface="仿宋" panose="02010609060101010101" charset="-122"/>
+              <a:cs typeface="仿宋" panose="02010609060101010101" charset="-122"/>
+              <a:sym typeface="+mn-lt"/>
+            </a:endParaRPr>
+          </a:p>
+        </p:txBody>
+      </p:sp>
+      <p:sp>
+        <p:nvSpPr>
+          <p:cNvPr id="7" name="任意多边形 18"/>
+          <p:cNvSpPr/>
+          <p:nvPr/>
+        </p:nvSpPr>
+        <p:spPr>
+          <a:xfrm>
+            <a:off x="1738453" y="304127"/>
+            <a:ext cx="4419256" cy="618508"/>
+          </a:xfrm>
+          <a:custGeom>
+            <a:avLst/>
+            <a:gdLst>
+              <a:gd name="connsiteX0" fmla="*/ 98297 w 589768"/>
+              <a:gd name="connsiteY0" fmla="*/ 0 h 5346192"/>
+              <a:gd name="connsiteX1" fmla="*/ 491471 w 589768"/>
+              <a:gd name="connsiteY1" fmla="*/ 0 h 5346192"/>
+              <a:gd name="connsiteX2" fmla="*/ 589768 w 589768"/>
+              <a:gd name="connsiteY2" fmla="*/ 98297 h 5346192"/>
+              <a:gd name="connsiteX3" fmla="*/ 589768 w 589768"/>
+              <a:gd name="connsiteY3" fmla="*/ 5346192 h 5346192"/>
+              <a:gd name="connsiteX4" fmla="*/ 589768 w 589768"/>
+              <a:gd name="connsiteY4" fmla="*/ 5346192 h 5346192"/>
+              <a:gd name="connsiteX5" fmla="*/ 0 w 589768"/>
+              <a:gd name="connsiteY5" fmla="*/ 5346192 h 5346192"/>
+              <a:gd name="connsiteX6" fmla="*/ 0 w 589768"/>
+              <a:gd name="connsiteY6" fmla="*/ 5346192 h 5346192"/>
+              <a:gd name="connsiteX7" fmla="*/ 0 w 589768"/>
+              <a:gd name="connsiteY7" fmla="*/ 98297 h 5346192"/>
+              <a:gd name="connsiteX8" fmla="*/ 98297 w 589768"/>
+              <a:gd name="connsiteY8" fmla="*/ 0 h 5346192"/>
+            </a:gdLst>
+            <a:ahLst/>
+            <a:cxnLst>
+              <a:cxn ang="0">
+                <a:pos x="connsiteX0" y="connsiteY0"/>
+              </a:cxn>
+              <a:cxn ang="0">
+                <a:pos x="connsiteX1" y="connsiteY1"/>
+              </a:cxn>
+              <a:cxn ang="0">
+                <a:pos x="connsiteX2" y="connsiteY2"/>
+              </a:cxn>
+              <a:cxn ang="0">
+                <a:pos x="connsiteX3" y="connsiteY3"/>
+              </a:cxn>
+              <a:cxn ang="0">
+                <a:pos x="connsiteX4" y="connsiteY4"/>
+              </a:cxn>
+              <a:cxn ang="0">
+                <a:pos x="connsiteX5" y="connsiteY5"/>
+              </a:cxn>
+              <a:cxn ang="0">
+                <a:pos x="connsiteX6" y="connsiteY6"/>
+              </a:cxn>
+              <a:cxn ang="0">
+                <a:pos x="connsiteX7" y="connsiteY7"/>
+              </a:cxn>
+              <a:cxn ang="0">
+                <a:pos x="connsiteX8" y="connsiteY8"/>
+              </a:cxn>
+            </a:cxnLst>
+            <a:rect l="l" t="t" r="r" b="b"/>
+            <a:pathLst>
+              <a:path w="589768" h="5346192">
+                <a:moveTo>
+                  <a:pt x="589768" y="891056"/>
+                </a:moveTo>
+                <a:lnTo>
+                  <a:pt x="589768" y="4455136"/>
+                </a:lnTo>
+                <a:cubicBezTo>
+                  <a:pt x="589768" y="4947251"/>
+                  <a:pt x="584913" y="5346187"/>
+                  <a:pt x="578924" y="5346187"/>
+                </a:cubicBezTo>
+                <a:lnTo>
+                  <a:pt x="0" y="5346187"/>
+                </a:lnTo>
+                <a:lnTo>
+                  <a:pt x="0" y="5346187"/>
+                </a:lnTo>
+                <a:lnTo>
+                  <a:pt x="0" y="5"/>
+                </a:lnTo>
+                <a:lnTo>
+                  <a:pt x="0" y="5"/>
+                </a:lnTo>
+                <a:lnTo>
+                  <a:pt x="578924" y="5"/>
+                </a:lnTo>
+                <a:cubicBezTo>
+                  <a:pt x="584913" y="5"/>
+                  <a:pt x="589768" y="398941"/>
+                  <a:pt x="589768" y="891056"/>
+                </a:cubicBezTo>
+                <a:close/>
+              </a:path>
+            </a:pathLst>
+          </a:custGeom>
+          <a:noFill/>
+          <a:ln>
+            <a:noFill/>
+          </a:ln>
+          <a:effectLst/>
+        </p:spPr>
+        <p:style>
+          <a:lnRef idx="2">
+            <a:schemeClr val="dk2">
+              <a:alpha val="90000"/>
+              <a:tint val="40000"/>
+              <a:hueOff val="0"/>
+              <a:satOff val="0"/>
+              <a:lumOff val="0"/>
+              <a:alphaOff val="0"/>
+            </a:schemeClr>
+          </a:lnRef>
+          <a:fillRef idx="1">
+            <a:schemeClr val="dk2">
+              <a:alpha val="90000"/>
+              <a:tint val="40000"/>
+              <a:hueOff val="0"/>
+              <a:satOff val="0"/>
+              <a:lumOff val="0"/>
+              <a:alphaOff val="0"/>
+            </a:schemeClr>
+          </a:fillRef>
+          <a:effectRef idx="0">
+            <a:schemeClr val="dk2">
+              <a:alpha val="90000"/>
+              <a:tint val="40000"/>
+              <a:hueOff val="0"/>
+              <a:satOff val="0"/>
+              <a:lumOff val="0"/>
+              <a:alphaOff val="0"/>
+            </a:schemeClr>
+          </a:effectRef>
+          <a:fontRef idx="minor">
+            <a:schemeClr val="dk1">
+              <a:hueOff val="0"/>
+              <a:satOff val="0"/>
+              <a:lumOff val="0"/>
+              <a:alphaOff val="0"/>
+            </a:schemeClr>
+          </a:fontRef>
+        </p:style>
+        <p:txBody>
+          <a:bodyPr spcFirstLastPara="0" vert="horz" wrap="square" lIns="247650" tIns="152615" rIns="276440" bIns="152615" numCol="1" spcCol="1270" anchor="ctr" anchorCtr="0">
+            <a:noAutofit/>
+          </a:bodyPr>
+          <a:lstStyle>
+            <a:defPPr>
+              <a:defRPr lang="zh-CN">
+                <a:solidFill>
+                  <a:schemeClr val="dk1">
+                    <a:hueOff val="0"/>
+                    <a:satOff val="0"/>
+                    <a:lumOff val="0"/>
+                    <a:alphaOff val="0"/>
+                  </a:schemeClr>
+                </a:solidFill>
+              </a:defRPr>
+            </a:defPPr>
+            <a:lvl1pPr marL="0" algn="l" defTabSz="914400" rtl="0" eaLnBrk="1" latinLnBrk="0" hangingPunct="1">
+              <a:defRPr sz="1800" kern="1200">
+                <a:solidFill>
+                  <a:schemeClr val="dk1">
+                    <a:hueOff val="0"/>
+                    <a:satOff val="0"/>
+                    <a:lumOff val="0"/>
+                    <a:alphaOff val="0"/>
+                  </a:schemeClr>
+                </a:solidFill>
+                <a:latin typeface="+mn-lt"/>
+                <a:ea typeface="+mn-ea"/>
+                <a:cs typeface="+mn-cs"/>
+              </a:defRPr>
+            </a:lvl1pPr>
+            <a:lvl2pPr marL="457200" algn="l" defTabSz="914400" rtl="0" eaLnBrk="1" latinLnBrk="0" hangingPunct="1">
+              <a:defRPr sz="1800" kern="1200">
+                <a:solidFill>
+                  <a:schemeClr val="dk1">
+                    <a:hueOff val="0"/>
+                    <a:satOff val="0"/>
+                    <a:lumOff val="0"/>
+                    <a:alphaOff val="0"/>
+                  </a:schemeClr>
+                </a:solidFill>
+                <a:latin typeface="+mn-lt"/>
+                <a:ea typeface="+mn-ea"/>
+                <a:cs typeface="+mn-cs"/>
+              </a:defRPr>
+            </a:lvl2pPr>
+            <a:lvl3pPr marL="914400" algn="l" defTabSz="914400" rtl="0" eaLnBrk="1" latinLnBrk="0" hangingPunct="1">
+              <a:defRPr sz="1800" kern="1200">
+                <a:solidFill>
+                  <a:schemeClr val="dk1">
+                    <a:hueOff val="0"/>
+                    <a:satOff val="0"/>
+                    <a:lumOff val="0"/>
+                    <a:alphaOff val="0"/>
+                  </a:schemeClr>
+                </a:solidFill>
+                <a:latin typeface="+mn-lt"/>
+                <a:ea typeface="+mn-ea"/>
+                <a:cs typeface="+mn-cs"/>
+              </a:defRPr>
+            </a:lvl3pPr>
+            <a:lvl4pPr marL="1371600" algn="l" defTabSz="914400" rtl="0" eaLnBrk="1" latinLnBrk="0" hangingPunct="1">
+              <a:defRPr sz="1800" kern="1200">
+                <a:solidFill>
+                  <a:schemeClr val="dk1">
+                    <a:hueOff val="0"/>
+                    <a:satOff val="0"/>
+                    <a:lumOff val="0"/>
+                    <a:alphaOff val="0"/>
+                  </a:schemeClr>
+                </a:solidFill>
+                <a:latin typeface="+mn-lt"/>
+                <a:ea typeface="+mn-ea"/>
+                <a:cs typeface="+mn-cs"/>
+              </a:defRPr>
+            </a:lvl4pPr>
+            <a:lvl5pPr marL="1828800" algn="l" defTabSz="914400" rtl="0" eaLnBrk="1" latinLnBrk="0" hangingPunct="1">
+              <a:defRPr sz="1800" kern="1200">
+                <a:solidFill>
+                  <a:schemeClr val="dk1">
+                    <a:hueOff val="0"/>
+                    <a:satOff val="0"/>
+                    <a:lumOff val="0"/>
+                    <a:alphaOff val="0"/>
+                  </a:schemeClr>
+                </a:solidFill>
+                <a:latin typeface="+mn-lt"/>
+                <a:ea typeface="+mn-ea"/>
+                <a:cs typeface="+mn-cs"/>
+              </a:defRPr>
+            </a:lvl5pPr>
+            <a:lvl6pPr marL="2286000" algn="l" defTabSz="914400" rtl="0" eaLnBrk="1" latinLnBrk="0" hangingPunct="1">
+              <a:defRPr sz="1800" kern="1200">
+                <a:solidFill>
+                  <a:schemeClr val="dk1">
+                    <a:hueOff val="0"/>
+                    <a:satOff val="0"/>
+                    <a:lumOff val="0"/>
+                    <a:alphaOff val="0"/>
+                  </a:schemeClr>
+                </a:solidFill>
+                <a:latin typeface="+mn-lt"/>
+                <a:ea typeface="+mn-ea"/>
+                <a:cs typeface="+mn-cs"/>
+              </a:defRPr>
+            </a:lvl6pPr>
+            <a:lvl7pPr marL="2743200" algn="l" defTabSz="914400" rtl="0" eaLnBrk="1" latinLnBrk="0" hangingPunct="1">
+              <a:defRPr sz="1800" kern="1200">
+                <a:solidFill>
+                  <a:schemeClr val="dk1">
+                    <a:hueOff val="0"/>
+                    <a:satOff val="0"/>
+                    <a:lumOff val="0"/>
+                    <a:alphaOff val="0"/>
+                  </a:schemeClr>
+                </a:solidFill>
+                <a:latin typeface="+mn-lt"/>
+                <a:ea typeface="+mn-ea"/>
+                <a:cs typeface="+mn-cs"/>
+              </a:defRPr>
+            </a:lvl7pPr>
+            <a:lvl8pPr marL="3200400" algn="l" defTabSz="914400" rtl="0" eaLnBrk="1" latinLnBrk="0" hangingPunct="1">
+              <a:defRPr sz="1800" kern="1200">
+                <a:solidFill>
+                  <a:schemeClr val="dk1">
+                    <a:hueOff val="0"/>
+                    <a:satOff val="0"/>
+                    <a:lumOff val="0"/>
+                    <a:alphaOff val="0"/>
+                  </a:schemeClr>
+                </a:solidFill>
+                <a:latin typeface="+mn-lt"/>
+                <a:ea typeface="+mn-ea"/>
+                <a:cs typeface="+mn-cs"/>
+              </a:defRPr>
+            </a:lvl8pPr>
+            <a:lvl9pPr marL="3657600" algn="l" defTabSz="914400" rtl="0" eaLnBrk="1" latinLnBrk="0" hangingPunct="1">
+              <a:defRPr sz="1800" kern="1200">
+                <a:solidFill>
+                  <a:schemeClr val="dk1">
+                    <a:hueOff val="0"/>
+                    <a:satOff val="0"/>
+                    <a:lumOff val="0"/>
+                    <a:alphaOff val="0"/>
+                  </a:schemeClr>
+                </a:solidFill>
+                <a:latin typeface="+mn-lt"/>
+                <a:ea typeface="+mn-ea"/>
+                <a:cs typeface="+mn-cs"/>
+              </a:defRPr>
+            </a:lvl9pPr>
+          </a:lstStyle>
+          <a:p>
+            <a:pPr marL="0" lvl="1" defTabSz="711200">
+              <a:lnSpc>
+                <a:spcPct val="90000"/>
+              </a:lnSpc>
+              <a:spcBef>
+                <a:spcPct val="0"/>
+              </a:spcBef>
+              <a:spcAft>
+                <a:spcPct val="15000"/>
+              </a:spcAft>
+            </a:pPr>
+            <a:r>
+              <a:rPr lang="zh-CN" altLang="en-US" sz="2400" b="1" dirty="0">
+                <a:solidFill>
+                  <a:schemeClr val="bg1">
+                    <a:lumMod val="50000"/>
+                  </a:schemeClr>
+                </a:solidFill>
+                <a:latin typeface="仿宋" panose="02010609060101010101" charset="-122"/>
+                <a:ea typeface="仿宋" panose="02010609060101010101" charset="-122"/>
+                <a:cs typeface="+mn-ea"/>
+                <a:sym typeface="+mn-lt"/>
+              </a:rPr>
+              <a:t>前言</a:t>
+            </a:r>
+          </a:p>
+        </p:txBody>
+      </p:sp>
+      <p:cxnSp>
+        <p:nvCxnSpPr>
+          <p:cNvPr id="6" name="直接连接符 5"/>
+          <p:cNvCxnSpPr/>
+          <p:nvPr/>
+        </p:nvCxnSpPr>
+        <p:spPr>
+          <a:xfrm flipH="1">
+            <a:off x="5324475" y="6370955"/>
+            <a:ext cx="6680835" cy="19685"/>
+          </a:xfrm>
+          <a:prstGeom prst="line">
+            <a:avLst/>
+          </a:prstGeom>
+          <a:ln w="57150">
+            <a:gradFill>
+              <a:gsLst>
+                <a:gs pos="0">
+                  <a:schemeClr val="bg1">
+                    <a:alpha val="10000"/>
+                  </a:schemeClr>
+                </a:gs>
+                <a:gs pos="90000">
+                  <a:schemeClr val="bg1">
+                    <a:lumMod val="65000"/>
+                    <a:alpha val="44000"/>
+                  </a:schemeClr>
+                </a:gs>
+              </a:gsLst>
+              <a:lin ang="9420000" scaled="1"/>
+            </a:gradFill>
+          </a:ln>
+        </p:spPr>
+        <p:style>
+          <a:lnRef idx="1">
+            <a:schemeClr val="accent1"/>
+          </a:lnRef>
+          <a:fillRef idx="0">
+            <a:schemeClr val="accent1"/>
+          </a:fillRef>
+          <a:effectRef idx="0">
+            <a:schemeClr val="accent1"/>
+          </a:effectRef>
+          <a:fontRef idx="minor">
+            <a:schemeClr val="tx1"/>
+          </a:fontRef>
+        </p:style>
+      </p:cxnSp>
+      <p:sp>
+        <p:nvSpPr>
+          <p:cNvPr id="2" name="文本框 1"/>
+          <p:cNvSpPr txBox="1"/>
+          <p:nvPr/>
+        </p:nvSpPr>
+        <p:spPr>
+          <a:xfrm>
+            <a:off x="1011944" y="1429689"/>
+            <a:ext cx="9747914" cy="3046988"/>
+          </a:xfrm>
+          <a:prstGeom prst="rect">
+            <a:avLst/>
+          </a:prstGeom>
+          <a:noFill/>
+        </p:spPr>
+        <p:txBody>
+          <a:bodyPr wrap="square" rtlCol="0">
+            <a:spAutoFit/>
+          </a:bodyPr>
+          <a:lstStyle/>
+          <a:p>
+            <a:pPr indent="457200"/>
+            <a:r>
+              <a:rPr lang="zh-CN" altLang="en-US" sz="2400" dirty="0"/>
+              <a:t>  随着信息技术的不断发展</a:t>
+            </a:r>
+            <a:r>
+              <a:rPr lang="en-US" altLang="zh-CN" sz="2400" dirty="0"/>
+              <a:t>,</a:t>
+            </a:r>
+            <a:r>
+              <a:rPr lang="zh-CN" altLang="en-US" sz="2400" dirty="0"/>
+              <a:t>计算机技术在现代各行各业中的应用</a:t>
+            </a:r>
+            <a:r>
+              <a:rPr lang="en-US" altLang="zh-CN" sz="2400" dirty="0"/>
+              <a:t>,</a:t>
+            </a:r>
+            <a:r>
+              <a:rPr lang="zh-CN" altLang="en-US" sz="2400" dirty="0"/>
+              <a:t>让计算机软件在各行各业的工作效率的提升过程中发挥了重要的作用。 但是从软件的应用情况来看</a:t>
+            </a:r>
+            <a:r>
+              <a:rPr lang="en-US" altLang="zh-CN" sz="2400" dirty="0"/>
+              <a:t>,</a:t>
+            </a:r>
+            <a:r>
+              <a:rPr lang="en-US" altLang="zh-CN" sz="2400" b="1" dirty="0"/>
+              <a:t>bug</a:t>
+            </a:r>
+            <a:r>
+              <a:rPr lang="zh-CN" altLang="en-US" sz="2400" b="1" dirty="0"/>
+              <a:t>问题</a:t>
+            </a:r>
+            <a:r>
+              <a:rPr lang="zh-CN" altLang="en-US" sz="2400" dirty="0"/>
+              <a:t>已经成为影响软件实际应用效果的一个重要问题。 很多软件在</a:t>
+            </a:r>
+            <a:r>
+              <a:rPr lang="zh-CN" altLang="en-US" sz="2400" b="1" dirty="0"/>
+              <a:t>实际</a:t>
+            </a:r>
+            <a:r>
+              <a:rPr lang="zh-CN" altLang="en-US" sz="2400" dirty="0"/>
+              <a:t>应用中都需要</a:t>
+            </a:r>
+            <a:r>
+              <a:rPr lang="zh-CN" altLang="en-US" sz="2400" b="1" dirty="0"/>
+              <a:t>进行不断更新</a:t>
+            </a:r>
+            <a:r>
+              <a:rPr lang="en-US" altLang="zh-CN" sz="2400" dirty="0"/>
+              <a:t>,</a:t>
+            </a:r>
+            <a:r>
+              <a:rPr lang="zh-CN" altLang="en-US" sz="2400" dirty="0"/>
+              <a:t>在软件系统得到更新以后</a:t>
+            </a:r>
+            <a:r>
+              <a:rPr lang="en-US" altLang="zh-CN" sz="2400" dirty="0"/>
+              <a:t>,</a:t>
+            </a:r>
+            <a:r>
+              <a:rPr lang="zh-CN" altLang="en-US" sz="2400" dirty="0"/>
+              <a:t>软件性还会出现一些影响软件应用的新问题。对于软件设计人员而言</a:t>
+            </a:r>
+            <a:r>
+              <a:rPr lang="en-US" altLang="zh-CN" sz="2400" dirty="0"/>
+              <a:t>,</a:t>
+            </a:r>
+            <a:r>
+              <a:rPr lang="zh-CN" altLang="en-US" sz="2400" dirty="0"/>
+              <a:t>对软件的健壮性进行提升</a:t>
+            </a:r>
+            <a:r>
+              <a:rPr lang="en-US" altLang="zh-CN" sz="2400" dirty="0"/>
+              <a:t>,</a:t>
+            </a:r>
+            <a:r>
+              <a:rPr lang="zh-CN" altLang="en-US" sz="2400" dirty="0"/>
+              <a:t>是其在未来工作中所要面对的一个重要问题。同时从</a:t>
+            </a:r>
+            <a:r>
+              <a:rPr lang="zh-CN" altLang="en-US" sz="2400" b="1" dirty="0"/>
+              <a:t>根本</a:t>
+            </a:r>
+            <a:r>
+              <a:rPr lang="zh-CN" altLang="en-US" sz="2400" dirty="0"/>
+              <a:t>上来讲，软件测试的目标就是</a:t>
+            </a:r>
+            <a:r>
+              <a:rPr lang="zh-CN" altLang="en-US" sz="2400" b="1" dirty="0"/>
+              <a:t>尽可能多地发现并排除软件中潜藏的错误，最终把一个高质量的软件系统交给用户使用。</a:t>
+            </a:r>
+          </a:p>
+        </p:txBody>
+      </p:sp>
+    </p:spTree>
+    <p:extLst>
+      <p:ext uri="{BB962C8B-B14F-4D97-AF65-F5344CB8AC3E}">
+        <p14:creationId xmlns:p14="http://schemas.microsoft.com/office/powerpoint/2010/main" val="2663210319"/>
+      </p:ext>
+    </p:extLst>
+  </p:cSld>
+  <p:clrMapOvr>
+    <a:masterClrMapping/>
+  </p:clrMapOvr>
+</p:sld>
+</file>
+
+<file path=ppt/slides/slide40.xml><?xml version="1.0" encoding="utf-8"?>
 <p:sld xmlns:a="http://schemas.openxmlformats.org/drawingml/2006/main" xmlns:r="http://schemas.openxmlformats.org/officeDocument/2006/relationships" xmlns:p="http://schemas.openxmlformats.org/presentationml/2006/main">
   <p:cSld>
     <p:bg>
@@ -33742,694 +36098,6 @@
       <p:bldP spid="11" grpId="0"/>
     </p:bldLst>
   </p:timing>
-</p:sld>
-</file>
-
-<file path=ppt/slides/slide4.xml><?xml version="1.0" encoding="utf-8"?>
-<p:sld xmlns:a="http://schemas.openxmlformats.org/drawingml/2006/main" xmlns:r="http://schemas.openxmlformats.org/officeDocument/2006/relationships" xmlns:p="http://schemas.openxmlformats.org/presentationml/2006/main">
-  <p:cSld>
-    <p:spTree>
-      <p:nvGrpSpPr>
-        <p:cNvPr id="1" name=""/>
-        <p:cNvGrpSpPr/>
-        <p:nvPr/>
-      </p:nvGrpSpPr>
-      <p:grpSpPr>
-        <a:xfrm>
-          <a:off x="0" y="0"/>
-          <a:ext cx="0" cy="0"/>
-          <a:chOff x="0" y="0"/>
-          <a:chExt cx="0" cy="0"/>
-        </a:xfrm>
-      </p:grpSpPr>
-      <p:grpSp>
-        <p:nvGrpSpPr>
-          <p:cNvPr id="12" name="组合 11"/>
-          <p:cNvGrpSpPr/>
-          <p:nvPr/>
-        </p:nvGrpSpPr>
-        <p:grpSpPr>
-          <a:xfrm>
-            <a:off x="819150" y="304165"/>
-            <a:ext cx="803910" cy="946785"/>
-            <a:chOff x="7448" y="3202"/>
-            <a:chExt cx="2827" cy="3146"/>
-          </a:xfrm>
-        </p:grpSpPr>
-        <p:cxnSp>
-          <p:nvCxnSpPr>
-            <p:cNvPr id="5" name="直接连接符 4"/>
-            <p:cNvCxnSpPr/>
-            <p:nvPr/>
-          </p:nvCxnSpPr>
-          <p:spPr>
-            <a:xfrm flipH="1">
-              <a:off x="7448" y="3324"/>
-              <a:ext cx="2721" cy="3025"/>
-            </a:xfrm>
-            <a:prstGeom prst="line">
-              <a:avLst/>
-            </a:prstGeom>
-            <a:ln>
-              <a:gradFill>
-                <a:gsLst>
-                  <a:gs pos="0">
-                    <a:schemeClr val="bg1"/>
-                  </a:gs>
-                  <a:gs pos="74000">
-                    <a:schemeClr val="bg1">
-                      <a:lumMod val="65000"/>
-                    </a:schemeClr>
-                  </a:gs>
-                </a:gsLst>
-                <a:lin ang="15720000" scaled="1"/>
-              </a:gradFill>
-            </a:ln>
-          </p:spPr>
-          <p:style>
-            <a:lnRef idx="1">
-              <a:schemeClr val="accent1"/>
-            </a:lnRef>
-            <a:fillRef idx="0">
-              <a:schemeClr val="accent1"/>
-            </a:fillRef>
-            <a:effectRef idx="0">
-              <a:schemeClr val="accent1"/>
-            </a:effectRef>
-            <a:fontRef idx="minor">
-              <a:schemeClr val="tx1"/>
-            </a:fontRef>
-          </p:style>
-        </p:cxnSp>
-        <p:sp>
-          <p:nvSpPr>
-            <p:cNvPr id="8" name="椭圆 7"/>
-            <p:cNvSpPr/>
-            <p:nvPr/>
-          </p:nvSpPr>
-          <p:spPr>
-            <a:xfrm>
-              <a:off x="10077" y="3202"/>
-              <a:ext cx="198" cy="213"/>
-            </a:xfrm>
-            <a:prstGeom prst="ellipse">
-              <a:avLst/>
-            </a:prstGeom>
-            <a:solidFill>
-              <a:schemeClr val="bg1">
-                <a:lumMod val="65000"/>
-              </a:schemeClr>
-            </a:solidFill>
-            <a:ln>
-              <a:noFill/>
-            </a:ln>
-          </p:spPr>
-          <p:style>
-            <a:lnRef idx="2">
-              <a:schemeClr val="accent1">
-                <a:shade val="50000"/>
-              </a:schemeClr>
-            </a:lnRef>
-            <a:fillRef idx="1">
-              <a:schemeClr val="accent1"/>
-            </a:fillRef>
-            <a:effectRef idx="0">
-              <a:schemeClr val="accent1"/>
-            </a:effectRef>
-            <a:fontRef idx="minor">
-              <a:schemeClr val="lt1"/>
-            </a:fontRef>
-          </p:style>
-          <p:txBody>
-            <a:bodyPr rtlCol="0" anchor="ctr"/>
-            <a:lstStyle/>
-            <a:p>
-              <a:pPr algn="ctr"/>
-              <a:endParaRPr lang="zh-CN" altLang="en-US">
-                <a:cs typeface="仿宋" panose="02010609060101010101" charset="-122"/>
-              </a:endParaRPr>
-            </a:p>
-          </p:txBody>
-        </p:sp>
-      </p:grpSp>
-      <p:sp>
-        <p:nvSpPr>
-          <p:cNvPr id="4" name="文本框 3"/>
-          <p:cNvSpPr txBox="1"/>
-          <p:nvPr/>
-        </p:nvSpPr>
-        <p:spPr>
-          <a:xfrm>
-            <a:off x="516305" y="340995"/>
-            <a:ext cx="646331" cy="461665"/>
-          </a:xfrm>
-          <a:prstGeom prst="rect">
-            <a:avLst/>
-          </a:prstGeom>
-          <a:noFill/>
-        </p:spPr>
-        <p:txBody>
-          <a:bodyPr wrap="none" rtlCol="0" anchor="t">
-            <a:spAutoFit/>
-          </a:bodyPr>
-          <a:lstStyle/>
-          <a:p>
-            <a:pPr algn="ctr"/>
-            <a:r>
-              <a:rPr lang="en-US" altLang="zh-CN" sz="2400" dirty="0">
-                <a:solidFill>
-                  <a:schemeClr val="tx1">
-                    <a:lumMod val="50000"/>
-                    <a:lumOff val="50000"/>
-                  </a:schemeClr>
-                </a:solidFill>
-                <a:latin typeface="仿宋" panose="02010609060101010101" charset="-122"/>
-                <a:ea typeface="仿宋" panose="02010609060101010101" charset="-122"/>
-                <a:cs typeface="仿宋" panose="02010609060101010101" charset="-122"/>
-                <a:sym typeface="+mn-lt"/>
-              </a:rPr>
-              <a:t>one</a:t>
-            </a:r>
-            <a:endParaRPr lang="en-US" sz="2400" dirty="0">
-              <a:solidFill>
-                <a:schemeClr val="tx1">
-                  <a:lumMod val="50000"/>
-                  <a:lumOff val="50000"/>
-                </a:schemeClr>
-              </a:solidFill>
-              <a:latin typeface="仿宋" panose="02010609060101010101" charset="-122"/>
-              <a:ea typeface="仿宋" panose="02010609060101010101" charset="-122"/>
-              <a:cs typeface="仿宋" panose="02010609060101010101" charset="-122"/>
-              <a:sym typeface="+mn-lt"/>
-            </a:endParaRPr>
-          </a:p>
-        </p:txBody>
-      </p:sp>
-      <p:sp>
-        <p:nvSpPr>
-          <p:cNvPr id="7" name="任意多边形 18"/>
-          <p:cNvSpPr/>
-          <p:nvPr/>
-        </p:nvSpPr>
-        <p:spPr>
-          <a:xfrm>
-            <a:off x="1738453" y="304127"/>
-            <a:ext cx="4419256" cy="618508"/>
-          </a:xfrm>
-          <a:custGeom>
-            <a:avLst/>
-            <a:gdLst>
-              <a:gd name="connsiteX0" fmla="*/ 98297 w 589768"/>
-              <a:gd name="connsiteY0" fmla="*/ 0 h 5346192"/>
-              <a:gd name="connsiteX1" fmla="*/ 491471 w 589768"/>
-              <a:gd name="connsiteY1" fmla="*/ 0 h 5346192"/>
-              <a:gd name="connsiteX2" fmla="*/ 589768 w 589768"/>
-              <a:gd name="connsiteY2" fmla="*/ 98297 h 5346192"/>
-              <a:gd name="connsiteX3" fmla="*/ 589768 w 589768"/>
-              <a:gd name="connsiteY3" fmla="*/ 5346192 h 5346192"/>
-              <a:gd name="connsiteX4" fmla="*/ 589768 w 589768"/>
-              <a:gd name="connsiteY4" fmla="*/ 5346192 h 5346192"/>
-              <a:gd name="connsiteX5" fmla="*/ 0 w 589768"/>
-              <a:gd name="connsiteY5" fmla="*/ 5346192 h 5346192"/>
-              <a:gd name="connsiteX6" fmla="*/ 0 w 589768"/>
-              <a:gd name="connsiteY6" fmla="*/ 5346192 h 5346192"/>
-              <a:gd name="connsiteX7" fmla="*/ 0 w 589768"/>
-              <a:gd name="connsiteY7" fmla="*/ 98297 h 5346192"/>
-              <a:gd name="connsiteX8" fmla="*/ 98297 w 589768"/>
-              <a:gd name="connsiteY8" fmla="*/ 0 h 5346192"/>
-            </a:gdLst>
-            <a:ahLst/>
-            <a:cxnLst>
-              <a:cxn ang="0">
-                <a:pos x="connsiteX0" y="connsiteY0"/>
-              </a:cxn>
-              <a:cxn ang="0">
-                <a:pos x="connsiteX1" y="connsiteY1"/>
-              </a:cxn>
-              <a:cxn ang="0">
-                <a:pos x="connsiteX2" y="connsiteY2"/>
-              </a:cxn>
-              <a:cxn ang="0">
-                <a:pos x="connsiteX3" y="connsiteY3"/>
-              </a:cxn>
-              <a:cxn ang="0">
-                <a:pos x="connsiteX4" y="connsiteY4"/>
-              </a:cxn>
-              <a:cxn ang="0">
-                <a:pos x="connsiteX5" y="connsiteY5"/>
-              </a:cxn>
-              <a:cxn ang="0">
-                <a:pos x="connsiteX6" y="connsiteY6"/>
-              </a:cxn>
-              <a:cxn ang="0">
-                <a:pos x="connsiteX7" y="connsiteY7"/>
-              </a:cxn>
-              <a:cxn ang="0">
-                <a:pos x="connsiteX8" y="connsiteY8"/>
-              </a:cxn>
-            </a:cxnLst>
-            <a:rect l="l" t="t" r="r" b="b"/>
-            <a:pathLst>
-              <a:path w="589768" h="5346192">
-                <a:moveTo>
-                  <a:pt x="589768" y="891056"/>
-                </a:moveTo>
-                <a:lnTo>
-                  <a:pt x="589768" y="4455136"/>
-                </a:lnTo>
-                <a:cubicBezTo>
-                  <a:pt x="589768" y="4947251"/>
-                  <a:pt x="584913" y="5346187"/>
-                  <a:pt x="578924" y="5346187"/>
-                </a:cubicBezTo>
-                <a:lnTo>
-                  <a:pt x="0" y="5346187"/>
-                </a:lnTo>
-                <a:lnTo>
-                  <a:pt x="0" y="5346187"/>
-                </a:lnTo>
-                <a:lnTo>
-                  <a:pt x="0" y="5"/>
-                </a:lnTo>
-                <a:lnTo>
-                  <a:pt x="0" y="5"/>
-                </a:lnTo>
-                <a:lnTo>
-                  <a:pt x="578924" y="5"/>
-                </a:lnTo>
-                <a:cubicBezTo>
-                  <a:pt x="584913" y="5"/>
-                  <a:pt x="589768" y="398941"/>
-                  <a:pt x="589768" y="891056"/>
-                </a:cubicBezTo>
-                <a:close/>
-              </a:path>
-            </a:pathLst>
-          </a:custGeom>
-          <a:noFill/>
-          <a:ln>
-            <a:noFill/>
-          </a:ln>
-          <a:effectLst/>
-        </p:spPr>
-        <p:style>
-          <a:lnRef idx="2">
-            <a:schemeClr val="dk2">
-              <a:alpha val="90000"/>
-              <a:tint val="40000"/>
-              <a:hueOff val="0"/>
-              <a:satOff val="0"/>
-              <a:lumOff val="0"/>
-              <a:alphaOff val="0"/>
-            </a:schemeClr>
-          </a:lnRef>
-          <a:fillRef idx="1">
-            <a:schemeClr val="dk2">
-              <a:alpha val="90000"/>
-              <a:tint val="40000"/>
-              <a:hueOff val="0"/>
-              <a:satOff val="0"/>
-              <a:lumOff val="0"/>
-              <a:alphaOff val="0"/>
-            </a:schemeClr>
-          </a:fillRef>
-          <a:effectRef idx="0">
-            <a:schemeClr val="dk2">
-              <a:alpha val="90000"/>
-              <a:tint val="40000"/>
-              <a:hueOff val="0"/>
-              <a:satOff val="0"/>
-              <a:lumOff val="0"/>
-              <a:alphaOff val="0"/>
-            </a:schemeClr>
-          </a:effectRef>
-          <a:fontRef idx="minor">
-            <a:schemeClr val="dk1">
-              <a:hueOff val="0"/>
-              <a:satOff val="0"/>
-              <a:lumOff val="0"/>
-              <a:alphaOff val="0"/>
-            </a:schemeClr>
-          </a:fontRef>
-        </p:style>
-        <p:txBody>
-          <a:bodyPr spcFirstLastPara="0" vert="horz" wrap="square" lIns="247650" tIns="152615" rIns="276440" bIns="152615" numCol="1" spcCol="1270" anchor="ctr" anchorCtr="0">
-            <a:noAutofit/>
-          </a:bodyPr>
-          <a:lstStyle>
-            <a:defPPr>
-              <a:defRPr lang="zh-CN">
-                <a:solidFill>
-                  <a:schemeClr val="dk1">
-                    <a:hueOff val="0"/>
-                    <a:satOff val="0"/>
-                    <a:lumOff val="0"/>
-                    <a:alphaOff val="0"/>
-                  </a:schemeClr>
-                </a:solidFill>
-              </a:defRPr>
-            </a:defPPr>
-            <a:lvl1pPr marL="0" algn="l" defTabSz="914400" rtl="0" eaLnBrk="1" latinLnBrk="0" hangingPunct="1">
-              <a:defRPr sz="1800" kern="1200">
-                <a:solidFill>
-                  <a:schemeClr val="dk1">
-                    <a:hueOff val="0"/>
-                    <a:satOff val="0"/>
-                    <a:lumOff val="0"/>
-                    <a:alphaOff val="0"/>
-                  </a:schemeClr>
-                </a:solidFill>
-                <a:latin typeface="+mn-lt"/>
-                <a:ea typeface="+mn-ea"/>
-                <a:cs typeface="+mn-cs"/>
-              </a:defRPr>
-            </a:lvl1pPr>
-            <a:lvl2pPr marL="457200" algn="l" defTabSz="914400" rtl="0" eaLnBrk="1" latinLnBrk="0" hangingPunct="1">
-              <a:defRPr sz="1800" kern="1200">
-                <a:solidFill>
-                  <a:schemeClr val="dk1">
-                    <a:hueOff val="0"/>
-                    <a:satOff val="0"/>
-                    <a:lumOff val="0"/>
-                    <a:alphaOff val="0"/>
-                  </a:schemeClr>
-                </a:solidFill>
-                <a:latin typeface="+mn-lt"/>
-                <a:ea typeface="+mn-ea"/>
-                <a:cs typeface="+mn-cs"/>
-              </a:defRPr>
-            </a:lvl2pPr>
-            <a:lvl3pPr marL="914400" algn="l" defTabSz="914400" rtl="0" eaLnBrk="1" latinLnBrk="0" hangingPunct="1">
-              <a:defRPr sz="1800" kern="1200">
-                <a:solidFill>
-                  <a:schemeClr val="dk1">
-                    <a:hueOff val="0"/>
-                    <a:satOff val="0"/>
-                    <a:lumOff val="0"/>
-                    <a:alphaOff val="0"/>
-                  </a:schemeClr>
-                </a:solidFill>
-                <a:latin typeface="+mn-lt"/>
-                <a:ea typeface="+mn-ea"/>
-                <a:cs typeface="+mn-cs"/>
-              </a:defRPr>
-            </a:lvl3pPr>
-            <a:lvl4pPr marL="1371600" algn="l" defTabSz="914400" rtl="0" eaLnBrk="1" latinLnBrk="0" hangingPunct="1">
-              <a:defRPr sz="1800" kern="1200">
-                <a:solidFill>
-                  <a:schemeClr val="dk1">
-                    <a:hueOff val="0"/>
-                    <a:satOff val="0"/>
-                    <a:lumOff val="0"/>
-                    <a:alphaOff val="0"/>
-                  </a:schemeClr>
-                </a:solidFill>
-                <a:latin typeface="+mn-lt"/>
-                <a:ea typeface="+mn-ea"/>
-                <a:cs typeface="+mn-cs"/>
-              </a:defRPr>
-            </a:lvl4pPr>
-            <a:lvl5pPr marL="1828800" algn="l" defTabSz="914400" rtl="0" eaLnBrk="1" latinLnBrk="0" hangingPunct="1">
-              <a:defRPr sz="1800" kern="1200">
-                <a:solidFill>
-                  <a:schemeClr val="dk1">
-                    <a:hueOff val="0"/>
-                    <a:satOff val="0"/>
-                    <a:lumOff val="0"/>
-                    <a:alphaOff val="0"/>
-                  </a:schemeClr>
-                </a:solidFill>
-                <a:latin typeface="+mn-lt"/>
-                <a:ea typeface="+mn-ea"/>
-                <a:cs typeface="+mn-cs"/>
-              </a:defRPr>
-            </a:lvl5pPr>
-            <a:lvl6pPr marL="2286000" algn="l" defTabSz="914400" rtl="0" eaLnBrk="1" latinLnBrk="0" hangingPunct="1">
-              <a:defRPr sz="1800" kern="1200">
-                <a:solidFill>
-                  <a:schemeClr val="dk1">
-                    <a:hueOff val="0"/>
-                    <a:satOff val="0"/>
-                    <a:lumOff val="0"/>
-                    <a:alphaOff val="0"/>
-                  </a:schemeClr>
-                </a:solidFill>
-                <a:latin typeface="+mn-lt"/>
-                <a:ea typeface="+mn-ea"/>
-                <a:cs typeface="+mn-cs"/>
-              </a:defRPr>
-            </a:lvl6pPr>
-            <a:lvl7pPr marL="2743200" algn="l" defTabSz="914400" rtl="0" eaLnBrk="1" latinLnBrk="0" hangingPunct="1">
-              <a:defRPr sz="1800" kern="1200">
-                <a:solidFill>
-                  <a:schemeClr val="dk1">
-                    <a:hueOff val="0"/>
-                    <a:satOff val="0"/>
-                    <a:lumOff val="0"/>
-                    <a:alphaOff val="0"/>
-                  </a:schemeClr>
-                </a:solidFill>
-                <a:latin typeface="+mn-lt"/>
-                <a:ea typeface="+mn-ea"/>
-                <a:cs typeface="+mn-cs"/>
-              </a:defRPr>
-            </a:lvl7pPr>
-            <a:lvl8pPr marL="3200400" algn="l" defTabSz="914400" rtl="0" eaLnBrk="1" latinLnBrk="0" hangingPunct="1">
-              <a:defRPr sz="1800" kern="1200">
-                <a:solidFill>
-                  <a:schemeClr val="dk1">
-                    <a:hueOff val="0"/>
-                    <a:satOff val="0"/>
-                    <a:lumOff val="0"/>
-                    <a:alphaOff val="0"/>
-                  </a:schemeClr>
-                </a:solidFill>
-                <a:latin typeface="+mn-lt"/>
-                <a:ea typeface="+mn-ea"/>
-                <a:cs typeface="+mn-cs"/>
-              </a:defRPr>
-            </a:lvl8pPr>
-            <a:lvl9pPr marL="3657600" algn="l" defTabSz="914400" rtl="0" eaLnBrk="1" latinLnBrk="0" hangingPunct="1">
-              <a:defRPr sz="1800" kern="1200">
-                <a:solidFill>
-                  <a:schemeClr val="dk1">
-                    <a:hueOff val="0"/>
-                    <a:satOff val="0"/>
-                    <a:lumOff val="0"/>
-                    <a:alphaOff val="0"/>
-                  </a:schemeClr>
-                </a:solidFill>
-                <a:latin typeface="+mn-lt"/>
-                <a:ea typeface="+mn-ea"/>
-                <a:cs typeface="+mn-cs"/>
-              </a:defRPr>
-            </a:lvl9pPr>
-          </a:lstStyle>
-          <a:p>
-            <a:pPr marL="0" lvl="1" defTabSz="711200">
-              <a:lnSpc>
-                <a:spcPct val="90000"/>
-              </a:lnSpc>
-              <a:spcBef>
-                <a:spcPct val="0"/>
-              </a:spcBef>
-              <a:spcAft>
-                <a:spcPct val="15000"/>
-              </a:spcAft>
-            </a:pPr>
-            <a:r>
-              <a:rPr lang="zh-CN" altLang="en-US" sz="2400" b="1" dirty="0">
-                <a:solidFill>
-                  <a:schemeClr val="bg1">
-                    <a:lumMod val="50000"/>
-                  </a:schemeClr>
-                </a:solidFill>
-                <a:latin typeface="仿宋" panose="02010609060101010101" charset="-122"/>
-                <a:ea typeface="仿宋" panose="02010609060101010101" charset="-122"/>
-                <a:cs typeface="+mn-ea"/>
-                <a:sym typeface="+mn-lt"/>
-              </a:rPr>
-              <a:t>前言</a:t>
-            </a:r>
-          </a:p>
-        </p:txBody>
-      </p:sp>
-      <p:cxnSp>
-        <p:nvCxnSpPr>
-          <p:cNvPr id="6" name="直接连接符 5"/>
-          <p:cNvCxnSpPr/>
-          <p:nvPr/>
-        </p:nvCxnSpPr>
-        <p:spPr>
-          <a:xfrm flipH="1">
-            <a:off x="5324475" y="6370955"/>
-            <a:ext cx="6680835" cy="19685"/>
-          </a:xfrm>
-          <a:prstGeom prst="line">
-            <a:avLst/>
-          </a:prstGeom>
-          <a:ln w="57150">
-            <a:gradFill>
-              <a:gsLst>
-                <a:gs pos="0">
-                  <a:schemeClr val="bg1">
-                    <a:alpha val="10000"/>
-                  </a:schemeClr>
-                </a:gs>
-                <a:gs pos="90000">
-                  <a:schemeClr val="bg1">
-                    <a:lumMod val="65000"/>
-                    <a:alpha val="44000"/>
-                  </a:schemeClr>
-                </a:gs>
-              </a:gsLst>
-              <a:lin ang="9420000" scaled="1"/>
-            </a:gradFill>
-          </a:ln>
-        </p:spPr>
-        <p:style>
-          <a:lnRef idx="1">
-            <a:schemeClr val="accent1"/>
-          </a:lnRef>
-          <a:fillRef idx="0">
-            <a:schemeClr val="accent1"/>
-          </a:fillRef>
-          <a:effectRef idx="0">
-            <a:schemeClr val="accent1"/>
-          </a:effectRef>
-          <a:fontRef idx="minor">
-            <a:schemeClr val="tx1"/>
-          </a:fontRef>
-        </p:style>
-      </p:cxnSp>
-      <p:sp>
-        <p:nvSpPr>
-          <p:cNvPr id="2" name="文本框 1"/>
-          <p:cNvSpPr txBox="1"/>
-          <p:nvPr/>
-        </p:nvSpPr>
-        <p:spPr>
-          <a:xfrm>
-            <a:off x="1011944" y="1429689"/>
-            <a:ext cx="9747914" cy="3046988"/>
-          </a:xfrm>
-          <a:prstGeom prst="rect">
-            <a:avLst/>
-          </a:prstGeom>
-          <a:noFill/>
-        </p:spPr>
-        <p:txBody>
-          <a:bodyPr wrap="square" rtlCol="0">
-            <a:spAutoFit/>
-          </a:bodyPr>
-          <a:lstStyle/>
-          <a:p>
-            <a:pPr indent="457200"/>
-            <a:r>
-              <a:rPr lang="zh-CN" altLang="en-US" sz="2400" dirty="0"/>
-              <a:t>  随着信息技术的不断发展</a:t>
-            </a:r>
-            <a:r>
-              <a:rPr lang="en-US" altLang="zh-CN" sz="2400" dirty="0"/>
-              <a:t>,</a:t>
-            </a:r>
-            <a:r>
-              <a:rPr lang="zh-CN" altLang="en-US" sz="2400" dirty="0"/>
-              <a:t>计算机技术在现代各行各业中的应用</a:t>
-            </a:r>
-            <a:r>
-              <a:rPr lang="en-US" altLang="zh-CN" sz="2400" dirty="0"/>
-              <a:t>,</a:t>
-            </a:r>
-            <a:r>
-              <a:rPr lang="zh-CN" altLang="en-US" sz="2400" dirty="0"/>
-              <a:t>让计算机软件在各行各业的工作效率的提升过程中发挥了重要的作用。 但是从软件的应用情况来看</a:t>
-            </a:r>
-            <a:r>
-              <a:rPr lang="en-US" altLang="zh-CN" sz="2400" dirty="0"/>
-              <a:t>,</a:t>
-            </a:r>
-            <a:r>
-              <a:rPr lang="en-US" altLang="zh-CN" sz="2400" b="1" dirty="0"/>
-              <a:t>bug</a:t>
-            </a:r>
-            <a:r>
-              <a:rPr lang="zh-CN" altLang="en-US" sz="2400" b="1" dirty="0"/>
-              <a:t>问题</a:t>
-            </a:r>
-            <a:r>
-              <a:rPr lang="zh-CN" altLang="en-US" sz="2400" dirty="0"/>
-              <a:t>已经成为影响软件实际应用效果的一个重要问题。 很多软件在</a:t>
-            </a:r>
-            <a:r>
-              <a:rPr lang="zh-CN" altLang="en-US" sz="2400" b="1" dirty="0"/>
-              <a:t>实际</a:t>
-            </a:r>
-            <a:r>
-              <a:rPr lang="zh-CN" altLang="en-US" sz="2400" dirty="0"/>
-              <a:t>应用中都需要</a:t>
-            </a:r>
-            <a:r>
-              <a:rPr lang="zh-CN" altLang="en-US" sz="2400" b="1" dirty="0"/>
-              <a:t>进行不断更新</a:t>
-            </a:r>
-            <a:r>
-              <a:rPr lang="en-US" altLang="zh-CN" sz="2400" dirty="0"/>
-              <a:t>,</a:t>
-            </a:r>
-            <a:r>
-              <a:rPr lang="zh-CN" altLang="en-US" sz="2400" dirty="0"/>
-              <a:t>在软件系统得到更新以后</a:t>
-            </a:r>
-            <a:r>
-              <a:rPr lang="en-US" altLang="zh-CN" sz="2400" dirty="0"/>
-              <a:t>,</a:t>
-            </a:r>
-            <a:r>
-              <a:rPr lang="zh-CN" altLang="en-US" sz="2400" dirty="0"/>
-              <a:t>软件性还会出现一些影响软件应用的新问题。对于软件设计人员而言</a:t>
-            </a:r>
-            <a:r>
-              <a:rPr lang="en-US" altLang="zh-CN" sz="2400" dirty="0"/>
-              <a:t>,</a:t>
-            </a:r>
-            <a:r>
-              <a:rPr lang="zh-CN" altLang="en-US" sz="2400" dirty="0"/>
-              <a:t>对软件的健壮性进行提升</a:t>
-            </a:r>
-            <a:r>
-              <a:rPr lang="en-US" altLang="zh-CN" sz="2400" dirty="0"/>
-              <a:t>,</a:t>
-            </a:r>
-            <a:r>
-              <a:rPr lang="zh-CN" altLang="en-US" sz="2400" dirty="0"/>
-              <a:t>是其在未来工作中所要面对的一个重要问题。同时从</a:t>
-            </a:r>
-            <a:r>
-              <a:rPr lang="zh-CN" altLang="en-US" sz="2400" b="1" dirty="0"/>
-              <a:t>根本</a:t>
-            </a:r>
-            <a:r>
-              <a:rPr lang="zh-CN" altLang="en-US" sz="2400" dirty="0"/>
-              <a:t>上来讲，软件测试的目标就是</a:t>
-            </a:r>
-            <a:r>
-              <a:rPr lang="zh-CN" altLang="en-US" sz="2400" b="1" dirty="0"/>
-              <a:t>尽可能多地发现并排除软件中潜藏的错误，最终把一个高质量的软件系统交给用户使用。</a:t>
-            </a:r>
-          </a:p>
-        </p:txBody>
-      </p:sp>
-    </p:spTree>
-    <p:extLst>
-      <p:ext uri="{BB962C8B-B14F-4D97-AF65-F5344CB8AC3E}">
-        <p14:creationId xmlns:p14="http://schemas.microsoft.com/office/powerpoint/2010/main" val="2663210319"/>
-      </p:ext>
-    </p:extLst>
-  </p:cSld>
-  <p:clrMapOvr>
-    <a:masterClrMapping/>
-  </p:clrMapOvr>
 </p:sld>
 </file>
 

--- a/维护翻转课堂1.pptx
+++ b/维护翻转课堂1.pptx
@@ -5,10 +5,10 @@
     <p:sldMasterId id="2147483648" r:id="rId1"/>
   </p:sldMasterIdLst>
   <p:notesMasterIdLst>
-    <p:notesMasterId r:id="rId42"/>
+    <p:notesMasterId r:id="rId49"/>
   </p:notesMasterIdLst>
   <p:handoutMasterIdLst>
-    <p:handoutMasterId r:id="rId43"/>
+    <p:handoutMasterId r:id="rId50"/>
   </p:handoutMasterIdLst>
   <p:sldIdLst>
     <p:sldId id="272" r:id="rId2"/>
@@ -47,10 +47,17 @@
     <p:sldId id="352" r:id="rId35"/>
     <p:sldId id="353" r:id="rId36"/>
     <p:sldId id="354" r:id="rId37"/>
-    <p:sldId id="311" r:id="rId38"/>
-    <p:sldId id="355" r:id="rId39"/>
-    <p:sldId id="363" r:id="rId40"/>
-    <p:sldId id="329" r:id="rId41"/>
+    <p:sldId id="364" r:id="rId38"/>
+    <p:sldId id="365" r:id="rId39"/>
+    <p:sldId id="366" r:id="rId40"/>
+    <p:sldId id="367" r:id="rId41"/>
+    <p:sldId id="369" r:id="rId42"/>
+    <p:sldId id="370" r:id="rId43"/>
+    <p:sldId id="371" r:id="rId44"/>
+    <p:sldId id="311" r:id="rId45"/>
+    <p:sldId id="355" r:id="rId46"/>
+    <p:sldId id="363" r:id="rId47"/>
+    <p:sldId id="329" r:id="rId48"/>
   </p:sldIdLst>
   <p:sldSz cx="12192000" cy="6858000"/>
   <p:notesSz cx="6858000" cy="9144000"/>
@@ -250,7 +257,7 @@
           <a:p>
             <a:fld id="{0F9B84EA-7D68-4D60-9CB1-D50884785D1C}" type="datetimeFigureOut">
               <a:rPr lang="zh-CN" altLang="en-US" smtClean="0"/>
-              <a:t>2019/5/16</a:t>
+              <a:t>2019/6/4</a:t>
             </a:fld>
             <a:endParaRPr lang="zh-CN" altLang="en-US"/>
           </a:p>
@@ -419,7 +426,7 @@
           <a:p>
             <a:fld id="{9510E745-F699-43C2-9540-DC86FA995BBE}" type="datetimeFigureOut">
               <a:rPr lang="zh-CN" altLang="en-US" smtClean="0"/>
-              <a:t>2019/5/16</a:t>
+              <a:t>2019/6/4</a:t>
             </a:fld>
             <a:endParaRPr lang="zh-CN" altLang="en-US"/>
           </a:p>
@@ -903,7 +910,7 @@
           <a:p>
             <a:fld id="{D997B5FA-0921-464F-AAE1-844C04324D75}" type="datetimeFigureOut">
               <a:rPr lang="zh-CN" altLang="en-US" smtClean="0"/>
-              <a:t>2019/5/16</a:t>
+              <a:t>2019/6/4</a:t>
             </a:fld>
             <a:endParaRPr lang="zh-CN" altLang="en-US"/>
           </a:p>
@@ -1066,7 +1073,7 @@
           <a:p>
             <a:fld id="{D997B5FA-0921-464F-AAE1-844C04324D75}" type="datetimeFigureOut">
               <a:rPr lang="zh-CN" altLang="en-US" smtClean="0"/>
-              <a:t>2019/5/16</a:t>
+              <a:t>2019/6/4</a:t>
             </a:fld>
             <a:endParaRPr lang="zh-CN" altLang="en-US"/>
           </a:p>
@@ -1239,7 +1246,7 @@
           <a:p>
             <a:fld id="{D997B5FA-0921-464F-AAE1-844C04324D75}" type="datetimeFigureOut">
               <a:rPr lang="zh-CN" altLang="en-US" smtClean="0"/>
-              <a:t>2019/5/16</a:t>
+              <a:t>2019/6/4</a:t>
             </a:fld>
             <a:endParaRPr lang="zh-CN" altLang="en-US"/>
           </a:p>
@@ -1402,7 +1409,7 @@
           <a:p>
             <a:fld id="{D997B5FA-0921-464F-AAE1-844C04324D75}" type="datetimeFigureOut">
               <a:rPr lang="zh-CN" altLang="en-US" smtClean="0"/>
-              <a:t>2019/5/16</a:t>
+              <a:t>2019/6/4</a:t>
             </a:fld>
             <a:endParaRPr lang="zh-CN" altLang="en-US"/>
           </a:p>
@@ -1642,7 +1649,7 @@
           <a:p>
             <a:fld id="{D997B5FA-0921-464F-AAE1-844C04324D75}" type="datetimeFigureOut">
               <a:rPr lang="zh-CN" altLang="en-US" smtClean="0"/>
-              <a:t>2019/5/16</a:t>
+              <a:t>2019/6/4</a:t>
             </a:fld>
             <a:endParaRPr lang="zh-CN" altLang="en-US"/>
           </a:p>
@@ -1866,7 +1873,7 @@
           <a:p>
             <a:fld id="{D997B5FA-0921-464F-AAE1-844C04324D75}" type="datetimeFigureOut">
               <a:rPr lang="zh-CN" altLang="en-US" smtClean="0"/>
-              <a:t>2019/5/16</a:t>
+              <a:t>2019/6/4</a:t>
             </a:fld>
             <a:endParaRPr lang="zh-CN" altLang="en-US"/>
           </a:p>
@@ -3036,7 +3043,7 @@
           <a:p>
             <a:fld id="{D997B5FA-0921-464F-AAE1-844C04324D75}" type="datetimeFigureOut">
               <a:rPr lang="zh-CN" altLang="en-US" smtClean="0"/>
-              <a:t>2019/5/16</a:t>
+              <a:t>2019/6/4</a:t>
             </a:fld>
             <a:endParaRPr lang="zh-CN" altLang="en-US"/>
           </a:p>
@@ -3148,7 +3155,7 @@
           <a:p>
             <a:fld id="{D997B5FA-0921-464F-AAE1-844C04324D75}" type="datetimeFigureOut">
               <a:rPr lang="zh-CN" altLang="en-US" smtClean="0"/>
-              <a:t>2019/5/16</a:t>
+              <a:t>2019/6/4</a:t>
             </a:fld>
             <a:endParaRPr lang="zh-CN" altLang="en-US"/>
           </a:p>
@@ -3238,7 +3245,7 @@
           <a:p>
             <a:fld id="{D997B5FA-0921-464F-AAE1-844C04324D75}" type="datetimeFigureOut">
               <a:rPr lang="zh-CN" altLang="en-US" smtClean="0"/>
-              <a:t>2019/5/16</a:t>
+              <a:t>2019/6/4</a:t>
             </a:fld>
             <a:endParaRPr lang="zh-CN" altLang="en-US"/>
           </a:p>
@@ -3508,7 +3515,7 @@
           <a:p>
             <a:fld id="{D997B5FA-0921-464F-AAE1-844C04324D75}" type="datetimeFigureOut">
               <a:rPr lang="zh-CN" altLang="en-US" smtClean="0"/>
-              <a:t>2019/5/16</a:t>
+              <a:t>2019/6/4</a:t>
             </a:fld>
             <a:endParaRPr lang="zh-CN" altLang="en-US"/>
           </a:p>
@@ -3755,7 +3762,7 @@
           <a:p>
             <a:fld id="{D997B5FA-0921-464F-AAE1-844C04324D75}" type="datetimeFigureOut">
               <a:rPr lang="zh-CN" altLang="en-US" smtClean="0"/>
-              <a:t>2019/5/16</a:t>
+              <a:t>2019/6/4</a:t>
             </a:fld>
             <a:endParaRPr lang="zh-CN" altLang="en-US"/>
           </a:p>
@@ -3962,7 +3969,7 @@
           <a:p>
             <a:fld id="{D997B5FA-0921-464F-AAE1-844C04324D75}" type="datetimeFigureOut">
               <a:rPr lang="zh-CN" altLang="en-US" smtClean="0"/>
-              <a:t>2019/5/16</a:t>
+              <a:t>2019/6/4</a:t>
             </a:fld>
             <a:endParaRPr lang="zh-CN" altLang="en-US"/>
           </a:p>
@@ -12857,7 +12864,7 @@
           <a:graphicData uri="http://schemas.openxmlformats.org/presentationml/2006/ole">
             <mc:AlternateContent xmlns:mc="http://schemas.openxmlformats.org/markup-compatibility/2006">
               <mc:Choice xmlns:v="urn:schemas-microsoft-com:vml" Requires="v">
-                <p:oleObj spid="_x0000_s1031" name="图表" r:id="rId3" imgW="6206266" imgH="4176122" progId="Excel.Chart.8">
+                <p:oleObj spid="_x0000_s1033" name="图表" r:id="rId3" imgW="6206266" imgH="4176122" progId="Excel.Chart.8">
                   <p:embed/>
                 </p:oleObj>
               </mc:Choice>
@@ -14830,7 +14837,7 @@
         </p:blipFill>
         <p:spPr>
           <a:xfrm flipH="1" flipV="1">
-            <a:off x="8060690" y="3113175"/>
+            <a:off x="8113286" y="3082150"/>
             <a:ext cx="4171950" cy="3894038"/>
           </a:xfrm>
           <a:custGeom>
@@ -16293,7 +16300,7 @@
                 <a:cs typeface="+mn-ea"/>
                 <a:sym typeface="+mn-lt"/>
               </a:rPr>
-              <a:t>参考资料</a:t>
+              <a:t>问题</a:t>
             </a:r>
           </a:p>
         </p:txBody>
@@ -17212,6 +17219,505 @@
                 <a:sym typeface="+mn-lt"/>
               </a:rPr>
               <a:t>. </a:t>
+            </a:r>
+          </a:p>
+        </p:txBody>
+      </p:sp>
+      <p:sp>
+        <p:nvSpPr>
+          <p:cNvPr id="17" name="矩形: 圆角 11">
+            <a:extLst>
+              <a:ext uri="{FF2B5EF4-FFF2-40B4-BE49-F238E27FC236}">
+                <a16:creationId xmlns:a16="http://schemas.microsoft.com/office/drawing/2014/main" id="{0C8B7284-A4E2-4469-8181-3468A42948DA}"/>
+              </a:ext>
+            </a:extLst>
+          </p:cNvPr>
+          <p:cNvSpPr/>
+          <p:nvPr/>
+        </p:nvSpPr>
+        <p:spPr>
+          <a:xfrm>
+            <a:off x="6033792" y="5479359"/>
+            <a:ext cx="536698" cy="536698"/>
+          </a:xfrm>
+          <a:prstGeom prst="roundRect">
+            <a:avLst/>
+          </a:prstGeom>
+          <a:solidFill>
+            <a:schemeClr val="tx1">
+              <a:lumMod val="65000"/>
+              <a:lumOff val="35000"/>
+            </a:schemeClr>
+          </a:solidFill>
+          <a:ln>
+            <a:noFill/>
+          </a:ln>
+        </p:spPr>
+        <p:style>
+          <a:lnRef idx="2">
+            <a:schemeClr val="accent1">
+              <a:shade val="50000"/>
+            </a:schemeClr>
+          </a:lnRef>
+          <a:fillRef idx="1">
+            <a:schemeClr val="accent1"/>
+          </a:fillRef>
+          <a:effectRef idx="0">
+            <a:schemeClr val="accent1"/>
+          </a:effectRef>
+          <a:fontRef idx="minor">
+            <a:schemeClr val="lt1"/>
+          </a:fontRef>
+        </p:style>
+        <p:txBody>
+          <a:bodyPr rtlCol="0" anchor="ctr"/>
+          <a:lstStyle>
+            <a:defPPr>
+              <a:defRPr lang="zh-CN">
+                <a:solidFill>
+                  <a:schemeClr val="lt1"/>
+                </a:solidFill>
+              </a:defRPr>
+            </a:defPPr>
+            <a:lvl1pPr marL="0" algn="l" defTabSz="914400" rtl="0" eaLnBrk="1" latinLnBrk="0" hangingPunct="1">
+              <a:defRPr sz="1800" kern="1200">
+                <a:solidFill>
+                  <a:schemeClr val="lt1"/>
+                </a:solidFill>
+                <a:latin typeface="+mn-lt"/>
+                <a:ea typeface="+mn-ea"/>
+                <a:cs typeface="+mn-cs"/>
+              </a:defRPr>
+            </a:lvl1pPr>
+            <a:lvl2pPr marL="457200" algn="l" defTabSz="914400" rtl="0" eaLnBrk="1" latinLnBrk="0" hangingPunct="1">
+              <a:defRPr sz="1800" kern="1200">
+                <a:solidFill>
+                  <a:schemeClr val="lt1"/>
+                </a:solidFill>
+                <a:latin typeface="+mn-lt"/>
+                <a:ea typeface="+mn-ea"/>
+                <a:cs typeface="+mn-cs"/>
+              </a:defRPr>
+            </a:lvl2pPr>
+            <a:lvl3pPr marL="914400" algn="l" defTabSz="914400" rtl="0" eaLnBrk="1" latinLnBrk="0" hangingPunct="1">
+              <a:defRPr sz="1800" kern="1200">
+                <a:solidFill>
+                  <a:schemeClr val="lt1"/>
+                </a:solidFill>
+                <a:latin typeface="+mn-lt"/>
+                <a:ea typeface="+mn-ea"/>
+                <a:cs typeface="+mn-cs"/>
+              </a:defRPr>
+            </a:lvl3pPr>
+            <a:lvl4pPr marL="1371600" algn="l" defTabSz="914400" rtl="0" eaLnBrk="1" latinLnBrk="0" hangingPunct="1">
+              <a:defRPr sz="1800" kern="1200">
+                <a:solidFill>
+                  <a:schemeClr val="lt1"/>
+                </a:solidFill>
+                <a:latin typeface="+mn-lt"/>
+                <a:ea typeface="+mn-ea"/>
+                <a:cs typeface="+mn-cs"/>
+              </a:defRPr>
+            </a:lvl4pPr>
+            <a:lvl5pPr marL="1828800" algn="l" defTabSz="914400" rtl="0" eaLnBrk="1" latinLnBrk="0" hangingPunct="1">
+              <a:defRPr sz="1800" kern="1200">
+                <a:solidFill>
+                  <a:schemeClr val="lt1"/>
+                </a:solidFill>
+                <a:latin typeface="+mn-lt"/>
+                <a:ea typeface="+mn-ea"/>
+                <a:cs typeface="+mn-cs"/>
+              </a:defRPr>
+            </a:lvl5pPr>
+            <a:lvl6pPr marL="2286000" algn="l" defTabSz="914400" rtl="0" eaLnBrk="1" latinLnBrk="0" hangingPunct="1">
+              <a:defRPr sz="1800" kern="1200">
+                <a:solidFill>
+                  <a:schemeClr val="lt1"/>
+                </a:solidFill>
+                <a:latin typeface="+mn-lt"/>
+                <a:ea typeface="+mn-ea"/>
+                <a:cs typeface="+mn-cs"/>
+              </a:defRPr>
+            </a:lvl6pPr>
+            <a:lvl7pPr marL="2743200" algn="l" defTabSz="914400" rtl="0" eaLnBrk="1" latinLnBrk="0" hangingPunct="1">
+              <a:defRPr sz="1800" kern="1200">
+                <a:solidFill>
+                  <a:schemeClr val="lt1"/>
+                </a:solidFill>
+                <a:latin typeface="+mn-lt"/>
+                <a:ea typeface="+mn-ea"/>
+                <a:cs typeface="+mn-cs"/>
+              </a:defRPr>
+            </a:lvl7pPr>
+            <a:lvl8pPr marL="3200400" algn="l" defTabSz="914400" rtl="0" eaLnBrk="1" latinLnBrk="0" hangingPunct="1">
+              <a:defRPr sz="1800" kern="1200">
+                <a:solidFill>
+                  <a:schemeClr val="lt1"/>
+                </a:solidFill>
+                <a:latin typeface="+mn-lt"/>
+                <a:ea typeface="+mn-ea"/>
+                <a:cs typeface="+mn-cs"/>
+              </a:defRPr>
+            </a:lvl8pPr>
+            <a:lvl9pPr marL="3657600" algn="l" defTabSz="914400" rtl="0" eaLnBrk="1" latinLnBrk="0" hangingPunct="1">
+              <a:defRPr sz="1800" kern="1200">
+                <a:solidFill>
+                  <a:schemeClr val="lt1"/>
+                </a:solidFill>
+                <a:latin typeface="+mn-lt"/>
+                <a:ea typeface="+mn-ea"/>
+                <a:cs typeface="+mn-cs"/>
+              </a:defRPr>
+            </a:lvl9pPr>
+          </a:lstStyle>
+          <a:p>
+            <a:pPr algn="ctr"/>
+            <a:r>
+              <a:rPr lang="en-US" altLang="zh-CN" b="1" dirty="0">
+                <a:cs typeface="+mn-ea"/>
+                <a:sym typeface="+mn-lt"/>
+              </a:rPr>
+              <a:t>05</a:t>
+            </a:r>
+            <a:endParaRPr lang="zh-CN" altLang="en-US" b="1" dirty="0">
+              <a:cs typeface="+mn-ea"/>
+              <a:sym typeface="+mn-lt"/>
+            </a:endParaRPr>
+          </a:p>
+        </p:txBody>
+      </p:sp>
+      <p:sp>
+        <p:nvSpPr>
+          <p:cNvPr id="19" name="任意多边形 27">
+            <a:extLst>
+              <a:ext uri="{FF2B5EF4-FFF2-40B4-BE49-F238E27FC236}">
+                <a16:creationId xmlns:a16="http://schemas.microsoft.com/office/drawing/2014/main" id="{B2077FB4-B2A1-48D5-BA6F-67B26BDB0F7B}"/>
+              </a:ext>
+            </a:extLst>
+          </p:cNvPr>
+          <p:cNvSpPr/>
+          <p:nvPr/>
+        </p:nvSpPr>
+        <p:spPr>
+          <a:xfrm>
+            <a:off x="6584120" y="5438454"/>
+            <a:ext cx="3439886" cy="618508"/>
+          </a:xfrm>
+          <a:custGeom>
+            <a:avLst/>
+            <a:gdLst>
+              <a:gd name="connsiteX0" fmla="*/ 98297 w 589768"/>
+              <a:gd name="connsiteY0" fmla="*/ 0 h 5346192"/>
+              <a:gd name="connsiteX1" fmla="*/ 491471 w 589768"/>
+              <a:gd name="connsiteY1" fmla="*/ 0 h 5346192"/>
+              <a:gd name="connsiteX2" fmla="*/ 589768 w 589768"/>
+              <a:gd name="connsiteY2" fmla="*/ 98297 h 5346192"/>
+              <a:gd name="connsiteX3" fmla="*/ 589768 w 589768"/>
+              <a:gd name="connsiteY3" fmla="*/ 5346192 h 5346192"/>
+              <a:gd name="connsiteX4" fmla="*/ 589768 w 589768"/>
+              <a:gd name="connsiteY4" fmla="*/ 5346192 h 5346192"/>
+              <a:gd name="connsiteX5" fmla="*/ 0 w 589768"/>
+              <a:gd name="connsiteY5" fmla="*/ 5346192 h 5346192"/>
+              <a:gd name="connsiteX6" fmla="*/ 0 w 589768"/>
+              <a:gd name="connsiteY6" fmla="*/ 5346192 h 5346192"/>
+              <a:gd name="connsiteX7" fmla="*/ 0 w 589768"/>
+              <a:gd name="connsiteY7" fmla="*/ 98297 h 5346192"/>
+              <a:gd name="connsiteX8" fmla="*/ 98297 w 589768"/>
+              <a:gd name="connsiteY8" fmla="*/ 0 h 5346192"/>
+            </a:gdLst>
+            <a:ahLst/>
+            <a:cxnLst>
+              <a:cxn ang="0">
+                <a:pos x="connsiteX0" y="connsiteY0"/>
+              </a:cxn>
+              <a:cxn ang="0">
+                <a:pos x="connsiteX1" y="connsiteY1"/>
+              </a:cxn>
+              <a:cxn ang="0">
+                <a:pos x="connsiteX2" y="connsiteY2"/>
+              </a:cxn>
+              <a:cxn ang="0">
+                <a:pos x="connsiteX3" y="connsiteY3"/>
+              </a:cxn>
+              <a:cxn ang="0">
+                <a:pos x="connsiteX4" y="connsiteY4"/>
+              </a:cxn>
+              <a:cxn ang="0">
+                <a:pos x="connsiteX5" y="connsiteY5"/>
+              </a:cxn>
+              <a:cxn ang="0">
+                <a:pos x="connsiteX6" y="connsiteY6"/>
+              </a:cxn>
+              <a:cxn ang="0">
+                <a:pos x="connsiteX7" y="connsiteY7"/>
+              </a:cxn>
+              <a:cxn ang="0">
+                <a:pos x="connsiteX8" y="connsiteY8"/>
+              </a:cxn>
+            </a:cxnLst>
+            <a:rect l="l" t="t" r="r" b="b"/>
+            <a:pathLst>
+              <a:path w="589768" h="5346192">
+                <a:moveTo>
+                  <a:pt x="589768" y="891056"/>
+                </a:moveTo>
+                <a:lnTo>
+                  <a:pt x="589768" y="4455136"/>
+                </a:lnTo>
+                <a:cubicBezTo>
+                  <a:pt x="589768" y="4947251"/>
+                  <a:pt x="584913" y="5346187"/>
+                  <a:pt x="578924" y="5346187"/>
+                </a:cubicBezTo>
+                <a:lnTo>
+                  <a:pt x="0" y="5346187"/>
+                </a:lnTo>
+                <a:lnTo>
+                  <a:pt x="0" y="5346187"/>
+                </a:lnTo>
+                <a:lnTo>
+                  <a:pt x="0" y="5"/>
+                </a:lnTo>
+                <a:lnTo>
+                  <a:pt x="0" y="5"/>
+                </a:lnTo>
+                <a:lnTo>
+                  <a:pt x="578924" y="5"/>
+                </a:lnTo>
+                <a:cubicBezTo>
+                  <a:pt x="584913" y="5"/>
+                  <a:pt x="589768" y="398941"/>
+                  <a:pt x="589768" y="891056"/>
+                </a:cubicBezTo>
+                <a:close/>
+              </a:path>
+            </a:pathLst>
+          </a:custGeom>
+          <a:noFill/>
+          <a:ln>
+            <a:noFill/>
+          </a:ln>
+          <a:effectLst/>
+        </p:spPr>
+        <p:style>
+          <a:lnRef idx="2">
+            <a:schemeClr val="dk2">
+              <a:alpha val="90000"/>
+              <a:tint val="40000"/>
+              <a:hueOff val="0"/>
+              <a:satOff val="0"/>
+              <a:lumOff val="0"/>
+              <a:alphaOff val="0"/>
+            </a:schemeClr>
+          </a:lnRef>
+          <a:fillRef idx="1">
+            <a:schemeClr val="dk2">
+              <a:alpha val="90000"/>
+              <a:tint val="40000"/>
+              <a:hueOff val="0"/>
+              <a:satOff val="0"/>
+              <a:lumOff val="0"/>
+              <a:alphaOff val="0"/>
+            </a:schemeClr>
+          </a:fillRef>
+          <a:effectRef idx="0">
+            <a:schemeClr val="dk2">
+              <a:alpha val="90000"/>
+              <a:tint val="40000"/>
+              <a:hueOff val="0"/>
+              <a:satOff val="0"/>
+              <a:lumOff val="0"/>
+              <a:alphaOff val="0"/>
+            </a:schemeClr>
+          </a:effectRef>
+          <a:fontRef idx="minor">
+            <a:schemeClr val="dk1">
+              <a:hueOff val="0"/>
+              <a:satOff val="0"/>
+              <a:lumOff val="0"/>
+              <a:alphaOff val="0"/>
+            </a:schemeClr>
+          </a:fontRef>
+        </p:style>
+        <p:txBody>
+          <a:bodyPr spcFirstLastPara="0" vert="horz" wrap="square" lIns="247650" tIns="152615" rIns="276440" bIns="152615" numCol="1" spcCol="1270" anchor="ctr" anchorCtr="0">
+            <a:noAutofit/>
+          </a:bodyPr>
+          <a:lstStyle>
+            <a:defPPr>
+              <a:defRPr lang="zh-CN">
+                <a:solidFill>
+                  <a:schemeClr val="dk1">
+                    <a:hueOff val="0"/>
+                    <a:satOff val="0"/>
+                    <a:lumOff val="0"/>
+                    <a:alphaOff val="0"/>
+                  </a:schemeClr>
+                </a:solidFill>
+              </a:defRPr>
+            </a:defPPr>
+            <a:lvl1pPr marL="0" algn="l" defTabSz="914400" rtl="0" eaLnBrk="1" latinLnBrk="0" hangingPunct="1">
+              <a:defRPr sz="1800" kern="1200">
+                <a:solidFill>
+                  <a:schemeClr val="dk1">
+                    <a:hueOff val="0"/>
+                    <a:satOff val="0"/>
+                    <a:lumOff val="0"/>
+                    <a:alphaOff val="0"/>
+                  </a:schemeClr>
+                </a:solidFill>
+                <a:latin typeface="+mn-lt"/>
+                <a:ea typeface="+mn-ea"/>
+                <a:cs typeface="+mn-cs"/>
+              </a:defRPr>
+            </a:lvl1pPr>
+            <a:lvl2pPr marL="457200" algn="l" defTabSz="914400" rtl="0" eaLnBrk="1" latinLnBrk="0" hangingPunct="1">
+              <a:defRPr sz="1800" kern="1200">
+                <a:solidFill>
+                  <a:schemeClr val="dk1">
+                    <a:hueOff val="0"/>
+                    <a:satOff val="0"/>
+                    <a:lumOff val="0"/>
+                    <a:alphaOff val="0"/>
+                  </a:schemeClr>
+                </a:solidFill>
+                <a:latin typeface="+mn-lt"/>
+                <a:ea typeface="+mn-ea"/>
+                <a:cs typeface="+mn-cs"/>
+              </a:defRPr>
+            </a:lvl2pPr>
+            <a:lvl3pPr marL="914400" algn="l" defTabSz="914400" rtl="0" eaLnBrk="1" latinLnBrk="0" hangingPunct="1">
+              <a:defRPr sz="1800" kern="1200">
+                <a:solidFill>
+                  <a:schemeClr val="dk1">
+                    <a:hueOff val="0"/>
+                    <a:satOff val="0"/>
+                    <a:lumOff val="0"/>
+                    <a:alphaOff val="0"/>
+                  </a:schemeClr>
+                </a:solidFill>
+                <a:latin typeface="+mn-lt"/>
+                <a:ea typeface="+mn-ea"/>
+                <a:cs typeface="+mn-cs"/>
+              </a:defRPr>
+            </a:lvl3pPr>
+            <a:lvl4pPr marL="1371600" algn="l" defTabSz="914400" rtl="0" eaLnBrk="1" latinLnBrk="0" hangingPunct="1">
+              <a:defRPr sz="1800" kern="1200">
+                <a:solidFill>
+                  <a:schemeClr val="dk1">
+                    <a:hueOff val="0"/>
+                    <a:satOff val="0"/>
+                    <a:lumOff val="0"/>
+                    <a:alphaOff val="0"/>
+                  </a:schemeClr>
+                </a:solidFill>
+                <a:latin typeface="+mn-lt"/>
+                <a:ea typeface="+mn-ea"/>
+                <a:cs typeface="+mn-cs"/>
+              </a:defRPr>
+            </a:lvl4pPr>
+            <a:lvl5pPr marL="1828800" algn="l" defTabSz="914400" rtl="0" eaLnBrk="1" latinLnBrk="0" hangingPunct="1">
+              <a:defRPr sz="1800" kern="1200">
+                <a:solidFill>
+                  <a:schemeClr val="dk1">
+                    <a:hueOff val="0"/>
+                    <a:satOff val="0"/>
+                    <a:lumOff val="0"/>
+                    <a:alphaOff val="0"/>
+                  </a:schemeClr>
+                </a:solidFill>
+                <a:latin typeface="+mn-lt"/>
+                <a:ea typeface="+mn-ea"/>
+                <a:cs typeface="+mn-cs"/>
+              </a:defRPr>
+            </a:lvl5pPr>
+            <a:lvl6pPr marL="2286000" algn="l" defTabSz="914400" rtl="0" eaLnBrk="1" latinLnBrk="0" hangingPunct="1">
+              <a:defRPr sz="1800" kern="1200">
+                <a:solidFill>
+                  <a:schemeClr val="dk1">
+                    <a:hueOff val="0"/>
+                    <a:satOff val="0"/>
+                    <a:lumOff val="0"/>
+                    <a:alphaOff val="0"/>
+                  </a:schemeClr>
+                </a:solidFill>
+                <a:latin typeface="+mn-lt"/>
+                <a:ea typeface="+mn-ea"/>
+                <a:cs typeface="+mn-cs"/>
+              </a:defRPr>
+            </a:lvl6pPr>
+            <a:lvl7pPr marL="2743200" algn="l" defTabSz="914400" rtl="0" eaLnBrk="1" latinLnBrk="0" hangingPunct="1">
+              <a:defRPr sz="1800" kern="1200">
+                <a:solidFill>
+                  <a:schemeClr val="dk1">
+                    <a:hueOff val="0"/>
+                    <a:satOff val="0"/>
+                    <a:lumOff val="0"/>
+                    <a:alphaOff val="0"/>
+                  </a:schemeClr>
+                </a:solidFill>
+                <a:latin typeface="+mn-lt"/>
+                <a:ea typeface="+mn-ea"/>
+                <a:cs typeface="+mn-cs"/>
+              </a:defRPr>
+            </a:lvl7pPr>
+            <a:lvl8pPr marL="3200400" algn="l" defTabSz="914400" rtl="0" eaLnBrk="1" latinLnBrk="0" hangingPunct="1">
+              <a:defRPr sz="1800" kern="1200">
+                <a:solidFill>
+                  <a:schemeClr val="dk1">
+                    <a:hueOff val="0"/>
+                    <a:satOff val="0"/>
+                    <a:lumOff val="0"/>
+                    <a:alphaOff val="0"/>
+                  </a:schemeClr>
+                </a:solidFill>
+                <a:latin typeface="+mn-lt"/>
+                <a:ea typeface="+mn-ea"/>
+                <a:cs typeface="+mn-cs"/>
+              </a:defRPr>
+            </a:lvl8pPr>
+            <a:lvl9pPr marL="3657600" algn="l" defTabSz="914400" rtl="0" eaLnBrk="1" latinLnBrk="0" hangingPunct="1">
+              <a:defRPr sz="1800" kern="1200">
+                <a:solidFill>
+                  <a:schemeClr val="dk1">
+                    <a:hueOff val="0"/>
+                    <a:satOff val="0"/>
+                    <a:lumOff val="0"/>
+                    <a:alphaOff val="0"/>
+                  </a:schemeClr>
+                </a:solidFill>
+                <a:latin typeface="+mn-lt"/>
+                <a:ea typeface="+mn-ea"/>
+                <a:cs typeface="+mn-cs"/>
+              </a:defRPr>
+            </a:lvl9pPr>
+          </a:lstStyle>
+          <a:p>
+            <a:pPr marL="0" lvl="1" defTabSz="711200">
+              <a:lnSpc>
+                <a:spcPct val="90000"/>
+              </a:lnSpc>
+              <a:spcBef>
+                <a:spcPct val="0"/>
+              </a:spcBef>
+              <a:spcAft>
+                <a:spcPct val="15000"/>
+              </a:spcAft>
+            </a:pPr>
+            <a:r>
+              <a:rPr lang="zh-CN" altLang="en-US" sz="2400" b="1" dirty="0">
+                <a:solidFill>
+                  <a:schemeClr val="tx1">
+                    <a:lumMod val="50000"/>
+                    <a:lumOff val="50000"/>
+                  </a:schemeClr>
+                </a:solidFill>
+                <a:latin typeface="仿宋" panose="02010609060101010101" charset="-122"/>
+                <a:ea typeface="仿宋" panose="02010609060101010101" charset="-122"/>
+                <a:cs typeface="+mn-ea"/>
+                <a:sym typeface="+mn-lt"/>
+              </a:rPr>
+              <a:t>参考资料</a:t>
             </a:r>
           </a:p>
         </p:txBody>
@@ -19291,7 +19797,7 @@
           <a:graphicData uri="http://schemas.openxmlformats.org/presentationml/2006/ole">
             <mc:AlternateContent xmlns:mc="http://schemas.openxmlformats.org/markup-compatibility/2006">
               <mc:Choice xmlns:v="urn:schemas-microsoft-com:vml" Requires="v">
-                <p:oleObj spid="_x0000_s2054" name="图表" r:id="rId3" imgW="4151736" imgH="3103133" progId="Excel.Chart.8">
+                <p:oleObj spid="_x0000_s2056" name="图表" r:id="rId3" imgW="4151736" imgH="3103133" progId="Excel.Chart.8">
                   <p:embed/>
                 </p:oleObj>
               </mc:Choice>
@@ -31144,14 +31650,6 @@
 <file path=ppt/slides/slide37.xml><?xml version="1.0" encoding="utf-8"?>
 <p:sld xmlns:a="http://schemas.openxmlformats.org/drawingml/2006/main" xmlns:r="http://schemas.openxmlformats.org/officeDocument/2006/relationships" xmlns:p="http://schemas.openxmlformats.org/presentationml/2006/main">
   <p:cSld>
-    <p:bg>
-      <p:bgPr>
-        <a:solidFill>
-          <a:schemeClr val="bg1"/>
-        </a:solidFill>
-        <a:effectLst/>
-      </p:bgPr>
-    </p:bg>
     <p:spTree>
       <p:nvGrpSpPr>
         <p:cNvPr id="1" name=""/>
@@ -31683,7 +32181,7 @@
                 <a:cs typeface="+mn-ea"/>
                 <a:sym typeface="+mn-lt"/>
               </a:rPr>
-              <a:t>参考资料</a:t>
+              <a:t>问题</a:t>
             </a:r>
             <a:endParaRPr lang="zh-CN" altLang="en-US" sz="3600" b="1" dirty="0">
               <a:solidFill>
@@ -31700,6 +32198,11 @@
         </p:txBody>
       </p:sp>
     </p:spTree>
+    <p:extLst>
+      <p:ext uri="{BB962C8B-B14F-4D97-AF65-F5344CB8AC3E}">
+        <p14:creationId xmlns:p14="http://schemas.microsoft.com/office/powerpoint/2010/main" val="2071251598"/>
+      </p:ext>
+    </p:extLst>
   </p:cSld>
   <p:clrMapOvr>
     <a:masterClrMapping/>
@@ -32517,6 +33020,7986 @@
                 <a:cs typeface="+mn-ea"/>
                 <a:sym typeface="+mn-lt"/>
               </a:rPr>
+              <a:t>问题</a:t>
+            </a:r>
+          </a:p>
+        </p:txBody>
+      </p:sp>
+      <p:cxnSp>
+        <p:nvCxnSpPr>
+          <p:cNvPr id="6" name="直接连接符 5"/>
+          <p:cNvCxnSpPr/>
+          <p:nvPr/>
+        </p:nvCxnSpPr>
+        <p:spPr>
+          <a:xfrm flipH="1">
+            <a:off x="5324475" y="6370955"/>
+            <a:ext cx="6680835" cy="19685"/>
+          </a:xfrm>
+          <a:prstGeom prst="line">
+            <a:avLst/>
+          </a:prstGeom>
+          <a:ln w="57150">
+            <a:gradFill>
+              <a:gsLst>
+                <a:gs pos="0">
+                  <a:schemeClr val="bg1">
+                    <a:alpha val="10000"/>
+                  </a:schemeClr>
+                </a:gs>
+                <a:gs pos="90000">
+                  <a:schemeClr val="bg1">
+                    <a:lumMod val="65000"/>
+                    <a:alpha val="44000"/>
+                  </a:schemeClr>
+                </a:gs>
+              </a:gsLst>
+              <a:lin ang="9420000" scaled="1"/>
+            </a:gradFill>
+          </a:ln>
+        </p:spPr>
+        <p:style>
+          <a:lnRef idx="1">
+            <a:schemeClr val="accent1"/>
+          </a:lnRef>
+          <a:fillRef idx="0">
+            <a:schemeClr val="accent1"/>
+          </a:fillRef>
+          <a:effectRef idx="0">
+            <a:schemeClr val="accent1"/>
+          </a:effectRef>
+          <a:fontRef idx="minor">
+            <a:schemeClr val="tx1"/>
+          </a:fontRef>
+        </p:style>
+      </p:cxnSp>
+      <p:sp>
+        <p:nvSpPr>
+          <p:cNvPr id="2" name="文本框 1"/>
+          <p:cNvSpPr txBox="1"/>
+          <p:nvPr/>
+        </p:nvSpPr>
+        <p:spPr>
+          <a:xfrm>
+            <a:off x="1258168" y="2586036"/>
+            <a:ext cx="7427111" cy="461665"/>
+          </a:xfrm>
+          <a:prstGeom prst="rect">
+            <a:avLst/>
+          </a:prstGeom>
+          <a:noFill/>
+        </p:spPr>
+        <p:txBody>
+          <a:bodyPr wrap="square" rtlCol="0">
+            <a:spAutoFit/>
+          </a:bodyPr>
+          <a:lstStyle/>
+          <a:p>
+            <a:r>
+              <a:rPr lang="zh-CN" altLang="en-US" sz="2400" dirty="0">
+                <a:latin typeface="宋体" panose="02010600030101010101" pitchFamily="2" charset="-122"/>
+              </a:rPr>
+              <a:t>软件维护是一个怎么样的过程？</a:t>
+            </a:r>
+            <a:endParaRPr lang="zh-CN" altLang="zh-CN" sz="2400" dirty="0"/>
+          </a:p>
+        </p:txBody>
+      </p:sp>
+      <p:sp>
+        <p:nvSpPr>
+          <p:cNvPr id="9" name="文本框 8"/>
+          <p:cNvSpPr txBox="1"/>
+          <p:nvPr/>
+        </p:nvSpPr>
+        <p:spPr>
+          <a:xfrm>
+            <a:off x="735331" y="1623178"/>
+            <a:ext cx="4236393" cy="590931"/>
+          </a:xfrm>
+          <a:prstGeom prst="rect">
+            <a:avLst/>
+          </a:prstGeom>
+          <a:noFill/>
+        </p:spPr>
+        <p:txBody>
+          <a:bodyPr wrap="square" rtlCol="0">
+            <a:spAutoFit/>
+          </a:bodyPr>
+          <a:lstStyle/>
+          <a:p>
+            <a:pPr marL="0" lvl="1" defTabSz="711200">
+              <a:lnSpc>
+                <a:spcPct val="90000"/>
+              </a:lnSpc>
+              <a:spcBef>
+                <a:spcPct val="0"/>
+              </a:spcBef>
+              <a:spcAft>
+                <a:spcPct val="15000"/>
+              </a:spcAft>
+            </a:pPr>
+            <a:r>
+              <a:rPr lang="zh-CN" altLang="en-US" sz="3600" b="1" dirty="0">
+                <a:latin typeface="仿宋" panose="02010609060101010101" charset="-122"/>
+                <a:ea typeface="仿宋" panose="02010609060101010101" charset="-122"/>
+                <a:cs typeface="+mn-ea"/>
+                <a:sym typeface="+mn-lt"/>
+              </a:rPr>
+              <a:t>问题一</a:t>
+            </a:r>
+          </a:p>
+        </p:txBody>
+      </p:sp>
+      <p:cxnSp>
+        <p:nvCxnSpPr>
+          <p:cNvPr id="10" name="直接连接符 9"/>
+          <p:cNvCxnSpPr/>
+          <p:nvPr/>
+        </p:nvCxnSpPr>
+        <p:spPr>
+          <a:xfrm>
+            <a:off x="735331" y="2334084"/>
+            <a:ext cx="1312218" cy="0"/>
+          </a:xfrm>
+          <a:prstGeom prst="line">
+            <a:avLst/>
+          </a:prstGeom>
+          <a:ln w="57150">
+            <a:solidFill>
+              <a:schemeClr val="tx1">
+                <a:lumMod val="50000"/>
+                <a:lumOff val="50000"/>
+              </a:schemeClr>
+            </a:solidFill>
+          </a:ln>
+        </p:spPr>
+        <p:style>
+          <a:lnRef idx="1">
+            <a:schemeClr val="accent1"/>
+          </a:lnRef>
+          <a:fillRef idx="0">
+            <a:schemeClr val="accent1"/>
+          </a:fillRef>
+          <a:effectRef idx="0">
+            <a:schemeClr val="accent1"/>
+          </a:effectRef>
+          <a:fontRef idx="minor">
+            <a:schemeClr val="tx1"/>
+          </a:fontRef>
+        </p:style>
+      </p:cxnSp>
+      <p:sp>
+        <p:nvSpPr>
+          <p:cNvPr id="3" name="文本框 2">
+            <a:extLst>
+              <a:ext uri="{FF2B5EF4-FFF2-40B4-BE49-F238E27FC236}">
+                <a16:creationId xmlns:a16="http://schemas.microsoft.com/office/drawing/2014/main" id="{0D0255B8-C59E-4C14-B30E-F779E53B226E}"/>
+              </a:ext>
+            </a:extLst>
+          </p:cNvPr>
+          <p:cNvSpPr txBox="1"/>
+          <p:nvPr/>
+        </p:nvSpPr>
+        <p:spPr>
+          <a:xfrm>
+            <a:off x="1329295" y="3361977"/>
+            <a:ext cx="5382223" cy="1200329"/>
+          </a:xfrm>
+          <a:prstGeom prst="rect">
+            <a:avLst/>
+          </a:prstGeom>
+          <a:noFill/>
+        </p:spPr>
+        <p:txBody>
+          <a:bodyPr wrap="square" rtlCol="0">
+            <a:spAutoFit/>
+          </a:bodyPr>
+          <a:lstStyle/>
+          <a:p>
+            <a:r>
+              <a:rPr lang="zh-CN" altLang="en-US" sz="2400" dirty="0"/>
+              <a:t>答：所谓软件维护就是在软件已经交付使用后，为了改正错误或者满足新的需求而修改软件的过程。</a:t>
+            </a:r>
+          </a:p>
+        </p:txBody>
+      </p:sp>
+    </p:spTree>
+    <p:extLst>
+      <p:ext uri="{BB962C8B-B14F-4D97-AF65-F5344CB8AC3E}">
+        <p14:creationId xmlns:p14="http://schemas.microsoft.com/office/powerpoint/2010/main" val="2623032010"/>
+      </p:ext>
+    </p:extLst>
+  </p:cSld>
+  <p:clrMapOvr>
+    <a:masterClrMapping/>
+  </p:clrMapOvr>
+  <p:timing>
+    <p:tnLst>
+      <p:par>
+        <p:cTn id="1" dur="indefinite" restart="never" nodeType="tmRoot">
+          <p:childTnLst>
+            <p:seq concurrent="1" nextAc="seek">
+              <p:cTn id="2" dur="indefinite" nodeType="mainSeq">
+                <p:childTnLst>
+                  <p:par>
+                    <p:cTn id="3" fill="hold">
+                      <p:stCondLst>
+                        <p:cond delay="indefinite"/>
+                        <p:cond evt="onBegin" delay="0">
+                          <p:tn val="2"/>
+                        </p:cond>
+                      </p:stCondLst>
+                      <p:childTnLst>
+                        <p:par>
+                          <p:cTn id="4" fill="hold">
+                            <p:stCondLst>
+                              <p:cond delay="0"/>
+                            </p:stCondLst>
+                            <p:childTnLst>
+                              <p:par>
+                                <p:cTn id="5" presetID="55" presetClass="entr" presetSubtype="0" fill="hold" grpId="0" nodeType="afterEffect">
+                                  <p:stCondLst>
+                                    <p:cond delay="0"/>
+                                  </p:stCondLst>
+                                  <p:childTnLst>
+                                    <p:set>
+                                      <p:cBhvr>
+                                        <p:cTn id="6" dur="1" fill="hold">
+                                          <p:stCondLst>
+                                            <p:cond delay="0"/>
+                                          </p:stCondLst>
+                                        </p:cTn>
+                                        <p:tgtEl>
+                                          <p:spTgt spid="9"/>
+                                        </p:tgtEl>
+                                        <p:attrNameLst>
+                                          <p:attrName>style.visibility</p:attrName>
+                                        </p:attrNameLst>
+                                      </p:cBhvr>
+                                      <p:to>
+                                        <p:strVal val="visible"/>
+                                      </p:to>
+                                    </p:set>
+                                    <p:anim calcmode="lin" valueType="num">
+                                      <p:cBhvr>
+                                        <p:cTn id="7" dur="1000" fill="hold"/>
+                                        <p:tgtEl>
+                                          <p:spTgt spid="9"/>
+                                        </p:tgtEl>
+                                        <p:attrNameLst>
+                                          <p:attrName>ppt_w</p:attrName>
+                                        </p:attrNameLst>
+                                      </p:cBhvr>
+                                      <p:tavLst>
+                                        <p:tav tm="0">
+                                          <p:val>
+                                            <p:strVal val="#ppt_w*0.70"/>
+                                          </p:val>
+                                        </p:tav>
+                                        <p:tav tm="100000">
+                                          <p:val>
+                                            <p:strVal val="#ppt_w"/>
+                                          </p:val>
+                                        </p:tav>
+                                      </p:tavLst>
+                                    </p:anim>
+                                    <p:anim calcmode="lin" valueType="num">
+                                      <p:cBhvr>
+                                        <p:cTn id="8" dur="1000" fill="hold"/>
+                                        <p:tgtEl>
+                                          <p:spTgt spid="9"/>
+                                        </p:tgtEl>
+                                        <p:attrNameLst>
+                                          <p:attrName>ppt_h</p:attrName>
+                                        </p:attrNameLst>
+                                      </p:cBhvr>
+                                      <p:tavLst>
+                                        <p:tav tm="0">
+                                          <p:val>
+                                            <p:strVal val="#ppt_h"/>
+                                          </p:val>
+                                        </p:tav>
+                                        <p:tav tm="100000">
+                                          <p:val>
+                                            <p:strVal val="#ppt_h"/>
+                                          </p:val>
+                                        </p:tav>
+                                      </p:tavLst>
+                                    </p:anim>
+                                    <p:animEffect transition="in" filter="fade">
+                                      <p:cBhvr>
+                                        <p:cTn id="9" dur="1000"/>
+                                        <p:tgtEl>
+                                          <p:spTgt spid="9"/>
+                                        </p:tgtEl>
+                                      </p:cBhvr>
+                                    </p:animEffect>
+                                  </p:childTnLst>
+                                </p:cTn>
+                              </p:par>
+                              <p:par>
+                                <p:cTn id="10" presetID="55" presetClass="entr" presetSubtype="0" fill="hold" nodeType="withEffect">
+                                  <p:stCondLst>
+                                    <p:cond delay="0"/>
+                                  </p:stCondLst>
+                                  <p:childTnLst>
+                                    <p:set>
+                                      <p:cBhvr>
+                                        <p:cTn id="11" dur="1" fill="hold">
+                                          <p:stCondLst>
+                                            <p:cond delay="0"/>
+                                          </p:stCondLst>
+                                        </p:cTn>
+                                        <p:tgtEl>
+                                          <p:spTgt spid="10"/>
+                                        </p:tgtEl>
+                                        <p:attrNameLst>
+                                          <p:attrName>style.visibility</p:attrName>
+                                        </p:attrNameLst>
+                                      </p:cBhvr>
+                                      <p:to>
+                                        <p:strVal val="visible"/>
+                                      </p:to>
+                                    </p:set>
+                                    <p:anim calcmode="lin" valueType="num">
+                                      <p:cBhvr>
+                                        <p:cTn id="12" dur="1000" fill="hold"/>
+                                        <p:tgtEl>
+                                          <p:spTgt spid="10"/>
+                                        </p:tgtEl>
+                                        <p:attrNameLst>
+                                          <p:attrName>ppt_w</p:attrName>
+                                        </p:attrNameLst>
+                                      </p:cBhvr>
+                                      <p:tavLst>
+                                        <p:tav tm="0">
+                                          <p:val>
+                                            <p:strVal val="#ppt_w*0.70"/>
+                                          </p:val>
+                                        </p:tav>
+                                        <p:tav tm="100000">
+                                          <p:val>
+                                            <p:strVal val="#ppt_w"/>
+                                          </p:val>
+                                        </p:tav>
+                                      </p:tavLst>
+                                    </p:anim>
+                                    <p:anim calcmode="lin" valueType="num">
+                                      <p:cBhvr>
+                                        <p:cTn id="13" dur="1000" fill="hold"/>
+                                        <p:tgtEl>
+                                          <p:spTgt spid="10"/>
+                                        </p:tgtEl>
+                                        <p:attrNameLst>
+                                          <p:attrName>ppt_h</p:attrName>
+                                        </p:attrNameLst>
+                                      </p:cBhvr>
+                                      <p:tavLst>
+                                        <p:tav tm="0">
+                                          <p:val>
+                                            <p:strVal val="#ppt_h"/>
+                                          </p:val>
+                                        </p:tav>
+                                        <p:tav tm="100000">
+                                          <p:val>
+                                            <p:strVal val="#ppt_h"/>
+                                          </p:val>
+                                        </p:tav>
+                                      </p:tavLst>
+                                    </p:anim>
+                                    <p:animEffect transition="in" filter="fade">
+                                      <p:cBhvr>
+                                        <p:cTn id="14" dur="1000"/>
+                                        <p:tgtEl>
+                                          <p:spTgt spid="10"/>
+                                        </p:tgtEl>
+                                      </p:cBhvr>
+                                    </p:animEffect>
+                                  </p:childTnLst>
+                                </p:cTn>
+                              </p:par>
+                            </p:childTnLst>
+                          </p:cTn>
+                        </p:par>
+                      </p:childTnLst>
+                    </p:cTn>
+                  </p:par>
+                  <p:par>
+                    <p:cTn id="15" fill="hold">
+                      <p:stCondLst>
+                        <p:cond delay="indefinite"/>
+                      </p:stCondLst>
+                      <p:childTnLst>
+                        <p:par>
+                          <p:cTn id="16" fill="hold">
+                            <p:stCondLst>
+                              <p:cond delay="0"/>
+                            </p:stCondLst>
+                            <p:childTnLst>
+                              <p:par>
+                                <p:cTn id="17" presetID="2" presetClass="entr" presetSubtype="4" fill="hold" grpId="0" nodeType="clickEffect">
+                                  <p:stCondLst>
+                                    <p:cond delay="0"/>
+                                  </p:stCondLst>
+                                  <p:childTnLst>
+                                    <p:set>
+                                      <p:cBhvr>
+                                        <p:cTn id="18" dur="1" fill="hold">
+                                          <p:stCondLst>
+                                            <p:cond delay="0"/>
+                                          </p:stCondLst>
+                                        </p:cTn>
+                                        <p:tgtEl>
+                                          <p:spTgt spid="3"/>
+                                        </p:tgtEl>
+                                        <p:attrNameLst>
+                                          <p:attrName>style.visibility</p:attrName>
+                                        </p:attrNameLst>
+                                      </p:cBhvr>
+                                      <p:to>
+                                        <p:strVal val="visible"/>
+                                      </p:to>
+                                    </p:set>
+                                    <p:anim calcmode="lin" valueType="num">
+                                      <p:cBhvr additive="base">
+                                        <p:cTn id="19" dur="500" fill="hold"/>
+                                        <p:tgtEl>
+                                          <p:spTgt spid="3"/>
+                                        </p:tgtEl>
+                                        <p:attrNameLst>
+                                          <p:attrName>ppt_x</p:attrName>
+                                        </p:attrNameLst>
+                                      </p:cBhvr>
+                                      <p:tavLst>
+                                        <p:tav tm="0">
+                                          <p:val>
+                                            <p:strVal val="#ppt_x"/>
+                                          </p:val>
+                                        </p:tav>
+                                        <p:tav tm="100000">
+                                          <p:val>
+                                            <p:strVal val="#ppt_x"/>
+                                          </p:val>
+                                        </p:tav>
+                                      </p:tavLst>
+                                    </p:anim>
+                                    <p:anim calcmode="lin" valueType="num">
+                                      <p:cBhvr additive="base">
+                                        <p:cTn id="20" dur="500" fill="hold"/>
+                                        <p:tgtEl>
+                                          <p:spTgt spid="3"/>
+                                        </p:tgtEl>
+                                        <p:attrNameLst>
+                                          <p:attrName>ppt_y</p:attrName>
+                                        </p:attrNameLst>
+                                      </p:cBhvr>
+                                      <p:tavLst>
+                                        <p:tav tm="0">
+                                          <p:val>
+                                            <p:strVal val="1+#ppt_h/2"/>
+                                          </p:val>
+                                        </p:tav>
+                                        <p:tav tm="100000">
+                                          <p:val>
+                                            <p:strVal val="#ppt_y"/>
+                                          </p:val>
+                                        </p:tav>
+                                      </p:tavLst>
+                                    </p:anim>
+                                  </p:childTnLst>
+                                </p:cTn>
+                              </p:par>
+                            </p:childTnLst>
+                          </p:cTn>
+                        </p:par>
+                      </p:childTnLst>
+                    </p:cTn>
+                  </p:par>
+                </p:childTnLst>
+              </p:cTn>
+              <p:prevCondLst>
+                <p:cond evt="onPrev" delay="0">
+                  <p:tgtEl>
+                    <p:sldTgt/>
+                  </p:tgtEl>
+                </p:cond>
+              </p:prevCondLst>
+              <p:nextCondLst>
+                <p:cond evt="onNext" delay="0">
+                  <p:tgtEl>
+                    <p:sldTgt/>
+                  </p:tgtEl>
+                </p:cond>
+              </p:nextCondLst>
+            </p:seq>
+          </p:childTnLst>
+        </p:cTn>
+      </p:par>
+    </p:tnLst>
+    <p:bldLst>
+      <p:bldP spid="9" grpId="0"/>
+      <p:bldP spid="3" grpId="0"/>
+    </p:bldLst>
+  </p:timing>
+</p:sld>
+</file>
+
+<file path=ppt/slides/slide39.xml><?xml version="1.0" encoding="utf-8"?>
+<p:sld xmlns:a="http://schemas.openxmlformats.org/drawingml/2006/main" xmlns:r="http://schemas.openxmlformats.org/officeDocument/2006/relationships" xmlns:p="http://schemas.openxmlformats.org/presentationml/2006/main">
+  <p:cSld>
+    <p:spTree>
+      <p:nvGrpSpPr>
+        <p:cNvPr id="1" name=""/>
+        <p:cNvGrpSpPr/>
+        <p:nvPr/>
+      </p:nvGrpSpPr>
+      <p:grpSpPr>
+        <a:xfrm>
+          <a:off x="0" y="0"/>
+          <a:ext cx="0" cy="0"/>
+          <a:chOff x="0" y="0"/>
+          <a:chExt cx="0" cy="0"/>
+        </a:xfrm>
+      </p:grpSpPr>
+      <p:grpSp>
+        <p:nvGrpSpPr>
+          <p:cNvPr id="12" name="组合 11"/>
+          <p:cNvGrpSpPr/>
+          <p:nvPr/>
+        </p:nvGrpSpPr>
+        <p:grpSpPr>
+          <a:xfrm>
+            <a:off x="819150" y="304165"/>
+            <a:ext cx="803910" cy="946785"/>
+            <a:chOff x="7448" y="3202"/>
+            <a:chExt cx="2827" cy="3146"/>
+          </a:xfrm>
+        </p:grpSpPr>
+        <p:cxnSp>
+          <p:nvCxnSpPr>
+            <p:cNvPr id="5" name="直接连接符 4"/>
+            <p:cNvCxnSpPr/>
+            <p:nvPr/>
+          </p:nvCxnSpPr>
+          <p:spPr>
+            <a:xfrm flipH="1">
+              <a:off x="7448" y="3324"/>
+              <a:ext cx="2721" cy="3025"/>
+            </a:xfrm>
+            <a:prstGeom prst="line">
+              <a:avLst/>
+            </a:prstGeom>
+            <a:ln>
+              <a:gradFill>
+                <a:gsLst>
+                  <a:gs pos="0">
+                    <a:schemeClr val="bg1"/>
+                  </a:gs>
+                  <a:gs pos="74000">
+                    <a:schemeClr val="bg1">
+                      <a:lumMod val="65000"/>
+                    </a:schemeClr>
+                  </a:gs>
+                </a:gsLst>
+                <a:lin ang="15720000" scaled="1"/>
+              </a:gradFill>
+            </a:ln>
+          </p:spPr>
+          <p:style>
+            <a:lnRef idx="1">
+              <a:schemeClr val="accent1"/>
+            </a:lnRef>
+            <a:fillRef idx="0">
+              <a:schemeClr val="accent1"/>
+            </a:fillRef>
+            <a:effectRef idx="0">
+              <a:schemeClr val="accent1"/>
+            </a:effectRef>
+            <a:fontRef idx="minor">
+              <a:schemeClr val="tx1"/>
+            </a:fontRef>
+          </p:style>
+        </p:cxnSp>
+        <p:sp>
+          <p:nvSpPr>
+            <p:cNvPr id="8" name="椭圆 7"/>
+            <p:cNvSpPr/>
+            <p:nvPr/>
+          </p:nvSpPr>
+          <p:spPr>
+            <a:xfrm>
+              <a:off x="10077" y="3202"/>
+              <a:ext cx="198" cy="213"/>
+            </a:xfrm>
+            <a:prstGeom prst="ellipse">
+              <a:avLst/>
+            </a:prstGeom>
+            <a:solidFill>
+              <a:schemeClr val="bg1">
+                <a:lumMod val="65000"/>
+              </a:schemeClr>
+            </a:solidFill>
+            <a:ln>
+              <a:noFill/>
+            </a:ln>
+          </p:spPr>
+          <p:style>
+            <a:lnRef idx="2">
+              <a:schemeClr val="accent1">
+                <a:shade val="50000"/>
+              </a:schemeClr>
+            </a:lnRef>
+            <a:fillRef idx="1">
+              <a:schemeClr val="accent1"/>
+            </a:fillRef>
+            <a:effectRef idx="0">
+              <a:schemeClr val="accent1"/>
+            </a:effectRef>
+            <a:fontRef idx="minor">
+              <a:schemeClr val="lt1"/>
+            </a:fontRef>
+          </p:style>
+          <p:txBody>
+            <a:bodyPr rtlCol="0" anchor="ctr"/>
+            <a:lstStyle/>
+            <a:p>
+              <a:pPr algn="ctr"/>
+              <a:endParaRPr lang="zh-CN" altLang="en-US">
+                <a:cs typeface="仿宋" panose="02010609060101010101" charset="-122"/>
+              </a:endParaRPr>
+            </a:p>
+          </p:txBody>
+        </p:sp>
+      </p:grpSp>
+      <p:sp>
+        <p:nvSpPr>
+          <p:cNvPr id="4" name="文本框 3"/>
+          <p:cNvSpPr txBox="1"/>
+          <p:nvPr/>
+        </p:nvSpPr>
+        <p:spPr>
+          <a:xfrm>
+            <a:off x="439360" y="340995"/>
+            <a:ext cx="800219" cy="461665"/>
+          </a:xfrm>
+          <a:prstGeom prst="rect">
+            <a:avLst/>
+          </a:prstGeom>
+          <a:noFill/>
+        </p:spPr>
+        <p:txBody>
+          <a:bodyPr wrap="none" rtlCol="0" anchor="t">
+            <a:spAutoFit/>
+          </a:bodyPr>
+          <a:lstStyle/>
+          <a:p>
+            <a:pPr algn="ctr"/>
+            <a:r>
+              <a:rPr lang="en-US" altLang="zh-CN" sz="2400" dirty="0">
+                <a:solidFill>
+                  <a:schemeClr val="tx1">
+                    <a:lumMod val="50000"/>
+                    <a:lumOff val="50000"/>
+                  </a:schemeClr>
+                </a:solidFill>
+                <a:latin typeface="仿宋" panose="02010609060101010101" charset="-122"/>
+                <a:ea typeface="仿宋" panose="02010609060101010101" charset="-122"/>
+                <a:cs typeface="仿宋" panose="02010609060101010101" charset="-122"/>
+                <a:sym typeface="+mn-lt"/>
+              </a:rPr>
+              <a:t>four</a:t>
+            </a:r>
+            <a:endParaRPr lang="en-US" sz="2400" dirty="0">
+              <a:solidFill>
+                <a:schemeClr val="tx1">
+                  <a:lumMod val="50000"/>
+                  <a:lumOff val="50000"/>
+                </a:schemeClr>
+              </a:solidFill>
+              <a:latin typeface="仿宋" panose="02010609060101010101" charset="-122"/>
+              <a:ea typeface="仿宋" panose="02010609060101010101" charset="-122"/>
+              <a:cs typeface="仿宋" panose="02010609060101010101" charset="-122"/>
+              <a:sym typeface="+mn-lt"/>
+            </a:endParaRPr>
+          </a:p>
+        </p:txBody>
+      </p:sp>
+      <p:sp>
+        <p:nvSpPr>
+          <p:cNvPr id="7" name="任意多边形 18"/>
+          <p:cNvSpPr/>
+          <p:nvPr/>
+        </p:nvSpPr>
+        <p:spPr>
+          <a:xfrm>
+            <a:off x="1738453" y="304127"/>
+            <a:ext cx="4419256" cy="618508"/>
+          </a:xfrm>
+          <a:custGeom>
+            <a:avLst/>
+            <a:gdLst>
+              <a:gd name="connsiteX0" fmla="*/ 98297 w 589768"/>
+              <a:gd name="connsiteY0" fmla="*/ 0 h 5346192"/>
+              <a:gd name="connsiteX1" fmla="*/ 491471 w 589768"/>
+              <a:gd name="connsiteY1" fmla="*/ 0 h 5346192"/>
+              <a:gd name="connsiteX2" fmla="*/ 589768 w 589768"/>
+              <a:gd name="connsiteY2" fmla="*/ 98297 h 5346192"/>
+              <a:gd name="connsiteX3" fmla="*/ 589768 w 589768"/>
+              <a:gd name="connsiteY3" fmla="*/ 5346192 h 5346192"/>
+              <a:gd name="connsiteX4" fmla="*/ 589768 w 589768"/>
+              <a:gd name="connsiteY4" fmla="*/ 5346192 h 5346192"/>
+              <a:gd name="connsiteX5" fmla="*/ 0 w 589768"/>
+              <a:gd name="connsiteY5" fmla="*/ 5346192 h 5346192"/>
+              <a:gd name="connsiteX6" fmla="*/ 0 w 589768"/>
+              <a:gd name="connsiteY6" fmla="*/ 5346192 h 5346192"/>
+              <a:gd name="connsiteX7" fmla="*/ 0 w 589768"/>
+              <a:gd name="connsiteY7" fmla="*/ 98297 h 5346192"/>
+              <a:gd name="connsiteX8" fmla="*/ 98297 w 589768"/>
+              <a:gd name="connsiteY8" fmla="*/ 0 h 5346192"/>
+            </a:gdLst>
+            <a:ahLst/>
+            <a:cxnLst>
+              <a:cxn ang="0">
+                <a:pos x="connsiteX0" y="connsiteY0"/>
+              </a:cxn>
+              <a:cxn ang="0">
+                <a:pos x="connsiteX1" y="connsiteY1"/>
+              </a:cxn>
+              <a:cxn ang="0">
+                <a:pos x="connsiteX2" y="connsiteY2"/>
+              </a:cxn>
+              <a:cxn ang="0">
+                <a:pos x="connsiteX3" y="connsiteY3"/>
+              </a:cxn>
+              <a:cxn ang="0">
+                <a:pos x="connsiteX4" y="connsiteY4"/>
+              </a:cxn>
+              <a:cxn ang="0">
+                <a:pos x="connsiteX5" y="connsiteY5"/>
+              </a:cxn>
+              <a:cxn ang="0">
+                <a:pos x="connsiteX6" y="connsiteY6"/>
+              </a:cxn>
+              <a:cxn ang="0">
+                <a:pos x="connsiteX7" y="connsiteY7"/>
+              </a:cxn>
+              <a:cxn ang="0">
+                <a:pos x="connsiteX8" y="connsiteY8"/>
+              </a:cxn>
+            </a:cxnLst>
+            <a:rect l="l" t="t" r="r" b="b"/>
+            <a:pathLst>
+              <a:path w="589768" h="5346192">
+                <a:moveTo>
+                  <a:pt x="589768" y="891056"/>
+                </a:moveTo>
+                <a:lnTo>
+                  <a:pt x="589768" y="4455136"/>
+                </a:lnTo>
+                <a:cubicBezTo>
+                  <a:pt x="589768" y="4947251"/>
+                  <a:pt x="584913" y="5346187"/>
+                  <a:pt x="578924" y="5346187"/>
+                </a:cubicBezTo>
+                <a:lnTo>
+                  <a:pt x="0" y="5346187"/>
+                </a:lnTo>
+                <a:lnTo>
+                  <a:pt x="0" y="5346187"/>
+                </a:lnTo>
+                <a:lnTo>
+                  <a:pt x="0" y="5"/>
+                </a:lnTo>
+                <a:lnTo>
+                  <a:pt x="0" y="5"/>
+                </a:lnTo>
+                <a:lnTo>
+                  <a:pt x="578924" y="5"/>
+                </a:lnTo>
+                <a:cubicBezTo>
+                  <a:pt x="584913" y="5"/>
+                  <a:pt x="589768" y="398941"/>
+                  <a:pt x="589768" y="891056"/>
+                </a:cubicBezTo>
+                <a:close/>
+              </a:path>
+            </a:pathLst>
+          </a:custGeom>
+          <a:noFill/>
+          <a:ln>
+            <a:noFill/>
+          </a:ln>
+          <a:effectLst/>
+        </p:spPr>
+        <p:style>
+          <a:lnRef idx="2">
+            <a:schemeClr val="dk2">
+              <a:alpha val="90000"/>
+              <a:tint val="40000"/>
+              <a:hueOff val="0"/>
+              <a:satOff val="0"/>
+              <a:lumOff val="0"/>
+              <a:alphaOff val="0"/>
+            </a:schemeClr>
+          </a:lnRef>
+          <a:fillRef idx="1">
+            <a:schemeClr val="dk2">
+              <a:alpha val="90000"/>
+              <a:tint val="40000"/>
+              <a:hueOff val="0"/>
+              <a:satOff val="0"/>
+              <a:lumOff val="0"/>
+              <a:alphaOff val="0"/>
+            </a:schemeClr>
+          </a:fillRef>
+          <a:effectRef idx="0">
+            <a:schemeClr val="dk2">
+              <a:alpha val="90000"/>
+              <a:tint val="40000"/>
+              <a:hueOff val="0"/>
+              <a:satOff val="0"/>
+              <a:lumOff val="0"/>
+              <a:alphaOff val="0"/>
+            </a:schemeClr>
+          </a:effectRef>
+          <a:fontRef idx="minor">
+            <a:schemeClr val="dk1">
+              <a:hueOff val="0"/>
+              <a:satOff val="0"/>
+              <a:lumOff val="0"/>
+              <a:alphaOff val="0"/>
+            </a:schemeClr>
+          </a:fontRef>
+        </p:style>
+        <p:txBody>
+          <a:bodyPr spcFirstLastPara="0" vert="horz" wrap="square" lIns="247650" tIns="152615" rIns="276440" bIns="152615" numCol="1" spcCol="1270" anchor="ctr" anchorCtr="0">
+            <a:noAutofit/>
+          </a:bodyPr>
+          <a:lstStyle>
+            <a:defPPr>
+              <a:defRPr lang="zh-CN">
+                <a:solidFill>
+                  <a:schemeClr val="dk1">
+                    <a:hueOff val="0"/>
+                    <a:satOff val="0"/>
+                    <a:lumOff val="0"/>
+                    <a:alphaOff val="0"/>
+                  </a:schemeClr>
+                </a:solidFill>
+              </a:defRPr>
+            </a:defPPr>
+            <a:lvl1pPr marL="0" algn="l" defTabSz="914400" rtl="0" eaLnBrk="1" latinLnBrk="0" hangingPunct="1">
+              <a:defRPr sz="1800" kern="1200">
+                <a:solidFill>
+                  <a:schemeClr val="dk1">
+                    <a:hueOff val="0"/>
+                    <a:satOff val="0"/>
+                    <a:lumOff val="0"/>
+                    <a:alphaOff val="0"/>
+                  </a:schemeClr>
+                </a:solidFill>
+                <a:latin typeface="+mn-lt"/>
+                <a:ea typeface="+mn-ea"/>
+                <a:cs typeface="+mn-cs"/>
+              </a:defRPr>
+            </a:lvl1pPr>
+            <a:lvl2pPr marL="457200" algn="l" defTabSz="914400" rtl="0" eaLnBrk="1" latinLnBrk="0" hangingPunct="1">
+              <a:defRPr sz="1800" kern="1200">
+                <a:solidFill>
+                  <a:schemeClr val="dk1">
+                    <a:hueOff val="0"/>
+                    <a:satOff val="0"/>
+                    <a:lumOff val="0"/>
+                    <a:alphaOff val="0"/>
+                  </a:schemeClr>
+                </a:solidFill>
+                <a:latin typeface="+mn-lt"/>
+                <a:ea typeface="+mn-ea"/>
+                <a:cs typeface="+mn-cs"/>
+              </a:defRPr>
+            </a:lvl2pPr>
+            <a:lvl3pPr marL="914400" algn="l" defTabSz="914400" rtl="0" eaLnBrk="1" latinLnBrk="0" hangingPunct="1">
+              <a:defRPr sz="1800" kern="1200">
+                <a:solidFill>
+                  <a:schemeClr val="dk1">
+                    <a:hueOff val="0"/>
+                    <a:satOff val="0"/>
+                    <a:lumOff val="0"/>
+                    <a:alphaOff val="0"/>
+                  </a:schemeClr>
+                </a:solidFill>
+                <a:latin typeface="+mn-lt"/>
+                <a:ea typeface="+mn-ea"/>
+                <a:cs typeface="+mn-cs"/>
+              </a:defRPr>
+            </a:lvl3pPr>
+            <a:lvl4pPr marL="1371600" algn="l" defTabSz="914400" rtl="0" eaLnBrk="1" latinLnBrk="0" hangingPunct="1">
+              <a:defRPr sz="1800" kern="1200">
+                <a:solidFill>
+                  <a:schemeClr val="dk1">
+                    <a:hueOff val="0"/>
+                    <a:satOff val="0"/>
+                    <a:lumOff val="0"/>
+                    <a:alphaOff val="0"/>
+                  </a:schemeClr>
+                </a:solidFill>
+                <a:latin typeface="+mn-lt"/>
+                <a:ea typeface="+mn-ea"/>
+                <a:cs typeface="+mn-cs"/>
+              </a:defRPr>
+            </a:lvl4pPr>
+            <a:lvl5pPr marL="1828800" algn="l" defTabSz="914400" rtl="0" eaLnBrk="1" latinLnBrk="0" hangingPunct="1">
+              <a:defRPr sz="1800" kern="1200">
+                <a:solidFill>
+                  <a:schemeClr val="dk1">
+                    <a:hueOff val="0"/>
+                    <a:satOff val="0"/>
+                    <a:lumOff val="0"/>
+                    <a:alphaOff val="0"/>
+                  </a:schemeClr>
+                </a:solidFill>
+                <a:latin typeface="+mn-lt"/>
+                <a:ea typeface="+mn-ea"/>
+                <a:cs typeface="+mn-cs"/>
+              </a:defRPr>
+            </a:lvl5pPr>
+            <a:lvl6pPr marL="2286000" algn="l" defTabSz="914400" rtl="0" eaLnBrk="1" latinLnBrk="0" hangingPunct="1">
+              <a:defRPr sz="1800" kern="1200">
+                <a:solidFill>
+                  <a:schemeClr val="dk1">
+                    <a:hueOff val="0"/>
+                    <a:satOff val="0"/>
+                    <a:lumOff val="0"/>
+                    <a:alphaOff val="0"/>
+                  </a:schemeClr>
+                </a:solidFill>
+                <a:latin typeface="+mn-lt"/>
+                <a:ea typeface="+mn-ea"/>
+                <a:cs typeface="+mn-cs"/>
+              </a:defRPr>
+            </a:lvl6pPr>
+            <a:lvl7pPr marL="2743200" algn="l" defTabSz="914400" rtl="0" eaLnBrk="1" latinLnBrk="0" hangingPunct="1">
+              <a:defRPr sz="1800" kern="1200">
+                <a:solidFill>
+                  <a:schemeClr val="dk1">
+                    <a:hueOff val="0"/>
+                    <a:satOff val="0"/>
+                    <a:lumOff val="0"/>
+                    <a:alphaOff val="0"/>
+                  </a:schemeClr>
+                </a:solidFill>
+                <a:latin typeface="+mn-lt"/>
+                <a:ea typeface="+mn-ea"/>
+                <a:cs typeface="+mn-cs"/>
+              </a:defRPr>
+            </a:lvl7pPr>
+            <a:lvl8pPr marL="3200400" algn="l" defTabSz="914400" rtl="0" eaLnBrk="1" latinLnBrk="0" hangingPunct="1">
+              <a:defRPr sz="1800" kern="1200">
+                <a:solidFill>
+                  <a:schemeClr val="dk1">
+                    <a:hueOff val="0"/>
+                    <a:satOff val="0"/>
+                    <a:lumOff val="0"/>
+                    <a:alphaOff val="0"/>
+                  </a:schemeClr>
+                </a:solidFill>
+                <a:latin typeface="+mn-lt"/>
+                <a:ea typeface="+mn-ea"/>
+                <a:cs typeface="+mn-cs"/>
+              </a:defRPr>
+            </a:lvl8pPr>
+            <a:lvl9pPr marL="3657600" algn="l" defTabSz="914400" rtl="0" eaLnBrk="1" latinLnBrk="0" hangingPunct="1">
+              <a:defRPr sz="1800" kern="1200">
+                <a:solidFill>
+                  <a:schemeClr val="dk1">
+                    <a:hueOff val="0"/>
+                    <a:satOff val="0"/>
+                    <a:lumOff val="0"/>
+                    <a:alphaOff val="0"/>
+                  </a:schemeClr>
+                </a:solidFill>
+                <a:latin typeface="+mn-lt"/>
+                <a:ea typeface="+mn-ea"/>
+                <a:cs typeface="+mn-cs"/>
+              </a:defRPr>
+            </a:lvl9pPr>
+          </a:lstStyle>
+          <a:p>
+            <a:pPr marL="0" lvl="1" defTabSz="711200">
+              <a:lnSpc>
+                <a:spcPct val="90000"/>
+              </a:lnSpc>
+              <a:spcBef>
+                <a:spcPct val="0"/>
+              </a:spcBef>
+              <a:spcAft>
+                <a:spcPct val="15000"/>
+              </a:spcAft>
+            </a:pPr>
+            <a:r>
+              <a:rPr lang="zh-CN" altLang="en-US" sz="2400" b="1" dirty="0">
+                <a:solidFill>
+                  <a:schemeClr val="bg1">
+                    <a:lumMod val="50000"/>
+                  </a:schemeClr>
+                </a:solidFill>
+                <a:latin typeface="仿宋" panose="02010609060101010101" charset="-122"/>
+                <a:ea typeface="仿宋" panose="02010609060101010101" charset="-122"/>
+                <a:cs typeface="+mn-ea"/>
+                <a:sym typeface="+mn-lt"/>
+              </a:rPr>
+              <a:t>问题</a:t>
+            </a:r>
+          </a:p>
+        </p:txBody>
+      </p:sp>
+      <p:cxnSp>
+        <p:nvCxnSpPr>
+          <p:cNvPr id="6" name="直接连接符 5"/>
+          <p:cNvCxnSpPr/>
+          <p:nvPr/>
+        </p:nvCxnSpPr>
+        <p:spPr>
+          <a:xfrm flipH="1">
+            <a:off x="5324475" y="6370955"/>
+            <a:ext cx="6680835" cy="19685"/>
+          </a:xfrm>
+          <a:prstGeom prst="line">
+            <a:avLst/>
+          </a:prstGeom>
+          <a:ln w="57150">
+            <a:gradFill>
+              <a:gsLst>
+                <a:gs pos="0">
+                  <a:schemeClr val="bg1">
+                    <a:alpha val="10000"/>
+                  </a:schemeClr>
+                </a:gs>
+                <a:gs pos="90000">
+                  <a:schemeClr val="bg1">
+                    <a:lumMod val="65000"/>
+                    <a:alpha val="44000"/>
+                  </a:schemeClr>
+                </a:gs>
+              </a:gsLst>
+              <a:lin ang="9420000" scaled="1"/>
+            </a:gradFill>
+          </a:ln>
+        </p:spPr>
+        <p:style>
+          <a:lnRef idx="1">
+            <a:schemeClr val="accent1"/>
+          </a:lnRef>
+          <a:fillRef idx="0">
+            <a:schemeClr val="accent1"/>
+          </a:fillRef>
+          <a:effectRef idx="0">
+            <a:schemeClr val="accent1"/>
+          </a:effectRef>
+          <a:fontRef idx="minor">
+            <a:schemeClr val="tx1"/>
+          </a:fontRef>
+        </p:style>
+      </p:cxnSp>
+      <p:sp>
+        <p:nvSpPr>
+          <p:cNvPr id="2" name="文本框 1"/>
+          <p:cNvSpPr txBox="1"/>
+          <p:nvPr/>
+        </p:nvSpPr>
+        <p:spPr>
+          <a:xfrm>
+            <a:off x="1258168" y="2586036"/>
+            <a:ext cx="7427111" cy="461665"/>
+          </a:xfrm>
+          <a:prstGeom prst="rect">
+            <a:avLst/>
+          </a:prstGeom>
+          <a:noFill/>
+        </p:spPr>
+        <p:txBody>
+          <a:bodyPr wrap="square" rtlCol="0">
+            <a:spAutoFit/>
+          </a:bodyPr>
+          <a:lstStyle/>
+          <a:p>
+            <a:r>
+              <a:rPr lang="zh-CN" altLang="en-US" sz="2400" dirty="0">
+                <a:latin typeface="宋体" panose="02010600030101010101" pitchFamily="2" charset="-122"/>
+              </a:rPr>
+              <a:t>软件维护活动有哪些？</a:t>
+            </a:r>
+            <a:endParaRPr lang="zh-CN" altLang="zh-CN" sz="2400" dirty="0"/>
+          </a:p>
+        </p:txBody>
+      </p:sp>
+      <p:sp>
+        <p:nvSpPr>
+          <p:cNvPr id="9" name="文本框 8"/>
+          <p:cNvSpPr txBox="1"/>
+          <p:nvPr/>
+        </p:nvSpPr>
+        <p:spPr>
+          <a:xfrm>
+            <a:off x="735331" y="1623178"/>
+            <a:ext cx="4236393" cy="590931"/>
+          </a:xfrm>
+          <a:prstGeom prst="rect">
+            <a:avLst/>
+          </a:prstGeom>
+          <a:noFill/>
+        </p:spPr>
+        <p:txBody>
+          <a:bodyPr wrap="square" rtlCol="0">
+            <a:spAutoFit/>
+          </a:bodyPr>
+          <a:lstStyle/>
+          <a:p>
+            <a:pPr marL="0" lvl="1" defTabSz="711200">
+              <a:lnSpc>
+                <a:spcPct val="90000"/>
+              </a:lnSpc>
+              <a:spcBef>
+                <a:spcPct val="0"/>
+              </a:spcBef>
+              <a:spcAft>
+                <a:spcPct val="15000"/>
+              </a:spcAft>
+            </a:pPr>
+            <a:r>
+              <a:rPr lang="zh-CN" altLang="en-US" sz="3600" b="1" dirty="0">
+                <a:latin typeface="仿宋" panose="02010609060101010101" charset="-122"/>
+                <a:ea typeface="仿宋" panose="02010609060101010101" charset="-122"/>
+                <a:cs typeface="+mn-ea"/>
+                <a:sym typeface="+mn-lt"/>
+              </a:rPr>
+              <a:t>问题二</a:t>
+            </a:r>
+          </a:p>
+        </p:txBody>
+      </p:sp>
+      <p:cxnSp>
+        <p:nvCxnSpPr>
+          <p:cNvPr id="10" name="直接连接符 9"/>
+          <p:cNvCxnSpPr/>
+          <p:nvPr/>
+        </p:nvCxnSpPr>
+        <p:spPr>
+          <a:xfrm>
+            <a:off x="735331" y="2334084"/>
+            <a:ext cx="1312218" cy="0"/>
+          </a:xfrm>
+          <a:prstGeom prst="line">
+            <a:avLst/>
+          </a:prstGeom>
+          <a:ln w="57150">
+            <a:solidFill>
+              <a:schemeClr val="tx1">
+                <a:lumMod val="50000"/>
+                <a:lumOff val="50000"/>
+              </a:schemeClr>
+            </a:solidFill>
+          </a:ln>
+        </p:spPr>
+        <p:style>
+          <a:lnRef idx="1">
+            <a:schemeClr val="accent1"/>
+          </a:lnRef>
+          <a:fillRef idx="0">
+            <a:schemeClr val="accent1"/>
+          </a:fillRef>
+          <a:effectRef idx="0">
+            <a:schemeClr val="accent1"/>
+          </a:effectRef>
+          <a:fontRef idx="minor">
+            <a:schemeClr val="tx1"/>
+          </a:fontRef>
+        </p:style>
+      </p:cxnSp>
+      <p:sp>
+        <p:nvSpPr>
+          <p:cNvPr id="3" name="文本框 2">
+            <a:extLst>
+              <a:ext uri="{FF2B5EF4-FFF2-40B4-BE49-F238E27FC236}">
+                <a16:creationId xmlns:a16="http://schemas.microsoft.com/office/drawing/2014/main" id="{0D0255B8-C59E-4C14-B30E-F779E53B226E}"/>
+              </a:ext>
+            </a:extLst>
+          </p:cNvPr>
+          <p:cNvSpPr txBox="1"/>
+          <p:nvPr/>
+        </p:nvSpPr>
+        <p:spPr>
+          <a:xfrm>
+            <a:off x="1329295" y="3361977"/>
+            <a:ext cx="5382223" cy="1569660"/>
+          </a:xfrm>
+          <a:prstGeom prst="rect">
+            <a:avLst/>
+          </a:prstGeom>
+          <a:noFill/>
+        </p:spPr>
+        <p:txBody>
+          <a:bodyPr wrap="square" rtlCol="0">
+            <a:spAutoFit/>
+          </a:bodyPr>
+          <a:lstStyle/>
+          <a:p>
+            <a:r>
+              <a:rPr lang="en-US" altLang="zh-CN" sz="2400" dirty="0"/>
+              <a:t>1.</a:t>
+            </a:r>
+            <a:r>
+              <a:rPr lang="zh-CN" altLang="en-US" sz="2400" dirty="0"/>
+              <a:t>改正性维护</a:t>
+            </a:r>
+            <a:endParaRPr lang="en-US" altLang="zh-CN" sz="2400" dirty="0"/>
+          </a:p>
+          <a:p>
+            <a:r>
+              <a:rPr lang="en-US" altLang="zh-CN" sz="2400" dirty="0"/>
+              <a:t>2.</a:t>
+            </a:r>
+            <a:r>
+              <a:rPr lang="zh-CN" altLang="en-US" sz="2400" dirty="0"/>
+              <a:t>适应性维护</a:t>
+            </a:r>
+            <a:endParaRPr lang="en-US" altLang="zh-CN" sz="2400" dirty="0"/>
+          </a:p>
+          <a:p>
+            <a:r>
+              <a:rPr lang="en-US" altLang="zh-CN" sz="2400" dirty="0"/>
+              <a:t>3.</a:t>
+            </a:r>
+            <a:r>
+              <a:rPr lang="zh-CN" altLang="en-US" sz="2400" dirty="0"/>
+              <a:t>完善性维护</a:t>
+            </a:r>
+            <a:endParaRPr lang="en-US" altLang="zh-CN" sz="2400" dirty="0"/>
+          </a:p>
+          <a:p>
+            <a:r>
+              <a:rPr lang="en-US" altLang="zh-CN" sz="2400" dirty="0"/>
+              <a:t>4.</a:t>
+            </a:r>
+            <a:r>
+              <a:rPr lang="zh-CN" altLang="en-US" sz="2400" dirty="0"/>
+              <a:t>预防性维护</a:t>
+            </a:r>
+          </a:p>
+        </p:txBody>
+      </p:sp>
+    </p:spTree>
+    <p:extLst>
+      <p:ext uri="{BB962C8B-B14F-4D97-AF65-F5344CB8AC3E}">
+        <p14:creationId xmlns:p14="http://schemas.microsoft.com/office/powerpoint/2010/main" val="671761911"/>
+      </p:ext>
+    </p:extLst>
+  </p:cSld>
+  <p:clrMapOvr>
+    <a:masterClrMapping/>
+  </p:clrMapOvr>
+  <p:timing>
+    <p:tnLst>
+      <p:par>
+        <p:cTn id="1" dur="indefinite" restart="never" nodeType="tmRoot">
+          <p:childTnLst>
+            <p:seq concurrent="1" nextAc="seek">
+              <p:cTn id="2" dur="indefinite" nodeType="mainSeq">
+                <p:childTnLst>
+                  <p:par>
+                    <p:cTn id="3" fill="hold">
+                      <p:stCondLst>
+                        <p:cond delay="indefinite"/>
+                        <p:cond evt="onBegin" delay="0">
+                          <p:tn val="2"/>
+                        </p:cond>
+                      </p:stCondLst>
+                      <p:childTnLst>
+                        <p:par>
+                          <p:cTn id="4" fill="hold">
+                            <p:stCondLst>
+                              <p:cond delay="0"/>
+                            </p:stCondLst>
+                            <p:childTnLst>
+                              <p:par>
+                                <p:cTn id="5" presetID="55" presetClass="entr" presetSubtype="0" fill="hold" grpId="0" nodeType="afterEffect">
+                                  <p:stCondLst>
+                                    <p:cond delay="0"/>
+                                  </p:stCondLst>
+                                  <p:childTnLst>
+                                    <p:set>
+                                      <p:cBhvr>
+                                        <p:cTn id="6" dur="1" fill="hold">
+                                          <p:stCondLst>
+                                            <p:cond delay="0"/>
+                                          </p:stCondLst>
+                                        </p:cTn>
+                                        <p:tgtEl>
+                                          <p:spTgt spid="9"/>
+                                        </p:tgtEl>
+                                        <p:attrNameLst>
+                                          <p:attrName>style.visibility</p:attrName>
+                                        </p:attrNameLst>
+                                      </p:cBhvr>
+                                      <p:to>
+                                        <p:strVal val="visible"/>
+                                      </p:to>
+                                    </p:set>
+                                    <p:anim calcmode="lin" valueType="num">
+                                      <p:cBhvr>
+                                        <p:cTn id="7" dur="1000" fill="hold"/>
+                                        <p:tgtEl>
+                                          <p:spTgt spid="9"/>
+                                        </p:tgtEl>
+                                        <p:attrNameLst>
+                                          <p:attrName>ppt_w</p:attrName>
+                                        </p:attrNameLst>
+                                      </p:cBhvr>
+                                      <p:tavLst>
+                                        <p:tav tm="0">
+                                          <p:val>
+                                            <p:strVal val="#ppt_w*0.70"/>
+                                          </p:val>
+                                        </p:tav>
+                                        <p:tav tm="100000">
+                                          <p:val>
+                                            <p:strVal val="#ppt_w"/>
+                                          </p:val>
+                                        </p:tav>
+                                      </p:tavLst>
+                                    </p:anim>
+                                    <p:anim calcmode="lin" valueType="num">
+                                      <p:cBhvr>
+                                        <p:cTn id="8" dur="1000" fill="hold"/>
+                                        <p:tgtEl>
+                                          <p:spTgt spid="9"/>
+                                        </p:tgtEl>
+                                        <p:attrNameLst>
+                                          <p:attrName>ppt_h</p:attrName>
+                                        </p:attrNameLst>
+                                      </p:cBhvr>
+                                      <p:tavLst>
+                                        <p:tav tm="0">
+                                          <p:val>
+                                            <p:strVal val="#ppt_h"/>
+                                          </p:val>
+                                        </p:tav>
+                                        <p:tav tm="100000">
+                                          <p:val>
+                                            <p:strVal val="#ppt_h"/>
+                                          </p:val>
+                                        </p:tav>
+                                      </p:tavLst>
+                                    </p:anim>
+                                    <p:animEffect transition="in" filter="fade">
+                                      <p:cBhvr>
+                                        <p:cTn id="9" dur="1000"/>
+                                        <p:tgtEl>
+                                          <p:spTgt spid="9"/>
+                                        </p:tgtEl>
+                                      </p:cBhvr>
+                                    </p:animEffect>
+                                  </p:childTnLst>
+                                </p:cTn>
+                              </p:par>
+                              <p:par>
+                                <p:cTn id="10" presetID="55" presetClass="entr" presetSubtype="0" fill="hold" nodeType="withEffect">
+                                  <p:stCondLst>
+                                    <p:cond delay="0"/>
+                                  </p:stCondLst>
+                                  <p:childTnLst>
+                                    <p:set>
+                                      <p:cBhvr>
+                                        <p:cTn id="11" dur="1" fill="hold">
+                                          <p:stCondLst>
+                                            <p:cond delay="0"/>
+                                          </p:stCondLst>
+                                        </p:cTn>
+                                        <p:tgtEl>
+                                          <p:spTgt spid="10"/>
+                                        </p:tgtEl>
+                                        <p:attrNameLst>
+                                          <p:attrName>style.visibility</p:attrName>
+                                        </p:attrNameLst>
+                                      </p:cBhvr>
+                                      <p:to>
+                                        <p:strVal val="visible"/>
+                                      </p:to>
+                                    </p:set>
+                                    <p:anim calcmode="lin" valueType="num">
+                                      <p:cBhvr>
+                                        <p:cTn id="12" dur="1000" fill="hold"/>
+                                        <p:tgtEl>
+                                          <p:spTgt spid="10"/>
+                                        </p:tgtEl>
+                                        <p:attrNameLst>
+                                          <p:attrName>ppt_w</p:attrName>
+                                        </p:attrNameLst>
+                                      </p:cBhvr>
+                                      <p:tavLst>
+                                        <p:tav tm="0">
+                                          <p:val>
+                                            <p:strVal val="#ppt_w*0.70"/>
+                                          </p:val>
+                                        </p:tav>
+                                        <p:tav tm="100000">
+                                          <p:val>
+                                            <p:strVal val="#ppt_w"/>
+                                          </p:val>
+                                        </p:tav>
+                                      </p:tavLst>
+                                    </p:anim>
+                                    <p:anim calcmode="lin" valueType="num">
+                                      <p:cBhvr>
+                                        <p:cTn id="13" dur="1000" fill="hold"/>
+                                        <p:tgtEl>
+                                          <p:spTgt spid="10"/>
+                                        </p:tgtEl>
+                                        <p:attrNameLst>
+                                          <p:attrName>ppt_h</p:attrName>
+                                        </p:attrNameLst>
+                                      </p:cBhvr>
+                                      <p:tavLst>
+                                        <p:tav tm="0">
+                                          <p:val>
+                                            <p:strVal val="#ppt_h"/>
+                                          </p:val>
+                                        </p:tav>
+                                        <p:tav tm="100000">
+                                          <p:val>
+                                            <p:strVal val="#ppt_h"/>
+                                          </p:val>
+                                        </p:tav>
+                                      </p:tavLst>
+                                    </p:anim>
+                                    <p:animEffect transition="in" filter="fade">
+                                      <p:cBhvr>
+                                        <p:cTn id="14" dur="1000"/>
+                                        <p:tgtEl>
+                                          <p:spTgt spid="10"/>
+                                        </p:tgtEl>
+                                      </p:cBhvr>
+                                    </p:animEffect>
+                                  </p:childTnLst>
+                                </p:cTn>
+                              </p:par>
+                            </p:childTnLst>
+                          </p:cTn>
+                        </p:par>
+                      </p:childTnLst>
+                    </p:cTn>
+                  </p:par>
+                  <p:par>
+                    <p:cTn id="15" fill="hold">
+                      <p:stCondLst>
+                        <p:cond delay="indefinite"/>
+                      </p:stCondLst>
+                      <p:childTnLst>
+                        <p:par>
+                          <p:cTn id="16" fill="hold">
+                            <p:stCondLst>
+                              <p:cond delay="0"/>
+                            </p:stCondLst>
+                            <p:childTnLst>
+                              <p:par>
+                                <p:cTn id="17" presetID="2" presetClass="entr" presetSubtype="4" fill="hold" grpId="0" nodeType="clickEffect">
+                                  <p:stCondLst>
+                                    <p:cond delay="0"/>
+                                  </p:stCondLst>
+                                  <p:childTnLst>
+                                    <p:set>
+                                      <p:cBhvr>
+                                        <p:cTn id="18" dur="1" fill="hold">
+                                          <p:stCondLst>
+                                            <p:cond delay="0"/>
+                                          </p:stCondLst>
+                                        </p:cTn>
+                                        <p:tgtEl>
+                                          <p:spTgt spid="3"/>
+                                        </p:tgtEl>
+                                        <p:attrNameLst>
+                                          <p:attrName>style.visibility</p:attrName>
+                                        </p:attrNameLst>
+                                      </p:cBhvr>
+                                      <p:to>
+                                        <p:strVal val="visible"/>
+                                      </p:to>
+                                    </p:set>
+                                    <p:anim calcmode="lin" valueType="num">
+                                      <p:cBhvr additive="base">
+                                        <p:cTn id="19" dur="500" fill="hold"/>
+                                        <p:tgtEl>
+                                          <p:spTgt spid="3"/>
+                                        </p:tgtEl>
+                                        <p:attrNameLst>
+                                          <p:attrName>ppt_x</p:attrName>
+                                        </p:attrNameLst>
+                                      </p:cBhvr>
+                                      <p:tavLst>
+                                        <p:tav tm="0">
+                                          <p:val>
+                                            <p:strVal val="#ppt_x"/>
+                                          </p:val>
+                                        </p:tav>
+                                        <p:tav tm="100000">
+                                          <p:val>
+                                            <p:strVal val="#ppt_x"/>
+                                          </p:val>
+                                        </p:tav>
+                                      </p:tavLst>
+                                    </p:anim>
+                                    <p:anim calcmode="lin" valueType="num">
+                                      <p:cBhvr additive="base">
+                                        <p:cTn id="20" dur="500" fill="hold"/>
+                                        <p:tgtEl>
+                                          <p:spTgt spid="3"/>
+                                        </p:tgtEl>
+                                        <p:attrNameLst>
+                                          <p:attrName>ppt_y</p:attrName>
+                                        </p:attrNameLst>
+                                      </p:cBhvr>
+                                      <p:tavLst>
+                                        <p:tav tm="0">
+                                          <p:val>
+                                            <p:strVal val="1+#ppt_h/2"/>
+                                          </p:val>
+                                        </p:tav>
+                                        <p:tav tm="100000">
+                                          <p:val>
+                                            <p:strVal val="#ppt_y"/>
+                                          </p:val>
+                                        </p:tav>
+                                      </p:tavLst>
+                                    </p:anim>
+                                  </p:childTnLst>
+                                </p:cTn>
+                              </p:par>
+                            </p:childTnLst>
+                          </p:cTn>
+                        </p:par>
+                      </p:childTnLst>
+                    </p:cTn>
+                  </p:par>
+                </p:childTnLst>
+              </p:cTn>
+              <p:prevCondLst>
+                <p:cond evt="onPrev" delay="0">
+                  <p:tgtEl>
+                    <p:sldTgt/>
+                  </p:tgtEl>
+                </p:cond>
+              </p:prevCondLst>
+              <p:nextCondLst>
+                <p:cond evt="onNext" delay="0">
+                  <p:tgtEl>
+                    <p:sldTgt/>
+                  </p:tgtEl>
+                </p:cond>
+              </p:nextCondLst>
+            </p:seq>
+          </p:childTnLst>
+        </p:cTn>
+      </p:par>
+    </p:tnLst>
+    <p:bldLst>
+      <p:bldP spid="9" grpId="0"/>
+      <p:bldP spid="3" grpId="0"/>
+    </p:bldLst>
+  </p:timing>
+</p:sld>
+</file>
+
+<file path=ppt/slides/slide4.xml><?xml version="1.0" encoding="utf-8"?>
+<p:sld xmlns:a="http://schemas.openxmlformats.org/drawingml/2006/main" xmlns:r="http://schemas.openxmlformats.org/officeDocument/2006/relationships" xmlns:p="http://schemas.openxmlformats.org/presentationml/2006/main">
+  <p:cSld>
+    <p:spTree>
+      <p:nvGrpSpPr>
+        <p:cNvPr id="1" name=""/>
+        <p:cNvGrpSpPr/>
+        <p:nvPr/>
+      </p:nvGrpSpPr>
+      <p:grpSpPr>
+        <a:xfrm>
+          <a:off x="0" y="0"/>
+          <a:ext cx="0" cy="0"/>
+          <a:chOff x="0" y="0"/>
+          <a:chExt cx="0" cy="0"/>
+        </a:xfrm>
+      </p:grpSpPr>
+      <p:grpSp>
+        <p:nvGrpSpPr>
+          <p:cNvPr id="12" name="组合 11"/>
+          <p:cNvGrpSpPr/>
+          <p:nvPr/>
+        </p:nvGrpSpPr>
+        <p:grpSpPr>
+          <a:xfrm>
+            <a:off x="819150" y="304165"/>
+            <a:ext cx="803910" cy="946785"/>
+            <a:chOff x="7448" y="3202"/>
+            <a:chExt cx="2827" cy="3146"/>
+          </a:xfrm>
+        </p:grpSpPr>
+        <p:cxnSp>
+          <p:nvCxnSpPr>
+            <p:cNvPr id="5" name="直接连接符 4"/>
+            <p:cNvCxnSpPr/>
+            <p:nvPr/>
+          </p:nvCxnSpPr>
+          <p:spPr>
+            <a:xfrm flipH="1">
+              <a:off x="7448" y="3324"/>
+              <a:ext cx="2721" cy="3025"/>
+            </a:xfrm>
+            <a:prstGeom prst="line">
+              <a:avLst/>
+            </a:prstGeom>
+            <a:ln>
+              <a:gradFill>
+                <a:gsLst>
+                  <a:gs pos="0">
+                    <a:schemeClr val="bg1"/>
+                  </a:gs>
+                  <a:gs pos="74000">
+                    <a:schemeClr val="bg1">
+                      <a:lumMod val="65000"/>
+                    </a:schemeClr>
+                  </a:gs>
+                </a:gsLst>
+                <a:lin ang="15720000" scaled="1"/>
+              </a:gradFill>
+            </a:ln>
+          </p:spPr>
+          <p:style>
+            <a:lnRef idx="1">
+              <a:schemeClr val="accent1"/>
+            </a:lnRef>
+            <a:fillRef idx="0">
+              <a:schemeClr val="accent1"/>
+            </a:fillRef>
+            <a:effectRef idx="0">
+              <a:schemeClr val="accent1"/>
+            </a:effectRef>
+            <a:fontRef idx="minor">
+              <a:schemeClr val="tx1"/>
+            </a:fontRef>
+          </p:style>
+        </p:cxnSp>
+        <p:sp>
+          <p:nvSpPr>
+            <p:cNvPr id="8" name="椭圆 7"/>
+            <p:cNvSpPr/>
+            <p:nvPr/>
+          </p:nvSpPr>
+          <p:spPr>
+            <a:xfrm>
+              <a:off x="10077" y="3202"/>
+              <a:ext cx="198" cy="213"/>
+            </a:xfrm>
+            <a:prstGeom prst="ellipse">
+              <a:avLst/>
+            </a:prstGeom>
+            <a:solidFill>
+              <a:schemeClr val="bg1">
+                <a:lumMod val="65000"/>
+              </a:schemeClr>
+            </a:solidFill>
+            <a:ln>
+              <a:noFill/>
+            </a:ln>
+          </p:spPr>
+          <p:style>
+            <a:lnRef idx="2">
+              <a:schemeClr val="accent1">
+                <a:shade val="50000"/>
+              </a:schemeClr>
+            </a:lnRef>
+            <a:fillRef idx="1">
+              <a:schemeClr val="accent1"/>
+            </a:fillRef>
+            <a:effectRef idx="0">
+              <a:schemeClr val="accent1"/>
+            </a:effectRef>
+            <a:fontRef idx="minor">
+              <a:schemeClr val="lt1"/>
+            </a:fontRef>
+          </p:style>
+          <p:txBody>
+            <a:bodyPr rtlCol="0" anchor="ctr"/>
+            <a:lstStyle/>
+            <a:p>
+              <a:pPr algn="ctr"/>
+              <a:endParaRPr lang="zh-CN" altLang="en-US">
+                <a:cs typeface="仿宋" panose="02010609060101010101" charset="-122"/>
+              </a:endParaRPr>
+            </a:p>
+          </p:txBody>
+        </p:sp>
+      </p:grpSp>
+      <p:sp>
+        <p:nvSpPr>
+          <p:cNvPr id="4" name="文本框 3"/>
+          <p:cNvSpPr txBox="1"/>
+          <p:nvPr/>
+        </p:nvSpPr>
+        <p:spPr>
+          <a:xfrm>
+            <a:off x="516305" y="340995"/>
+            <a:ext cx="646331" cy="461665"/>
+          </a:xfrm>
+          <a:prstGeom prst="rect">
+            <a:avLst/>
+          </a:prstGeom>
+          <a:noFill/>
+        </p:spPr>
+        <p:txBody>
+          <a:bodyPr wrap="none" rtlCol="0" anchor="t">
+            <a:spAutoFit/>
+          </a:bodyPr>
+          <a:lstStyle/>
+          <a:p>
+            <a:pPr algn="ctr"/>
+            <a:r>
+              <a:rPr lang="en-US" altLang="zh-CN" sz="2400" dirty="0">
+                <a:solidFill>
+                  <a:schemeClr val="tx1">
+                    <a:lumMod val="50000"/>
+                    <a:lumOff val="50000"/>
+                  </a:schemeClr>
+                </a:solidFill>
+                <a:latin typeface="仿宋" panose="02010609060101010101" charset="-122"/>
+                <a:ea typeface="仿宋" panose="02010609060101010101" charset="-122"/>
+                <a:cs typeface="仿宋" panose="02010609060101010101" charset="-122"/>
+                <a:sym typeface="+mn-lt"/>
+              </a:rPr>
+              <a:t>one</a:t>
+            </a:r>
+            <a:endParaRPr lang="en-US" sz="2400" dirty="0">
+              <a:solidFill>
+                <a:schemeClr val="tx1">
+                  <a:lumMod val="50000"/>
+                  <a:lumOff val="50000"/>
+                </a:schemeClr>
+              </a:solidFill>
+              <a:latin typeface="仿宋" panose="02010609060101010101" charset="-122"/>
+              <a:ea typeface="仿宋" panose="02010609060101010101" charset="-122"/>
+              <a:cs typeface="仿宋" panose="02010609060101010101" charset="-122"/>
+              <a:sym typeface="+mn-lt"/>
+            </a:endParaRPr>
+          </a:p>
+        </p:txBody>
+      </p:sp>
+      <p:sp>
+        <p:nvSpPr>
+          <p:cNvPr id="7" name="任意多边形 18"/>
+          <p:cNvSpPr/>
+          <p:nvPr/>
+        </p:nvSpPr>
+        <p:spPr>
+          <a:xfrm>
+            <a:off x="1738453" y="304127"/>
+            <a:ext cx="4419256" cy="618508"/>
+          </a:xfrm>
+          <a:custGeom>
+            <a:avLst/>
+            <a:gdLst>
+              <a:gd name="connsiteX0" fmla="*/ 98297 w 589768"/>
+              <a:gd name="connsiteY0" fmla="*/ 0 h 5346192"/>
+              <a:gd name="connsiteX1" fmla="*/ 491471 w 589768"/>
+              <a:gd name="connsiteY1" fmla="*/ 0 h 5346192"/>
+              <a:gd name="connsiteX2" fmla="*/ 589768 w 589768"/>
+              <a:gd name="connsiteY2" fmla="*/ 98297 h 5346192"/>
+              <a:gd name="connsiteX3" fmla="*/ 589768 w 589768"/>
+              <a:gd name="connsiteY3" fmla="*/ 5346192 h 5346192"/>
+              <a:gd name="connsiteX4" fmla="*/ 589768 w 589768"/>
+              <a:gd name="connsiteY4" fmla="*/ 5346192 h 5346192"/>
+              <a:gd name="connsiteX5" fmla="*/ 0 w 589768"/>
+              <a:gd name="connsiteY5" fmla="*/ 5346192 h 5346192"/>
+              <a:gd name="connsiteX6" fmla="*/ 0 w 589768"/>
+              <a:gd name="connsiteY6" fmla="*/ 5346192 h 5346192"/>
+              <a:gd name="connsiteX7" fmla="*/ 0 w 589768"/>
+              <a:gd name="connsiteY7" fmla="*/ 98297 h 5346192"/>
+              <a:gd name="connsiteX8" fmla="*/ 98297 w 589768"/>
+              <a:gd name="connsiteY8" fmla="*/ 0 h 5346192"/>
+            </a:gdLst>
+            <a:ahLst/>
+            <a:cxnLst>
+              <a:cxn ang="0">
+                <a:pos x="connsiteX0" y="connsiteY0"/>
+              </a:cxn>
+              <a:cxn ang="0">
+                <a:pos x="connsiteX1" y="connsiteY1"/>
+              </a:cxn>
+              <a:cxn ang="0">
+                <a:pos x="connsiteX2" y="connsiteY2"/>
+              </a:cxn>
+              <a:cxn ang="0">
+                <a:pos x="connsiteX3" y="connsiteY3"/>
+              </a:cxn>
+              <a:cxn ang="0">
+                <a:pos x="connsiteX4" y="connsiteY4"/>
+              </a:cxn>
+              <a:cxn ang="0">
+                <a:pos x="connsiteX5" y="connsiteY5"/>
+              </a:cxn>
+              <a:cxn ang="0">
+                <a:pos x="connsiteX6" y="connsiteY6"/>
+              </a:cxn>
+              <a:cxn ang="0">
+                <a:pos x="connsiteX7" y="connsiteY7"/>
+              </a:cxn>
+              <a:cxn ang="0">
+                <a:pos x="connsiteX8" y="connsiteY8"/>
+              </a:cxn>
+            </a:cxnLst>
+            <a:rect l="l" t="t" r="r" b="b"/>
+            <a:pathLst>
+              <a:path w="589768" h="5346192">
+                <a:moveTo>
+                  <a:pt x="589768" y="891056"/>
+                </a:moveTo>
+                <a:lnTo>
+                  <a:pt x="589768" y="4455136"/>
+                </a:lnTo>
+                <a:cubicBezTo>
+                  <a:pt x="589768" y="4947251"/>
+                  <a:pt x="584913" y="5346187"/>
+                  <a:pt x="578924" y="5346187"/>
+                </a:cubicBezTo>
+                <a:lnTo>
+                  <a:pt x="0" y="5346187"/>
+                </a:lnTo>
+                <a:lnTo>
+                  <a:pt x="0" y="5346187"/>
+                </a:lnTo>
+                <a:lnTo>
+                  <a:pt x="0" y="5"/>
+                </a:lnTo>
+                <a:lnTo>
+                  <a:pt x="0" y="5"/>
+                </a:lnTo>
+                <a:lnTo>
+                  <a:pt x="578924" y="5"/>
+                </a:lnTo>
+                <a:cubicBezTo>
+                  <a:pt x="584913" y="5"/>
+                  <a:pt x="589768" y="398941"/>
+                  <a:pt x="589768" y="891056"/>
+                </a:cubicBezTo>
+                <a:close/>
+              </a:path>
+            </a:pathLst>
+          </a:custGeom>
+          <a:noFill/>
+          <a:ln>
+            <a:noFill/>
+          </a:ln>
+          <a:effectLst/>
+        </p:spPr>
+        <p:style>
+          <a:lnRef idx="2">
+            <a:schemeClr val="dk2">
+              <a:alpha val="90000"/>
+              <a:tint val="40000"/>
+              <a:hueOff val="0"/>
+              <a:satOff val="0"/>
+              <a:lumOff val="0"/>
+              <a:alphaOff val="0"/>
+            </a:schemeClr>
+          </a:lnRef>
+          <a:fillRef idx="1">
+            <a:schemeClr val="dk2">
+              <a:alpha val="90000"/>
+              <a:tint val="40000"/>
+              <a:hueOff val="0"/>
+              <a:satOff val="0"/>
+              <a:lumOff val="0"/>
+              <a:alphaOff val="0"/>
+            </a:schemeClr>
+          </a:fillRef>
+          <a:effectRef idx="0">
+            <a:schemeClr val="dk2">
+              <a:alpha val="90000"/>
+              <a:tint val="40000"/>
+              <a:hueOff val="0"/>
+              <a:satOff val="0"/>
+              <a:lumOff val="0"/>
+              <a:alphaOff val="0"/>
+            </a:schemeClr>
+          </a:effectRef>
+          <a:fontRef idx="minor">
+            <a:schemeClr val="dk1">
+              <a:hueOff val="0"/>
+              <a:satOff val="0"/>
+              <a:lumOff val="0"/>
+              <a:alphaOff val="0"/>
+            </a:schemeClr>
+          </a:fontRef>
+        </p:style>
+        <p:txBody>
+          <a:bodyPr spcFirstLastPara="0" vert="horz" wrap="square" lIns="247650" tIns="152615" rIns="276440" bIns="152615" numCol="1" spcCol="1270" anchor="ctr" anchorCtr="0">
+            <a:noAutofit/>
+          </a:bodyPr>
+          <a:lstStyle>
+            <a:defPPr>
+              <a:defRPr lang="zh-CN">
+                <a:solidFill>
+                  <a:schemeClr val="dk1">
+                    <a:hueOff val="0"/>
+                    <a:satOff val="0"/>
+                    <a:lumOff val="0"/>
+                    <a:alphaOff val="0"/>
+                  </a:schemeClr>
+                </a:solidFill>
+              </a:defRPr>
+            </a:defPPr>
+            <a:lvl1pPr marL="0" algn="l" defTabSz="914400" rtl="0" eaLnBrk="1" latinLnBrk="0" hangingPunct="1">
+              <a:defRPr sz="1800" kern="1200">
+                <a:solidFill>
+                  <a:schemeClr val="dk1">
+                    <a:hueOff val="0"/>
+                    <a:satOff val="0"/>
+                    <a:lumOff val="0"/>
+                    <a:alphaOff val="0"/>
+                  </a:schemeClr>
+                </a:solidFill>
+                <a:latin typeface="+mn-lt"/>
+                <a:ea typeface="+mn-ea"/>
+                <a:cs typeface="+mn-cs"/>
+              </a:defRPr>
+            </a:lvl1pPr>
+            <a:lvl2pPr marL="457200" algn="l" defTabSz="914400" rtl="0" eaLnBrk="1" latinLnBrk="0" hangingPunct="1">
+              <a:defRPr sz="1800" kern="1200">
+                <a:solidFill>
+                  <a:schemeClr val="dk1">
+                    <a:hueOff val="0"/>
+                    <a:satOff val="0"/>
+                    <a:lumOff val="0"/>
+                    <a:alphaOff val="0"/>
+                  </a:schemeClr>
+                </a:solidFill>
+                <a:latin typeface="+mn-lt"/>
+                <a:ea typeface="+mn-ea"/>
+                <a:cs typeface="+mn-cs"/>
+              </a:defRPr>
+            </a:lvl2pPr>
+            <a:lvl3pPr marL="914400" algn="l" defTabSz="914400" rtl="0" eaLnBrk="1" latinLnBrk="0" hangingPunct="1">
+              <a:defRPr sz="1800" kern="1200">
+                <a:solidFill>
+                  <a:schemeClr val="dk1">
+                    <a:hueOff val="0"/>
+                    <a:satOff val="0"/>
+                    <a:lumOff val="0"/>
+                    <a:alphaOff val="0"/>
+                  </a:schemeClr>
+                </a:solidFill>
+                <a:latin typeface="+mn-lt"/>
+                <a:ea typeface="+mn-ea"/>
+                <a:cs typeface="+mn-cs"/>
+              </a:defRPr>
+            </a:lvl3pPr>
+            <a:lvl4pPr marL="1371600" algn="l" defTabSz="914400" rtl="0" eaLnBrk="1" latinLnBrk="0" hangingPunct="1">
+              <a:defRPr sz="1800" kern="1200">
+                <a:solidFill>
+                  <a:schemeClr val="dk1">
+                    <a:hueOff val="0"/>
+                    <a:satOff val="0"/>
+                    <a:lumOff val="0"/>
+                    <a:alphaOff val="0"/>
+                  </a:schemeClr>
+                </a:solidFill>
+                <a:latin typeface="+mn-lt"/>
+                <a:ea typeface="+mn-ea"/>
+                <a:cs typeface="+mn-cs"/>
+              </a:defRPr>
+            </a:lvl4pPr>
+            <a:lvl5pPr marL="1828800" algn="l" defTabSz="914400" rtl="0" eaLnBrk="1" latinLnBrk="0" hangingPunct="1">
+              <a:defRPr sz="1800" kern="1200">
+                <a:solidFill>
+                  <a:schemeClr val="dk1">
+                    <a:hueOff val="0"/>
+                    <a:satOff val="0"/>
+                    <a:lumOff val="0"/>
+                    <a:alphaOff val="0"/>
+                  </a:schemeClr>
+                </a:solidFill>
+                <a:latin typeface="+mn-lt"/>
+                <a:ea typeface="+mn-ea"/>
+                <a:cs typeface="+mn-cs"/>
+              </a:defRPr>
+            </a:lvl5pPr>
+            <a:lvl6pPr marL="2286000" algn="l" defTabSz="914400" rtl="0" eaLnBrk="1" latinLnBrk="0" hangingPunct="1">
+              <a:defRPr sz="1800" kern="1200">
+                <a:solidFill>
+                  <a:schemeClr val="dk1">
+                    <a:hueOff val="0"/>
+                    <a:satOff val="0"/>
+                    <a:lumOff val="0"/>
+                    <a:alphaOff val="0"/>
+                  </a:schemeClr>
+                </a:solidFill>
+                <a:latin typeface="+mn-lt"/>
+                <a:ea typeface="+mn-ea"/>
+                <a:cs typeface="+mn-cs"/>
+              </a:defRPr>
+            </a:lvl6pPr>
+            <a:lvl7pPr marL="2743200" algn="l" defTabSz="914400" rtl="0" eaLnBrk="1" latinLnBrk="0" hangingPunct="1">
+              <a:defRPr sz="1800" kern="1200">
+                <a:solidFill>
+                  <a:schemeClr val="dk1">
+                    <a:hueOff val="0"/>
+                    <a:satOff val="0"/>
+                    <a:lumOff val="0"/>
+                    <a:alphaOff val="0"/>
+                  </a:schemeClr>
+                </a:solidFill>
+                <a:latin typeface="+mn-lt"/>
+                <a:ea typeface="+mn-ea"/>
+                <a:cs typeface="+mn-cs"/>
+              </a:defRPr>
+            </a:lvl7pPr>
+            <a:lvl8pPr marL="3200400" algn="l" defTabSz="914400" rtl="0" eaLnBrk="1" latinLnBrk="0" hangingPunct="1">
+              <a:defRPr sz="1800" kern="1200">
+                <a:solidFill>
+                  <a:schemeClr val="dk1">
+                    <a:hueOff val="0"/>
+                    <a:satOff val="0"/>
+                    <a:lumOff val="0"/>
+                    <a:alphaOff val="0"/>
+                  </a:schemeClr>
+                </a:solidFill>
+                <a:latin typeface="+mn-lt"/>
+                <a:ea typeface="+mn-ea"/>
+                <a:cs typeface="+mn-cs"/>
+              </a:defRPr>
+            </a:lvl8pPr>
+            <a:lvl9pPr marL="3657600" algn="l" defTabSz="914400" rtl="0" eaLnBrk="1" latinLnBrk="0" hangingPunct="1">
+              <a:defRPr sz="1800" kern="1200">
+                <a:solidFill>
+                  <a:schemeClr val="dk1">
+                    <a:hueOff val="0"/>
+                    <a:satOff val="0"/>
+                    <a:lumOff val="0"/>
+                    <a:alphaOff val="0"/>
+                  </a:schemeClr>
+                </a:solidFill>
+                <a:latin typeface="+mn-lt"/>
+                <a:ea typeface="+mn-ea"/>
+                <a:cs typeface="+mn-cs"/>
+              </a:defRPr>
+            </a:lvl9pPr>
+          </a:lstStyle>
+          <a:p>
+            <a:pPr marL="0" lvl="1" defTabSz="711200">
+              <a:lnSpc>
+                <a:spcPct val="90000"/>
+              </a:lnSpc>
+              <a:spcBef>
+                <a:spcPct val="0"/>
+              </a:spcBef>
+              <a:spcAft>
+                <a:spcPct val="15000"/>
+              </a:spcAft>
+            </a:pPr>
+            <a:r>
+              <a:rPr lang="zh-CN" altLang="en-US" sz="2400" b="1" dirty="0">
+                <a:solidFill>
+                  <a:schemeClr val="bg1">
+                    <a:lumMod val="50000"/>
+                  </a:schemeClr>
+                </a:solidFill>
+                <a:latin typeface="仿宋" panose="02010609060101010101" charset="-122"/>
+                <a:ea typeface="仿宋" panose="02010609060101010101" charset="-122"/>
+                <a:cs typeface="+mn-ea"/>
+                <a:sym typeface="+mn-lt"/>
+              </a:rPr>
+              <a:t>前言</a:t>
+            </a:r>
+          </a:p>
+        </p:txBody>
+      </p:sp>
+      <p:cxnSp>
+        <p:nvCxnSpPr>
+          <p:cNvPr id="6" name="直接连接符 5"/>
+          <p:cNvCxnSpPr/>
+          <p:nvPr/>
+        </p:nvCxnSpPr>
+        <p:spPr>
+          <a:xfrm flipH="1">
+            <a:off x="5324475" y="6370955"/>
+            <a:ext cx="6680835" cy="19685"/>
+          </a:xfrm>
+          <a:prstGeom prst="line">
+            <a:avLst/>
+          </a:prstGeom>
+          <a:ln w="57150">
+            <a:gradFill>
+              <a:gsLst>
+                <a:gs pos="0">
+                  <a:schemeClr val="bg1">
+                    <a:alpha val="10000"/>
+                  </a:schemeClr>
+                </a:gs>
+                <a:gs pos="90000">
+                  <a:schemeClr val="bg1">
+                    <a:lumMod val="65000"/>
+                    <a:alpha val="44000"/>
+                  </a:schemeClr>
+                </a:gs>
+              </a:gsLst>
+              <a:lin ang="9420000" scaled="1"/>
+            </a:gradFill>
+          </a:ln>
+        </p:spPr>
+        <p:style>
+          <a:lnRef idx="1">
+            <a:schemeClr val="accent1"/>
+          </a:lnRef>
+          <a:fillRef idx="0">
+            <a:schemeClr val="accent1"/>
+          </a:fillRef>
+          <a:effectRef idx="0">
+            <a:schemeClr val="accent1"/>
+          </a:effectRef>
+          <a:fontRef idx="minor">
+            <a:schemeClr val="tx1"/>
+          </a:fontRef>
+        </p:style>
+      </p:cxnSp>
+      <p:sp>
+        <p:nvSpPr>
+          <p:cNvPr id="2" name="文本框 1"/>
+          <p:cNvSpPr txBox="1"/>
+          <p:nvPr/>
+        </p:nvSpPr>
+        <p:spPr>
+          <a:xfrm>
+            <a:off x="1011944" y="1429689"/>
+            <a:ext cx="9747914" cy="3046988"/>
+          </a:xfrm>
+          <a:prstGeom prst="rect">
+            <a:avLst/>
+          </a:prstGeom>
+          <a:noFill/>
+        </p:spPr>
+        <p:txBody>
+          <a:bodyPr wrap="square" rtlCol="0">
+            <a:spAutoFit/>
+          </a:bodyPr>
+          <a:lstStyle/>
+          <a:p>
+            <a:pPr indent="457200"/>
+            <a:r>
+              <a:rPr lang="zh-CN" altLang="en-US" sz="2400" dirty="0"/>
+              <a:t>  随着信息技术的不断发展</a:t>
+            </a:r>
+            <a:r>
+              <a:rPr lang="en-US" altLang="zh-CN" sz="2400" dirty="0"/>
+              <a:t>,</a:t>
+            </a:r>
+            <a:r>
+              <a:rPr lang="zh-CN" altLang="en-US" sz="2400" dirty="0"/>
+              <a:t>计算机技术在现代各行各业中的应用</a:t>
+            </a:r>
+            <a:r>
+              <a:rPr lang="en-US" altLang="zh-CN" sz="2400" dirty="0"/>
+              <a:t>,</a:t>
+            </a:r>
+            <a:r>
+              <a:rPr lang="zh-CN" altLang="en-US" sz="2400" dirty="0"/>
+              <a:t>让计算机软件在各行各业的工作效率的提升过程中发挥了重要的作用。 但是从软件的应用情况来看</a:t>
+            </a:r>
+            <a:r>
+              <a:rPr lang="en-US" altLang="zh-CN" sz="2400" dirty="0"/>
+              <a:t>,</a:t>
+            </a:r>
+            <a:r>
+              <a:rPr lang="en-US" altLang="zh-CN" sz="2400" b="1" dirty="0"/>
+              <a:t>bug</a:t>
+            </a:r>
+            <a:r>
+              <a:rPr lang="zh-CN" altLang="en-US" sz="2400" b="1" dirty="0"/>
+              <a:t>问题</a:t>
+            </a:r>
+            <a:r>
+              <a:rPr lang="zh-CN" altLang="en-US" sz="2400" dirty="0"/>
+              <a:t>已经成为影响软件实际应用效果的一个重要问题。 很多软件在</a:t>
+            </a:r>
+            <a:r>
+              <a:rPr lang="zh-CN" altLang="en-US" sz="2400" b="1" dirty="0"/>
+              <a:t>实际</a:t>
+            </a:r>
+            <a:r>
+              <a:rPr lang="zh-CN" altLang="en-US" sz="2400" dirty="0"/>
+              <a:t>应用中都需要</a:t>
+            </a:r>
+            <a:r>
+              <a:rPr lang="zh-CN" altLang="en-US" sz="2400" b="1" dirty="0"/>
+              <a:t>进行不断更新</a:t>
+            </a:r>
+            <a:r>
+              <a:rPr lang="en-US" altLang="zh-CN" sz="2400" dirty="0"/>
+              <a:t>,</a:t>
+            </a:r>
+            <a:r>
+              <a:rPr lang="zh-CN" altLang="en-US" sz="2400" dirty="0"/>
+              <a:t>在软件系统得到更新以后</a:t>
+            </a:r>
+            <a:r>
+              <a:rPr lang="en-US" altLang="zh-CN" sz="2400" dirty="0"/>
+              <a:t>,</a:t>
+            </a:r>
+            <a:r>
+              <a:rPr lang="zh-CN" altLang="en-US" sz="2400" dirty="0"/>
+              <a:t>软件性还会出现一些影响软件应用的新问题。对于软件设计人员而言</a:t>
+            </a:r>
+            <a:r>
+              <a:rPr lang="en-US" altLang="zh-CN" sz="2400" dirty="0"/>
+              <a:t>,</a:t>
+            </a:r>
+            <a:r>
+              <a:rPr lang="zh-CN" altLang="en-US" sz="2400" dirty="0"/>
+              <a:t>对软件的健壮性进行提升</a:t>
+            </a:r>
+            <a:r>
+              <a:rPr lang="en-US" altLang="zh-CN" sz="2400" dirty="0"/>
+              <a:t>,</a:t>
+            </a:r>
+            <a:r>
+              <a:rPr lang="zh-CN" altLang="en-US" sz="2400" dirty="0"/>
+              <a:t>是其在未来工作中所要面对的一个重要问题。同时从</a:t>
+            </a:r>
+            <a:r>
+              <a:rPr lang="zh-CN" altLang="en-US" sz="2400" b="1" dirty="0"/>
+              <a:t>根本</a:t>
+            </a:r>
+            <a:r>
+              <a:rPr lang="zh-CN" altLang="en-US" sz="2400" dirty="0"/>
+              <a:t>上来讲，软件测试的目标就是</a:t>
+            </a:r>
+            <a:r>
+              <a:rPr lang="zh-CN" altLang="en-US" sz="2400" b="1" dirty="0"/>
+              <a:t>尽可能多地发现并排除软件中潜藏的错误，最终把一个高质量的软件系统交给用户使用。</a:t>
+            </a:r>
+          </a:p>
+        </p:txBody>
+      </p:sp>
+    </p:spTree>
+    <p:extLst>
+      <p:ext uri="{BB962C8B-B14F-4D97-AF65-F5344CB8AC3E}">
+        <p14:creationId xmlns:p14="http://schemas.microsoft.com/office/powerpoint/2010/main" val="2663210319"/>
+      </p:ext>
+    </p:extLst>
+  </p:cSld>
+  <p:clrMapOvr>
+    <a:masterClrMapping/>
+  </p:clrMapOvr>
+</p:sld>
+</file>
+
+<file path=ppt/slides/slide40.xml><?xml version="1.0" encoding="utf-8"?>
+<p:sld xmlns:a="http://schemas.openxmlformats.org/drawingml/2006/main" xmlns:r="http://schemas.openxmlformats.org/officeDocument/2006/relationships" xmlns:p="http://schemas.openxmlformats.org/presentationml/2006/main">
+  <p:cSld>
+    <p:spTree>
+      <p:nvGrpSpPr>
+        <p:cNvPr id="1" name=""/>
+        <p:cNvGrpSpPr/>
+        <p:nvPr/>
+      </p:nvGrpSpPr>
+      <p:grpSpPr>
+        <a:xfrm>
+          <a:off x="0" y="0"/>
+          <a:ext cx="0" cy="0"/>
+          <a:chOff x="0" y="0"/>
+          <a:chExt cx="0" cy="0"/>
+        </a:xfrm>
+      </p:grpSpPr>
+      <p:grpSp>
+        <p:nvGrpSpPr>
+          <p:cNvPr id="12" name="组合 11"/>
+          <p:cNvGrpSpPr/>
+          <p:nvPr/>
+        </p:nvGrpSpPr>
+        <p:grpSpPr>
+          <a:xfrm>
+            <a:off x="819150" y="304165"/>
+            <a:ext cx="803910" cy="946785"/>
+            <a:chOff x="7448" y="3202"/>
+            <a:chExt cx="2827" cy="3146"/>
+          </a:xfrm>
+        </p:grpSpPr>
+        <p:cxnSp>
+          <p:nvCxnSpPr>
+            <p:cNvPr id="5" name="直接连接符 4"/>
+            <p:cNvCxnSpPr/>
+            <p:nvPr/>
+          </p:nvCxnSpPr>
+          <p:spPr>
+            <a:xfrm flipH="1">
+              <a:off x="7448" y="3324"/>
+              <a:ext cx="2721" cy="3025"/>
+            </a:xfrm>
+            <a:prstGeom prst="line">
+              <a:avLst/>
+            </a:prstGeom>
+            <a:ln>
+              <a:gradFill>
+                <a:gsLst>
+                  <a:gs pos="0">
+                    <a:schemeClr val="bg1"/>
+                  </a:gs>
+                  <a:gs pos="74000">
+                    <a:schemeClr val="bg1">
+                      <a:lumMod val="65000"/>
+                    </a:schemeClr>
+                  </a:gs>
+                </a:gsLst>
+                <a:lin ang="15720000" scaled="1"/>
+              </a:gradFill>
+            </a:ln>
+          </p:spPr>
+          <p:style>
+            <a:lnRef idx="1">
+              <a:schemeClr val="accent1"/>
+            </a:lnRef>
+            <a:fillRef idx="0">
+              <a:schemeClr val="accent1"/>
+            </a:fillRef>
+            <a:effectRef idx="0">
+              <a:schemeClr val="accent1"/>
+            </a:effectRef>
+            <a:fontRef idx="minor">
+              <a:schemeClr val="tx1"/>
+            </a:fontRef>
+          </p:style>
+        </p:cxnSp>
+        <p:sp>
+          <p:nvSpPr>
+            <p:cNvPr id="8" name="椭圆 7"/>
+            <p:cNvSpPr/>
+            <p:nvPr/>
+          </p:nvSpPr>
+          <p:spPr>
+            <a:xfrm>
+              <a:off x="10077" y="3202"/>
+              <a:ext cx="198" cy="213"/>
+            </a:xfrm>
+            <a:prstGeom prst="ellipse">
+              <a:avLst/>
+            </a:prstGeom>
+            <a:solidFill>
+              <a:schemeClr val="bg1">
+                <a:lumMod val="65000"/>
+              </a:schemeClr>
+            </a:solidFill>
+            <a:ln>
+              <a:noFill/>
+            </a:ln>
+          </p:spPr>
+          <p:style>
+            <a:lnRef idx="2">
+              <a:schemeClr val="accent1">
+                <a:shade val="50000"/>
+              </a:schemeClr>
+            </a:lnRef>
+            <a:fillRef idx="1">
+              <a:schemeClr val="accent1"/>
+            </a:fillRef>
+            <a:effectRef idx="0">
+              <a:schemeClr val="accent1"/>
+            </a:effectRef>
+            <a:fontRef idx="minor">
+              <a:schemeClr val="lt1"/>
+            </a:fontRef>
+          </p:style>
+          <p:txBody>
+            <a:bodyPr rtlCol="0" anchor="ctr"/>
+            <a:lstStyle/>
+            <a:p>
+              <a:pPr algn="ctr"/>
+              <a:endParaRPr lang="zh-CN" altLang="en-US">
+                <a:cs typeface="仿宋" panose="02010609060101010101" charset="-122"/>
+              </a:endParaRPr>
+            </a:p>
+          </p:txBody>
+        </p:sp>
+      </p:grpSp>
+      <p:sp>
+        <p:nvSpPr>
+          <p:cNvPr id="4" name="文本框 3"/>
+          <p:cNvSpPr txBox="1"/>
+          <p:nvPr/>
+        </p:nvSpPr>
+        <p:spPr>
+          <a:xfrm>
+            <a:off x="439360" y="340995"/>
+            <a:ext cx="800219" cy="461665"/>
+          </a:xfrm>
+          <a:prstGeom prst="rect">
+            <a:avLst/>
+          </a:prstGeom>
+          <a:noFill/>
+        </p:spPr>
+        <p:txBody>
+          <a:bodyPr wrap="none" rtlCol="0" anchor="t">
+            <a:spAutoFit/>
+          </a:bodyPr>
+          <a:lstStyle/>
+          <a:p>
+            <a:pPr algn="ctr"/>
+            <a:r>
+              <a:rPr lang="en-US" altLang="zh-CN" sz="2400" dirty="0">
+                <a:solidFill>
+                  <a:schemeClr val="tx1">
+                    <a:lumMod val="50000"/>
+                    <a:lumOff val="50000"/>
+                  </a:schemeClr>
+                </a:solidFill>
+                <a:latin typeface="仿宋" panose="02010609060101010101" charset="-122"/>
+                <a:ea typeface="仿宋" panose="02010609060101010101" charset="-122"/>
+                <a:cs typeface="仿宋" panose="02010609060101010101" charset="-122"/>
+                <a:sym typeface="+mn-lt"/>
+              </a:rPr>
+              <a:t>four</a:t>
+            </a:r>
+            <a:endParaRPr lang="en-US" sz="2400" dirty="0">
+              <a:solidFill>
+                <a:schemeClr val="tx1">
+                  <a:lumMod val="50000"/>
+                  <a:lumOff val="50000"/>
+                </a:schemeClr>
+              </a:solidFill>
+              <a:latin typeface="仿宋" panose="02010609060101010101" charset="-122"/>
+              <a:ea typeface="仿宋" panose="02010609060101010101" charset="-122"/>
+              <a:cs typeface="仿宋" panose="02010609060101010101" charset="-122"/>
+              <a:sym typeface="+mn-lt"/>
+            </a:endParaRPr>
+          </a:p>
+        </p:txBody>
+      </p:sp>
+      <p:sp>
+        <p:nvSpPr>
+          <p:cNvPr id="7" name="任意多边形 18"/>
+          <p:cNvSpPr/>
+          <p:nvPr/>
+        </p:nvSpPr>
+        <p:spPr>
+          <a:xfrm>
+            <a:off x="1738453" y="304127"/>
+            <a:ext cx="4419256" cy="618508"/>
+          </a:xfrm>
+          <a:custGeom>
+            <a:avLst/>
+            <a:gdLst>
+              <a:gd name="connsiteX0" fmla="*/ 98297 w 589768"/>
+              <a:gd name="connsiteY0" fmla="*/ 0 h 5346192"/>
+              <a:gd name="connsiteX1" fmla="*/ 491471 w 589768"/>
+              <a:gd name="connsiteY1" fmla="*/ 0 h 5346192"/>
+              <a:gd name="connsiteX2" fmla="*/ 589768 w 589768"/>
+              <a:gd name="connsiteY2" fmla="*/ 98297 h 5346192"/>
+              <a:gd name="connsiteX3" fmla="*/ 589768 w 589768"/>
+              <a:gd name="connsiteY3" fmla="*/ 5346192 h 5346192"/>
+              <a:gd name="connsiteX4" fmla="*/ 589768 w 589768"/>
+              <a:gd name="connsiteY4" fmla="*/ 5346192 h 5346192"/>
+              <a:gd name="connsiteX5" fmla="*/ 0 w 589768"/>
+              <a:gd name="connsiteY5" fmla="*/ 5346192 h 5346192"/>
+              <a:gd name="connsiteX6" fmla="*/ 0 w 589768"/>
+              <a:gd name="connsiteY6" fmla="*/ 5346192 h 5346192"/>
+              <a:gd name="connsiteX7" fmla="*/ 0 w 589768"/>
+              <a:gd name="connsiteY7" fmla="*/ 98297 h 5346192"/>
+              <a:gd name="connsiteX8" fmla="*/ 98297 w 589768"/>
+              <a:gd name="connsiteY8" fmla="*/ 0 h 5346192"/>
+            </a:gdLst>
+            <a:ahLst/>
+            <a:cxnLst>
+              <a:cxn ang="0">
+                <a:pos x="connsiteX0" y="connsiteY0"/>
+              </a:cxn>
+              <a:cxn ang="0">
+                <a:pos x="connsiteX1" y="connsiteY1"/>
+              </a:cxn>
+              <a:cxn ang="0">
+                <a:pos x="connsiteX2" y="connsiteY2"/>
+              </a:cxn>
+              <a:cxn ang="0">
+                <a:pos x="connsiteX3" y="connsiteY3"/>
+              </a:cxn>
+              <a:cxn ang="0">
+                <a:pos x="connsiteX4" y="connsiteY4"/>
+              </a:cxn>
+              <a:cxn ang="0">
+                <a:pos x="connsiteX5" y="connsiteY5"/>
+              </a:cxn>
+              <a:cxn ang="0">
+                <a:pos x="connsiteX6" y="connsiteY6"/>
+              </a:cxn>
+              <a:cxn ang="0">
+                <a:pos x="connsiteX7" y="connsiteY7"/>
+              </a:cxn>
+              <a:cxn ang="0">
+                <a:pos x="connsiteX8" y="connsiteY8"/>
+              </a:cxn>
+            </a:cxnLst>
+            <a:rect l="l" t="t" r="r" b="b"/>
+            <a:pathLst>
+              <a:path w="589768" h="5346192">
+                <a:moveTo>
+                  <a:pt x="589768" y="891056"/>
+                </a:moveTo>
+                <a:lnTo>
+                  <a:pt x="589768" y="4455136"/>
+                </a:lnTo>
+                <a:cubicBezTo>
+                  <a:pt x="589768" y="4947251"/>
+                  <a:pt x="584913" y="5346187"/>
+                  <a:pt x="578924" y="5346187"/>
+                </a:cubicBezTo>
+                <a:lnTo>
+                  <a:pt x="0" y="5346187"/>
+                </a:lnTo>
+                <a:lnTo>
+                  <a:pt x="0" y="5346187"/>
+                </a:lnTo>
+                <a:lnTo>
+                  <a:pt x="0" y="5"/>
+                </a:lnTo>
+                <a:lnTo>
+                  <a:pt x="0" y="5"/>
+                </a:lnTo>
+                <a:lnTo>
+                  <a:pt x="578924" y="5"/>
+                </a:lnTo>
+                <a:cubicBezTo>
+                  <a:pt x="584913" y="5"/>
+                  <a:pt x="589768" y="398941"/>
+                  <a:pt x="589768" y="891056"/>
+                </a:cubicBezTo>
+                <a:close/>
+              </a:path>
+            </a:pathLst>
+          </a:custGeom>
+          <a:noFill/>
+          <a:ln>
+            <a:noFill/>
+          </a:ln>
+          <a:effectLst/>
+        </p:spPr>
+        <p:style>
+          <a:lnRef idx="2">
+            <a:schemeClr val="dk2">
+              <a:alpha val="90000"/>
+              <a:tint val="40000"/>
+              <a:hueOff val="0"/>
+              <a:satOff val="0"/>
+              <a:lumOff val="0"/>
+              <a:alphaOff val="0"/>
+            </a:schemeClr>
+          </a:lnRef>
+          <a:fillRef idx="1">
+            <a:schemeClr val="dk2">
+              <a:alpha val="90000"/>
+              <a:tint val="40000"/>
+              <a:hueOff val="0"/>
+              <a:satOff val="0"/>
+              <a:lumOff val="0"/>
+              <a:alphaOff val="0"/>
+            </a:schemeClr>
+          </a:fillRef>
+          <a:effectRef idx="0">
+            <a:schemeClr val="dk2">
+              <a:alpha val="90000"/>
+              <a:tint val="40000"/>
+              <a:hueOff val="0"/>
+              <a:satOff val="0"/>
+              <a:lumOff val="0"/>
+              <a:alphaOff val="0"/>
+            </a:schemeClr>
+          </a:effectRef>
+          <a:fontRef idx="minor">
+            <a:schemeClr val="dk1">
+              <a:hueOff val="0"/>
+              <a:satOff val="0"/>
+              <a:lumOff val="0"/>
+              <a:alphaOff val="0"/>
+            </a:schemeClr>
+          </a:fontRef>
+        </p:style>
+        <p:txBody>
+          <a:bodyPr spcFirstLastPara="0" vert="horz" wrap="square" lIns="247650" tIns="152615" rIns="276440" bIns="152615" numCol="1" spcCol="1270" anchor="ctr" anchorCtr="0">
+            <a:noAutofit/>
+          </a:bodyPr>
+          <a:lstStyle>
+            <a:defPPr>
+              <a:defRPr lang="zh-CN">
+                <a:solidFill>
+                  <a:schemeClr val="dk1">
+                    <a:hueOff val="0"/>
+                    <a:satOff val="0"/>
+                    <a:lumOff val="0"/>
+                    <a:alphaOff val="0"/>
+                  </a:schemeClr>
+                </a:solidFill>
+              </a:defRPr>
+            </a:defPPr>
+            <a:lvl1pPr marL="0" algn="l" defTabSz="914400" rtl="0" eaLnBrk="1" latinLnBrk="0" hangingPunct="1">
+              <a:defRPr sz="1800" kern="1200">
+                <a:solidFill>
+                  <a:schemeClr val="dk1">
+                    <a:hueOff val="0"/>
+                    <a:satOff val="0"/>
+                    <a:lumOff val="0"/>
+                    <a:alphaOff val="0"/>
+                  </a:schemeClr>
+                </a:solidFill>
+                <a:latin typeface="+mn-lt"/>
+                <a:ea typeface="+mn-ea"/>
+                <a:cs typeface="+mn-cs"/>
+              </a:defRPr>
+            </a:lvl1pPr>
+            <a:lvl2pPr marL="457200" algn="l" defTabSz="914400" rtl="0" eaLnBrk="1" latinLnBrk="0" hangingPunct="1">
+              <a:defRPr sz="1800" kern="1200">
+                <a:solidFill>
+                  <a:schemeClr val="dk1">
+                    <a:hueOff val="0"/>
+                    <a:satOff val="0"/>
+                    <a:lumOff val="0"/>
+                    <a:alphaOff val="0"/>
+                  </a:schemeClr>
+                </a:solidFill>
+                <a:latin typeface="+mn-lt"/>
+                <a:ea typeface="+mn-ea"/>
+                <a:cs typeface="+mn-cs"/>
+              </a:defRPr>
+            </a:lvl2pPr>
+            <a:lvl3pPr marL="914400" algn="l" defTabSz="914400" rtl="0" eaLnBrk="1" latinLnBrk="0" hangingPunct="1">
+              <a:defRPr sz="1800" kern="1200">
+                <a:solidFill>
+                  <a:schemeClr val="dk1">
+                    <a:hueOff val="0"/>
+                    <a:satOff val="0"/>
+                    <a:lumOff val="0"/>
+                    <a:alphaOff val="0"/>
+                  </a:schemeClr>
+                </a:solidFill>
+                <a:latin typeface="+mn-lt"/>
+                <a:ea typeface="+mn-ea"/>
+                <a:cs typeface="+mn-cs"/>
+              </a:defRPr>
+            </a:lvl3pPr>
+            <a:lvl4pPr marL="1371600" algn="l" defTabSz="914400" rtl="0" eaLnBrk="1" latinLnBrk="0" hangingPunct="1">
+              <a:defRPr sz="1800" kern="1200">
+                <a:solidFill>
+                  <a:schemeClr val="dk1">
+                    <a:hueOff val="0"/>
+                    <a:satOff val="0"/>
+                    <a:lumOff val="0"/>
+                    <a:alphaOff val="0"/>
+                  </a:schemeClr>
+                </a:solidFill>
+                <a:latin typeface="+mn-lt"/>
+                <a:ea typeface="+mn-ea"/>
+                <a:cs typeface="+mn-cs"/>
+              </a:defRPr>
+            </a:lvl4pPr>
+            <a:lvl5pPr marL="1828800" algn="l" defTabSz="914400" rtl="0" eaLnBrk="1" latinLnBrk="0" hangingPunct="1">
+              <a:defRPr sz="1800" kern="1200">
+                <a:solidFill>
+                  <a:schemeClr val="dk1">
+                    <a:hueOff val="0"/>
+                    <a:satOff val="0"/>
+                    <a:lumOff val="0"/>
+                    <a:alphaOff val="0"/>
+                  </a:schemeClr>
+                </a:solidFill>
+                <a:latin typeface="+mn-lt"/>
+                <a:ea typeface="+mn-ea"/>
+                <a:cs typeface="+mn-cs"/>
+              </a:defRPr>
+            </a:lvl5pPr>
+            <a:lvl6pPr marL="2286000" algn="l" defTabSz="914400" rtl="0" eaLnBrk="1" latinLnBrk="0" hangingPunct="1">
+              <a:defRPr sz="1800" kern="1200">
+                <a:solidFill>
+                  <a:schemeClr val="dk1">
+                    <a:hueOff val="0"/>
+                    <a:satOff val="0"/>
+                    <a:lumOff val="0"/>
+                    <a:alphaOff val="0"/>
+                  </a:schemeClr>
+                </a:solidFill>
+                <a:latin typeface="+mn-lt"/>
+                <a:ea typeface="+mn-ea"/>
+                <a:cs typeface="+mn-cs"/>
+              </a:defRPr>
+            </a:lvl6pPr>
+            <a:lvl7pPr marL="2743200" algn="l" defTabSz="914400" rtl="0" eaLnBrk="1" latinLnBrk="0" hangingPunct="1">
+              <a:defRPr sz="1800" kern="1200">
+                <a:solidFill>
+                  <a:schemeClr val="dk1">
+                    <a:hueOff val="0"/>
+                    <a:satOff val="0"/>
+                    <a:lumOff val="0"/>
+                    <a:alphaOff val="0"/>
+                  </a:schemeClr>
+                </a:solidFill>
+                <a:latin typeface="+mn-lt"/>
+                <a:ea typeface="+mn-ea"/>
+                <a:cs typeface="+mn-cs"/>
+              </a:defRPr>
+            </a:lvl7pPr>
+            <a:lvl8pPr marL="3200400" algn="l" defTabSz="914400" rtl="0" eaLnBrk="1" latinLnBrk="0" hangingPunct="1">
+              <a:defRPr sz="1800" kern="1200">
+                <a:solidFill>
+                  <a:schemeClr val="dk1">
+                    <a:hueOff val="0"/>
+                    <a:satOff val="0"/>
+                    <a:lumOff val="0"/>
+                    <a:alphaOff val="0"/>
+                  </a:schemeClr>
+                </a:solidFill>
+                <a:latin typeface="+mn-lt"/>
+                <a:ea typeface="+mn-ea"/>
+                <a:cs typeface="+mn-cs"/>
+              </a:defRPr>
+            </a:lvl8pPr>
+            <a:lvl9pPr marL="3657600" algn="l" defTabSz="914400" rtl="0" eaLnBrk="1" latinLnBrk="0" hangingPunct="1">
+              <a:defRPr sz="1800" kern="1200">
+                <a:solidFill>
+                  <a:schemeClr val="dk1">
+                    <a:hueOff val="0"/>
+                    <a:satOff val="0"/>
+                    <a:lumOff val="0"/>
+                    <a:alphaOff val="0"/>
+                  </a:schemeClr>
+                </a:solidFill>
+                <a:latin typeface="+mn-lt"/>
+                <a:ea typeface="+mn-ea"/>
+                <a:cs typeface="+mn-cs"/>
+              </a:defRPr>
+            </a:lvl9pPr>
+          </a:lstStyle>
+          <a:p>
+            <a:pPr marL="0" lvl="1" defTabSz="711200">
+              <a:lnSpc>
+                <a:spcPct val="90000"/>
+              </a:lnSpc>
+              <a:spcBef>
+                <a:spcPct val="0"/>
+              </a:spcBef>
+              <a:spcAft>
+                <a:spcPct val="15000"/>
+              </a:spcAft>
+            </a:pPr>
+            <a:r>
+              <a:rPr lang="zh-CN" altLang="en-US" sz="2400" b="1" dirty="0">
+                <a:solidFill>
+                  <a:schemeClr val="bg1">
+                    <a:lumMod val="50000"/>
+                  </a:schemeClr>
+                </a:solidFill>
+                <a:latin typeface="仿宋" panose="02010609060101010101" charset="-122"/>
+                <a:ea typeface="仿宋" panose="02010609060101010101" charset="-122"/>
+                <a:cs typeface="+mn-ea"/>
+                <a:sym typeface="+mn-lt"/>
+              </a:rPr>
+              <a:t>问题</a:t>
+            </a:r>
+          </a:p>
+        </p:txBody>
+      </p:sp>
+      <p:cxnSp>
+        <p:nvCxnSpPr>
+          <p:cNvPr id="6" name="直接连接符 5"/>
+          <p:cNvCxnSpPr/>
+          <p:nvPr/>
+        </p:nvCxnSpPr>
+        <p:spPr>
+          <a:xfrm flipH="1">
+            <a:off x="5324475" y="6370955"/>
+            <a:ext cx="6680835" cy="19685"/>
+          </a:xfrm>
+          <a:prstGeom prst="line">
+            <a:avLst/>
+          </a:prstGeom>
+          <a:ln w="57150">
+            <a:gradFill>
+              <a:gsLst>
+                <a:gs pos="0">
+                  <a:schemeClr val="bg1">
+                    <a:alpha val="10000"/>
+                  </a:schemeClr>
+                </a:gs>
+                <a:gs pos="90000">
+                  <a:schemeClr val="bg1">
+                    <a:lumMod val="65000"/>
+                    <a:alpha val="44000"/>
+                  </a:schemeClr>
+                </a:gs>
+              </a:gsLst>
+              <a:lin ang="9420000" scaled="1"/>
+            </a:gradFill>
+          </a:ln>
+        </p:spPr>
+        <p:style>
+          <a:lnRef idx="1">
+            <a:schemeClr val="accent1"/>
+          </a:lnRef>
+          <a:fillRef idx="0">
+            <a:schemeClr val="accent1"/>
+          </a:fillRef>
+          <a:effectRef idx="0">
+            <a:schemeClr val="accent1"/>
+          </a:effectRef>
+          <a:fontRef idx="minor">
+            <a:schemeClr val="tx1"/>
+          </a:fontRef>
+        </p:style>
+      </p:cxnSp>
+      <p:sp>
+        <p:nvSpPr>
+          <p:cNvPr id="2" name="文本框 1"/>
+          <p:cNvSpPr txBox="1"/>
+          <p:nvPr/>
+        </p:nvSpPr>
+        <p:spPr>
+          <a:xfrm>
+            <a:off x="1258168" y="2586036"/>
+            <a:ext cx="7427111" cy="461665"/>
+          </a:xfrm>
+          <a:prstGeom prst="rect">
+            <a:avLst/>
+          </a:prstGeom>
+          <a:noFill/>
+        </p:spPr>
+        <p:txBody>
+          <a:bodyPr wrap="square" rtlCol="0">
+            <a:spAutoFit/>
+          </a:bodyPr>
+          <a:lstStyle/>
+          <a:p>
+            <a:r>
+              <a:rPr lang="zh-CN" altLang="en-US" sz="2400" dirty="0">
+                <a:latin typeface="宋体" panose="02010600030101010101" pitchFamily="2" charset="-122"/>
+              </a:rPr>
+              <a:t>软件维护活动有哪些？</a:t>
+            </a:r>
+            <a:endParaRPr lang="zh-CN" altLang="zh-CN" sz="2400" dirty="0"/>
+          </a:p>
+        </p:txBody>
+      </p:sp>
+      <p:sp>
+        <p:nvSpPr>
+          <p:cNvPr id="9" name="文本框 8"/>
+          <p:cNvSpPr txBox="1"/>
+          <p:nvPr/>
+        </p:nvSpPr>
+        <p:spPr>
+          <a:xfrm>
+            <a:off x="735331" y="1623178"/>
+            <a:ext cx="4236393" cy="590931"/>
+          </a:xfrm>
+          <a:prstGeom prst="rect">
+            <a:avLst/>
+          </a:prstGeom>
+          <a:noFill/>
+        </p:spPr>
+        <p:txBody>
+          <a:bodyPr wrap="square" rtlCol="0">
+            <a:spAutoFit/>
+          </a:bodyPr>
+          <a:lstStyle/>
+          <a:p>
+            <a:pPr marL="0" lvl="1" defTabSz="711200">
+              <a:lnSpc>
+                <a:spcPct val="90000"/>
+              </a:lnSpc>
+              <a:spcBef>
+                <a:spcPct val="0"/>
+              </a:spcBef>
+              <a:spcAft>
+                <a:spcPct val="15000"/>
+              </a:spcAft>
+            </a:pPr>
+            <a:r>
+              <a:rPr lang="zh-CN" altLang="en-US" sz="3600" b="1" dirty="0">
+                <a:latin typeface="仿宋" panose="02010609060101010101" charset="-122"/>
+                <a:ea typeface="仿宋" panose="02010609060101010101" charset="-122"/>
+                <a:cs typeface="+mn-ea"/>
+                <a:sym typeface="+mn-lt"/>
+              </a:rPr>
+              <a:t>问题二</a:t>
+            </a:r>
+          </a:p>
+        </p:txBody>
+      </p:sp>
+      <p:cxnSp>
+        <p:nvCxnSpPr>
+          <p:cNvPr id="10" name="直接连接符 9"/>
+          <p:cNvCxnSpPr/>
+          <p:nvPr/>
+        </p:nvCxnSpPr>
+        <p:spPr>
+          <a:xfrm>
+            <a:off x="735331" y="2334084"/>
+            <a:ext cx="1312218" cy="0"/>
+          </a:xfrm>
+          <a:prstGeom prst="line">
+            <a:avLst/>
+          </a:prstGeom>
+          <a:ln w="57150">
+            <a:solidFill>
+              <a:schemeClr val="tx1">
+                <a:lumMod val="50000"/>
+                <a:lumOff val="50000"/>
+              </a:schemeClr>
+            </a:solidFill>
+          </a:ln>
+        </p:spPr>
+        <p:style>
+          <a:lnRef idx="1">
+            <a:schemeClr val="accent1"/>
+          </a:lnRef>
+          <a:fillRef idx="0">
+            <a:schemeClr val="accent1"/>
+          </a:fillRef>
+          <a:effectRef idx="0">
+            <a:schemeClr val="accent1"/>
+          </a:effectRef>
+          <a:fontRef idx="minor">
+            <a:schemeClr val="tx1"/>
+          </a:fontRef>
+        </p:style>
+      </p:cxnSp>
+      <p:sp>
+        <p:nvSpPr>
+          <p:cNvPr id="3" name="文本框 2">
+            <a:extLst>
+              <a:ext uri="{FF2B5EF4-FFF2-40B4-BE49-F238E27FC236}">
+                <a16:creationId xmlns:a16="http://schemas.microsoft.com/office/drawing/2014/main" id="{0D0255B8-C59E-4C14-B30E-F779E53B226E}"/>
+              </a:ext>
+            </a:extLst>
+          </p:cNvPr>
+          <p:cNvSpPr txBox="1"/>
+          <p:nvPr/>
+        </p:nvSpPr>
+        <p:spPr>
+          <a:xfrm>
+            <a:off x="1329295" y="3361977"/>
+            <a:ext cx="5382223" cy="1569660"/>
+          </a:xfrm>
+          <a:prstGeom prst="rect">
+            <a:avLst/>
+          </a:prstGeom>
+          <a:noFill/>
+        </p:spPr>
+        <p:txBody>
+          <a:bodyPr wrap="square" rtlCol="0">
+            <a:spAutoFit/>
+          </a:bodyPr>
+          <a:lstStyle/>
+          <a:p>
+            <a:r>
+              <a:rPr lang="en-US" altLang="zh-CN" sz="2400" dirty="0"/>
+              <a:t>1.</a:t>
+            </a:r>
+            <a:r>
+              <a:rPr lang="zh-CN" altLang="en-US" sz="2400" dirty="0"/>
+              <a:t>改正性维护</a:t>
+            </a:r>
+            <a:endParaRPr lang="en-US" altLang="zh-CN" sz="2400" dirty="0"/>
+          </a:p>
+          <a:p>
+            <a:r>
+              <a:rPr lang="en-US" altLang="zh-CN" sz="2400" dirty="0"/>
+              <a:t>2.</a:t>
+            </a:r>
+            <a:r>
+              <a:rPr lang="zh-CN" altLang="en-US" sz="2400" dirty="0"/>
+              <a:t>适应性维护</a:t>
+            </a:r>
+            <a:endParaRPr lang="en-US" altLang="zh-CN" sz="2400" dirty="0"/>
+          </a:p>
+          <a:p>
+            <a:r>
+              <a:rPr lang="en-US" altLang="zh-CN" sz="2400" dirty="0"/>
+              <a:t>3.</a:t>
+            </a:r>
+            <a:r>
+              <a:rPr lang="zh-CN" altLang="en-US" sz="2400" dirty="0"/>
+              <a:t>完善性维护</a:t>
+            </a:r>
+            <a:endParaRPr lang="en-US" altLang="zh-CN" sz="2400" dirty="0"/>
+          </a:p>
+          <a:p>
+            <a:r>
+              <a:rPr lang="en-US" altLang="zh-CN" sz="2400" dirty="0"/>
+              <a:t>4.</a:t>
+            </a:r>
+            <a:r>
+              <a:rPr lang="zh-CN" altLang="en-US" sz="2400" dirty="0"/>
+              <a:t>预防性维护</a:t>
+            </a:r>
+          </a:p>
+        </p:txBody>
+      </p:sp>
+    </p:spTree>
+    <p:extLst>
+      <p:ext uri="{BB962C8B-B14F-4D97-AF65-F5344CB8AC3E}">
+        <p14:creationId xmlns:p14="http://schemas.microsoft.com/office/powerpoint/2010/main" val="3435156183"/>
+      </p:ext>
+    </p:extLst>
+  </p:cSld>
+  <p:clrMapOvr>
+    <a:masterClrMapping/>
+  </p:clrMapOvr>
+  <p:timing>
+    <p:tnLst>
+      <p:par>
+        <p:cTn id="1" dur="indefinite" restart="never" nodeType="tmRoot">
+          <p:childTnLst>
+            <p:seq concurrent="1" nextAc="seek">
+              <p:cTn id="2" dur="indefinite" nodeType="mainSeq">
+                <p:childTnLst>
+                  <p:par>
+                    <p:cTn id="3" fill="hold">
+                      <p:stCondLst>
+                        <p:cond delay="indefinite"/>
+                        <p:cond evt="onBegin" delay="0">
+                          <p:tn val="2"/>
+                        </p:cond>
+                      </p:stCondLst>
+                      <p:childTnLst>
+                        <p:par>
+                          <p:cTn id="4" fill="hold">
+                            <p:stCondLst>
+                              <p:cond delay="0"/>
+                            </p:stCondLst>
+                            <p:childTnLst>
+                              <p:par>
+                                <p:cTn id="5" presetID="55" presetClass="entr" presetSubtype="0" fill="hold" grpId="0" nodeType="afterEffect">
+                                  <p:stCondLst>
+                                    <p:cond delay="0"/>
+                                  </p:stCondLst>
+                                  <p:childTnLst>
+                                    <p:set>
+                                      <p:cBhvr>
+                                        <p:cTn id="6" dur="1" fill="hold">
+                                          <p:stCondLst>
+                                            <p:cond delay="0"/>
+                                          </p:stCondLst>
+                                        </p:cTn>
+                                        <p:tgtEl>
+                                          <p:spTgt spid="9"/>
+                                        </p:tgtEl>
+                                        <p:attrNameLst>
+                                          <p:attrName>style.visibility</p:attrName>
+                                        </p:attrNameLst>
+                                      </p:cBhvr>
+                                      <p:to>
+                                        <p:strVal val="visible"/>
+                                      </p:to>
+                                    </p:set>
+                                    <p:anim calcmode="lin" valueType="num">
+                                      <p:cBhvr>
+                                        <p:cTn id="7" dur="1000" fill="hold"/>
+                                        <p:tgtEl>
+                                          <p:spTgt spid="9"/>
+                                        </p:tgtEl>
+                                        <p:attrNameLst>
+                                          <p:attrName>ppt_w</p:attrName>
+                                        </p:attrNameLst>
+                                      </p:cBhvr>
+                                      <p:tavLst>
+                                        <p:tav tm="0">
+                                          <p:val>
+                                            <p:strVal val="#ppt_w*0.70"/>
+                                          </p:val>
+                                        </p:tav>
+                                        <p:tav tm="100000">
+                                          <p:val>
+                                            <p:strVal val="#ppt_w"/>
+                                          </p:val>
+                                        </p:tav>
+                                      </p:tavLst>
+                                    </p:anim>
+                                    <p:anim calcmode="lin" valueType="num">
+                                      <p:cBhvr>
+                                        <p:cTn id="8" dur="1000" fill="hold"/>
+                                        <p:tgtEl>
+                                          <p:spTgt spid="9"/>
+                                        </p:tgtEl>
+                                        <p:attrNameLst>
+                                          <p:attrName>ppt_h</p:attrName>
+                                        </p:attrNameLst>
+                                      </p:cBhvr>
+                                      <p:tavLst>
+                                        <p:tav tm="0">
+                                          <p:val>
+                                            <p:strVal val="#ppt_h"/>
+                                          </p:val>
+                                        </p:tav>
+                                        <p:tav tm="100000">
+                                          <p:val>
+                                            <p:strVal val="#ppt_h"/>
+                                          </p:val>
+                                        </p:tav>
+                                      </p:tavLst>
+                                    </p:anim>
+                                    <p:animEffect transition="in" filter="fade">
+                                      <p:cBhvr>
+                                        <p:cTn id="9" dur="1000"/>
+                                        <p:tgtEl>
+                                          <p:spTgt spid="9"/>
+                                        </p:tgtEl>
+                                      </p:cBhvr>
+                                    </p:animEffect>
+                                  </p:childTnLst>
+                                </p:cTn>
+                              </p:par>
+                              <p:par>
+                                <p:cTn id="10" presetID="55" presetClass="entr" presetSubtype="0" fill="hold" nodeType="withEffect">
+                                  <p:stCondLst>
+                                    <p:cond delay="0"/>
+                                  </p:stCondLst>
+                                  <p:childTnLst>
+                                    <p:set>
+                                      <p:cBhvr>
+                                        <p:cTn id="11" dur="1" fill="hold">
+                                          <p:stCondLst>
+                                            <p:cond delay="0"/>
+                                          </p:stCondLst>
+                                        </p:cTn>
+                                        <p:tgtEl>
+                                          <p:spTgt spid="10"/>
+                                        </p:tgtEl>
+                                        <p:attrNameLst>
+                                          <p:attrName>style.visibility</p:attrName>
+                                        </p:attrNameLst>
+                                      </p:cBhvr>
+                                      <p:to>
+                                        <p:strVal val="visible"/>
+                                      </p:to>
+                                    </p:set>
+                                    <p:anim calcmode="lin" valueType="num">
+                                      <p:cBhvr>
+                                        <p:cTn id="12" dur="1000" fill="hold"/>
+                                        <p:tgtEl>
+                                          <p:spTgt spid="10"/>
+                                        </p:tgtEl>
+                                        <p:attrNameLst>
+                                          <p:attrName>ppt_w</p:attrName>
+                                        </p:attrNameLst>
+                                      </p:cBhvr>
+                                      <p:tavLst>
+                                        <p:tav tm="0">
+                                          <p:val>
+                                            <p:strVal val="#ppt_w*0.70"/>
+                                          </p:val>
+                                        </p:tav>
+                                        <p:tav tm="100000">
+                                          <p:val>
+                                            <p:strVal val="#ppt_w"/>
+                                          </p:val>
+                                        </p:tav>
+                                      </p:tavLst>
+                                    </p:anim>
+                                    <p:anim calcmode="lin" valueType="num">
+                                      <p:cBhvr>
+                                        <p:cTn id="13" dur="1000" fill="hold"/>
+                                        <p:tgtEl>
+                                          <p:spTgt spid="10"/>
+                                        </p:tgtEl>
+                                        <p:attrNameLst>
+                                          <p:attrName>ppt_h</p:attrName>
+                                        </p:attrNameLst>
+                                      </p:cBhvr>
+                                      <p:tavLst>
+                                        <p:tav tm="0">
+                                          <p:val>
+                                            <p:strVal val="#ppt_h"/>
+                                          </p:val>
+                                        </p:tav>
+                                        <p:tav tm="100000">
+                                          <p:val>
+                                            <p:strVal val="#ppt_h"/>
+                                          </p:val>
+                                        </p:tav>
+                                      </p:tavLst>
+                                    </p:anim>
+                                    <p:animEffect transition="in" filter="fade">
+                                      <p:cBhvr>
+                                        <p:cTn id="14" dur="1000"/>
+                                        <p:tgtEl>
+                                          <p:spTgt spid="10"/>
+                                        </p:tgtEl>
+                                      </p:cBhvr>
+                                    </p:animEffect>
+                                  </p:childTnLst>
+                                </p:cTn>
+                              </p:par>
+                            </p:childTnLst>
+                          </p:cTn>
+                        </p:par>
+                      </p:childTnLst>
+                    </p:cTn>
+                  </p:par>
+                  <p:par>
+                    <p:cTn id="15" fill="hold">
+                      <p:stCondLst>
+                        <p:cond delay="indefinite"/>
+                      </p:stCondLst>
+                      <p:childTnLst>
+                        <p:par>
+                          <p:cTn id="16" fill="hold">
+                            <p:stCondLst>
+                              <p:cond delay="0"/>
+                            </p:stCondLst>
+                            <p:childTnLst>
+                              <p:par>
+                                <p:cTn id="17" presetID="2" presetClass="entr" presetSubtype="4" fill="hold" grpId="0" nodeType="clickEffect">
+                                  <p:stCondLst>
+                                    <p:cond delay="0"/>
+                                  </p:stCondLst>
+                                  <p:childTnLst>
+                                    <p:set>
+                                      <p:cBhvr>
+                                        <p:cTn id="18" dur="1" fill="hold">
+                                          <p:stCondLst>
+                                            <p:cond delay="0"/>
+                                          </p:stCondLst>
+                                        </p:cTn>
+                                        <p:tgtEl>
+                                          <p:spTgt spid="3"/>
+                                        </p:tgtEl>
+                                        <p:attrNameLst>
+                                          <p:attrName>style.visibility</p:attrName>
+                                        </p:attrNameLst>
+                                      </p:cBhvr>
+                                      <p:to>
+                                        <p:strVal val="visible"/>
+                                      </p:to>
+                                    </p:set>
+                                    <p:anim calcmode="lin" valueType="num">
+                                      <p:cBhvr additive="base">
+                                        <p:cTn id="19" dur="500" fill="hold"/>
+                                        <p:tgtEl>
+                                          <p:spTgt spid="3"/>
+                                        </p:tgtEl>
+                                        <p:attrNameLst>
+                                          <p:attrName>ppt_x</p:attrName>
+                                        </p:attrNameLst>
+                                      </p:cBhvr>
+                                      <p:tavLst>
+                                        <p:tav tm="0">
+                                          <p:val>
+                                            <p:strVal val="#ppt_x"/>
+                                          </p:val>
+                                        </p:tav>
+                                        <p:tav tm="100000">
+                                          <p:val>
+                                            <p:strVal val="#ppt_x"/>
+                                          </p:val>
+                                        </p:tav>
+                                      </p:tavLst>
+                                    </p:anim>
+                                    <p:anim calcmode="lin" valueType="num">
+                                      <p:cBhvr additive="base">
+                                        <p:cTn id="20" dur="500" fill="hold"/>
+                                        <p:tgtEl>
+                                          <p:spTgt spid="3"/>
+                                        </p:tgtEl>
+                                        <p:attrNameLst>
+                                          <p:attrName>ppt_y</p:attrName>
+                                        </p:attrNameLst>
+                                      </p:cBhvr>
+                                      <p:tavLst>
+                                        <p:tav tm="0">
+                                          <p:val>
+                                            <p:strVal val="1+#ppt_h/2"/>
+                                          </p:val>
+                                        </p:tav>
+                                        <p:tav tm="100000">
+                                          <p:val>
+                                            <p:strVal val="#ppt_y"/>
+                                          </p:val>
+                                        </p:tav>
+                                      </p:tavLst>
+                                    </p:anim>
+                                  </p:childTnLst>
+                                </p:cTn>
+                              </p:par>
+                            </p:childTnLst>
+                          </p:cTn>
+                        </p:par>
+                      </p:childTnLst>
+                    </p:cTn>
+                  </p:par>
+                </p:childTnLst>
+              </p:cTn>
+              <p:prevCondLst>
+                <p:cond evt="onPrev" delay="0">
+                  <p:tgtEl>
+                    <p:sldTgt/>
+                  </p:tgtEl>
+                </p:cond>
+              </p:prevCondLst>
+              <p:nextCondLst>
+                <p:cond evt="onNext" delay="0">
+                  <p:tgtEl>
+                    <p:sldTgt/>
+                  </p:tgtEl>
+                </p:cond>
+              </p:nextCondLst>
+            </p:seq>
+          </p:childTnLst>
+        </p:cTn>
+      </p:par>
+    </p:tnLst>
+    <p:bldLst>
+      <p:bldP spid="9" grpId="0"/>
+      <p:bldP spid="3" grpId="0"/>
+    </p:bldLst>
+  </p:timing>
+</p:sld>
+</file>
+
+<file path=ppt/slides/slide41.xml><?xml version="1.0" encoding="utf-8"?>
+<p:sld xmlns:a="http://schemas.openxmlformats.org/drawingml/2006/main" xmlns:r="http://schemas.openxmlformats.org/officeDocument/2006/relationships" xmlns:p="http://schemas.openxmlformats.org/presentationml/2006/main">
+  <p:cSld>
+    <p:spTree>
+      <p:nvGrpSpPr>
+        <p:cNvPr id="1" name=""/>
+        <p:cNvGrpSpPr/>
+        <p:nvPr/>
+      </p:nvGrpSpPr>
+      <p:grpSpPr>
+        <a:xfrm>
+          <a:off x="0" y="0"/>
+          <a:ext cx="0" cy="0"/>
+          <a:chOff x="0" y="0"/>
+          <a:chExt cx="0" cy="0"/>
+        </a:xfrm>
+      </p:grpSpPr>
+      <p:grpSp>
+        <p:nvGrpSpPr>
+          <p:cNvPr id="12" name="组合 11"/>
+          <p:cNvGrpSpPr/>
+          <p:nvPr/>
+        </p:nvGrpSpPr>
+        <p:grpSpPr>
+          <a:xfrm>
+            <a:off x="819150" y="304165"/>
+            <a:ext cx="803910" cy="946785"/>
+            <a:chOff x="7448" y="3202"/>
+            <a:chExt cx="2827" cy="3146"/>
+          </a:xfrm>
+        </p:grpSpPr>
+        <p:cxnSp>
+          <p:nvCxnSpPr>
+            <p:cNvPr id="5" name="直接连接符 4"/>
+            <p:cNvCxnSpPr/>
+            <p:nvPr/>
+          </p:nvCxnSpPr>
+          <p:spPr>
+            <a:xfrm flipH="1">
+              <a:off x="7448" y="3324"/>
+              <a:ext cx="2721" cy="3025"/>
+            </a:xfrm>
+            <a:prstGeom prst="line">
+              <a:avLst/>
+            </a:prstGeom>
+            <a:ln>
+              <a:gradFill>
+                <a:gsLst>
+                  <a:gs pos="0">
+                    <a:schemeClr val="bg1"/>
+                  </a:gs>
+                  <a:gs pos="74000">
+                    <a:schemeClr val="bg1">
+                      <a:lumMod val="65000"/>
+                    </a:schemeClr>
+                  </a:gs>
+                </a:gsLst>
+                <a:lin ang="15720000" scaled="1"/>
+              </a:gradFill>
+            </a:ln>
+          </p:spPr>
+          <p:style>
+            <a:lnRef idx="1">
+              <a:schemeClr val="accent1"/>
+            </a:lnRef>
+            <a:fillRef idx="0">
+              <a:schemeClr val="accent1"/>
+            </a:fillRef>
+            <a:effectRef idx="0">
+              <a:schemeClr val="accent1"/>
+            </a:effectRef>
+            <a:fontRef idx="minor">
+              <a:schemeClr val="tx1"/>
+            </a:fontRef>
+          </p:style>
+        </p:cxnSp>
+        <p:sp>
+          <p:nvSpPr>
+            <p:cNvPr id="8" name="椭圆 7"/>
+            <p:cNvSpPr/>
+            <p:nvPr/>
+          </p:nvSpPr>
+          <p:spPr>
+            <a:xfrm>
+              <a:off x="10077" y="3202"/>
+              <a:ext cx="198" cy="213"/>
+            </a:xfrm>
+            <a:prstGeom prst="ellipse">
+              <a:avLst/>
+            </a:prstGeom>
+            <a:solidFill>
+              <a:schemeClr val="bg1">
+                <a:lumMod val="65000"/>
+              </a:schemeClr>
+            </a:solidFill>
+            <a:ln>
+              <a:noFill/>
+            </a:ln>
+          </p:spPr>
+          <p:style>
+            <a:lnRef idx="2">
+              <a:schemeClr val="accent1">
+                <a:shade val="50000"/>
+              </a:schemeClr>
+            </a:lnRef>
+            <a:fillRef idx="1">
+              <a:schemeClr val="accent1"/>
+            </a:fillRef>
+            <a:effectRef idx="0">
+              <a:schemeClr val="accent1"/>
+            </a:effectRef>
+            <a:fontRef idx="minor">
+              <a:schemeClr val="lt1"/>
+            </a:fontRef>
+          </p:style>
+          <p:txBody>
+            <a:bodyPr rtlCol="0" anchor="ctr"/>
+            <a:lstStyle/>
+            <a:p>
+              <a:pPr algn="ctr"/>
+              <a:endParaRPr lang="zh-CN" altLang="en-US">
+                <a:cs typeface="仿宋" panose="02010609060101010101" charset="-122"/>
+              </a:endParaRPr>
+            </a:p>
+          </p:txBody>
+        </p:sp>
+      </p:grpSp>
+      <p:sp>
+        <p:nvSpPr>
+          <p:cNvPr id="4" name="文本框 3"/>
+          <p:cNvSpPr txBox="1"/>
+          <p:nvPr/>
+        </p:nvSpPr>
+        <p:spPr>
+          <a:xfrm>
+            <a:off x="439360" y="340995"/>
+            <a:ext cx="800219" cy="461665"/>
+          </a:xfrm>
+          <a:prstGeom prst="rect">
+            <a:avLst/>
+          </a:prstGeom>
+          <a:noFill/>
+        </p:spPr>
+        <p:txBody>
+          <a:bodyPr wrap="none" rtlCol="0" anchor="t">
+            <a:spAutoFit/>
+          </a:bodyPr>
+          <a:lstStyle/>
+          <a:p>
+            <a:pPr algn="ctr"/>
+            <a:r>
+              <a:rPr lang="en-US" altLang="zh-CN" sz="2400" dirty="0">
+                <a:solidFill>
+                  <a:schemeClr val="tx1">
+                    <a:lumMod val="50000"/>
+                    <a:lumOff val="50000"/>
+                  </a:schemeClr>
+                </a:solidFill>
+                <a:latin typeface="仿宋" panose="02010609060101010101" charset="-122"/>
+                <a:ea typeface="仿宋" panose="02010609060101010101" charset="-122"/>
+                <a:cs typeface="仿宋" panose="02010609060101010101" charset="-122"/>
+                <a:sym typeface="+mn-lt"/>
+              </a:rPr>
+              <a:t>four</a:t>
+            </a:r>
+            <a:endParaRPr lang="en-US" sz="2400" dirty="0">
+              <a:solidFill>
+                <a:schemeClr val="tx1">
+                  <a:lumMod val="50000"/>
+                  <a:lumOff val="50000"/>
+                </a:schemeClr>
+              </a:solidFill>
+              <a:latin typeface="仿宋" panose="02010609060101010101" charset="-122"/>
+              <a:ea typeface="仿宋" panose="02010609060101010101" charset="-122"/>
+              <a:cs typeface="仿宋" panose="02010609060101010101" charset="-122"/>
+              <a:sym typeface="+mn-lt"/>
+            </a:endParaRPr>
+          </a:p>
+        </p:txBody>
+      </p:sp>
+      <p:sp>
+        <p:nvSpPr>
+          <p:cNvPr id="7" name="任意多边形 18"/>
+          <p:cNvSpPr/>
+          <p:nvPr/>
+        </p:nvSpPr>
+        <p:spPr>
+          <a:xfrm>
+            <a:off x="1738453" y="304127"/>
+            <a:ext cx="4419256" cy="618508"/>
+          </a:xfrm>
+          <a:custGeom>
+            <a:avLst/>
+            <a:gdLst>
+              <a:gd name="connsiteX0" fmla="*/ 98297 w 589768"/>
+              <a:gd name="connsiteY0" fmla="*/ 0 h 5346192"/>
+              <a:gd name="connsiteX1" fmla="*/ 491471 w 589768"/>
+              <a:gd name="connsiteY1" fmla="*/ 0 h 5346192"/>
+              <a:gd name="connsiteX2" fmla="*/ 589768 w 589768"/>
+              <a:gd name="connsiteY2" fmla="*/ 98297 h 5346192"/>
+              <a:gd name="connsiteX3" fmla="*/ 589768 w 589768"/>
+              <a:gd name="connsiteY3" fmla="*/ 5346192 h 5346192"/>
+              <a:gd name="connsiteX4" fmla="*/ 589768 w 589768"/>
+              <a:gd name="connsiteY4" fmla="*/ 5346192 h 5346192"/>
+              <a:gd name="connsiteX5" fmla="*/ 0 w 589768"/>
+              <a:gd name="connsiteY5" fmla="*/ 5346192 h 5346192"/>
+              <a:gd name="connsiteX6" fmla="*/ 0 w 589768"/>
+              <a:gd name="connsiteY6" fmla="*/ 5346192 h 5346192"/>
+              <a:gd name="connsiteX7" fmla="*/ 0 w 589768"/>
+              <a:gd name="connsiteY7" fmla="*/ 98297 h 5346192"/>
+              <a:gd name="connsiteX8" fmla="*/ 98297 w 589768"/>
+              <a:gd name="connsiteY8" fmla="*/ 0 h 5346192"/>
+            </a:gdLst>
+            <a:ahLst/>
+            <a:cxnLst>
+              <a:cxn ang="0">
+                <a:pos x="connsiteX0" y="connsiteY0"/>
+              </a:cxn>
+              <a:cxn ang="0">
+                <a:pos x="connsiteX1" y="connsiteY1"/>
+              </a:cxn>
+              <a:cxn ang="0">
+                <a:pos x="connsiteX2" y="connsiteY2"/>
+              </a:cxn>
+              <a:cxn ang="0">
+                <a:pos x="connsiteX3" y="connsiteY3"/>
+              </a:cxn>
+              <a:cxn ang="0">
+                <a:pos x="connsiteX4" y="connsiteY4"/>
+              </a:cxn>
+              <a:cxn ang="0">
+                <a:pos x="connsiteX5" y="connsiteY5"/>
+              </a:cxn>
+              <a:cxn ang="0">
+                <a:pos x="connsiteX6" y="connsiteY6"/>
+              </a:cxn>
+              <a:cxn ang="0">
+                <a:pos x="connsiteX7" y="connsiteY7"/>
+              </a:cxn>
+              <a:cxn ang="0">
+                <a:pos x="connsiteX8" y="connsiteY8"/>
+              </a:cxn>
+            </a:cxnLst>
+            <a:rect l="l" t="t" r="r" b="b"/>
+            <a:pathLst>
+              <a:path w="589768" h="5346192">
+                <a:moveTo>
+                  <a:pt x="589768" y="891056"/>
+                </a:moveTo>
+                <a:lnTo>
+                  <a:pt x="589768" y="4455136"/>
+                </a:lnTo>
+                <a:cubicBezTo>
+                  <a:pt x="589768" y="4947251"/>
+                  <a:pt x="584913" y="5346187"/>
+                  <a:pt x="578924" y="5346187"/>
+                </a:cubicBezTo>
+                <a:lnTo>
+                  <a:pt x="0" y="5346187"/>
+                </a:lnTo>
+                <a:lnTo>
+                  <a:pt x="0" y="5346187"/>
+                </a:lnTo>
+                <a:lnTo>
+                  <a:pt x="0" y="5"/>
+                </a:lnTo>
+                <a:lnTo>
+                  <a:pt x="0" y="5"/>
+                </a:lnTo>
+                <a:lnTo>
+                  <a:pt x="578924" y="5"/>
+                </a:lnTo>
+                <a:cubicBezTo>
+                  <a:pt x="584913" y="5"/>
+                  <a:pt x="589768" y="398941"/>
+                  <a:pt x="589768" y="891056"/>
+                </a:cubicBezTo>
+                <a:close/>
+              </a:path>
+            </a:pathLst>
+          </a:custGeom>
+          <a:noFill/>
+          <a:ln>
+            <a:noFill/>
+          </a:ln>
+          <a:effectLst/>
+        </p:spPr>
+        <p:style>
+          <a:lnRef idx="2">
+            <a:schemeClr val="dk2">
+              <a:alpha val="90000"/>
+              <a:tint val="40000"/>
+              <a:hueOff val="0"/>
+              <a:satOff val="0"/>
+              <a:lumOff val="0"/>
+              <a:alphaOff val="0"/>
+            </a:schemeClr>
+          </a:lnRef>
+          <a:fillRef idx="1">
+            <a:schemeClr val="dk2">
+              <a:alpha val="90000"/>
+              <a:tint val="40000"/>
+              <a:hueOff val="0"/>
+              <a:satOff val="0"/>
+              <a:lumOff val="0"/>
+              <a:alphaOff val="0"/>
+            </a:schemeClr>
+          </a:fillRef>
+          <a:effectRef idx="0">
+            <a:schemeClr val="dk2">
+              <a:alpha val="90000"/>
+              <a:tint val="40000"/>
+              <a:hueOff val="0"/>
+              <a:satOff val="0"/>
+              <a:lumOff val="0"/>
+              <a:alphaOff val="0"/>
+            </a:schemeClr>
+          </a:effectRef>
+          <a:fontRef idx="minor">
+            <a:schemeClr val="dk1">
+              <a:hueOff val="0"/>
+              <a:satOff val="0"/>
+              <a:lumOff val="0"/>
+              <a:alphaOff val="0"/>
+            </a:schemeClr>
+          </a:fontRef>
+        </p:style>
+        <p:txBody>
+          <a:bodyPr spcFirstLastPara="0" vert="horz" wrap="square" lIns="247650" tIns="152615" rIns="276440" bIns="152615" numCol="1" spcCol="1270" anchor="ctr" anchorCtr="0">
+            <a:noAutofit/>
+          </a:bodyPr>
+          <a:lstStyle>
+            <a:defPPr>
+              <a:defRPr lang="zh-CN">
+                <a:solidFill>
+                  <a:schemeClr val="dk1">
+                    <a:hueOff val="0"/>
+                    <a:satOff val="0"/>
+                    <a:lumOff val="0"/>
+                    <a:alphaOff val="0"/>
+                  </a:schemeClr>
+                </a:solidFill>
+              </a:defRPr>
+            </a:defPPr>
+            <a:lvl1pPr marL="0" algn="l" defTabSz="914400" rtl="0" eaLnBrk="1" latinLnBrk="0" hangingPunct="1">
+              <a:defRPr sz="1800" kern="1200">
+                <a:solidFill>
+                  <a:schemeClr val="dk1">
+                    <a:hueOff val="0"/>
+                    <a:satOff val="0"/>
+                    <a:lumOff val="0"/>
+                    <a:alphaOff val="0"/>
+                  </a:schemeClr>
+                </a:solidFill>
+                <a:latin typeface="+mn-lt"/>
+                <a:ea typeface="+mn-ea"/>
+                <a:cs typeface="+mn-cs"/>
+              </a:defRPr>
+            </a:lvl1pPr>
+            <a:lvl2pPr marL="457200" algn="l" defTabSz="914400" rtl="0" eaLnBrk="1" latinLnBrk="0" hangingPunct="1">
+              <a:defRPr sz="1800" kern="1200">
+                <a:solidFill>
+                  <a:schemeClr val="dk1">
+                    <a:hueOff val="0"/>
+                    <a:satOff val="0"/>
+                    <a:lumOff val="0"/>
+                    <a:alphaOff val="0"/>
+                  </a:schemeClr>
+                </a:solidFill>
+                <a:latin typeface="+mn-lt"/>
+                <a:ea typeface="+mn-ea"/>
+                <a:cs typeface="+mn-cs"/>
+              </a:defRPr>
+            </a:lvl2pPr>
+            <a:lvl3pPr marL="914400" algn="l" defTabSz="914400" rtl="0" eaLnBrk="1" latinLnBrk="0" hangingPunct="1">
+              <a:defRPr sz="1800" kern="1200">
+                <a:solidFill>
+                  <a:schemeClr val="dk1">
+                    <a:hueOff val="0"/>
+                    <a:satOff val="0"/>
+                    <a:lumOff val="0"/>
+                    <a:alphaOff val="0"/>
+                  </a:schemeClr>
+                </a:solidFill>
+                <a:latin typeface="+mn-lt"/>
+                <a:ea typeface="+mn-ea"/>
+                <a:cs typeface="+mn-cs"/>
+              </a:defRPr>
+            </a:lvl3pPr>
+            <a:lvl4pPr marL="1371600" algn="l" defTabSz="914400" rtl="0" eaLnBrk="1" latinLnBrk="0" hangingPunct="1">
+              <a:defRPr sz="1800" kern="1200">
+                <a:solidFill>
+                  <a:schemeClr val="dk1">
+                    <a:hueOff val="0"/>
+                    <a:satOff val="0"/>
+                    <a:lumOff val="0"/>
+                    <a:alphaOff val="0"/>
+                  </a:schemeClr>
+                </a:solidFill>
+                <a:latin typeface="+mn-lt"/>
+                <a:ea typeface="+mn-ea"/>
+                <a:cs typeface="+mn-cs"/>
+              </a:defRPr>
+            </a:lvl4pPr>
+            <a:lvl5pPr marL="1828800" algn="l" defTabSz="914400" rtl="0" eaLnBrk="1" latinLnBrk="0" hangingPunct="1">
+              <a:defRPr sz="1800" kern="1200">
+                <a:solidFill>
+                  <a:schemeClr val="dk1">
+                    <a:hueOff val="0"/>
+                    <a:satOff val="0"/>
+                    <a:lumOff val="0"/>
+                    <a:alphaOff val="0"/>
+                  </a:schemeClr>
+                </a:solidFill>
+                <a:latin typeface="+mn-lt"/>
+                <a:ea typeface="+mn-ea"/>
+                <a:cs typeface="+mn-cs"/>
+              </a:defRPr>
+            </a:lvl5pPr>
+            <a:lvl6pPr marL="2286000" algn="l" defTabSz="914400" rtl="0" eaLnBrk="1" latinLnBrk="0" hangingPunct="1">
+              <a:defRPr sz="1800" kern="1200">
+                <a:solidFill>
+                  <a:schemeClr val="dk1">
+                    <a:hueOff val="0"/>
+                    <a:satOff val="0"/>
+                    <a:lumOff val="0"/>
+                    <a:alphaOff val="0"/>
+                  </a:schemeClr>
+                </a:solidFill>
+                <a:latin typeface="+mn-lt"/>
+                <a:ea typeface="+mn-ea"/>
+                <a:cs typeface="+mn-cs"/>
+              </a:defRPr>
+            </a:lvl6pPr>
+            <a:lvl7pPr marL="2743200" algn="l" defTabSz="914400" rtl="0" eaLnBrk="1" latinLnBrk="0" hangingPunct="1">
+              <a:defRPr sz="1800" kern="1200">
+                <a:solidFill>
+                  <a:schemeClr val="dk1">
+                    <a:hueOff val="0"/>
+                    <a:satOff val="0"/>
+                    <a:lumOff val="0"/>
+                    <a:alphaOff val="0"/>
+                  </a:schemeClr>
+                </a:solidFill>
+                <a:latin typeface="+mn-lt"/>
+                <a:ea typeface="+mn-ea"/>
+                <a:cs typeface="+mn-cs"/>
+              </a:defRPr>
+            </a:lvl7pPr>
+            <a:lvl8pPr marL="3200400" algn="l" defTabSz="914400" rtl="0" eaLnBrk="1" latinLnBrk="0" hangingPunct="1">
+              <a:defRPr sz="1800" kern="1200">
+                <a:solidFill>
+                  <a:schemeClr val="dk1">
+                    <a:hueOff val="0"/>
+                    <a:satOff val="0"/>
+                    <a:lumOff val="0"/>
+                    <a:alphaOff val="0"/>
+                  </a:schemeClr>
+                </a:solidFill>
+                <a:latin typeface="+mn-lt"/>
+                <a:ea typeface="+mn-ea"/>
+                <a:cs typeface="+mn-cs"/>
+              </a:defRPr>
+            </a:lvl8pPr>
+            <a:lvl9pPr marL="3657600" algn="l" defTabSz="914400" rtl="0" eaLnBrk="1" latinLnBrk="0" hangingPunct="1">
+              <a:defRPr sz="1800" kern="1200">
+                <a:solidFill>
+                  <a:schemeClr val="dk1">
+                    <a:hueOff val="0"/>
+                    <a:satOff val="0"/>
+                    <a:lumOff val="0"/>
+                    <a:alphaOff val="0"/>
+                  </a:schemeClr>
+                </a:solidFill>
+                <a:latin typeface="+mn-lt"/>
+                <a:ea typeface="+mn-ea"/>
+                <a:cs typeface="+mn-cs"/>
+              </a:defRPr>
+            </a:lvl9pPr>
+          </a:lstStyle>
+          <a:p>
+            <a:pPr marL="0" lvl="1" defTabSz="711200">
+              <a:lnSpc>
+                <a:spcPct val="90000"/>
+              </a:lnSpc>
+              <a:spcBef>
+                <a:spcPct val="0"/>
+              </a:spcBef>
+              <a:spcAft>
+                <a:spcPct val="15000"/>
+              </a:spcAft>
+            </a:pPr>
+            <a:r>
+              <a:rPr lang="zh-CN" altLang="en-US" sz="2400" b="1" dirty="0">
+                <a:solidFill>
+                  <a:schemeClr val="bg1">
+                    <a:lumMod val="50000"/>
+                  </a:schemeClr>
+                </a:solidFill>
+                <a:latin typeface="仿宋" panose="02010609060101010101" charset="-122"/>
+                <a:ea typeface="仿宋" panose="02010609060101010101" charset="-122"/>
+                <a:cs typeface="+mn-ea"/>
+                <a:sym typeface="+mn-lt"/>
+              </a:rPr>
+              <a:t>问题</a:t>
+            </a:r>
+          </a:p>
+        </p:txBody>
+      </p:sp>
+      <p:cxnSp>
+        <p:nvCxnSpPr>
+          <p:cNvPr id="6" name="直接连接符 5"/>
+          <p:cNvCxnSpPr/>
+          <p:nvPr/>
+        </p:nvCxnSpPr>
+        <p:spPr>
+          <a:xfrm flipH="1">
+            <a:off x="5324475" y="6370955"/>
+            <a:ext cx="6680835" cy="19685"/>
+          </a:xfrm>
+          <a:prstGeom prst="line">
+            <a:avLst/>
+          </a:prstGeom>
+          <a:ln w="57150">
+            <a:gradFill>
+              <a:gsLst>
+                <a:gs pos="0">
+                  <a:schemeClr val="bg1">
+                    <a:alpha val="10000"/>
+                  </a:schemeClr>
+                </a:gs>
+                <a:gs pos="90000">
+                  <a:schemeClr val="bg1">
+                    <a:lumMod val="65000"/>
+                    <a:alpha val="44000"/>
+                  </a:schemeClr>
+                </a:gs>
+              </a:gsLst>
+              <a:lin ang="9420000" scaled="1"/>
+            </a:gradFill>
+          </a:ln>
+        </p:spPr>
+        <p:style>
+          <a:lnRef idx="1">
+            <a:schemeClr val="accent1"/>
+          </a:lnRef>
+          <a:fillRef idx="0">
+            <a:schemeClr val="accent1"/>
+          </a:fillRef>
+          <a:effectRef idx="0">
+            <a:schemeClr val="accent1"/>
+          </a:effectRef>
+          <a:fontRef idx="minor">
+            <a:schemeClr val="tx1"/>
+          </a:fontRef>
+        </p:style>
+      </p:cxnSp>
+      <p:sp>
+        <p:nvSpPr>
+          <p:cNvPr id="2" name="文本框 1"/>
+          <p:cNvSpPr txBox="1"/>
+          <p:nvPr/>
+        </p:nvSpPr>
+        <p:spPr>
+          <a:xfrm>
+            <a:off x="1258168" y="2586036"/>
+            <a:ext cx="7427111" cy="830997"/>
+          </a:xfrm>
+          <a:prstGeom prst="rect">
+            <a:avLst/>
+          </a:prstGeom>
+          <a:noFill/>
+        </p:spPr>
+        <p:txBody>
+          <a:bodyPr wrap="square" rtlCol="0">
+            <a:spAutoFit/>
+          </a:bodyPr>
+          <a:lstStyle/>
+          <a:p>
+            <a:r>
+              <a:rPr lang="zh-CN" altLang="en-US" sz="2400" dirty="0">
+                <a:latin typeface="宋体" panose="02010600030101010101" pitchFamily="2" charset="-122"/>
+              </a:rPr>
+              <a:t>软件维护分为结构化维护和非结构化维护，那么两者之间的区别是什么？</a:t>
+            </a:r>
+            <a:endParaRPr lang="zh-CN" altLang="zh-CN" sz="2400" dirty="0"/>
+          </a:p>
+        </p:txBody>
+      </p:sp>
+      <p:sp>
+        <p:nvSpPr>
+          <p:cNvPr id="9" name="文本框 8"/>
+          <p:cNvSpPr txBox="1"/>
+          <p:nvPr/>
+        </p:nvSpPr>
+        <p:spPr>
+          <a:xfrm>
+            <a:off x="735331" y="1623178"/>
+            <a:ext cx="4236393" cy="590931"/>
+          </a:xfrm>
+          <a:prstGeom prst="rect">
+            <a:avLst/>
+          </a:prstGeom>
+          <a:noFill/>
+        </p:spPr>
+        <p:txBody>
+          <a:bodyPr wrap="square" rtlCol="0">
+            <a:spAutoFit/>
+          </a:bodyPr>
+          <a:lstStyle/>
+          <a:p>
+            <a:pPr marL="0" lvl="1" defTabSz="711200">
+              <a:lnSpc>
+                <a:spcPct val="90000"/>
+              </a:lnSpc>
+              <a:spcBef>
+                <a:spcPct val="0"/>
+              </a:spcBef>
+              <a:spcAft>
+                <a:spcPct val="15000"/>
+              </a:spcAft>
+            </a:pPr>
+            <a:r>
+              <a:rPr lang="zh-CN" altLang="en-US" sz="3600" b="1" dirty="0">
+                <a:latin typeface="仿宋" panose="02010609060101010101" charset="-122"/>
+                <a:ea typeface="仿宋" panose="02010609060101010101" charset="-122"/>
+                <a:cs typeface="+mn-ea"/>
+                <a:sym typeface="+mn-lt"/>
+              </a:rPr>
+              <a:t>问题三</a:t>
+            </a:r>
+          </a:p>
+        </p:txBody>
+      </p:sp>
+      <p:cxnSp>
+        <p:nvCxnSpPr>
+          <p:cNvPr id="10" name="直接连接符 9"/>
+          <p:cNvCxnSpPr/>
+          <p:nvPr/>
+        </p:nvCxnSpPr>
+        <p:spPr>
+          <a:xfrm>
+            <a:off x="735331" y="2334084"/>
+            <a:ext cx="1312218" cy="0"/>
+          </a:xfrm>
+          <a:prstGeom prst="line">
+            <a:avLst/>
+          </a:prstGeom>
+          <a:ln w="57150">
+            <a:solidFill>
+              <a:schemeClr val="tx1">
+                <a:lumMod val="50000"/>
+                <a:lumOff val="50000"/>
+              </a:schemeClr>
+            </a:solidFill>
+          </a:ln>
+        </p:spPr>
+        <p:style>
+          <a:lnRef idx="1">
+            <a:schemeClr val="accent1"/>
+          </a:lnRef>
+          <a:fillRef idx="0">
+            <a:schemeClr val="accent1"/>
+          </a:fillRef>
+          <a:effectRef idx="0">
+            <a:schemeClr val="accent1"/>
+          </a:effectRef>
+          <a:fontRef idx="minor">
+            <a:schemeClr val="tx1"/>
+          </a:fontRef>
+        </p:style>
+      </p:cxnSp>
+      <p:sp>
+        <p:nvSpPr>
+          <p:cNvPr id="3" name="文本框 2">
+            <a:extLst>
+              <a:ext uri="{FF2B5EF4-FFF2-40B4-BE49-F238E27FC236}">
+                <a16:creationId xmlns:a16="http://schemas.microsoft.com/office/drawing/2014/main" id="{0D0255B8-C59E-4C14-B30E-F779E53B226E}"/>
+              </a:ext>
+            </a:extLst>
+          </p:cNvPr>
+          <p:cNvSpPr txBox="1"/>
+          <p:nvPr/>
+        </p:nvSpPr>
+        <p:spPr>
+          <a:xfrm>
+            <a:off x="1206033" y="3512538"/>
+            <a:ext cx="7479246" cy="2677656"/>
+          </a:xfrm>
+          <a:prstGeom prst="rect">
+            <a:avLst/>
+          </a:prstGeom>
+          <a:noFill/>
+        </p:spPr>
+        <p:txBody>
+          <a:bodyPr wrap="square" rtlCol="0">
+            <a:spAutoFit/>
+          </a:bodyPr>
+          <a:lstStyle/>
+          <a:p>
+            <a:r>
+              <a:rPr lang="zh-CN" altLang="en-US" sz="2400" dirty="0"/>
+              <a:t>答：结构化维护和非结构化维护的主要区别在于软件维护的周期不同；非结构化维护需要付出很大的代价，是没有使用良好定义的方法学开发出来的软件必然结构。结构化维护，是在软件开发的早期应用软件工程方法学的总结，能减少精力的浪费并且提高维护的总体质量。</a:t>
+            </a:r>
+            <a:endParaRPr lang="en-US" altLang="zh-CN" sz="2400" dirty="0"/>
+          </a:p>
+          <a:p>
+            <a:endParaRPr lang="zh-CN" altLang="en-US" sz="2400" dirty="0"/>
+          </a:p>
+        </p:txBody>
+      </p:sp>
+    </p:spTree>
+    <p:extLst>
+      <p:ext uri="{BB962C8B-B14F-4D97-AF65-F5344CB8AC3E}">
+        <p14:creationId xmlns:p14="http://schemas.microsoft.com/office/powerpoint/2010/main" val="3184957003"/>
+      </p:ext>
+    </p:extLst>
+  </p:cSld>
+  <p:clrMapOvr>
+    <a:masterClrMapping/>
+  </p:clrMapOvr>
+  <p:timing>
+    <p:tnLst>
+      <p:par>
+        <p:cTn id="1" dur="indefinite" restart="never" nodeType="tmRoot">
+          <p:childTnLst>
+            <p:seq concurrent="1" nextAc="seek">
+              <p:cTn id="2" dur="indefinite" nodeType="mainSeq">
+                <p:childTnLst>
+                  <p:par>
+                    <p:cTn id="3" fill="hold">
+                      <p:stCondLst>
+                        <p:cond delay="indefinite"/>
+                        <p:cond evt="onBegin" delay="0">
+                          <p:tn val="2"/>
+                        </p:cond>
+                      </p:stCondLst>
+                      <p:childTnLst>
+                        <p:par>
+                          <p:cTn id="4" fill="hold">
+                            <p:stCondLst>
+                              <p:cond delay="0"/>
+                            </p:stCondLst>
+                            <p:childTnLst>
+                              <p:par>
+                                <p:cTn id="5" presetID="55" presetClass="entr" presetSubtype="0" fill="hold" grpId="0" nodeType="afterEffect">
+                                  <p:stCondLst>
+                                    <p:cond delay="0"/>
+                                  </p:stCondLst>
+                                  <p:childTnLst>
+                                    <p:set>
+                                      <p:cBhvr>
+                                        <p:cTn id="6" dur="1" fill="hold">
+                                          <p:stCondLst>
+                                            <p:cond delay="0"/>
+                                          </p:stCondLst>
+                                        </p:cTn>
+                                        <p:tgtEl>
+                                          <p:spTgt spid="9"/>
+                                        </p:tgtEl>
+                                        <p:attrNameLst>
+                                          <p:attrName>style.visibility</p:attrName>
+                                        </p:attrNameLst>
+                                      </p:cBhvr>
+                                      <p:to>
+                                        <p:strVal val="visible"/>
+                                      </p:to>
+                                    </p:set>
+                                    <p:anim calcmode="lin" valueType="num">
+                                      <p:cBhvr>
+                                        <p:cTn id="7" dur="1000" fill="hold"/>
+                                        <p:tgtEl>
+                                          <p:spTgt spid="9"/>
+                                        </p:tgtEl>
+                                        <p:attrNameLst>
+                                          <p:attrName>ppt_w</p:attrName>
+                                        </p:attrNameLst>
+                                      </p:cBhvr>
+                                      <p:tavLst>
+                                        <p:tav tm="0">
+                                          <p:val>
+                                            <p:strVal val="#ppt_w*0.70"/>
+                                          </p:val>
+                                        </p:tav>
+                                        <p:tav tm="100000">
+                                          <p:val>
+                                            <p:strVal val="#ppt_w"/>
+                                          </p:val>
+                                        </p:tav>
+                                      </p:tavLst>
+                                    </p:anim>
+                                    <p:anim calcmode="lin" valueType="num">
+                                      <p:cBhvr>
+                                        <p:cTn id="8" dur="1000" fill="hold"/>
+                                        <p:tgtEl>
+                                          <p:spTgt spid="9"/>
+                                        </p:tgtEl>
+                                        <p:attrNameLst>
+                                          <p:attrName>ppt_h</p:attrName>
+                                        </p:attrNameLst>
+                                      </p:cBhvr>
+                                      <p:tavLst>
+                                        <p:tav tm="0">
+                                          <p:val>
+                                            <p:strVal val="#ppt_h"/>
+                                          </p:val>
+                                        </p:tav>
+                                        <p:tav tm="100000">
+                                          <p:val>
+                                            <p:strVal val="#ppt_h"/>
+                                          </p:val>
+                                        </p:tav>
+                                      </p:tavLst>
+                                    </p:anim>
+                                    <p:animEffect transition="in" filter="fade">
+                                      <p:cBhvr>
+                                        <p:cTn id="9" dur="1000"/>
+                                        <p:tgtEl>
+                                          <p:spTgt spid="9"/>
+                                        </p:tgtEl>
+                                      </p:cBhvr>
+                                    </p:animEffect>
+                                  </p:childTnLst>
+                                </p:cTn>
+                              </p:par>
+                              <p:par>
+                                <p:cTn id="10" presetID="55" presetClass="entr" presetSubtype="0" fill="hold" nodeType="withEffect">
+                                  <p:stCondLst>
+                                    <p:cond delay="0"/>
+                                  </p:stCondLst>
+                                  <p:childTnLst>
+                                    <p:set>
+                                      <p:cBhvr>
+                                        <p:cTn id="11" dur="1" fill="hold">
+                                          <p:stCondLst>
+                                            <p:cond delay="0"/>
+                                          </p:stCondLst>
+                                        </p:cTn>
+                                        <p:tgtEl>
+                                          <p:spTgt spid="10"/>
+                                        </p:tgtEl>
+                                        <p:attrNameLst>
+                                          <p:attrName>style.visibility</p:attrName>
+                                        </p:attrNameLst>
+                                      </p:cBhvr>
+                                      <p:to>
+                                        <p:strVal val="visible"/>
+                                      </p:to>
+                                    </p:set>
+                                    <p:anim calcmode="lin" valueType="num">
+                                      <p:cBhvr>
+                                        <p:cTn id="12" dur="1000" fill="hold"/>
+                                        <p:tgtEl>
+                                          <p:spTgt spid="10"/>
+                                        </p:tgtEl>
+                                        <p:attrNameLst>
+                                          <p:attrName>ppt_w</p:attrName>
+                                        </p:attrNameLst>
+                                      </p:cBhvr>
+                                      <p:tavLst>
+                                        <p:tav tm="0">
+                                          <p:val>
+                                            <p:strVal val="#ppt_w*0.70"/>
+                                          </p:val>
+                                        </p:tav>
+                                        <p:tav tm="100000">
+                                          <p:val>
+                                            <p:strVal val="#ppt_w"/>
+                                          </p:val>
+                                        </p:tav>
+                                      </p:tavLst>
+                                    </p:anim>
+                                    <p:anim calcmode="lin" valueType="num">
+                                      <p:cBhvr>
+                                        <p:cTn id="13" dur="1000" fill="hold"/>
+                                        <p:tgtEl>
+                                          <p:spTgt spid="10"/>
+                                        </p:tgtEl>
+                                        <p:attrNameLst>
+                                          <p:attrName>ppt_h</p:attrName>
+                                        </p:attrNameLst>
+                                      </p:cBhvr>
+                                      <p:tavLst>
+                                        <p:tav tm="0">
+                                          <p:val>
+                                            <p:strVal val="#ppt_h"/>
+                                          </p:val>
+                                        </p:tav>
+                                        <p:tav tm="100000">
+                                          <p:val>
+                                            <p:strVal val="#ppt_h"/>
+                                          </p:val>
+                                        </p:tav>
+                                      </p:tavLst>
+                                    </p:anim>
+                                    <p:animEffect transition="in" filter="fade">
+                                      <p:cBhvr>
+                                        <p:cTn id="14" dur="1000"/>
+                                        <p:tgtEl>
+                                          <p:spTgt spid="10"/>
+                                        </p:tgtEl>
+                                      </p:cBhvr>
+                                    </p:animEffect>
+                                  </p:childTnLst>
+                                </p:cTn>
+                              </p:par>
+                            </p:childTnLst>
+                          </p:cTn>
+                        </p:par>
+                      </p:childTnLst>
+                    </p:cTn>
+                  </p:par>
+                  <p:par>
+                    <p:cTn id="15" fill="hold">
+                      <p:stCondLst>
+                        <p:cond delay="indefinite"/>
+                      </p:stCondLst>
+                      <p:childTnLst>
+                        <p:par>
+                          <p:cTn id="16" fill="hold">
+                            <p:stCondLst>
+                              <p:cond delay="0"/>
+                            </p:stCondLst>
+                            <p:childTnLst>
+                              <p:par>
+                                <p:cTn id="17" presetID="2" presetClass="entr" presetSubtype="4" fill="hold" grpId="0" nodeType="clickEffect">
+                                  <p:stCondLst>
+                                    <p:cond delay="0"/>
+                                  </p:stCondLst>
+                                  <p:childTnLst>
+                                    <p:set>
+                                      <p:cBhvr>
+                                        <p:cTn id="18" dur="1" fill="hold">
+                                          <p:stCondLst>
+                                            <p:cond delay="0"/>
+                                          </p:stCondLst>
+                                        </p:cTn>
+                                        <p:tgtEl>
+                                          <p:spTgt spid="3"/>
+                                        </p:tgtEl>
+                                        <p:attrNameLst>
+                                          <p:attrName>style.visibility</p:attrName>
+                                        </p:attrNameLst>
+                                      </p:cBhvr>
+                                      <p:to>
+                                        <p:strVal val="visible"/>
+                                      </p:to>
+                                    </p:set>
+                                    <p:anim calcmode="lin" valueType="num">
+                                      <p:cBhvr additive="base">
+                                        <p:cTn id="19" dur="500" fill="hold"/>
+                                        <p:tgtEl>
+                                          <p:spTgt spid="3"/>
+                                        </p:tgtEl>
+                                        <p:attrNameLst>
+                                          <p:attrName>ppt_x</p:attrName>
+                                        </p:attrNameLst>
+                                      </p:cBhvr>
+                                      <p:tavLst>
+                                        <p:tav tm="0">
+                                          <p:val>
+                                            <p:strVal val="#ppt_x"/>
+                                          </p:val>
+                                        </p:tav>
+                                        <p:tav tm="100000">
+                                          <p:val>
+                                            <p:strVal val="#ppt_x"/>
+                                          </p:val>
+                                        </p:tav>
+                                      </p:tavLst>
+                                    </p:anim>
+                                    <p:anim calcmode="lin" valueType="num">
+                                      <p:cBhvr additive="base">
+                                        <p:cTn id="20" dur="500" fill="hold"/>
+                                        <p:tgtEl>
+                                          <p:spTgt spid="3"/>
+                                        </p:tgtEl>
+                                        <p:attrNameLst>
+                                          <p:attrName>ppt_y</p:attrName>
+                                        </p:attrNameLst>
+                                      </p:cBhvr>
+                                      <p:tavLst>
+                                        <p:tav tm="0">
+                                          <p:val>
+                                            <p:strVal val="1+#ppt_h/2"/>
+                                          </p:val>
+                                        </p:tav>
+                                        <p:tav tm="100000">
+                                          <p:val>
+                                            <p:strVal val="#ppt_y"/>
+                                          </p:val>
+                                        </p:tav>
+                                      </p:tavLst>
+                                    </p:anim>
+                                  </p:childTnLst>
+                                </p:cTn>
+                              </p:par>
+                            </p:childTnLst>
+                          </p:cTn>
+                        </p:par>
+                      </p:childTnLst>
+                    </p:cTn>
+                  </p:par>
+                </p:childTnLst>
+              </p:cTn>
+              <p:prevCondLst>
+                <p:cond evt="onPrev" delay="0">
+                  <p:tgtEl>
+                    <p:sldTgt/>
+                  </p:tgtEl>
+                </p:cond>
+              </p:prevCondLst>
+              <p:nextCondLst>
+                <p:cond evt="onNext" delay="0">
+                  <p:tgtEl>
+                    <p:sldTgt/>
+                  </p:tgtEl>
+                </p:cond>
+              </p:nextCondLst>
+            </p:seq>
+          </p:childTnLst>
+        </p:cTn>
+      </p:par>
+    </p:tnLst>
+    <p:bldLst>
+      <p:bldP spid="9" grpId="0"/>
+      <p:bldP spid="3" grpId="0"/>
+    </p:bldLst>
+  </p:timing>
+</p:sld>
+</file>
+
+<file path=ppt/slides/slide42.xml><?xml version="1.0" encoding="utf-8"?>
+<p:sld xmlns:a="http://schemas.openxmlformats.org/drawingml/2006/main" xmlns:r="http://schemas.openxmlformats.org/officeDocument/2006/relationships" xmlns:p="http://schemas.openxmlformats.org/presentationml/2006/main">
+  <p:cSld>
+    <p:spTree>
+      <p:nvGrpSpPr>
+        <p:cNvPr id="1" name=""/>
+        <p:cNvGrpSpPr/>
+        <p:nvPr/>
+      </p:nvGrpSpPr>
+      <p:grpSpPr>
+        <a:xfrm>
+          <a:off x="0" y="0"/>
+          <a:ext cx="0" cy="0"/>
+          <a:chOff x="0" y="0"/>
+          <a:chExt cx="0" cy="0"/>
+        </a:xfrm>
+      </p:grpSpPr>
+      <p:grpSp>
+        <p:nvGrpSpPr>
+          <p:cNvPr id="12" name="组合 11"/>
+          <p:cNvGrpSpPr/>
+          <p:nvPr/>
+        </p:nvGrpSpPr>
+        <p:grpSpPr>
+          <a:xfrm>
+            <a:off x="819150" y="304165"/>
+            <a:ext cx="803910" cy="946785"/>
+            <a:chOff x="7448" y="3202"/>
+            <a:chExt cx="2827" cy="3146"/>
+          </a:xfrm>
+        </p:grpSpPr>
+        <p:cxnSp>
+          <p:nvCxnSpPr>
+            <p:cNvPr id="5" name="直接连接符 4"/>
+            <p:cNvCxnSpPr/>
+            <p:nvPr/>
+          </p:nvCxnSpPr>
+          <p:spPr>
+            <a:xfrm flipH="1">
+              <a:off x="7448" y="3324"/>
+              <a:ext cx="2721" cy="3025"/>
+            </a:xfrm>
+            <a:prstGeom prst="line">
+              <a:avLst/>
+            </a:prstGeom>
+            <a:ln>
+              <a:gradFill>
+                <a:gsLst>
+                  <a:gs pos="0">
+                    <a:schemeClr val="bg1"/>
+                  </a:gs>
+                  <a:gs pos="74000">
+                    <a:schemeClr val="bg1">
+                      <a:lumMod val="65000"/>
+                    </a:schemeClr>
+                  </a:gs>
+                </a:gsLst>
+                <a:lin ang="15720000" scaled="1"/>
+              </a:gradFill>
+            </a:ln>
+          </p:spPr>
+          <p:style>
+            <a:lnRef idx="1">
+              <a:schemeClr val="accent1"/>
+            </a:lnRef>
+            <a:fillRef idx="0">
+              <a:schemeClr val="accent1"/>
+            </a:fillRef>
+            <a:effectRef idx="0">
+              <a:schemeClr val="accent1"/>
+            </a:effectRef>
+            <a:fontRef idx="minor">
+              <a:schemeClr val="tx1"/>
+            </a:fontRef>
+          </p:style>
+        </p:cxnSp>
+        <p:sp>
+          <p:nvSpPr>
+            <p:cNvPr id="8" name="椭圆 7"/>
+            <p:cNvSpPr/>
+            <p:nvPr/>
+          </p:nvSpPr>
+          <p:spPr>
+            <a:xfrm>
+              <a:off x="10077" y="3202"/>
+              <a:ext cx="198" cy="213"/>
+            </a:xfrm>
+            <a:prstGeom prst="ellipse">
+              <a:avLst/>
+            </a:prstGeom>
+            <a:solidFill>
+              <a:schemeClr val="bg1">
+                <a:lumMod val="65000"/>
+              </a:schemeClr>
+            </a:solidFill>
+            <a:ln>
+              <a:noFill/>
+            </a:ln>
+          </p:spPr>
+          <p:style>
+            <a:lnRef idx="2">
+              <a:schemeClr val="accent1">
+                <a:shade val="50000"/>
+              </a:schemeClr>
+            </a:lnRef>
+            <a:fillRef idx="1">
+              <a:schemeClr val="accent1"/>
+            </a:fillRef>
+            <a:effectRef idx="0">
+              <a:schemeClr val="accent1"/>
+            </a:effectRef>
+            <a:fontRef idx="minor">
+              <a:schemeClr val="lt1"/>
+            </a:fontRef>
+          </p:style>
+          <p:txBody>
+            <a:bodyPr rtlCol="0" anchor="ctr"/>
+            <a:lstStyle/>
+            <a:p>
+              <a:pPr algn="ctr"/>
+              <a:endParaRPr lang="zh-CN" altLang="en-US">
+                <a:cs typeface="仿宋" panose="02010609060101010101" charset="-122"/>
+              </a:endParaRPr>
+            </a:p>
+          </p:txBody>
+        </p:sp>
+      </p:grpSp>
+      <p:sp>
+        <p:nvSpPr>
+          <p:cNvPr id="4" name="文本框 3"/>
+          <p:cNvSpPr txBox="1"/>
+          <p:nvPr/>
+        </p:nvSpPr>
+        <p:spPr>
+          <a:xfrm>
+            <a:off x="439360" y="340995"/>
+            <a:ext cx="800219" cy="461665"/>
+          </a:xfrm>
+          <a:prstGeom prst="rect">
+            <a:avLst/>
+          </a:prstGeom>
+          <a:noFill/>
+        </p:spPr>
+        <p:txBody>
+          <a:bodyPr wrap="none" rtlCol="0" anchor="t">
+            <a:spAutoFit/>
+          </a:bodyPr>
+          <a:lstStyle/>
+          <a:p>
+            <a:pPr algn="ctr"/>
+            <a:r>
+              <a:rPr lang="en-US" altLang="zh-CN" sz="2400" dirty="0">
+                <a:solidFill>
+                  <a:schemeClr val="tx1">
+                    <a:lumMod val="50000"/>
+                    <a:lumOff val="50000"/>
+                  </a:schemeClr>
+                </a:solidFill>
+                <a:latin typeface="仿宋" panose="02010609060101010101" charset="-122"/>
+                <a:ea typeface="仿宋" panose="02010609060101010101" charset="-122"/>
+                <a:cs typeface="仿宋" panose="02010609060101010101" charset="-122"/>
+                <a:sym typeface="+mn-lt"/>
+              </a:rPr>
+              <a:t>four</a:t>
+            </a:r>
+            <a:endParaRPr lang="en-US" sz="2400" dirty="0">
+              <a:solidFill>
+                <a:schemeClr val="tx1">
+                  <a:lumMod val="50000"/>
+                  <a:lumOff val="50000"/>
+                </a:schemeClr>
+              </a:solidFill>
+              <a:latin typeface="仿宋" panose="02010609060101010101" charset="-122"/>
+              <a:ea typeface="仿宋" panose="02010609060101010101" charset="-122"/>
+              <a:cs typeface="仿宋" panose="02010609060101010101" charset="-122"/>
+              <a:sym typeface="+mn-lt"/>
+            </a:endParaRPr>
+          </a:p>
+        </p:txBody>
+      </p:sp>
+      <p:sp>
+        <p:nvSpPr>
+          <p:cNvPr id="7" name="任意多边形 18"/>
+          <p:cNvSpPr/>
+          <p:nvPr/>
+        </p:nvSpPr>
+        <p:spPr>
+          <a:xfrm>
+            <a:off x="1738453" y="304127"/>
+            <a:ext cx="4419256" cy="618508"/>
+          </a:xfrm>
+          <a:custGeom>
+            <a:avLst/>
+            <a:gdLst>
+              <a:gd name="connsiteX0" fmla="*/ 98297 w 589768"/>
+              <a:gd name="connsiteY0" fmla="*/ 0 h 5346192"/>
+              <a:gd name="connsiteX1" fmla="*/ 491471 w 589768"/>
+              <a:gd name="connsiteY1" fmla="*/ 0 h 5346192"/>
+              <a:gd name="connsiteX2" fmla="*/ 589768 w 589768"/>
+              <a:gd name="connsiteY2" fmla="*/ 98297 h 5346192"/>
+              <a:gd name="connsiteX3" fmla="*/ 589768 w 589768"/>
+              <a:gd name="connsiteY3" fmla="*/ 5346192 h 5346192"/>
+              <a:gd name="connsiteX4" fmla="*/ 589768 w 589768"/>
+              <a:gd name="connsiteY4" fmla="*/ 5346192 h 5346192"/>
+              <a:gd name="connsiteX5" fmla="*/ 0 w 589768"/>
+              <a:gd name="connsiteY5" fmla="*/ 5346192 h 5346192"/>
+              <a:gd name="connsiteX6" fmla="*/ 0 w 589768"/>
+              <a:gd name="connsiteY6" fmla="*/ 5346192 h 5346192"/>
+              <a:gd name="connsiteX7" fmla="*/ 0 w 589768"/>
+              <a:gd name="connsiteY7" fmla="*/ 98297 h 5346192"/>
+              <a:gd name="connsiteX8" fmla="*/ 98297 w 589768"/>
+              <a:gd name="connsiteY8" fmla="*/ 0 h 5346192"/>
+            </a:gdLst>
+            <a:ahLst/>
+            <a:cxnLst>
+              <a:cxn ang="0">
+                <a:pos x="connsiteX0" y="connsiteY0"/>
+              </a:cxn>
+              <a:cxn ang="0">
+                <a:pos x="connsiteX1" y="connsiteY1"/>
+              </a:cxn>
+              <a:cxn ang="0">
+                <a:pos x="connsiteX2" y="connsiteY2"/>
+              </a:cxn>
+              <a:cxn ang="0">
+                <a:pos x="connsiteX3" y="connsiteY3"/>
+              </a:cxn>
+              <a:cxn ang="0">
+                <a:pos x="connsiteX4" y="connsiteY4"/>
+              </a:cxn>
+              <a:cxn ang="0">
+                <a:pos x="connsiteX5" y="connsiteY5"/>
+              </a:cxn>
+              <a:cxn ang="0">
+                <a:pos x="connsiteX6" y="connsiteY6"/>
+              </a:cxn>
+              <a:cxn ang="0">
+                <a:pos x="connsiteX7" y="connsiteY7"/>
+              </a:cxn>
+              <a:cxn ang="0">
+                <a:pos x="connsiteX8" y="connsiteY8"/>
+              </a:cxn>
+            </a:cxnLst>
+            <a:rect l="l" t="t" r="r" b="b"/>
+            <a:pathLst>
+              <a:path w="589768" h="5346192">
+                <a:moveTo>
+                  <a:pt x="589768" y="891056"/>
+                </a:moveTo>
+                <a:lnTo>
+                  <a:pt x="589768" y="4455136"/>
+                </a:lnTo>
+                <a:cubicBezTo>
+                  <a:pt x="589768" y="4947251"/>
+                  <a:pt x="584913" y="5346187"/>
+                  <a:pt x="578924" y="5346187"/>
+                </a:cubicBezTo>
+                <a:lnTo>
+                  <a:pt x="0" y="5346187"/>
+                </a:lnTo>
+                <a:lnTo>
+                  <a:pt x="0" y="5346187"/>
+                </a:lnTo>
+                <a:lnTo>
+                  <a:pt x="0" y="5"/>
+                </a:lnTo>
+                <a:lnTo>
+                  <a:pt x="0" y="5"/>
+                </a:lnTo>
+                <a:lnTo>
+                  <a:pt x="578924" y="5"/>
+                </a:lnTo>
+                <a:cubicBezTo>
+                  <a:pt x="584913" y="5"/>
+                  <a:pt x="589768" y="398941"/>
+                  <a:pt x="589768" y="891056"/>
+                </a:cubicBezTo>
+                <a:close/>
+              </a:path>
+            </a:pathLst>
+          </a:custGeom>
+          <a:noFill/>
+          <a:ln>
+            <a:noFill/>
+          </a:ln>
+          <a:effectLst/>
+        </p:spPr>
+        <p:style>
+          <a:lnRef idx="2">
+            <a:schemeClr val="dk2">
+              <a:alpha val="90000"/>
+              <a:tint val="40000"/>
+              <a:hueOff val="0"/>
+              <a:satOff val="0"/>
+              <a:lumOff val="0"/>
+              <a:alphaOff val="0"/>
+            </a:schemeClr>
+          </a:lnRef>
+          <a:fillRef idx="1">
+            <a:schemeClr val="dk2">
+              <a:alpha val="90000"/>
+              <a:tint val="40000"/>
+              <a:hueOff val="0"/>
+              <a:satOff val="0"/>
+              <a:lumOff val="0"/>
+              <a:alphaOff val="0"/>
+            </a:schemeClr>
+          </a:fillRef>
+          <a:effectRef idx="0">
+            <a:schemeClr val="dk2">
+              <a:alpha val="90000"/>
+              <a:tint val="40000"/>
+              <a:hueOff val="0"/>
+              <a:satOff val="0"/>
+              <a:lumOff val="0"/>
+              <a:alphaOff val="0"/>
+            </a:schemeClr>
+          </a:effectRef>
+          <a:fontRef idx="minor">
+            <a:schemeClr val="dk1">
+              <a:hueOff val="0"/>
+              <a:satOff val="0"/>
+              <a:lumOff val="0"/>
+              <a:alphaOff val="0"/>
+            </a:schemeClr>
+          </a:fontRef>
+        </p:style>
+        <p:txBody>
+          <a:bodyPr spcFirstLastPara="0" vert="horz" wrap="square" lIns="247650" tIns="152615" rIns="276440" bIns="152615" numCol="1" spcCol="1270" anchor="ctr" anchorCtr="0">
+            <a:noAutofit/>
+          </a:bodyPr>
+          <a:lstStyle>
+            <a:defPPr>
+              <a:defRPr lang="zh-CN">
+                <a:solidFill>
+                  <a:schemeClr val="dk1">
+                    <a:hueOff val="0"/>
+                    <a:satOff val="0"/>
+                    <a:lumOff val="0"/>
+                    <a:alphaOff val="0"/>
+                  </a:schemeClr>
+                </a:solidFill>
+              </a:defRPr>
+            </a:defPPr>
+            <a:lvl1pPr marL="0" algn="l" defTabSz="914400" rtl="0" eaLnBrk="1" latinLnBrk="0" hangingPunct="1">
+              <a:defRPr sz="1800" kern="1200">
+                <a:solidFill>
+                  <a:schemeClr val="dk1">
+                    <a:hueOff val="0"/>
+                    <a:satOff val="0"/>
+                    <a:lumOff val="0"/>
+                    <a:alphaOff val="0"/>
+                  </a:schemeClr>
+                </a:solidFill>
+                <a:latin typeface="+mn-lt"/>
+                <a:ea typeface="+mn-ea"/>
+                <a:cs typeface="+mn-cs"/>
+              </a:defRPr>
+            </a:lvl1pPr>
+            <a:lvl2pPr marL="457200" algn="l" defTabSz="914400" rtl="0" eaLnBrk="1" latinLnBrk="0" hangingPunct="1">
+              <a:defRPr sz="1800" kern="1200">
+                <a:solidFill>
+                  <a:schemeClr val="dk1">
+                    <a:hueOff val="0"/>
+                    <a:satOff val="0"/>
+                    <a:lumOff val="0"/>
+                    <a:alphaOff val="0"/>
+                  </a:schemeClr>
+                </a:solidFill>
+                <a:latin typeface="+mn-lt"/>
+                <a:ea typeface="+mn-ea"/>
+                <a:cs typeface="+mn-cs"/>
+              </a:defRPr>
+            </a:lvl2pPr>
+            <a:lvl3pPr marL="914400" algn="l" defTabSz="914400" rtl="0" eaLnBrk="1" latinLnBrk="0" hangingPunct="1">
+              <a:defRPr sz="1800" kern="1200">
+                <a:solidFill>
+                  <a:schemeClr val="dk1">
+                    <a:hueOff val="0"/>
+                    <a:satOff val="0"/>
+                    <a:lumOff val="0"/>
+                    <a:alphaOff val="0"/>
+                  </a:schemeClr>
+                </a:solidFill>
+                <a:latin typeface="+mn-lt"/>
+                <a:ea typeface="+mn-ea"/>
+                <a:cs typeface="+mn-cs"/>
+              </a:defRPr>
+            </a:lvl3pPr>
+            <a:lvl4pPr marL="1371600" algn="l" defTabSz="914400" rtl="0" eaLnBrk="1" latinLnBrk="0" hangingPunct="1">
+              <a:defRPr sz="1800" kern="1200">
+                <a:solidFill>
+                  <a:schemeClr val="dk1">
+                    <a:hueOff val="0"/>
+                    <a:satOff val="0"/>
+                    <a:lumOff val="0"/>
+                    <a:alphaOff val="0"/>
+                  </a:schemeClr>
+                </a:solidFill>
+                <a:latin typeface="+mn-lt"/>
+                <a:ea typeface="+mn-ea"/>
+                <a:cs typeface="+mn-cs"/>
+              </a:defRPr>
+            </a:lvl4pPr>
+            <a:lvl5pPr marL="1828800" algn="l" defTabSz="914400" rtl="0" eaLnBrk="1" latinLnBrk="0" hangingPunct="1">
+              <a:defRPr sz="1800" kern="1200">
+                <a:solidFill>
+                  <a:schemeClr val="dk1">
+                    <a:hueOff val="0"/>
+                    <a:satOff val="0"/>
+                    <a:lumOff val="0"/>
+                    <a:alphaOff val="0"/>
+                  </a:schemeClr>
+                </a:solidFill>
+                <a:latin typeface="+mn-lt"/>
+                <a:ea typeface="+mn-ea"/>
+                <a:cs typeface="+mn-cs"/>
+              </a:defRPr>
+            </a:lvl5pPr>
+            <a:lvl6pPr marL="2286000" algn="l" defTabSz="914400" rtl="0" eaLnBrk="1" latinLnBrk="0" hangingPunct="1">
+              <a:defRPr sz="1800" kern="1200">
+                <a:solidFill>
+                  <a:schemeClr val="dk1">
+                    <a:hueOff val="0"/>
+                    <a:satOff val="0"/>
+                    <a:lumOff val="0"/>
+                    <a:alphaOff val="0"/>
+                  </a:schemeClr>
+                </a:solidFill>
+                <a:latin typeface="+mn-lt"/>
+                <a:ea typeface="+mn-ea"/>
+                <a:cs typeface="+mn-cs"/>
+              </a:defRPr>
+            </a:lvl6pPr>
+            <a:lvl7pPr marL="2743200" algn="l" defTabSz="914400" rtl="0" eaLnBrk="1" latinLnBrk="0" hangingPunct="1">
+              <a:defRPr sz="1800" kern="1200">
+                <a:solidFill>
+                  <a:schemeClr val="dk1">
+                    <a:hueOff val="0"/>
+                    <a:satOff val="0"/>
+                    <a:lumOff val="0"/>
+                    <a:alphaOff val="0"/>
+                  </a:schemeClr>
+                </a:solidFill>
+                <a:latin typeface="+mn-lt"/>
+                <a:ea typeface="+mn-ea"/>
+                <a:cs typeface="+mn-cs"/>
+              </a:defRPr>
+            </a:lvl7pPr>
+            <a:lvl8pPr marL="3200400" algn="l" defTabSz="914400" rtl="0" eaLnBrk="1" latinLnBrk="0" hangingPunct="1">
+              <a:defRPr sz="1800" kern="1200">
+                <a:solidFill>
+                  <a:schemeClr val="dk1">
+                    <a:hueOff val="0"/>
+                    <a:satOff val="0"/>
+                    <a:lumOff val="0"/>
+                    <a:alphaOff val="0"/>
+                  </a:schemeClr>
+                </a:solidFill>
+                <a:latin typeface="+mn-lt"/>
+                <a:ea typeface="+mn-ea"/>
+                <a:cs typeface="+mn-cs"/>
+              </a:defRPr>
+            </a:lvl8pPr>
+            <a:lvl9pPr marL="3657600" algn="l" defTabSz="914400" rtl="0" eaLnBrk="1" latinLnBrk="0" hangingPunct="1">
+              <a:defRPr sz="1800" kern="1200">
+                <a:solidFill>
+                  <a:schemeClr val="dk1">
+                    <a:hueOff val="0"/>
+                    <a:satOff val="0"/>
+                    <a:lumOff val="0"/>
+                    <a:alphaOff val="0"/>
+                  </a:schemeClr>
+                </a:solidFill>
+                <a:latin typeface="+mn-lt"/>
+                <a:ea typeface="+mn-ea"/>
+                <a:cs typeface="+mn-cs"/>
+              </a:defRPr>
+            </a:lvl9pPr>
+          </a:lstStyle>
+          <a:p>
+            <a:pPr marL="0" lvl="1" defTabSz="711200">
+              <a:lnSpc>
+                <a:spcPct val="90000"/>
+              </a:lnSpc>
+              <a:spcBef>
+                <a:spcPct val="0"/>
+              </a:spcBef>
+              <a:spcAft>
+                <a:spcPct val="15000"/>
+              </a:spcAft>
+            </a:pPr>
+            <a:r>
+              <a:rPr lang="zh-CN" altLang="en-US" sz="2400" b="1" dirty="0">
+                <a:solidFill>
+                  <a:schemeClr val="bg1">
+                    <a:lumMod val="50000"/>
+                  </a:schemeClr>
+                </a:solidFill>
+                <a:latin typeface="仿宋" panose="02010609060101010101" charset="-122"/>
+                <a:ea typeface="仿宋" panose="02010609060101010101" charset="-122"/>
+                <a:cs typeface="+mn-ea"/>
+                <a:sym typeface="+mn-lt"/>
+              </a:rPr>
+              <a:t>问题</a:t>
+            </a:r>
+          </a:p>
+        </p:txBody>
+      </p:sp>
+      <p:cxnSp>
+        <p:nvCxnSpPr>
+          <p:cNvPr id="6" name="直接连接符 5"/>
+          <p:cNvCxnSpPr/>
+          <p:nvPr/>
+        </p:nvCxnSpPr>
+        <p:spPr>
+          <a:xfrm flipH="1">
+            <a:off x="5324475" y="6370955"/>
+            <a:ext cx="6680835" cy="19685"/>
+          </a:xfrm>
+          <a:prstGeom prst="line">
+            <a:avLst/>
+          </a:prstGeom>
+          <a:ln w="57150">
+            <a:gradFill>
+              <a:gsLst>
+                <a:gs pos="0">
+                  <a:schemeClr val="bg1">
+                    <a:alpha val="10000"/>
+                  </a:schemeClr>
+                </a:gs>
+                <a:gs pos="90000">
+                  <a:schemeClr val="bg1">
+                    <a:lumMod val="65000"/>
+                    <a:alpha val="44000"/>
+                  </a:schemeClr>
+                </a:gs>
+              </a:gsLst>
+              <a:lin ang="9420000" scaled="1"/>
+            </a:gradFill>
+          </a:ln>
+        </p:spPr>
+        <p:style>
+          <a:lnRef idx="1">
+            <a:schemeClr val="accent1"/>
+          </a:lnRef>
+          <a:fillRef idx="0">
+            <a:schemeClr val="accent1"/>
+          </a:fillRef>
+          <a:effectRef idx="0">
+            <a:schemeClr val="accent1"/>
+          </a:effectRef>
+          <a:fontRef idx="minor">
+            <a:schemeClr val="tx1"/>
+          </a:fontRef>
+        </p:style>
+      </p:cxnSp>
+      <p:sp>
+        <p:nvSpPr>
+          <p:cNvPr id="2" name="文本框 1"/>
+          <p:cNvSpPr txBox="1"/>
+          <p:nvPr/>
+        </p:nvSpPr>
+        <p:spPr>
+          <a:xfrm>
+            <a:off x="1258168" y="2586036"/>
+            <a:ext cx="7427111" cy="461665"/>
+          </a:xfrm>
+          <a:prstGeom prst="rect">
+            <a:avLst/>
+          </a:prstGeom>
+          <a:noFill/>
+        </p:spPr>
+        <p:txBody>
+          <a:bodyPr wrap="square" rtlCol="0">
+            <a:spAutoFit/>
+          </a:bodyPr>
+          <a:lstStyle/>
+          <a:p>
+            <a:r>
+              <a:rPr lang="zh-CN" altLang="en-US" sz="2400" dirty="0">
+                <a:latin typeface="宋体" panose="02010600030101010101" pitchFamily="2" charset="-122"/>
+              </a:rPr>
+              <a:t>软件维护的代价有哪些？</a:t>
+            </a:r>
+            <a:endParaRPr lang="zh-CN" altLang="zh-CN" sz="2400" dirty="0"/>
+          </a:p>
+        </p:txBody>
+      </p:sp>
+      <p:sp>
+        <p:nvSpPr>
+          <p:cNvPr id="9" name="文本框 8"/>
+          <p:cNvSpPr txBox="1"/>
+          <p:nvPr/>
+        </p:nvSpPr>
+        <p:spPr>
+          <a:xfrm>
+            <a:off x="735331" y="1623178"/>
+            <a:ext cx="4236393" cy="590931"/>
+          </a:xfrm>
+          <a:prstGeom prst="rect">
+            <a:avLst/>
+          </a:prstGeom>
+          <a:noFill/>
+        </p:spPr>
+        <p:txBody>
+          <a:bodyPr wrap="square" rtlCol="0">
+            <a:spAutoFit/>
+          </a:bodyPr>
+          <a:lstStyle/>
+          <a:p>
+            <a:pPr marL="0" lvl="1" defTabSz="711200">
+              <a:lnSpc>
+                <a:spcPct val="90000"/>
+              </a:lnSpc>
+              <a:spcBef>
+                <a:spcPct val="0"/>
+              </a:spcBef>
+              <a:spcAft>
+                <a:spcPct val="15000"/>
+              </a:spcAft>
+            </a:pPr>
+            <a:r>
+              <a:rPr lang="zh-CN" altLang="en-US" sz="3600" b="1" dirty="0">
+                <a:latin typeface="仿宋" panose="02010609060101010101" charset="-122"/>
+                <a:ea typeface="仿宋" panose="02010609060101010101" charset="-122"/>
+                <a:cs typeface="+mn-ea"/>
+                <a:sym typeface="+mn-lt"/>
+              </a:rPr>
+              <a:t>问题四</a:t>
+            </a:r>
+          </a:p>
+        </p:txBody>
+      </p:sp>
+      <p:cxnSp>
+        <p:nvCxnSpPr>
+          <p:cNvPr id="10" name="直接连接符 9"/>
+          <p:cNvCxnSpPr/>
+          <p:nvPr/>
+        </p:nvCxnSpPr>
+        <p:spPr>
+          <a:xfrm>
+            <a:off x="735331" y="2334084"/>
+            <a:ext cx="1312218" cy="0"/>
+          </a:xfrm>
+          <a:prstGeom prst="line">
+            <a:avLst/>
+          </a:prstGeom>
+          <a:ln w="57150">
+            <a:solidFill>
+              <a:schemeClr val="tx1">
+                <a:lumMod val="50000"/>
+                <a:lumOff val="50000"/>
+              </a:schemeClr>
+            </a:solidFill>
+          </a:ln>
+        </p:spPr>
+        <p:style>
+          <a:lnRef idx="1">
+            <a:schemeClr val="accent1"/>
+          </a:lnRef>
+          <a:fillRef idx="0">
+            <a:schemeClr val="accent1"/>
+          </a:fillRef>
+          <a:effectRef idx="0">
+            <a:schemeClr val="accent1"/>
+          </a:effectRef>
+          <a:fontRef idx="minor">
+            <a:schemeClr val="tx1"/>
+          </a:fontRef>
+        </p:style>
+      </p:cxnSp>
+      <p:sp>
+        <p:nvSpPr>
+          <p:cNvPr id="3" name="文本框 2">
+            <a:extLst>
+              <a:ext uri="{FF2B5EF4-FFF2-40B4-BE49-F238E27FC236}">
+                <a16:creationId xmlns:a16="http://schemas.microsoft.com/office/drawing/2014/main" id="{0D0255B8-C59E-4C14-B30E-F779E53B226E}"/>
+              </a:ext>
+            </a:extLst>
+          </p:cNvPr>
+          <p:cNvSpPr txBox="1"/>
+          <p:nvPr/>
+        </p:nvSpPr>
+        <p:spPr>
+          <a:xfrm>
+            <a:off x="1329295" y="3361977"/>
+            <a:ext cx="7246534" cy="2677656"/>
+          </a:xfrm>
+          <a:prstGeom prst="rect">
+            <a:avLst/>
+          </a:prstGeom>
+          <a:noFill/>
+        </p:spPr>
+        <p:txBody>
+          <a:bodyPr wrap="square" rtlCol="0">
+            <a:spAutoFit/>
+          </a:bodyPr>
+          <a:lstStyle/>
+          <a:p>
+            <a:r>
+              <a:rPr lang="en-US" altLang="zh-CN" sz="2400" dirty="0">
+                <a:latin typeface="+mn-ea"/>
+              </a:rPr>
+              <a:t>1.</a:t>
+            </a:r>
+            <a:r>
+              <a:rPr lang="zh-CN" altLang="en-US" sz="2400" dirty="0">
+                <a:latin typeface="+mn-ea"/>
+              </a:rPr>
+              <a:t>当看了合理的有关改错或修改的要求不能及时满足时将引起用户的不满</a:t>
+            </a:r>
+            <a:endParaRPr lang="en-US" altLang="zh-CN" sz="2400" dirty="0">
+              <a:latin typeface="+mn-ea"/>
+            </a:endParaRPr>
+          </a:p>
+          <a:p>
+            <a:r>
+              <a:rPr lang="en-US" altLang="zh-CN" sz="2400" dirty="0">
+                <a:latin typeface="+mn-ea"/>
+              </a:rPr>
+              <a:t>2.</a:t>
+            </a:r>
+            <a:r>
+              <a:rPr lang="zh-CN" altLang="en-US" sz="2400" dirty="0">
+                <a:latin typeface="+mn-ea"/>
+              </a:rPr>
+              <a:t>由于维护时的改动，在软件中引入潜伏的错误，从而降低了软件的质量</a:t>
+            </a:r>
+            <a:endParaRPr lang="en-US" altLang="zh-CN" sz="2400" dirty="0">
+              <a:latin typeface="+mn-ea"/>
+            </a:endParaRPr>
+          </a:p>
+          <a:p>
+            <a:r>
+              <a:rPr lang="en-US" altLang="zh-CN" sz="2400" dirty="0">
+                <a:latin typeface="+mn-ea"/>
+              </a:rPr>
+              <a:t>3.</a:t>
+            </a:r>
+            <a:r>
+              <a:rPr lang="zh-CN" altLang="en-US" sz="2400" dirty="0">
+                <a:latin typeface="+mn-ea"/>
+              </a:rPr>
+              <a:t>当必须把软件工程师调去从事维护工作时，将在开发过程中造成混乱</a:t>
+            </a:r>
+            <a:endParaRPr lang="en-US" altLang="zh-CN" sz="2400" dirty="0">
+              <a:latin typeface="+mn-ea"/>
+            </a:endParaRPr>
+          </a:p>
+          <a:p>
+            <a:r>
+              <a:rPr lang="en-US" altLang="zh-CN" sz="2400" dirty="0">
+                <a:latin typeface="+mn-ea"/>
+              </a:rPr>
+              <a:t>4.</a:t>
+            </a:r>
+            <a:r>
+              <a:rPr lang="zh-CN" altLang="en-US" sz="2400" dirty="0"/>
+              <a:t>生产率的大幅度下降</a:t>
+            </a:r>
+            <a:endParaRPr lang="en-US" altLang="zh-CN" sz="2400" dirty="0">
+              <a:latin typeface="+mn-ea"/>
+            </a:endParaRPr>
+          </a:p>
+        </p:txBody>
+      </p:sp>
+    </p:spTree>
+    <p:extLst>
+      <p:ext uri="{BB962C8B-B14F-4D97-AF65-F5344CB8AC3E}">
+        <p14:creationId xmlns:p14="http://schemas.microsoft.com/office/powerpoint/2010/main" val="761410093"/>
+      </p:ext>
+    </p:extLst>
+  </p:cSld>
+  <p:clrMapOvr>
+    <a:masterClrMapping/>
+  </p:clrMapOvr>
+  <p:timing>
+    <p:tnLst>
+      <p:par>
+        <p:cTn id="1" dur="indefinite" restart="never" nodeType="tmRoot">
+          <p:childTnLst>
+            <p:seq concurrent="1" nextAc="seek">
+              <p:cTn id="2" dur="indefinite" nodeType="mainSeq">
+                <p:childTnLst>
+                  <p:par>
+                    <p:cTn id="3" fill="hold">
+                      <p:stCondLst>
+                        <p:cond delay="indefinite"/>
+                        <p:cond evt="onBegin" delay="0">
+                          <p:tn val="2"/>
+                        </p:cond>
+                      </p:stCondLst>
+                      <p:childTnLst>
+                        <p:par>
+                          <p:cTn id="4" fill="hold">
+                            <p:stCondLst>
+                              <p:cond delay="0"/>
+                            </p:stCondLst>
+                            <p:childTnLst>
+                              <p:par>
+                                <p:cTn id="5" presetID="55" presetClass="entr" presetSubtype="0" fill="hold" grpId="0" nodeType="afterEffect">
+                                  <p:stCondLst>
+                                    <p:cond delay="0"/>
+                                  </p:stCondLst>
+                                  <p:childTnLst>
+                                    <p:set>
+                                      <p:cBhvr>
+                                        <p:cTn id="6" dur="1" fill="hold">
+                                          <p:stCondLst>
+                                            <p:cond delay="0"/>
+                                          </p:stCondLst>
+                                        </p:cTn>
+                                        <p:tgtEl>
+                                          <p:spTgt spid="9"/>
+                                        </p:tgtEl>
+                                        <p:attrNameLst>
+                                          <p:attrName>style.visibility</p:attrName>
+                                        </p:attrNameLst>
+                                      </p:cBhvr>
+                                      <p:to>
+                                        <p:strVal val="visible"/>
+                                      </p:to>
+                                    </p:set>
+                                    <p:anim calcmode="lin" valueType="num">
+                                      <p:cBhvr>
+                                        <p:cTn id="7" dur="1000" fill="hold"/>
+                                        <p:tgtEl>
+                                          <p:spTgt spid="9"/>
+                                        </p:tgtEl>
+                                        <p:attrNameLst>
+                                          <p:attrName>ppt_w</p:attrName>
+                                        </p:attrNameLst>
+                                      </p:cBhvr>
+                                      <p:tavLst>
+                                        <p:tav tm="0">
+                                          <p:val>
+                                            <p:strVal val="#ppt_w*0.70"/>
+                                          </p:val>
+                                        </p:tav>
+                                        <p:tav tm="100000">
+                                          <p:val>
+                                            <p:strVal val="#ppt_w"/>
+                                          </p:val>
+                                        </p:tav>
+                                      </p:tavLst>
+                                    </p:anim>
+                                    <p:anim calcmode="lin" valueType="num">
+                                      <p:cBhvr>
+                                        <p:cTn id="8" dur="1000" fill="hold"/>
+                                        <p:tgtEl>
+                                          <p:spTgt spid="9"/>
+                                        </p:tgtEl>
+                                        <p:attrNameLst>
+                                          <p:attrName>ppt_h</p:attrName>
+                                        </p:attrNameLst>
+                                      </p:cBhvr>
+                                      <p:tavLst>
+                                        <p:tav tm="0">
+                                          <p:val>
+                                            <p:strVal val="#ppt_h"/>
+                                          </p:val>
+                                        </p:tav>
+                                        <p:tav tm="100000">
+                                          <p:val>
+                                            <p:strVal val="#ppt_h"/>
+                                          </p:val>
+                                        </p:tav>
+                                      </p:tavLst>
+                                    </p:anim>
+                                    <p:animEffect transition="in" filter="fade">
+                                      <p:cBhvr>
+                                        <p:cTn id="9" dur="1000"/>
+                                        <p:tgtEl>
+                                          <p:spTgt spid="9"/>
+                                        </p:tgtEl>
+                                      </p:cBhvr>
+                                    </p:animEffect>
+                                  </p:childTnLst>
+                                </p:cTn>
+                              </p:par>
+                              <p:par>
+                                <p:cTn id="10" presetID="55" presetClass="entr" presetSubtype="0" fill="hold" nodeType="withEffect">
+                                  <p:stCondLst>
+                                    <p:cond delay="0"/>
+                                  </p:stCondLst>
+                                  <p:childTnLst>
+                                    <p:set>
+                                      <p:cBhvr>
+                                        <p:cTn id="11" dur="1" fill="hold">
+                                          <p:stCondLst>
+                                            <p:cond delay="0"/>
+                                          </p:stCondLst>
+                                        </p:cTn>
+                                        <p:tgtEl>
+                                          <p:spTgt spid="10"/>
+                                        </p:tgtEl>
+                                        <p:attrNameLst>
+                                          <p:attrName>style.visibility</p:attrName>
+                                        </p:attrNameLst>
+                                      </p:cBhvr>
+                                      <p:to>
+                                        <p:strVal val="visible"/>
+                                      </p:to>
+                                    </p:set>
+                                    <p:anim calcmode="lin" valueType="num">
+                                      <p:cBhvr>
+                                        <p:cTn id="12" dur="1000" fill="hold"/>
+                                        <p:tgtEl>
+                                          <p:spTgt spid="10"/>
+                                        </p:tgtEl>
+                                        <p:attrNameLst>
+                                          <p:attrName>ppt_w</p:attrName>
+                                        </p:attrNameLst>
+                                      </p:cBhvr>
+                                      <p:tavLst>
+                                        <p:tav tm="0">
+                                          <p:val>
+                                            <p:strVal val="#ppt_w*0.70"/>
+                                          </p:val>
+                                        </p:tav>
+                                        <p:tav tm="100000">
+                                          <p:val>
+                                            <p:strVal val="#ppt_w"/>
+                                          </p:val>
+                                        </p:tav>
+                                      </p:tavLst>
+                                    </p:anim>
+                                    <p:anim calcmode="lin" valueType="num">
+                                      <p:cBhvr>
+                                        <p:cTn id="13" dur="1000" fill="hold"/>
+                                        <p:tgtEl>
+                                          <p:spTgt spid="10"/>
+                                        </p:tgtEl>
+                                        <p:attrNameLst>
+                                          <p:attrName>ppt_h</p:attrName>
+                                        </p:attrNameLst>
+                                      </p:cBhvr>
+                                      <p:tavLst>
+                                        <p:tav tm="0">
+                                          <p:val>
+                                            <p:strVal val="#ppt_h"/>
+                                          </p:val>
+                                        </p:tav>
+                                        <p:tav tm="100000">
+                                          <p:val>
+                                            <p:strVal val="#ppt_h"/>
+                                          </p:val>
+                                        </p:tav>
+                                      </p:tavLst>
+                                    </p:anim>
+                                    <p:animEffect transition="in" filter="fade">
+                                      <p:cBhvr>
+                                        <p:cTn id="14" dur="1000"/>
+                                        <p:tgtEl>
+                                          <p:spTgt spid="10"/>
+                                        </p:tgtEl>
+                                      </p:cBhvr>
+                                    </p:animEffect>
+                                  </p:childTnLst>
+                                </p:cTn>
+                              </p:par>
+                            </p:childTnLst>
+                          </p:cTn>
+                        </p:par>
+                      </p:childTnLst>
+                    </p:cTn>
+                  </p:par>
+                  <p:par>
+                    <p:cTn id="15" fill="hold">
+                      <p:stCondLst>
+                        <p:cond delay="indefinite"/>
+                      </p:stCondLst>
+                      <p:childTnLst>
+                        <p:par>
+                          <p:cTn id="16" fill="hold">
+                            <p:stCondLst>
+                              <p:cond delay="0"/>
+                            </p:stCondLst>
+                            <p:childTnLst>
+                              <p:par>
+                                <p:cTn id="17" presetID="2" presetClass="entr" presetSubtype="4" fill="hold" grpId="0" nodeType="clickEffect">
+                                  <p:stCondLst>
+                                    <p:cond delay="0"/>
+                                  </p:stCondLst>
+                                  <p:childTnLst>
+                                    <p:set>
+                                      <p:cBhvr>
+                                        <p:cTn id="18" dur="1" fill="hold">
+                                          <p:stCondLst>
+                                            <p:cond delay="0"/>
+                                          </p:stCondLst>
+                                        </p:cTn>
+                                        <p:tgtEl>
+                                          <p:spTgt spid="3"/>
+                                        </p:tgtEl>
+                                        <p:attrNameLst>
+                                          <p:attrName>style.visibility</p:attrName>
+                                        </p:attrNameLst>
+                                      </p:cBhvr>
+                                      <p:to>
+                                        <p:strVal val="visible"/>
+                                      </p:to>
+                                    </p:set>
+                                    <p:anim calcmode="lin" valueType="num">
+                                      <p:cBhvr additive="base">
+                                        <p:cTn id="19" dur="500" fill="hold"/>
+                                        <p:tgtEl>
+                                          <p:spTgt spid="3"/>
+                                        </p:tgtEl>
+                                        <p:attrNameLst>
+                                          <p:attrName>ppt_x</p:attrName>
+                                        </p:attrNameLst>
+                                      </p:cBhvr>
+                                      <p:tavLst>
+                                        <p:tav tm="0">
+                                          <p:val>
+                                            <p:strVal val="#ppt_x"/>
+                                          </p:val>
+                                        </p:tav>
+                                        <p:tav tm="100000">
+                                          <p:val>
+                                            <p:strVal val="#ppt_x"/>
+                                          </p:val>
+                                        </p:tav>
+                                      </p:tavLst>
+                                    </p:anim>
+                                    <p:anim calcmode="lin" valueType="num">
+                                      <p:cBhvr additive="base">
+                                        <p:cTn id="20" dur="500" fill="hold"/>
+                                        <p:tgtEl>
+                                          <p:spTgt spid="3"/>
+                                        </p:tgtEl>
+                                        <p:attrNameLst>
+                                          <p:attrName>ppt_y</p:attrName>
+                                        </p:attrNameLst>
+                                      </p:cBhvr>
+                                      <p:tavLst>
+                                        <p:tav tm="0">
+                                          <p:val>
+                                            <p:strVal val="1+#ppt_h/2"/>
+                                          </p:val>
+                                        </p:tav>
+                                        <p:tav tm="100000">
+                                          <p:val>
+                                            <p:strVal val="#ppt_y"/>
+                                          </p:val>
+                                        </p:tav>
+                                      </p:tavLst>
+                                    </p:anim>
+                                  </p:childTnLst>
+                                </p:cTn>
+                              </p:par>
+                            </p:childTnLst>
+                          </p:cTn>
+                        </p:par>
+                      </p:childTnLst>
+                    </p:cTn>
+                  </p:par>
+                </p:childTnLst>
+              </p:cTn>
+              <p:prevCondLst>
+                <p:cond evt="onPrev" delay="0">
+                  <p:tgtEl>
+                    <p:sldTgt/>
+                  </p:tgtEl>
+                </p:cond>
+              </p:prevCondLst>
+              <p:nextCondLst>
+                <p:cond evt="onNext" delay="0">
+                  <p:tgtEl>
+                    <p:sldTgt/>
+                  </p:tgtEl>
+                </p:cond>
+              </p:nextCondLst>
+            </p:seq>
+          </p:childTnLst>
+        </p:cTn>
+      </p:par>
+    </p:tnLst>
+    <p:bldLst>
+      <p:bldP spid="9" grpId="0"/>
+      <p:bldP spid="3" grpId="0"/>
+    </p:bldLst>
+  </p:timing>
+</p:sld>
+</file>
+
+<file path=ppt/slides/slide43.xml><?xml version="1.0" encoding="utf-8"?>
+<p:sld xmlns:a="http://schemas.openxmlformats.org/drawingml/2006/main" xmlns:r="http://schemas.openxmlformats.org/officeDocument/2006/relationships" xmlns:p="http://schemas.openxmlformats.org/presentationml/2006/main">
+  <p:cSld>
+    <p:spTree>
+      <p:nvGrpSpPr>
+        <p:cNvPr id="1" name=""/>
+        <p:cNvGrpSpPr/>
+        <p:nvPr/>
+      </p:nvGrpSpPr>
+      <p:grpSpPr>
+        <a:xfrm>
+          <a:off x="0" y="0"/>
+          <a:ext cx="0" cy="0"/>
+          <a:chOff x="0" y="0"/>
+          <a:chExt cx="0" cy="0"/>
+        </a:xfrm>
+      </p:grpSpPr>
+      <p:grpSp>
+        <p:nvGrpSpPr>
+          <p:cNvPr id="12" name="组合 11"/>
+          <p:cNvGrpSpPr/>
+          <p:nvPr/>
+        </p:nvGrpSpPr>
+        <p:grpSpPr>
+          <a:xfrm>
+            <a:off x="819150" y="304165"/>
+            <a:ext cx="803910" cy="946785"/>
+            <a:chOff x="7448" y="3202"/>
+            <a:chExt cx="2827" cy="3146"/>
+          </a:xfrm>
+        </p:grpSpPr>
+        <p:cxnSp>
+          <p:nvCxnSpPr>
+            <p:cNvPr id="5" name="直接连接符 4"/>
+            <p:cNvCxnSpPr/>
+            <p:nvPr/>
+          </p:nvCxnSpPr>
+          <p:spPr>
+            <a:xfrm flipH="1">
+              <a:off x="7448" y="3324"/>
+              <a:ext cx="2721" cy="3025"/>
+            </a:xfrm>
+            <a:prstGeom prst="line">
+              <a:avLst/>
+            </a:prstGeom>
+            <a:ln>
+              <a:gradFill>
+                <a:gsLst>
+                  <a:gs pos="0">
+                    <a:schemeClr val="bg1"/>
+                  </a:gs>
+                  <a:gs pos="74000">
+                    <a:schemeClr val="bg1">
+                      <a:lumMod val="65000"/>
+                    </a:schemeClr>
+                  </a:gs>
+                </a:gsLst>
+                <a:lin ang="15720000" scaled="1"/>
+              </a:gradFill>
+            </a:ln>
+          </p:spPr>
+          <p:style>
+            <a:lnRef idx="1">
+              <a:schemeClr val="accent1"/>
+            </a:lnRef>
+            <a:fillRef idx="0">
+              <a:schemeClr val="accent1"/>
+            </a:fillRef>
+            <a:effectRef idx="0">
+              <a:schemeClr val="accent1"/>
+            </a:effectRef>
+            <a:fontRef idx="minor">
+              <a:schemeClr val="tx1"/>
+            </a:fontRef>
+          </p:style>
+        </p:cxnSp>
+        <p:sp>
+          <p:nvSpPr>
+            <p:cNvPr id="8" name="椭圆 7"/>
+            <p:cNvSpPr/>
+            <p:nvPr/>
+          </p:nvSpPr>
+          <p:spPr>
+            <a:xfrm>
+              <a:off x="10077" y="3202"/>
+              <a:ext cx="198" cy="213"/>
+            </a:xfrm>
+            <a:prstGeom prst="ellipse">
+              <a:avLst/>
+            </a:prstGeom>
+            <a:solidFill>
+              <a:schemeClr val="bg1">
+                <a:lumMod val="65000"/>
+              </a:schemeClr>
+            </a:solidFill>
+            <a:ln>
+              <a:noFill/>
+            </a:ln>
+          </p:spPr>
+          <p:style>
+            <a:lnRef idx="2">
+              <a:schemeClr val="accent1">
+                <a:shade val="50000"/>
+              </a:schemeClr>
+            </a:lnRef>
+            <a:fillRef idx="1">
+              <a:schemeClr val="accent1"/>
+            </a:fillRef>
+            <a:effectRef idx="0">
+              <a:schemeClr val="accent1"/>
+            </a:effectRef>
+            <a:fontRef idx="minor">
+              <a:schemeClr val="lt1"/>
+            </a:fontRef>
+          </p:style>
+          <p:txBody>
+            <a:bodyPr rtlCol="0" anchor="ctr"/>
+            <a:lstStyle/>
+            <a:p>
+              <a:pPr algn="ctr"/>
+              <a:endParaRPr lang="zh-CN" altLang="en-US">
+                <a:cs typeface="仿宋" panose="02010609060101010101" charset="-122"/>
+              </a:endParaRPr>
+            </a:p>
+          </p:txBody>
+        </p:sp>
+      </p:grpSp>
+      <p:sp>
+        <p:nvSpPr>
+          <p:cNvPr id="4" name="文本框 3"/>
+          <p:cNvSpPr txBox="1"/>
+          <p:nvPr/>
+        </p:nvSpPr>
+        <p:spPr>
+          <a:xfrm>
+            <a:off x="439360" y="340995"/>
+            <a:ext cx="800219" cy="461665"/>
+          </a:xfrm>
+          <a:prstGeom prst="rect">
+            <a:avLst/>
+          </a:prstGeom>
+          <a:noFill/>
+        </p:spPr>
+        <p:txBody>
+          <a:bodyPr wrap="none" rtlCol="0" anchor="t">
+            <a:spAutoFit/>
+          </a:bodyPr>
+          <a:lstStyle/>
+          <a:p>
+            <a:pPr algn="ctr"/>
+            <a:r>
+              <a:rPr lang="en-US" altLang="zh-CN" sz="2400" dirty="0">
+                <a:solidFill>
+                  <a:schemeClr val="tx1">
+                    <a:lumMod val="50000"/>
+                    <a:lumOff val="50000"/>
+                  </a:schemeClr>
+                </a:solidFill>
+                <a:latin typeface="仿宋" panose="02010609060101010101" charset="-122"/>
+                <a:ea typeface="仿宋" panose="02010609060101010101" charset="-122"/>
+                <a:cs typeface="仿宋" panose="02010609060101010101" charset="-122"/>
+                <a:sym typeface="+mn-lt"/>
+              </a:rPr>
+              <a:t>four</a:t>
+            </a:r>
+            <a:endParaRPr lang="en-US" sz="2400" dirty="0">
+              <a:solidFill>
+                <a:schemeClr val="tx1">
+                  <a:lumMod val="50000"/>
+                  <a:lumOff val="50000"/>
+                </a:schemeClr>
+              </a:solidFill>
+              <a:latin typeface="仿宋" panose="02010609060101010101" charset="-122"/>
+              <a:ea typeface="仿宋" panose="02010609060101010101" charset="-122"/>
+              <a:cs typeface="仿宋" panose="02010609060101010101" charset="-122"/>
+              <a:sym typeface="+mn-lt"/>
+            </a:endParaRPr>
+          </a:p>
+        </p:txBody>
+      </p:sp>
+      <p:sp>
+        <p:nvSpPr>
+          <p:cNvPr id="7" name="任意多边形 18"/>
+          <p:cNvSpPr/>
+          <p:nvPr/>
+        </p:nvSpPr>
+        <p:spPr>
+          <a:xfrm>
+            <a:off x="1738453" y="304127"/>
+            <a:ext cx="4419256" cy="618508"/>
+          </a:xfrm>
+          <a:custGeom>
+            <a:avLst/>
+            <a:gdLst>
+              <a:gd name="connsiteX0" fmla="*/ 98297 w 589768"/>
+              <a:gd name="connsiteY0" fmla="*/ 0 h 5346192"/>
+              <a:gd name="connsiteX1" fmla="*/ 491471 w 589768"/>
+              <a:gd name="connsiteY1" fmla="*/ 0 h 5346192"/>
+              <a:gd name="connsiteX2" fmla="*/ 589768 w 589768"/>
+              <a:gd name="connsiteY2" fmla="*/ 98297 h 5346192"/>
+              <a:gd name="connsiteX3" fmla="*/ 589768 w 589768"/>
+              <a:gd name="connsiteY3" fmla="*/ 5346192 h 5346192"/>
+              <a:gd name="connsiteX4" fmla="*/ 589768 w 589768"/>
+              <a:gd name="connsiteY4" fmla="*/ 5346192 h 5346192"/>
+              <a:gd name="connsiteX5" fmla="*/ 0 w 589768"/>
+              <a:gd name="connsiteY5" fmla="*/ 5346192 h 5346192"/>
+              <a:gd name="connsiteX6" fmla="*/ 0 w 589768"/>
+              <a:gd name="connsiteY6" fmla="*/ 5346192 h 5346192"/>
+              <a:gd name="connsiteX7" fmla="*/ 0 w 589768"/>
+              <a:gd name="connsiteY7" fmla="*/ 98297 h 5346192"/>
+              <a:gd name="connsiteX8" fmla="*/ 98297 w 589768"/>
+              <a:gd name="connsiteY8" fmla="*/ 0 h 5346192"/>
+            </a:gdLst>
+            <a:ahLst/>
+            <a:cxnLst>
+              <a:cxn ang="0">
+                <a:pos x="connsiteX0" y="connsiteY0"/>
+              </a:cxn>
+              <a:cxn ang="0">
+                <a:pos x="connsiteX1" y="connsiteY1"/>
+              </a:cxn>
+              <a:cxn ang="0">
+                <a:pos x="connsiteX2" y="connsiteY2"/>
+              </a:cxn>
+              <a:cxn ang="0">
+                <a:pos x="connsiteX3" y="connsiteY3"/>
+              </a:cxn>
+              <a:cxn ang="0">
+                <a:pos x="connsiteX4" y="connsiteY4"/>
+              </a:cxn>
+              <a:cxn ang="0">
+                <a:pos x="connsiteX5" y="connsiteY5"/>
+              </a:cxn>
+              <a:cxn ang="0">
+                <a:pos x="connsiteX6" y="connsiteY6"/>
+              </a:cxn>
+              <a:cxn ang="0">
+                <a:pos x="connsiteX7" y="connsiteY7"/>
+              </a:cxn>
+              <a:cxn ang="0">
+                <a:pos x="connsiteX8" y="connsiteY8"/>
+              </a:cxn>
+            </a:cxnLst>
+            <a:rect l="l" t="t" r="r" b="b"/>
+            <a:pathLst>
+              <a:path w="589768" h="5346192">
+                <a:moveTo>
+                  <a:pt x="589768" y="891056"/>
+                </a:moveTo>
+                <a:lnTo>
+                  <a:pt x="589768" y="4455136"/>
+                </a:lnTo>
+                <a:cubicBezTo>
+                  <a:pt x="589768" y="4947251"/>
+                  <a:pt x="584913" y="5346187"/>
+                  <a:pt x="578924" y="5346187"/>
+                </a:cubicBezTo>
+                <a:lnTo>
+                  <a:pt x="0" y="5346187"/>
+                </a:lnTo>
+                <a:lnTo>
+                  <a:pt x="0" y="5346187"/>
+                </a:lnTo>
+                <a:lnTo>
+                  <a:pt x="0" y="5"/>
+                </a:lnTo>
+                <a:lnTo>
+                  <a:pt x="0" y="5"/>
+                </a:lnTo>
+                <a:lnTo>
+                  <a:pt x="578924" y="5"/>
+                </a:lnTo>
+                <a:cubicBezTo>
+                  <a:pt x="584913" y="5"/>
+                  <a:pt x="589768" y="398941"/>
+                  <a:pt x="589768" y="891056"/>
+                </a:cubicBezTo>
+                <a:close/>
+              </a:path>
+            </a:pathLst>
+          </a:custGeom>
+          <a:noFill/>
+          <a:ln>
+            <a:noFill/>
+          </a:ln>
+          <a:effectLst/>
+        </p:spPr>
+        <p:style>
+          <a:lnRef idx="2">
+            <a:schemeClr val="dk2">
+              <a:alpha val="90000"/>
+              <a:tint val="40000"/>
+              <a:hueOff val="0"/>
+              <a:satOff val="0"/>
+              <a:lumOff val="0"/>
+              <a:alphaOff val="0"/>
+            </a:schemeClr>
+          </a:lnRef>
+          <a:fillRef idx="1">
+            <a:schemeClr val="dk2">
+              <a:alpha val="90000"/>
+              <a:tint val="40000"/>
+              <a:hueOff val="0"/>
+              <a:satOff val="0"/>
+              <a:lumOff val="0"/>
+              <a:alphaOff val="0"/>
+            </a:schemeClr>
+          </a:fillRef>
+          <a:effectRef idx="0">
+            <a:schemeClr val="dk2">
+              <a:alpha val="90000"/>
+              <a:tint val="40000"/>
+              <a:hueOff val="0"/>
+              <a:satOff val="0"/>
+              <a:lumOff val="0"/>
+              <a:alphaOff val="0"/>
+            </a:schemeClr>
+          </a:effectRef>
+          <a:fontRef idx="minor">
+            <a:schemeClr val="dk1">
+              <a:hueOff val="0"/>
+              <a:satOff val="0"/>
+              <a:lumOff val="0"/>
+              <a:alphaOff val="0"/>
+            </a:schemeClr>
+          </a:fontRef>
+        </p:style>
+        <p:txBody>
+          <a:bodyPr spcFirstLastPara="0" vert="horz" wrap="square" lIns="247650" tIns="152615" rIns="276440" bIns="152615" numCol="1" spcCol="1270" anchor="ctr" anchorCtr="0">
+            <a:noAutofit/>
+          </a:bodyPr>
+          <a:lstStyle>
+            <a:defPPr>
+              <a:defRPr lang="zh-CN">
+                <a:solidFill>
+                  <a:schemeClr val="dk1">
+                    <a:hueOff val="0"/>
+                    <a:satOff val="0"/>
+                    <a:lumOff val="0"/>
+                    <a:alphaOff val="0"/>
+                  </a:schemeClr>
+                </a:solidFill>
+              </a:defRPr>
+            </a:defPPr>
+            <a:lvl1pPr marL="0" algn="l" defTabSz="914400" rtl="0" eaLnBrk="1" latinLnBrk="0" hangingPunct="1">
+              <a:defRPr sz="1800" kern="1200">
+                <a:solidFill>
+                  <a:schemeClr val="dk1">
+                    <a:hueOff val="0"/>
+                    <a:satOff val="0"/>
+                    <a:lumOff val="0"/>
+                    <a:alphaOff val="0"/>
+                  </a:schemeClr>
+                </a:solidFill>
+                <a:latin typeface="+mn-lt"/>
+                <a:ea typeface="+mn-ea"/>
+                <a:cs typeface="+mn-cs"/>
+              </a:defRPr>
+            </a:lvl1pPr>
+            <a:lvl2pPr marL="457200" algn="l" defTabSz="914400" rtl="0" eaLnBrk="1" latinLnBrk="0" hangingPunct="1">
+              <a:defRPr sz="1800" kern="1200">
+                <a:solidFill>
+                  <a:schemeClr val="dk1">
+                    <a:hueOff val="0"/>
+                    <a:satOff val="0"/>
+                    <a:lumOff val="0"/>
+                    <a:alphaOff val="0"/>
+                  </a:schemeClr>
+                </a:solidFill>
+                <a:latin typeface="+mn-lt"/>
+                <a:ea typeface="+mn-ea"/>
+                <a:cs typeface="+mn-cs"/>
+              </a:defRPr>
+            </a:lvl2pPr>
+            <a:lvl3pPr marL="914400" algn="l" defTabSz="914400" rtl="0" eaLnBrk="1" latinLnBrk="0" hangingPunct="1">
+              <a:defRPr sz="1800" kern="1200">
+                <a:solidFill>
+                  <a:schemeClr val="dk1">
+                    <a:hueOff val="0"/>
+                    <a:satOff val="0"/>
+                    <a:lumOff val="0"/>
+                    <a:alphaOff val="0"/>
+                  </a:schemeClr>
+                </a:solidFill>
+                <a:latin typeface="+mn-lt"/>
+                <a:ea typeface="+mn-ea"/>
+                <a:cs typeface="+mn-cs"/>
+              </a:defRPr>
+            </a:lvl3pPr>
+            <a:lvl4pPr marL="1371600" algn="l" defTabSz="914400" rtl="0" eaLnBrk="1" latinLnBrk="0" hangingPunct="1">
+              <a:defRPr sz="1800" kern="1200">
+                <a:solidFill>
+                  <a:schemeClr val="dk1">
+                    <a:hueOff val="0"/>
+                    <a:satOff val="0"/>
+                    <a:lumOff val="0"/>
+                    <a:alphaOff val="0"/>
+                  </a:schemeClr>
+                </a:solidFill>
+                <a:latin typeface="+mn-lt"/>
+                <a:ea typeface="+mn-ea"/>
+                <a:cs typeface="+mn-cs"/>
+              </a:defRPr>
+            </a:lvl4pPr>
+            <a:lvl5pPr marL="1828800" algn="l" defTabSz="914400" rtl="0" eaLnBrk="1" latinLnBrk="0" hangingPunct="1">
+              <a:defRPr sz="1800" kern="1200">
+                <a:solidFill>
+                  <a:schemeClr val="dk1">
+                    <a:hueOff val="0"/>
+                    <a:satOff val="0"/>
+                    <a:lumOff val="0"/>
+                    <a:alphaOff val="0"/>
+                  </a:schemeClr>
+                </a:solidFill>
+                <a:latin typeface="+mn-lt"/>
+                <a:ea typeface="+mn-ea"/>
+                <a:cs typeface="+mn-cs"/>
+              </a:defRPr>
+            </a:lvl5pPr>
+            <a:lvl6pPr marL="2286000" algn="l" defTabSz="914400" rtl="0" eaLnBrk="1" latinLnBrk="0" hangingPunct="1">
+              <a:defRPr sz="1800" kern="1200">
+                <a:solidFill>
+                  <a:schemeClr val="dk1">
+                    <a:hueOff val="0"/>
+                    <a:satOff val="0"/>
+                    <a:lumOff val="0"/>
+                    <a:alphaOff val="0"/>
+                  </a:schemeClr>
+                </a:solidFill>
+                <a:latin typeface="+mn-lt"/>
+                <a:ea typeface="+mn-ea"/>
+                <a:cs typeface="+mn-cs"/>
+              </a:defRPr>
+            </a:lvl6pPr>
+            <a:lvl7pPr marL="2743200" algn="l" defTabSz="914400" rtl="0" eaLnBrk="1" latinLnBrk="0" hangingPunct="1">
+              <a:defRPr sz="1800" kern="1200">
+                <a:solidFill>
+                  <a:schemeClr val="dk1">
+                    <a:hueOff val="0"/>
+                    <a:satOff val="0"/>
+                    <a:lumOff val="0"/>
+                    <a:alphaOff val="0"/>
+                  </a:schemeClr>
+                </a:solidFill>
+                <a:latin typeface="+mn-lt"/>
+                <a:ea typeface="+mn-ea"/>
+                <a:cs typeface="+mn-cs"/>
+              </a:defRPr>
+            </a:lvl7pPr>
+            <a:lvl8pPr marL="3200400" algn="l" defTabSz="914400" rtl="0" eaLnBrk="1" latinLnBrk="0" hangingPunct="1">
+              <a:defRPr sz="1800" kern="1200">
+                <a:solidFill>
+                  <a:schemeClr val="dk1">
+                    <a:hueOff val="0"/>
+                    <a:satOff val="0"/>
+                    <a:lumOff val="0"/>
+                    <a:alphaOff val="0"/>
+                  </a:schemeClr>
+                </a:solidFill>
+                <a:latin typeface="+mn-lt"/>
+                <a:ea typeface="+mn-ea"/>
+                <a:cs typeface="+mn-cs"/>
+              </a:defRPr>
+            </a:lvl8pPr>
+            <a:lvl9pPr marL="3657600" algn="l" defTabSz="914400" rtl="0" eaLnBrk="1" latinLnBrk="0" hangingPunct="1">
+              <a:defRPr sz="1800" kern="1200">
+                <a:solidFill>
+                  <a:schemeClr val="dk1">
+                    <a:hueOff val="0"/>
+                    <a:satOff val="0"/>
+                    <a:lumOff val="0"/>
+                    <a:alphaOff val="0"/>
+                  </a:schemeClr>
+                </a:solidFill>
+                <a:latin typeface="+mn-lt"/>
+                <a:ea typeface="+mn-ea"/>
+                <a:cs typeface="+mn-cs"/>
+              </a:defRPr>
+            </a:lvl9pPr>
+          </a:lstStyle>
+          <a:p>
+            <a:pPr marL="0" lvl="1" defTabSz="711200">
+              <a:lnSpc>
+                <a:spcPct val="90000"/>
+              </a:lnSpc>
+              <a:spcBef>
+                <a:spcPct val="0"/>
+              </a:spcBef>
+              <a:spcAft>
+                <a:spcPct val="15000"/>
+              </a:spcAft>
+            </a:pPr>
+            <a:r>
+              <a:rPr lang="zh-CN" altLang="en-US" sz="2400" b="1" dirty="0">
+                <a:solidFill>
+                  <a:schemeClr val="bg1">
+                    <a:lumMod val="50000"/>
+                  </a:schemeClr>
+                </a:solidFill>
+                <a:latin typeface="仿宋" panose="02010609060101010101" charset="-122"/>
+                <a:ea typeface="仿宋" panose="02010609060101010101" charset="-122"/>
+                <a:cs typeface="+mn-ea"/>
+                <a:sym typeface="+mn-lt"/>
+              </a:rPr>
+              <a:t>问题</a:t>
+            </a:r>
+          </a:p>
+        </p:txBody>
+      </p:sp>
+      <p:cxnSp>
+        <p:nvCxnSpPr>
+          <p:cNvPr id="6" name="直接连接符 5"/>
+          <p:cNvCxnSpPr/>
+          <p:nvPr/>
+        </p:nvCxnSpPr>
+        <p:spPr>
+          <a:xfrm flipH="1">
+            <a:off x="5324475" y="6370955"/>
+            <a:ext cx="6680835" cy="19685"/>
+          </a:xfrm>
+          <a:prstGeom prst="line">
+            <a:avLst/>
+          </a:prstGeom>
+          <a:ln w="57150">
+            <a:gradFill>
+              <a:gsLst>
+                <a:gs pos="0">
+                  <a:schemeClr val="bg1">
+                    <a:alpha val="10000"/>
+                  </a:schemeClr>
+                </a:gs>
+                <a:gs pos="90000">
+                  <a:schemeClr val="bg1">
+                    <a:lumMod val="65000"/>
+                    <a:alpha val="44000"/>
+                  </a:schemeClr>
+                </a:gs>
+              </a:gsLst>
+              <a:lin ang="9420000" scaled="1"/>
+            </a:gradFill>
+          </a:ln>
+        </p:spPr>
+        <p:style>
+          <a:lnRef idx="1">
+            <a:schemeClr val="accent1"/>
+          </a:lnRef>
+          <a:fillRef idx="0">
+            <a:schemeClr val="accent1"/>
+          </a:fillRef>
+          <a:effectRef idx="0">
+            <a:schemeClr val="accent1"/>
+          </a:effectRef>
+          <a:fontRef idx="minor">
+            <a:schemeClr val="tx1"/>
+          </a:fontRef>
+        </p:style>
+      </p:cxnSp>
+      <p:sp>
+        <p:nvSpPr>
+          <p:cNvPr id="2" name="文本框 1"/>
+          <p:cNvSpPr txBox="1"/>
+          <p:nvPr/>
+        </p:nvSpPr>
+        <p:spPr>
+          <a:xfrm>
+            <a:off x="1258168" y="2124380"/>
+            <a:ext cx="7427111" cy="461665"/>
+          </a:xfrm>
+          <a:prstGeom prst="rect">
+            <a:avLst/>
+          </a:prstGeom>
+          <a:noFill/>
+        </p:spPr>
+        <p:txBody>
+          <a:bodyPr wrap="square" rtlCol="0">
+            <a:spAutoFit/>
+          </a:bodyPr>
+          <a:lstStyle/>
+          <a:p>
+            <a:r>
+              <a:rPr lang="zh-CN" altLang="en-US" sz="2400" dirty="0">
+                <a:latin typeface="宋体" panose="02010600030101010101" pitchFamily="2" charset="-122"/>
+              </a:rPr>
+              <a:t>软件维护的问题有哪些？</a:t>
+            </a:r>
+            <a:endParaRPr lang="zh-CN" altLang="zh-CN" sz="2400" dirty="0"/>
+          </a:p>
+        </p:txBody>
+      </p:sp>
+      <p:sp>
+        <p:nvSpPr>
+          <p:cNvPr id="9" name="文本框 8"/>
+          <p:cNvSpPr txBox="1"/>
+          <p:nvPr/>
+        </p:nvSpPr>
+        <p:spPr>
+          <a:xfrm>
+            <a:off x="735331" y="1232546"/>
+            <a:ext cx="4236393" cy="590931"/>
+          </a:xfrm>
+          <a:prstGeom prst="rect">
+            <a:avLst/>
+          </a:prstGeom>
+          <a:noFill/>
+        </p:spPr>
+        <p:txBody>
+          <a:bodyPr wrap="square" rtlCol="0">
+            <a:spAutoFit/>
+          </a:bodyPr>
+          <a:lstStyle/>
+          <a:p>
+            <a:pPr marL="0" lvl="1" defTabSz="711200">
+              <a:lnSpc>
+                <a:spcPct val="90000"/>
+              </a:lnSpc>
+              <a:spcBef>
+                <a:spcPct val="0"/>
+              </a:spcBef>
+              <a:spcAft>
+                <a:spcPct val="15000"/>
+              </a:spcAft>
+            </a:pPr>
+            <a:r>
+              <a:rPr lang="zh-CN" altLang="en-US" sz="3600" b="1" dirty="0">
+                <a:latin typeface="仿宋" panose="02010609060101010101" charset="-122"/>
+                <a:ea typeface="仿宋" panose="02010609060101010101" charset="-122"/>
+                <a:cs typeface="+mn-ea"/>
+                <a:sym typeface="+mn-lt"/>
+              </a:rPr>
+              <a:t>问题五</a:t>
+            </a:r>
+          </a:p>
+        </p:txBody>
+      </p:sp>
+      <p:cxnSp>
+        <p:nvCxnSpPr>
+          <p:cNvPr id="10" name="直接连接符 9"/>
+          <p:cNvCxnSpPr/>
+          <p:nvPr/>
+        </p:nvCxnSpPr>
+        <p:spPr>
+          <a:xfrm>
+            <a:off x="735331" y="1943452"/>
+            <a:ext cx="1312218" cy="0"/>
+          </a:xfrm>
+          <a:prstGeom prst="line">
+            <a:avLst/>
+          </a:prstGeom>
+          <a:ln w="57150">
+            <a:solidFill>
+              <a:schemeClr val="tx1">
+                <a:lumMod val="50000"/>
+                <a:lumOff val="50000"/>
+              </a:schemeClr>
+            </a:solidFill>
+          </a:ln>
+        </p:spPr>
+        <p:style>
+          <a:lnRef idx="1">
+            <a:schemeClr val="accent1"/>
+          </a:lnRef>
+          <a:fillRef idx="0">
+            <a:schemeClr val="accent1"/>
+          </a:fillRef>
+          <a:effectRef idx="0">
+            <a:schemeClr val="accent1"/>
+          </a:effectRef>
+          <a:fontRef idx="minor">
+            <a:schemeClr val="tx1"/>
+          </a:fontRef>
+        </p:style>
+      </p:cxnSp>
+      <p:sp>
+        <p:nvSpPr>
+          <p:cNvPr id="3" name="文本框 2">
+            <a:extLst>
+              <a:ext uri="{FF2B5EF4-FFF2-40B4-BE49-F238E27FC236}">
+                <a16:creationId xmlns:a16="http://schemas.microsoft.com/office/drawing/2014/main" id="{0D0255B8-C59E-4C14-B30E-F779E53B226E}"/>
+              </a:ext>
+            </a:extLst>
+          </p:cNvPr>
+          <p:cNvSpPr txBox="1"/>
+          <p:nvPr/>
+        </p:nvSpPr>
+        <p:spPr>
+          <a:xfrm>
+            <a:off x="1206033" y="2568289"/>
+            <a:ext cx="8816856" cy="4524315"/>
+          </a:xfrm>
+          <a:prstGeom prst="rect">
+            <a:avLst/>
+          </a:prstGeom>
+          <a:noFill/>
+        </p:spPr>
+        <p:txBody>
+          <a:bodyPr wrap="square" rtlCol="0">
+            <a:spAutoFit/>
+          </a:bodyPr>
+          <a:lstStyle/>
+          <a:p>
+            <a:r>
+              <a:rPr lang="zh-CN" altLang="en-US" sz="2400" dirty="0"/>
+              <a:t>答：（</a:t>
+            </a:r>
+            <a:r>
+              <a:rPr lang="en-US" altLang="zh-CN" sz="2400" dirty="0"/>
+              <a:t>1</a:t>
+            </a:r>
+            <a:r>
+              <a:rPr lang="zh-CN" altLang="en-US" sz="2400" dirty="0"/>
+              <a:t>）理解别人写的程序通常非常困难，而且困难程度随着软件配置成分的减少而迅速增加。如果仅有程序代码没有说明文档，则会出现严重的问题。</a:t>
+            </a:r>
+          </a:p>
+          <a:p>
+            <a:r>
+              <a:rPr lang="zh-CN" altLang="en-US" sz="2400" dirty="0"/>
+              <a:t>（</a:t>
+            </a:r>
+            <a:r>
+              <a:rPr lang="en-US" altLang="zh-CN" sz="2400" dirty="0"/>
+              <a:t>2</a:t>
+            </a:r>
+            <a:r>
+              <a:rPr lang="zh-CN" altLang="en-US" sz="2400" dirty="0"/>
+              <a:t>） 需要维护的软件往往没有合格的文档，或者文档资料显著不足。</a:t>
+            </a:r>
+            <a:endParaRPr lang="en-US" altLang="zh-CN" sz="2400" dirty="0"/>
+          </a:p>
+          <a:p>
+            <a:r>
+              <a:rPr lang="zh-CN" altLang="en-US" sz="2400" dirty="0">
+                <a:solidFill>
+                  <a:srgbClr val="000000"/>
+                </a:solidFill>
+              </a:rPr>
+              <a:t>（</a:t>
+            </a:r>
+            <a:r>
+              <a:rPr lang="en-US" altLang="zh-CN" sz="2400" dirty="0">
+                <a:solidFill>
+                  <a:srgbClr val="000000"/>
+                </a:solidFill>
+              </a:rPr>
+              <a:t>3</a:t>
+            </a:r>
+            <a:r>
+              <a:rPr lang="zh-CN" altLang="en-US" sz="2400" dirty="0">
+                <a:solidFill>
+                  <a:srgbClr val="000000"/>
+                </a:solidFill>
+              </a:rPr>
+              <a:t>） 当要求对软件进行维护时，不能指望由开发人员给人们仔细说明软件。由于维护阶段持续的时间很长，因此，当需要解释软件时，往往原来写程序的人已经不在附近了。</a:t>
+            </a:r>
+          </a:p>
+          <a:p>
+            <a:r>
+              <a:rPr lang="zh-CN" altLang="en-US" sz="2400" dirty="0">
+                <a:solidFill>
+                  <a:srgbClr val="000000"/>
+                </a:solidFill>
+              </a:rPr>
+              <a:t>（</a:t>
+            </a:r>
+            <a:r>
+              <a:rPr lang="en-US" altLang="zh-CN" sz="2400" dirty="0">
+                <a:solidFill>
+                  <a:srgbClr val="000000"/>
+                </a:solidFill>
+              </a:rPr>
+              <a:t>4</a:t>
+            </a:r>
+            <a:r>
+              <a:rPr lang="zh-CN" altLang="en-US" sz="2400" dirty="0">
+                <a:solidFill>
+                  <a:srgbClr val="000000"/>
+                </a:solidFill>
+              </a:rPr>
+              <a:t>） 绝大多数软件在设计时没有考虑将来的修改。</a:t>
+            </a:r>
+            <a:endParaRPr lang="en-US" altLang="zh-CN" sz="2400" dirty="0">
+              <a:solidFill>
+                <a:srgbClr val="000000"/>
+              </a:solidFill>
+            </a:endParaRPr>
+          </a:p>
+          <a:p>
+            <a:r>
+              <a:rPr lang="zh-CN" altLang="en-US" sz="2400" dirty="0">
+                <a:solidFill>
+                  <a:srgbClr val="000000"/>
+                </a:solidFill>
+              </a:rPr>
+              <a:t>（</a:t>
+            </a:r>
+            <a:r>
+              <a:rPr lang="en-US" altLang="zh-CN" sz="2400" dirty="0">
+                <a:solidFill>
+                  <a:srgbClr val="000000"/>
+                </a:solidFill>
+              </a:rPr>
+              <a:t>5</a:t>
+            </a:r>
+            <a:r>
+              <a:rPr lang="zh-CN" altLang="en-US" sz="2400" dirty="0">
+                <a:solidFill>
+                  <a:srgbClr val="000000"/>
+                </a:solidFill>
+              </a:rPr>
+              <a:t>）  软件维护不是一项吸引人的工作。形成这种观念很大程度上是因为维护工作经常遭受挫折。</a:t>
+            </a:r>
+            <a:endParaRPr lang="en-US" altLang="zh-CN" sz="2400" dirty="0">
+              <a:solidFill>
+                <a:srgbClr val="000000"/>
+              </a:solidFill>
+            </a:endParaRPr>
+          </a:p>
+          <a:p>
+            <a:endParaRPr lang="zh-CN" altLang="en-US" sz="2400" dirty="0"/>
+          </a:p>
+        </p:txBody>
+      </p:sp>
+    </p:spTree>
+    <p:extLst>
+      <p:ext uri="{BB962C8B-B14F-4D97-AF65-F5344CB8AC3E}">
+        <p14:creationId xmlns:p14="http://schemas.microsoft.com/office/powerpoint/2010/main" val="740567910"/>
+      </p:ext>
+    </p:extLst>
+  </p:cSld>
+  <p:clrMapOvr>
+    <a:masterClrMapping/>
+  </p:clrMapOvr>
+  <p:timing>
+    <p:tnLst>
+      <p:par>
+        <p:cTn id="1" dur="indefinite" restart="never" nodeType="tmRoot">
+          <p:childTnLst>
+            <p:seq concurrent="1" nextAc="seek">
+              <p:cTn id="2" dur="indefinite" nodeType="mainSeq">
+                <p:childTnLst>
+                  <p:par>
+                    <p:cTn id="3" fill="hold">
+                      <p:stCondLst>
+                        <p:cond delay="indefinite"/>
+                        <p:cond evt="onBegin" delay="0">
+                          <p:tn val="2"/>
+                        </p:cond>
+                      </p:stCondLst>
+                      <p:childTnLst>
+                        <p:par>
+                          <p:cTn id="4" fill="hold">
+                            <p:stCondLst>
+                              <p:cond delay="0"/>
+                            </p:stCondLst>
+                            <p:childTnLst>
+                              <p:par>
+                                <p:cTn id="5" presetID="55" presetClass="entr" presetSubtype="0" fill="hold" grpId="0" nodeType="afterEffect">
+                                  <p:stCondLst>
+                                    <p:cond delay="0"/>
+                                  </p:stCondLst>
+                                  <p:childTnLst>
+                                    <p:set>
+                                      <p:cBhvr>
+                                        <p:cTn id="6" dur="1" fill="hold">
+                                          <p:stCondLst>
+                                            <p:cond delay="0"/>
+                                          </p:stCondLst>
+                                        </p:cTn>
+                                        <p:tgtEl>
+                                          <p:spTgt spid="9"/>
+                                        </p:tgtEl>
+                                        <p:attrNameLst>
+                                          <p:attrName>style.visibility</p:attrName>
+                                        </p:attrNameLst>
+                                      </p:cBhvr>
+                                      <p:to>
+                                        <p:strVal val="visible"/>
+                                      </p:to>
+                                    </p:set>
+                                    <p:anim calcmode="lin" valueType="num">
+                                      <p:cBhvr>
+                                        <p:cTn id="7" dur="1000" fill="hold"/>
+                                        <p:tgtEl>
+                                          <p:spTgt spid="9"/>
+                                        </p:tgtEl>
+                                        <p:attrNameLst>
+                                          <p:attrName>ppt_w</p:attrName>
+                                        </p:attrNameLst>
+                                      </p:cBhvr>
+                                      <p:tavLst>
+                                        <p:tav tm="0">
+                                          <p:val>
+                                            <p:strVal val="#ppt_w*0.70"/>
+                                          </p:val>
+                                        </p:tav>
+                                        <p:tav tm="100000">
+                                          <p:val>
+                                            <p:strVal val="#ppt_w"/>
+                                          </p:val>
+                                        </p:tav>
+                                      </p:tavLst>
+                                    </p:anim>
+                                    <p:anim calcmode="lin" valueType="num">
+                                      <p:cBhvr>
+                                        <p:cTn id="8" dur="1000" fill="hold"/>
+                                        <p:tgtEl>
+                                          <p:spTgt spid="9"/>
+                                        </p:tgtEl>
+                                        <p:attrNameLst>
+                                          <p:attrName>ppt_h</p:attrName>
+                                        </p:attrNameLst>
+                                      </p:cBhvr>
+                                      <p:tavLst>
+                                        <p:tav tm="0">
+                                          <p:val>
+                                            <p:strVal val="#ppt_h"/>
+                                          </p:val>
+                                        </p:tav>
+                                        <p:tav tm="100000">
+                                          <p:val>
+                                            <p:strVal val="#ppt_h"/>
+                                          </p:val>
+                                        </p:tav>
+                                      </p:tavLst>
+                                    </p:anim>
+                                    <p:animEffect transition="in" filter="fade">
+                                      <p:cBhvr>
+                                        <p:cTn id="9" dur="1000"/>
+                                        <p:tgtEl>
+                                          <p:spTgt spid="9"/>
+                                        </p:tgtEl>
+                                      </p:cBhvr>
+                                    </p:animEffect>
+                                  </p:childTnLst>
+                                </p:cTn>
+                              </p:par>
+                              <p:par>
+                                <p:cTn id="10" presetID="55" presetClass="entr" presetSubtype="0" fill="hold" nodeType="withEffect">
+                                  <p:stCondLst>
+                                    <p:cond delay="0"/>
+                                  </p:stCondLst>
+                                  <p:childTnLst>
+                                    <p:set>
+                                      <p:cBhvr>
+                                        <p:cTn id="11" dur="1" fill="hold">
+                                          <p:stCondLst>
+                                            <p:cond delay="0"/>
+                                          </p:stCondLst>
+                                        </p:cTn>
+                                        <p:tgtEl>
+                                          <p:spTgt spid="10"/>
+                                        </p:tgtEl>
+                                        <p:attrNameLst>
+                                          <p:attrName>style.visibility</p:attrName>
+                                        </p:attrNameLst>
+                                      </p:cBhvr>
+                                      <p:to>
+                                        <p:strVal val="visible"/>
+                                      </p:to>
+                                    </p:set>
+                                    <p:anim calcmode="lin" valueType="num">
+                                      <p:cBhvr>
+                                        <p:cTn id="12" dur="1000" fill="hold"/>
+                                        <p:tgtEl>
+                                          <p:spTgt spid="10"/>
+                                        </p:tgtEl>
+                                        <p:attrNameLst>
+                                          <p:attrName>ppt_w</p:attrName>
+                                        </p:attrNameLst>
+                                      </p:cBhvr>
+                                      <p:tavLst>
+                                        <p:tav tm="0">
+                                          <p:val>
+                                            <p:strVal val="#ppt_w*0.70"/>
+                                          </p:val>
+                                        </p:tav>
+                                        <p:tav tm="100000">
+                                          <p:val>
+                                            <p:strVal val="#ppt_w"/>
+                                          </p:val>
+                                        </p:tav>
+                                      </p:tavLst>
+                                    </p:anim>
+                                    <p:anim calcmode="lin" valueType="num">
+                                      <p:cBhvr>
+                                        <p:cTn id="13" dur="1000" fill="hold"/>
+                                        <p:tgtEl>
+                                          <p:spTgt spid="10"/>
+                                        </p:tgtEl>
+                                        <p:attrNameLst>
+                                          <p:attrName>ppt_h</p:attrName>
+                                        </p:attrNameLst>
+                                      </p:cBhvr>
+                                      <p:tavLst>
+                                        <p:tav tm="0">
+                                          <p:val>
+                                            <p:strVal val="#ppt_h"/>
+                                          </p:val>
+                                        </p:tav>
+                                        <p:tav tm="100000">
+                                          <p:val>
+                                            <p:strVal val="#ppt_h"/>
+                                          </p:val>
+                                        </p:tav>
+                                      </p:tavLst>
+                                    </p:anim>
+                                    <p:animEffect transition="in" filter="fade">
+                                      <p:cBhvr>
+                                        <p:cTn id="14" dur="1000"/>
+                                        <p:tgtEl>
+                                          <p:spTgt spid="10"/>
+                                        </p:tgtEl>
+                                      </p:cBhvr>
+                                    </p:animEffect>
+                                  </p:childTnLst>
+                                </p:cTn>
+                              </p:par>
+                            </p:childTnLst>
+                          </p:cTn>
+                        </p:par>
+                      </p:childTnLst>
+                    </p:cTn>
+                  </p:par>
+                  <p:par>
+                    <p:cTn id="15" fill="hold">
+                      <p:stCondLst>
+                        <p:cond delay="indefinite"/>
+                      </p:stCondLst>
+                      <p:childTnLst>
+                        <p:par>
+                          <p:cTn id="16" fill="hold">
+                            <p:stCondLst>
+                              <p:cond delay="0"/>
+                            </p:stCondLst>
+                            <p:childTnLst>
+                              <p:par>
+                                <p:cTn id="17" presetID="2" presetClass="entr" presetSubtype="4" fill="hold" grpId="0" nodeType="clickEffect">
+                                  <p:stCondLst>
+                                    <p:cond delay="0"/>
+                                  </p:stCondLst>
+                                  <p:childTnLst>
+                                    <p:set>
+                                      <p:cBhvr>
+                                        <p:cTn id="18" dur="1" fill="hold">
+                                          <p:stCondLst>
+                                            <p:cond delay="0"/>
+                                          </p:stCondLst>
+                                        </p:cTn>
+                                        <p:tgtEl>
+                                          <p:spTgt spid="3"/>
+                                        </p:tgtEl>
+                                        <p:attrNameLst>
+                                          <p:attrName>style.visibility</p:attrName>
+                                        </p:attrNameLst>
+                                      </p:cBhvr>
+                                      <p:to>
+                                        <p:strVal val="visible"/>
+                                      </p:to>
+                                    </p:set>
+                                    <p:anim calcmode="lin" valueType="num">
+                                      <p:cBhvr additive="base">
+                                        <p:cTn id="19" dur="500" fill="hold"/>
+                                        <p:tgtEl>
+                                          <p:spTgt spid="3"/>
+                                        </p:tgtEl>
+                                        <p:attrNameLst>
+                                          <p:attrName>ppt_x</p:attrName>
+                                        </p:attrNameLst>
+                                      </p:cBhvr>
+                                      <p:tavLst>
+                                        <p:tav tm="0">
+                                          <p:val>
+                                            <p:strVal val="#ppt_x"/>
+                                          </p:val>
+                                        </p:tav>
+                                        <p:tav tm="100000">
+                                          <p:val>
+                                            <p:strVal val="#ppt_x"/>
+                                          </p:val>
+                                        </p:tav>
+                                      </p:tavLst>
+                                    </p:anim>
+                                    <p:anim calcmode="lin" valueType="num">
+                                      <p:cBhvr additive="base">
+                                        <p:cTn id="20" dur="500" fill="hold"/>
+                                        <p:tgtEl>
+                                          <p:spTgt spid="3"/>
+                                        </p:tgtEl>
+                                        <p:attrNameLst>
+                                          <p:attrName>ppt_y</p:attrName>
+                                        </p:attrNameLst>
+                                      </p:cBhvr>
+                                      <p:tavLst>
+                                        <p:tav tm="0">
+                                          <p:val>
+                                            <p:strVal val="1+#ppt_h/2"/>
+                                          </p:val>
+                                        </p:tav>
+                                        <p:tav tm="100000">
+                                          <p:val>
+                                            <p:strVal val="#ppt_y"/>
+                                          </p:val>
+                                        </p:tav>
+                                      </p:tavLst>
+                                    </p:anim>
+                                  </p:childTnLst>
+                                </p:cTn>
+                              </p:par>
+                            </p:childTnLst>
+                          </p:cTn>
+                        </p:par>
+                      </p:childTnLst>
+                    </p:cTn>
+                  </p:par>
+                </p:childTnLst>
+              </p:cTn>
+              <p:prevCondLst>
+                <p:cond evt="onPrev" delay="0">
+                  <p:tgtEl>
+                    <p:sldTgt/>
+                  </p:tgtEl>
+                </p:cond>
+              </p:prevCondLst>
+              <p:nextCondLst>
+                <p:cond evt="onNext" delay="0">
+                  <p:tgtEl>
+                    <p:sldTgt/>
+                  </p:tgtEl>
+                </p:cond>
+              </p:nextCondLst>
+            </p:seq>
+          </p:childTnLst>
+        </p:cTn>
+      </p:par>
+    </p:tnLst>
+    <p:bldLst>
+      <p:bldP spid="9" grpId="0"/>
+      <p:bldP spid="3" grpId="0"/>
+    </p:bldLst>
+  </p:timing>
+</p:sld>
+</file>
+
+<file path=ppt/slides/slide44.xml><?xml version="1.0" encoding="utf-8"?>
+<p:sld xmlns:a="http://schemas.openxmlformats.org/drawingml/2006/main" xmlns:r="http://schemas.openxmlformats.org/officeDocument/2006/relationships" xmlns:p="http://schemas.openxmlformats.org/presentationml/2006/main">
+  <p:cSld>
+    <p:bg>
+      <p:bgPr>
+        <a:solidFill>
+          <a:schemeClr val="bg1"/>
+        </a:solidFill>
+        <a:effectLst/>
+      </p:bgPr>
+    </p:bg>
+    <p:spTree>
+      <p:nvGrpSpPr>
+        <p:cNvPr id="1" name=""/>
+        <p:cNvGrpSpPr/>
+        <p:nvPr/>
+      </p:nvGrpSpPr>
+      <p:grpSpPr>
+        <a:xfrm>
+          <a:off x="0" y="0"/>
+          <a:ext cx="0" cy="0"/>
+          <a:chOff x="0" y="0"/>
+          <a:chExt cx="0" cy="0"/>
+        </a:xfrm>
+      </p:grpSpPr>
+      <p:pic>
+        <p:nvPicPr>
+          <p:cNvPr id="3" name="图片 2" descr="图片包含 天空, 户外, 船&#10;&#10;已生成极高可信度的说明"/>
+          <p:cNvPicPr>
+            <a:picLocks noChangeAspect="1"/>
+          </p:cNvPicPr>
+          <p:nvPr/>
+        </p:nvPicPr>
+        <p:blipFill rotWithShape="1">
+          <a:blip r:embed="rId2" cstate="screen">
+            <a:duotone>
+              <a:prstClr val="black"/>
+              <a:prstClr val="white"/>
+            </a:duotone>
+            <a:extLst>
+              <a:ext uri="{BEBA8EAE-BF5A-486C-A8C5-ECC9F3942E4B}">
+                <a14:imgProps xmlns:a14="http://schemas.microsoft.com/office/drawing/2010/main">
+                  <a14:imgLayer r:embed="rId3">
+                    <a14:imgEffect>
+                      <a14:brightnessContrast contrast="40000"/>
+                    </a14:imgEffect>
+                  </a14:imgLayer>
+                </a14:imgProps>
+              </a:ext>
+              <a:ext uri="{28A0092B-C50C-407E-A947-70E740481C1C}">
+                <a14:useLocalDpi xmlns:a14="http://schemas.microsoft.com/office/drawing/2010/main"/>
+              </a:ext>
+            </a:extLst>
+          </a:blip>
+          <a:srcRect r="4000"/>
+          <a:stretch>
+            <a:fillRect/>
+          </a:stretch>
+        </p:blipFill>
+        <p:spPr>
+          <a:xfrm>
+            <a:off x="20" y="10"/>
+            <a:ext cx="12191980" cy="6857990"/>
+          </a:xfrm>
+          <a:prstGeom prst="rect">
+            <a:avLst/>
+          </a:prstGeom>
+        </p:spPr>
+      </p:pic>
+      <p:sp>
+        <p:nvSpPr>
+          <p:cNvPr id="5" name="椭圆 4"/>
+          <p:cNvSpPr/>
+          <p:nvPr/>
+        </p:nvSpPr>
+        <p:spPr>
+          <a:xfrm>
+            <a:off x="3615055" y="530225"/>
+            <a:ext cx="4716780" cy="4658995"/>
+          </a:xfrm>
+          <a:prstGeom prst="ellipse">
+            <a:avLst/>
+          </a:prstGeom>
+          <a:gradFill>
+            <a:gsLst>
+              <a:gs pos="0">
+                <a:schemeClr val="bg1">
+                  <a:lumMod val="85000"/>
+                  <a:alpha val="62000"/>
+                </a:schemeClr>
+              </a:gs>
+              <a:gs pos="100000">
+                <a:schemeClr val="bg1"/>
+              </a:gs>
+            </a:gsLst>
+            <a:lin ang="5400000" scaled="0"/>
+          </a:gradFill>
+          <a:ln>
+            <a:noFill/>
+          </a:ln>
+        </p:spPr>
+        <p:style>
+          <a:lnRef idx="2">
+            <a:schemeClr val="accent1">
+              <a:shade val="50000"/>
+            </a:schemeClr>
+          </a:lnRef>
+          <a:fillRef idx="1">
+            <a:schemeClr val="accent1"/>
+          </a:fillRef>
+          <a:effectRef idx="0">
+            <a:schemeClr val="accent1"/>
+          </a:effectRef>
+          <a:fontRef idx="minor">
+            <a:schemeClr val="lt1"/>
+          </a:fontRef>
+        </p:style>
+        <p:txBody>
+          <a:bodyPr rtlCol="0" anchor="ctr"/>
+          <a:lstStyle/>
+          <a:p>
+            <a:pPr algn="ctr"/>
+            <a:endParaRPr lang="zh-CN" altLang="en-US">
+              <a:cs typeface="仿宋" panose="02010609060101010101" charset="-122"/>
+            </a:endParaRPr>
+          </a:p>
+        </p:txBody>
+      </p:sp>
+      <p:sp>
+        <p:nvSpPr>
+          <p:cNvPr id="2" name="文本框 1"/>
+          <p:cNvSpPr txBox="1"/>
+          <p:nvPr/>
+        </p:nvSpPr>
+        <p:spPr>
+          <a:xfrm>
+            <a:off x="2929951" y="2027555"/>
+            <a:ext cx="4740787" cy="2214880"/>
+          </a:xfrm>
+          <a:prstGeom prst="rect">
+            <a:avLst/>
+          </a:prstGeom>
+          <a:noFill/>
+        </p:spPr>
+        <p:txBody>
+          <a:bodyPr wrap="square" rtlCol="0">
+            <a:spAutoFit/>
+          </a:bodyPr>
+          <a:lstStyle/>
+          <a:p>
+            <a:pPr algn="ctr"/>
+            <a:r>
+              <a:rPr lang="en-US" altLang="zh-CN" sz="13800" dirty="0">
+                <a:solidFill>
+                  <a:schemeClr val="tx1">
+                    <a:lumMod val="50000"/>
+                    <a:lumOff val="50000"/>
+                  </a:schemeClr>
+                </a:solidFill>
+                <a:latin typeface="仿宋" panose="02010609060101010101" charset="-122"/>
+                <a:ea typeface="仿宋" panose="02010609060101010101" charset="-122"/>
+                <a:cs typeface="+mn-ea"/>
+                <a:sym typeface="+mn-lt"/>
+              </a:rPr>
+              <a:t>05</a:t>
+            </a:r>
+          </a:p>
+        </p:txBody>
+      </p:sp>
+      <p:cxnSp>
+        <p:nvCxnSpPr>
+          <p:cNvPr id="4" name="直接连接符 3"/>
+          <p:cNvCxnSpPr/>
+          <p:nvPr/>
+        </p:nvCxnSpPr>
+        <p:spPr>
+          <a:xfrm>
+            <a:off x="5037393" y="3990340"/>
+            <a:ext cx="7154607" cy="0"/>
+          </a:xfrm>
+          <a:prstGeom prst="line">
+            <a:avLst/>
+          </a:prstGeom>
+          <a:ln w="57150">
+            <a:gradFill>
+              <a:gsLst>
+                <a:gs pos="0">
+                  <a:schemeClr val="bg1">
+                    <a:alpha val="10000"/>
+                  </a:schemeClr>
+                </a:gs>
+                <a:gs pos="90000">
+                  <a:schemeClr val="bg1">
+                    <a:lumMod val="65000"/>
+                    <a:alpha val="44000"/>
+                  </a:schemeClr>
+                </a:gs>
+              </a:gsLst>
+              <a:lin ang="9420000" scaled="1"/>
+            </a:gradFill>
+          </a:ln>
+        </p:spPr>
+        <p:style>
+          <a:lnRef idx="1">
+            <a:schemeClr val="accent1"/>
+          </a:lnRef>
+          <a:fillRef idx="0">
+            <a:schemeClr val="accent1"/>
+          </a:fillRef>
+          <a:effectRef idx="0">
+            <a:schemeClr val="accent1"/>
+          </a:effectRef>
+          <a:fontRef idx="minor">
+            <a:schemeClr val="tx1"/>
+          </a:fontRef>
+        </p:style>
+      </p:cxnSp>
+      <p:sp>
+        <p:nvSpPr>
+          <p:cNvPr id="7" name="任意多边形 18"/>
+          <p:cNvSpPr/>
+          <p:nvPr/>
+        </p:nvSpPr>
+        <p:spPr>
+          <a:xfrm>
+            <a:off x="6405068" y="3231477"/>
+            <a:ext cx="4419256" cy="618508"/>
+          </a:xfrm>
+          <a:custGeom>
+            <a:avLst/>
+            <a:gdLst>
+              <a:gd name="connsiteX0" fmla="*/ 98297 w 589768"/>
+              <a:gd name="connsiteY0" fmla="*/ 0 h 5346192"/>
+              <a:gd name="connsiteX1" fmla="*/ 491471 w 589768"/>
+              <a:gd name="connsiteY1" fmla="*/ 0 h 5346192"/>
+              <a:gd name="connsiteX2" fmla="*/ 589768 w 589768"/>
+              <a:gd name="connsiteY2" fmla="*/ 98297 h 5346192"/>
+              <a:gd name="connsiteX3" fmla="*/ 589768 w 589768"/>
+              <a:gd name="connsiteY3" fmla="*/ 5346192 h 5346192"/>
+              <a:gd name="connsiteX4" fmla="*/ 589768 w 589768"/>
+              <a:gd name="connsiteY4" fmla="*/ 5346192 h 5346192"/>
+              <a:gd name="connsiteX5" fmla="*/ 0 w 589768"/>
+              <a:gd name="connsiteY5" fmla="*/ 5346192 h 5346192"/>
+              <a:gd name="connsiteX6" fmla="*/ 0 w 589768"/>
+              <a:gd name="connsiteY6" fmla="*/ 5346192 h 5346192"/>
+              <a:gd name="connsiteX7" fmla="*/ 0 w 589768"/>
+              <a:gd name="connsiteY7" fmla="*/ 98297 h 5346192"/>
+              <a:gd name="connsiteX8" fmla="*/ 98297 w 589768"/>
+              <a:gd name="connsiteY8" fmla="*/ 0 h 5346192"/>
+            </a:gdLst>
+            <a:ahLst/>
+            <a:cxnLst>
+              <a:cxn ang="0">
+                <a:pos x="connsiteX0" y="connsiteY0"/>
+              </a:cxn>
+              <a:cxn ang="0">
+                <a:pos x="connsiteX1" y="connsiteY1"/>
+              </a:cxn>
+              <a:cxn ang="0">
+                <a:pos x="connsiteX2" y="connsiteY2"/>
+              </a:cxn>
+              <a:cxn ang="0">
+                <a:pos x="connsiteX3" y="connsiteY3"/>
+              </a:cxn>
+              <a:cxn ang="0">
+                <a:pos x="connsiteX4" y="connsiteY4"/>
+              </a:cxn>
+              <a:cxn ang="0">
+                <a:pos x="connsiteX5" y="connsiteY5"/>
+              </a:cxn>
+              <a:cxn ang="0">
+                <a:pos x="connsiteX6" y="connsiteY6"/>
+              </a:cxn>
+              <a:cxn ang="0">
+                <a:pos x="connsiteX7" y="connsiteY7"/>
+              </a:cxn>
+              <a:cxn ang="0">
+                <a:pos x="connsiteX8" y="connsiteY8"/>
+              </a:cxn>
+            </a:cxnLst>
+            <a:rect l="l" t="t" r="r" b="b"/>
+            <a:pathLst>
+              <a:path w="589768" h="5346192">
+                <a:moveTo>
+                  <a:pt x="589768" y="891056"/>
+                </a:moveTo>
+                <a:lnTo>
+                  <a:pt x="589768" y="4455136"/>
+                </a:lnTo>
+                <a:cubicBezTo>
+                  <a:pt x="589768" y="4947251"/>
+                  <a:pt x="584913" y="5346187"/>
+                  <a:pt x="578924" y="5346187"/>
+                </a:cubicBezTo>
+                <a:lnTo>
+                  <a:pt x="0" y="5346187"/>
+                </a:lnTo>
+                <a:lnTo>
+                  <a:pt x="0" y="5346187"/>
+                </a:lnTo>
+                <a:lnTo>
+                  <a:pt x="0" y="5"/>
+                </a:lnTo>
+                <a:lnTo>
+                  <a:pt x="0" y="5"/>
+                </a:lnTo>
+                <a:lnTo>
+                  <a:pt x="578924" y="5"/>
+                </a:lnTo>
+                <a:cubicBezTo>
+                  <a:pt x="584913" y="5"/>
+                  <a:pt x="589768" y="398941"/>
+                  <a:pt x="589768" y="891056"/>
+                </a:cubicBezTo>
+                <a:close/>
+              </a:path>
+            </a:pathLst>
+          </a:custGeom>
+          <a:noFill/>
+          <a:ln>
+            <a:noFill/>
+          </a:ln>
+          <a:effectLst/>
+        </p:spPr>
+        <p:style>
+          <a:lnRef idx="2">
+            <a:schemeClr val="dk2">
+              <a:alpha val="90000"/>
+              <a:tint val="40000"/>
+              <a:hueOff val="0"/>
+              <a:satOff val="0"/>
+              <a:lumOff val="0"/>
+              <a:alphaOff val="0"/>
+            </a:schemeClr>
+          </a:lnRef>
+          <a:fillRef idx="1">
+            <a:schemeClr val="dk2">
+              <a:alpha val="90000"/>
+              <a:tint val="40000"/>
+              <a:hueOff val="0"/>
+              <a:satOff val="0"/>
+              <a:lumOff val="0"/>
+              <a:alphaOff val="0"/>
+            </a:schemeClr>
+          </a:fillRef>
+          <a:effectRef idx="0">
+            <a:schemeClr val="dk2">
+              <a:alpha val="90000"/>
+              <a:tint val="40000"/>
+              <a:hueOff val="0"/>
+              <a:satOff val="0"/>
+              <a:lumOff val="0"/>
+              <a:alphaOff val="0"/>
+            </a:schemeClr>
+          </a:effectRef>
+          <a:fontRef idx="minor">
+            <a:schemeClr val="dk1">
+              <a:hueOff val="0"/>
+              <a:satOff val="0"/>
+              <a:lumOff val="0"/>
+              <a:alphaOff val="0"/>
+            </a:schemeClr>
+          </a:fontRef>
+        </p:style>
+        <p:txBody>
+          <a:bodyPr spcFirstLastPara="0" vert="horz" wrap="square" lIns="247650" tIns="152615" rIns="276440" bIns="152615" numCol="1" spcCol="1270" anchor="ctr" anchorCtr="0">
+            <a:noAutofit/>
+          </a:bodyPr>
+          <a:lstStyle>
+            <a:defPPr>
+              <a:defRPr lang="zh-CN">
+                <a:solidFill>
+                  <a:schemeClr val="dk1">
+                    <a:hueOff val="0"/>
+                    <a:satOff val="0"/>
+                    <a:lumOff val="0"/>
+                    <a:alphaOff val="0"/>
+                  </a:schemeClr>
+                </a:solidFill>
+              </a:defRPr>
+            </a:defPPr>
+            <a:lvl1pPr marL="0" algn="l" defTabSz="914400" rtl="0" eaLnBrk="1" latinLnBrk="0" hangingPunct="1">
+              <a:defRPr sz="1800" kern="1200">
+                <a:solidFill>
+                  <a:schemeClr val="dk1">
+                    <a:hueOff val="0"/>
+                    <a:satOff val="0"/>
+                    <a:lumOff val="0"/>
+                    <a:alphaOff val="0"/>
+                  </a:schemeClr>
+                </a:solidFill>
+                <a:latin typeface="+mn-lt"/>
+                <a:ea typeface="+mn-ea"/>
+                <a:cs typeface="+mn-cs"/>
+              </a:defRPr>
+            </a:lvl1pPr>
+            <a:lvl2pPr marL="457200" algn="l" defTabSz="914400" rtl="0" eaLnBrk="1" latinLnBrk="0" hangingPunct="1">
+              <a:defRPr sz="1800" kern="1200">
+                <a:solidFill>
+                  <a:schemeClr val="dk1">
+                    <a:hueOff val="0"/>
+                    <a:satOff val="0"/>
+                    <a:lumOff val="0"/>
+                    <a:alphaOff val="0"/>
+                  </a:schemeClr>
+                </a:solidFill>
+                <a:latin typeface="+mn-lt"/>
+                <a:ea typeface="+mn-ea"/>
+                <a:cs typeface="+mn-cs"/>
+              </a:defRPr>
+            </a:lvl2pPr>
+            <a:lvl3pPr marL="914400" algn="l" defTabSz="914400" rtl="0" eaLnBrk="1" latinLnBrk="0" hangingPunct="1">
+              <a:defRPr sz="1800" kern="1200">
+                <a:solidFill>
+                  <a:schemeClr val="dk1">
+                    <a:hueOff val="0"/>
+                    <a:satOff val="0"/>
+                    <a:lumOff val="0"/>
+                    <a:alphaOff val="0"/>
+                  </a:schemeClr>
+                </a:solidFill>
+                <a:latin typeface="+mn-lt"/>
+                <a:ea typeface="+mn-ea"/>
+                <a:cs typeface="+mn-cs"/>
+              </a:defRPr>
+            </a:lvl3pPr>
+            <a:lvl4pPr marL="1371600" algn="l" defTabSz="914400" rtl="0" eaLnBrk="1" latinLnBrk="0" hangingPunct="1">
+              <a:defRPr sz="1800" kern="1200">
+                <a:solidFill>
+                  <a:schemeClr val="dk1">
+                    <a:hueOff val="0"/>
+                    <a:satOff val="0"/>
+                    <a:lumOff val="0"/>
+                    <a:alphaOff val="0"/>
+                  </a:schemeClr>
+                </a:solidFill>
+                <a:latin typeface="+mn-lt"/>
+                <a:ea typeface="+mn-ea"/>
+                <a:cs typeface="+mn-cs"/>
+              </a:defRPr>
+            </a:lvl4pPr>
+            <a:lvl5pPr marL="1828800" algn="l" defTabSz="914400" rtl="0" eaLnBrk="1" latinLnBrk="0" hangingPunct="1">
+              <a:defRPr sz="1800" kern="1200">
+                <a:solidFill>
+                  <a:schemeClr val="dk1">
+                    <a:hueOff val="0"/>
+                    <a:satOff val="0"/>
+                    <a:lumOff val="0"/>
+                    <a:alphaOff val="0"/>
+                  </a:schemeClr>
+                </a:solidFill>
+                <a:latin typeface="+mn-lt"/>
+                <a:ea typeface="+mn-ea"/>
+                <a:cs typeface="+mn-cs"/>
+              </a:defRPr>
+            </a:lvl5pPr>
+            <a:lvl6pPr marL="2286000" algn="l" defTabSz="914400" rtl="0" eaLnBrk="1" latinLnBrk="0" hangingPunct="1">
+              <a:defRPr sz="1800" kern="1200">
+                <a:solidFill>
+                  <a:schemeClr val="dk1">
+                    <a:hueOff val="0"/>
+                    <a:satOff val="0"/>
+                    <a:lumOff val="0"/>
+                    <a:alphaOff val="0"/>
+                  </a:schemeClr>
+                </a:solidFill>
+                <a:latin typeface="+mn-lt"/>
+                <a:ea typeface="+mn-ea"/>
+                <a:cs typeface="+mn-cs"/>
+              </a:defRPr>
+            </a:lvl6pPr>
+            <a:lvl7pPr marL="2743200" algn="l" defTabSz="914400" rtl="0" eaLnBrk="1" latinLnBrk="0" hangingPunct="1">
+              <a:defRPr sz="1800" kern="1200">
+                <a:solidFill>
+                  <a:schemeClr val="dk1">
+                    <a:hueOff val="0"/>
+                    <a:satOff val="0"/>
+                    <a:lumOff val="0"/>
+                    <a:alphaOff val="0"/>
+                  </a:schemeClr>
+                </a:solidFill>
+                <a:latin typeface="+mn-lt"/>
+                <a:ea typeface="+mn-ea"/>
+                <a:cs typeface="+mn-cs"/>
+              </a:defRPr>
+            </a:lvl7pPr>
+            <a:lvl8pPr marL="3200400" algn="l" defTabSz="914400" rtl="0" eaLnBrk="1" latinLnBrk="0" hangingPunct="1">
+              <a:defRPr sz="1800" kern="1200">
+                <a:solidFill>
+                  <a:schemeClr val="dk1">
+                    <a:hueOff val="0"/>
+                    <a:satOff val="0"/>
+                    <a:lumOff val="0"/>
+                    <a:alphaOff val="0"/>
+                  </a:schemeClr>
+                </a:solidFill>
+                <a:latin typeface="+mn-lt"/>
+                <a:ea typeface="+mn-ea"/>
+                <a:cs typeface="+mn-cs"/>
+              </a:defRPr>
+            </a:lvl8pPr>
+            <a:lvl9pPr marL="3657600" algn="l" defTabSz="914400" rtl="0" eaLnBrk="1" latinLnBrk="0" hangingPunct="1">
+              <a:defRPr sz="1800" kern="1200">
+                <a:solidFill>
+                  <a:schemeClr val="dk1">
+                    <a:hueOff val="0"/>
+                    <a:satOff val="0"/>
+                    <a:lumOff val="0"/>
+                    <a:alphaOff val="0"/>
+                  </a:schemeClr>
+                </a:solidFill>
+                <a:latin typeface="+mn-lt"/>
+                <a:ea typeface="+mn-ea"/>
+                <a:cs typeface="+mn-cs"/>
+              </a:defRPr>
+            </a:lvl9pPr>
+          </a:lstStyle>
+          <a:p>
+            <a:pPr marL="0" lvl="1" defTabSz="711200">
+              <a:lnSpc>
+                <a:spcPct val="90000"/>
+              </a:lnSpc>
+              <a:spcBef>
+                <a:spcPct val="0"/>
+              </a:spcBef>
+              <a:spcAft>
+                <a:spcPct val="15000"/>
+              </a:spcAft>
+            </a:pPr>
+            <a:r>
+              <a:rPr lang="zh-CN" altLang="en-US" sz="3600" b="1" dirty="0">
+                <a:solidFill>
+                  <a:schemeClr val="tx1">
+                    <a:lumMod val="50000"/>
+                    <a:lumOff val="50000"/>
+                  </a:schemeClr>
+                </a:solidFill>
+                <a:latin typeface="仿宋" panose="02010609060101010101" charset="-122"/>
+                <a:ea typeface="仿宋" panose="02010609060101010101" charset="-122"/>
+                <a:cs typeface="+mn-ea"/>
+                <a:sym typeface="+mn-lt"/>
+              </a:rPr>
+              <a:t>参考资料</a:t>
+            </a:r>
+            <a:endParaRPr lang="zh-CN" altLang="en-US" sz="3600" b="1" dirty="0">
+              <a:solidFill>
+                <a:schemeClr val="bg1">
+                  <a:lumMod val="50000"/>
+                </a:schemeClr>
+              </a:solidFill>
+              <a:latin typeface="仿宋" panose="02010609060101010101" charset="-122"/>
+              <a:ea typeface="仿宋" panose="02010609060101010101" charset="-122"/>
+              <a:cs typeface="+mn-ea"/>
+              <a:sym typeface="+mn-lt"/>
+            </a:endParaRPr>
+          </a:p>
+        </p:txBody>
+      </p:sp>
+    </p:spTree>
+  </p:cSld>
+  <p:clrMapOvr>
+    <a:masterClrMapping/>
+  </p:clrMapOvr>
+  <p:timing>
+    <p:tnLst>
+      <p:par>
+        <p:cTn id="1" dur="indefinite" restart="never" nodeType="tmRoot">
+          <p:childTnLst>
+            <p:seq concurrent="1" nextAc="seek">
+              <p:cTn id="2" dur="indefinite" nodeType="mainSeq">
+                <p:childTnLst>
+                  <p:par>
+                    <p:cTn id="3" fill="hold">
+                      <p:stCondLst>
+                        <p:cond delay="indefinite"/>
+                        <p:cond evt="onBegin" delay="0">
+                          <p:tn val="2"/>
+                        </p:cond>
+                      </p:stCondLst>
+                      <p:childTnLst>
+                        <p:par>
+                          <p:cTn id="4" fill="hold">
+                            <p:stCondLst>
+                              <p:cond delay="0"/>
+                            </p:stCondLst>
+                            <p:childTnLst>
+                              <p:par>
+                                <p:cTn id="5" presetID="20" presetClass="entr" presetSubtype="0" fill="hold" grpId="0" nodeType="afterEffect">
+                                  <p:stCondLst>
+                                    <p:cond delay="0"/>
+                                  </p:stCondLst>
+                                  <p:childTnLst>
+                                    <p:set>
+                                      <p:cBhvr>
+                                        <p:cTn id="6" dur="1" fill="hold">
+                                          <p:stCondLst>
+                                            <p:cond delay="0"/>
+                                          </p:stCondLst>
+                                        </p:cTn>
+                                        <p:tgtEl>
+                                          <p:spTgt spid="5"/>
+                                        </p:tgtEl>
+                                        <p:attrNameLst>
+                                          <p:attrName>style.visibility</p:attrName>
+                                        </p:attrNameLst>
+                                      </p:cBhvr>
+                                      <p:to>
+                                        <p:strVal val="visible"/>
+                                      </p:to>
+                                    </p:set>
+                                    <p:animEffect transition="in" filter="wedge">
+                                      <p:cBhvr>
+                                        <p:cTn id="7" dur="2000"/>
+                                        <p:tgtEl>
+                                          <p:spTgt spid="5"/>
+                                        </p:tgtEl>
+                                      </p:cBhvr>
+                                    </p:animEffect>
+                                  </p:childTnLst>
+                                </p:cTn>
+                              </p:par>
+                            </p:childTnLst>
+                          </p:cTn>
+                        </p:par>
+                        <p:par>
+                          <p:cTn id="8" fill="hold">
+                            <p:stCondLst>
+                              <p:cond delay="2000"/>
+                            </p:stCondLst>
+                            <p:childTnLst>
+                              <p:par>
+                                <p:cTn id="9" presetID="55" presetClass="entr" presetSubtype="0" fill="hold" grpId="0" nodeType="afterEffect">
+                                  <p:stCondLst>
+                                    <p:cond delay="0"/>
+                                  </p:stCondLst>
+                                  <p:childTnLst>
+                                    <p:set>
+                                      <p:cBhvr>
+                                        <p:cTn id="10" dur="1" fill="hold">
+                                          <p:stCondLst>
+                                            <p:cond delay="0"/>
+                                          </p:stCondLst>
+                                        </p:cTn>
+                                        <p:tgtEl>
+                                          <p:spTgt spid="2"/>
+                                        </p:tgtEl>
+                                        <p:attrNameLst>
+                                          <p:attrName>style.visibility</p:attrName>
+                                        </p:attrNameLst>
+                                      </p:cBhvr>
+                                      <p:to>
+                                        <p:strVal val="visible"/>
+                                      </p:to>
+                                    </p:set>
+                                    <p:anim calcmode="lin" valueType="num">
+                                      <p:cBhvr>
+                                        <p:cTn id="11" dur="1000" fill="hold"/>
+                                        <p:tgtEl>
+                                          <p:spTgt spid="2"/>
+                                        </p:tgtEl>
+                                        <p:attrNameLst>
+                                          <p:attrName>ppt_w</p:attrName>
+                                        </p:attrNameLst>
+                                      </p:cBhvr>
+                                      <p:tavLst>
+                                        <p:tav tm="0">
+                                          <p:val>
+                                            <p:strVal val="#ppt_w*0.70"/>
+                                          </p:val>
+                                        </p:tav>
+                                        <p:tav tm="100000">
+                                          <p:val>
+                                            <p:strVal val="#ppt_w"/>
+                                          </p:val>
+                                        </p:tav>
+                                      </p:tavLst>
+                                    </p:anim>
+                                    <p:anim calcmode="lin" valueType="num">
+                                      <p:cBhvr>
+                                        <p:cTn id="12" dur="1000" fill="hold"/>
+                                        <p:tgtEl>
+                                          <p:spTgt spid="2"/>
+                                        </p:tgtEl>
+                                        <p:attrNameLst>
+                                          <p:attrName>ppt_h</p:attrName>
+                                        </p:attrNameLst>
+                                      </p:cBhvr>
+                                      <p:tavLst>
+                                        <p:tav tm="0">
+                                          <p:val>
+                                            <p:strVal val="#ppt_h"/>
+                                          </p:val>
+                                        </p:tav>
+                                        <p:tav tm="100000">
+                                          <p:val>
+                                            <p:strVal val="#ppt_h"/>
+                                          </p:val>
+                                        </p:tav>
+                                      </p:tavLst>
+                                    </p:anim>
+                                    <p:animEffect transition="in" filter="fade">
+                                      <p:cBhvr>
+                                        <p:cTn id="13" dur="1000"/>
+                                        <p:tgtEl>
+                                          <p:spTgt spid="2"/>
+                                        </p:tgtEl>
+                                      </p:cBhvr>
+                                    </p:animEffect>
+                                  </p:childTnLst>
+                                </p:cTn>
+                              </p:par>
+                              <p:par>
+                                <p:cTn id="14" presetID="55" presetClass="entr" presetSubtype="0" fill="hold" grpId="0" nodeType="withEffect">
+                                  <p:stCondLst>
+                                    <p:cond delay="0"/>
+                                  </p:stCondLst>
+                                  <p:childTnLst>
+                                    <p:set>
+                                      <p:cBhvr>
+                                        <p:cTn id="15" dur="1" fill="hold">
+                                          <p:stCondLst>
+                                            <p:cond delay="0"/>
+                                          </p:stCondLst>
+                                        </p:cTn>
+                                        <p:tgtEl>
+                                          <p:spTgt spid="7"/>
+                                        </p:tgtEl>
+                                        <p:attrNameLst>
+                                          <p:attrName>style.visibility</p:attrName>
+                                        </p:attrNameLst>
+                                      </p:cBhvr>
+                                      <p:to>
+                                        <p:strVal val="visible"/>
+                                      </p:to>
+                                    </p:set>
+                                    <p:anim calcmode="lin" valueType="num">
+                                      <p:cBhvr>
+                                        <p:cTn id="16" dur="1000" fill="hold"/>
+                                        <p:tgtEl>
+                                          <p:spTgt spid="7"/>
+                                        </p:tgtEl>
+                                        <p:attrNameLst>
+                                          <p:attrName>ppt_w</p:attrName>
+                                        </p:attrNameLst>
+                                      </p:cBhvr>
+                                      <p:tavLst>
+                                        <p:tav tm="0">
+                                          <p:val>
+                                            <p:strVal val="#ppt_w*0.70"/>
+                                          </p:val>
+                                        </p:tav>
+                                        <p:tav tm="100000">
+                                          <p:val>
+                                            <p:strVal val="#ppt_w"/>
+                                          </p:val>
+                                        </p:tav>
+                                      </p:tavLst>
+                                    </p:anim>
+                                    <p:anim calcmode="lin" valueType="num">
+                                      <p:cBhvr>
+                                        <p:cTn id="17" dur="1000" fill="hold"/>
+                                        <p:tgtEl>
+                                          <p:spTgt spid="7"/>
+                                        </p:tgtEl>
+                                        <p:attrNameLst>
+                                          <p:attrName>ppt_h</p:attrName>
+                                        </p:attrNameLst>
+                                      </p:cBhvr>
+                                      <p:tavLst>
+                                        <p:tav tm="0">
+                                          <p:val>
+                                            <p:strVal val="#ppt_h"/>
+                                          </p:val>
+                                        </p:tav>
+                                        <p:tav tm="100000">
+                                          <p:val>
+                                            <p:strVal val="#ppt_h"/>
+                                          </p:val>
+                                        </p:tav>
+                                      </p:tavLst>
+                                    </p:anim>
+                                    <p:animEffect transition="in" filter="fade">
+                                      <p:cBhvr>
+                                        <p:cTn id="18" dur="1000"/>
+                                        <p:tgtEl>
+                                          <p:spTgt spid="7"/>
+                                        </p:tgtEl>
+                                      </p:cBhvr>
+                                    </p:animEffect>
+                                  </p:childTnLst>
+                                </p:cTn>
+                              </p:par>
+                            </p:childTnLst>
+                          </p:cTn>
+                        </p:par>
+                        <p:par>
+                          <p:cTn id="19" fill="hold">
+                            <p:stCondLst>
+                              <p:cond delay="3000"/>
+                            </p:stCondLst>
+                            <p:childTnLst>
+                              <p:par>
+                                <p:cTn id="20" presetID="20" presetClass="entr" presetSubtype="0" fill="hold" nodeType="afterEffect">
+                                  <p:stCondLst>
+                                    <p:cond delay="0"/>
+                                  </p:stCondLst>
+                                  <p:childTnLst>
+                                    <p:set>
+                                      <p:cBhvr>
+                                        <p:cTn id="21" dur="1" fill="hold">
+                                          <p:stCondLst>
+                                            <p:cond delay="0"/>
+                                          </p:stCondLst>
+                                        </p:cTn>
+                                        <p:tgtEl>
+                                          <p:spTgt spid="4"/>
+                                        </p:tgtEl>
+                                        <p:attrNameLst>
+                                          <p:attrName>style.visibility</p:attrName>
+                                        </p:attrNameLst>
+                                      </p:cBhvr>
+                                      <p:to>
+                                        <p:strVal val="visible"/>
+                                      </p:to>
+                                    </p:set>
+                                    <p:animEffect transition="in" filter="wedge">
+                                      <p:cBhvr>
+                                        <p:cTn id="22" dur="2000"/>
+                                        <p:tgtEl>
+                                          <p:spTgt spid="4"/>
+                                        </p:tgtEl>
+                                      </p:cBhvr>
+                                    </p:animEffect>
+                                  </p:childTnLst>
+                                </p:cTn>
+                              </p:par>
+                            </p:childTnLst>
+                          </p:cTn>
+                        </p:par>
+                      </p:childTnLst>
+                    </p:cTn>
+                  </p:par>
+                </p:childTnLst>
+              </p:cTn>
+              <p:prevCondLst>
+                <p:cond evt="onPrev" delay="0">
+                  <p:tgtEl>
+                    <p:sldTgt/>
+                  </p:tgtEl>
+                </p:cond>
+              </p:prevCondLst>
+              <p:nextCondLst>
+                <p:cond evt="onNext" delay="0">
+                  <p:tgtEl>
+                    <p:sldTgt/>
+                  </p:tgtEl>
+                </p:cond>
+              </p:nextCondLst>
+            </p:seq>
+          </p:childTnLst>
+        </p:cTn>
+      </p:par>
+    </p:tnLst>
+    <p:bldLst>
+      <p:bldP spid="5" grpId="0" bldLvl="0" animBg="1"/>
+      <p:bldP spid="2" grpId="0"/>
+      <p:bldP spid="7" grpId="0" bldLvl="0" animBg="1"/>
+    </p:bldLst>
+  </p:timing>
+</p:sld>
+</file>
+
+<file path=ppt/slides/slide45.xml><?xml version="1.0" encoding="utf-8"?>
+<p:sld xmlns:a="http://schemas.openxmlformats.org/drawingml/2006/main" xmlns:r="http://schemas.openxmlformats.org/officeDocument/2006/relationships" xmlns:p="http://schemas.openxmlformats.org/presentationml/2006/main">
+  <p:cSld>
+    <p:spTree>
+      <p:nvGrpSpPr>
+        <p:cNvPr id="1" name=""/>
+        <p:cNvGrpSpPr/>
+        <p:nvPr/>
+      </p:nvGrpSpPr>
+      <p:grpSpPr>
+        <a:xfrm>
+          <a:off x="0" y="0"/>
+          <a:ext cx="0" cy="0"/>
+          <a:chOff x="0" y="0"/>
+          <a:chExt cx="0" cy="0"/>
+        </a:xfrm>
+      </p:grpSpPr>
+      <p:grpSp>
+        <p:nvGrpSpPr>
+          <p:cNvPr id="12" name="组合 11"/>
+          <p:cNvGrpSpPr/>
+          <p:nvPr/>
+        </p:nvGrpSpPr>
+        <p:grpSpPr>
+          <a:xfrm>
+            <a:off x="819150" y="304165"/>
+            <a:ext cx="803910" cy="946785"/>
+            <a:chOff x="7448" y="3202"/>
+            <a:chExt cx="2827" cy="3146"/>
+          </a:xfrm>
+        </p:grpSpPr>
+        <p:cxnSp>
+          <p:nvCxnSpPr>
+            <p:cNvPr id="5" name="直接连接符 4"/>
+            <p:cNvCxnSpPr/>
+            <p:nvPr/>
+          </p:nvCxnSpPr>
+          <p:spPr>
+            <a:xfrm flipH="1">
+              <a:off x="7448" y="3324"/>
+              <a:ext cx="2721" cy="3025"/>
+            </a:xfrm>
+            <a:prstGeom prst="line">
+              <a:avLst/>
+            </a:prstGeom>
+            <a:ln>
+              <a:gradFill>
+                <a:gsLst>
+                  <a:gs pos="0">
+                    <a:schemeClr val="bg1"/>
+                  </a:gs>
+                  <a:gs pos="74000">
+                    <a:schemeClr val="bg1">
+                      <a:lumMod val="65000"/>
+                    </a:schemeClr>
+                  </a:gs>
+                </a:gsLst>
+                <a:lin ang="15720000" scaled="1"/>
+              </a:gradFill>
+            </a:ln>
+          </p:spPr>
+          <p:style>
+            <a:lnRef idx="1">
+              <a:schemeClr val="accent1"/>
+            </a:lnRef>
+            <a:fillRef idx="0">
+              <a:schemeClr val="accent1"/>
+            </a:fillRef>
+            <a:effectRef idx="0">
+              <a:schemeClr val="accent1"/>
+            </a:effectRef>
+            <a:fontRef idx="minor">
+              <a:schemeClr val="tx1"/>
+            </a:fontRef>
+          </p:style>
+        </p:cxnSp>
+        <p:sp>
+          <p:nvSpPr>
+            <p:cNvPr id="8" name="椭圆 7"/>
+            <p:cNvSpPr/>
+            <p:nvPr/>
+          </p:nvSpPr>
+          <p:spPr>
+            <a:xfrm>
+              <a:off x="10077" y="3202"/>
+              <a:ext cx="198" cy="213"/>
+            </a:xfrm>
+            <a:prstGeom prst="ellipse">
+              <a:avLst/>
+            </a:prstGeom>
+            <a:solidFill>
+              <a:schemeClr val="bg1">
+                <a:lumMod val="65000"/>
+              </a:schemeClr>
+            </a:solidFill>
+            <a:ln>
+              <a:noFill/>
+            </a:ln>
+          </p:spPr>
+          <p:style>
+            <a:lnRef idx="2">
+              <a:schemeClr val="accent1">
+                <a:shade val="50000"/>
+              </a:schemeClr>
+            </a:lnRef>
+            <a:fillRef idx="1">
+              <a:schemeClr val="accent1"/>
+            </a:fillRef>
+            <a:effectRef idx="0">
+              <a:schemeClr val="accent1"/>
+            </a:effectRef>
+            <a:fontRef idx="minor">
+              <a:schemeClr val="lt1"/>
+            </a:fontRef>
+          </p:style>
+          <p:txBody>
+            <a:bodyPr rtlCol="0" anchor="ctr"/>
+            <a:lstStyle/>
+            <a:p>
+              <a:pPr algn="ctr"/>
+              <a:endParaRPr lang="zh-CN" altLang="en-US">
+                <a:cs typeface="仿宋" panose="02010609060101010101" charset="-122"/>
+              </a:endParaRPr>
+            </a:p>
+          </p:txBody>
+        </p:sp>
+      </p:grpSp>
+      <p:sp>
+        <p:nvSpPr>
+          <p:cNvPr id="4" name="文本框 3"/>
+          <p:cNvSpPr txBox="1"/>
+          <p:nvPr/>
+        </p:nvSpPr>
+        <p:spPr>
+          <a:xfrm>
+            <a:off x="439360" y="340995"/>
+            <a:ext cx="800219" cy="461665"/>
+          </a:xfrm>
+          <a:prstGeom prst="rect">
+            <a:avLst/>
+          </a:prstGeom>
+          <a:noFill/>
+        </p:spPr>
+        <p:txBody>
+          <a:bodyPr wrap="none" rtlCol="0" anchor="t">
+            <a:spAutoFit/>
+          </a:bodyPr>
+          <a:lstStyle/>
+          <a:p>
+            <a:pPr algn="ctr"/>
+            <a:r>
+              <a:rPr lang="en-US" altLang="zh-CN" sz="2400" dirty="0">
+                <a:solidFill>
+                  <a:schemeClr val="tx1">
+                    <a:lumMod val="50000"/>
+                    <a:lumOff val="50000"/>
+                  </a:schemeClr>
+                </a:solidFill>
+                <a:latin typeface="仿宋" panose="02010609060101010101" charset="-122"/>
+                <a:ea typeface="仿宋" panose="02010609060101010101" charset="-122"/>
+                <a:cs typeface="仿宋" panose="02010609060101010101" charset="-122"/>
+                <a:sym typeface="+mn-lt"/>
+              </a:rPr>
+              <a:t>five</a:t>
+            </a:r>
+            <a:endParaRPr lang="en-US" sz="2400" dirty="0">
+              <a:solidFill>
+                <a:schemeClr val="tx1">
+                  <a:lumMod val="50000"/>
+                  <a:lumOff val="50000"/>
+                </a:schemeClr>
+              </a:solidFill>
+              <a:latin typeface="仿宋" panose="02010609060101010101" charset="-122"/>
+              <a:ea typeface="仿宋" panose="02010609060101010101" charset="-122"/>
+              <a:cs typeface="仿宋" panose="02010609060101010101" charset="-122"/>
+              <a:sym typeface="+mn-lt"/>
+            </a:endParaRPr>
+          </a:p>
+        </p:txBody>
+      </p:sp>
+      <p:sp>
+        <p:nvSpPr>
+          <p:cNvPr id="7" name="任意多边形 18"/>
+          <p:cNvSpPr/>
+          <p:nvPr/>
+        </p:nvSpPr>
+        <p:spPr>
+          <a:xfrm>
+            <a:off x="1738453" y="304127"/>
+            <a:ext cx="4419256" cy="618508"/>
+          </a:xfrm>
+          <a:custGeom>
+            <a:avLst/>
+            <a:gdLst>
+              <a:gd name="connsiteX0" fmla="*/ 98297 w 589768"/>
+              <a:gd name="connsiteY0" fmla="*/ 0 h 5346192"/>
+              <a:gd name="connsiteX1" fmla="*/ 491471 w 589768"/>
+              <a:gd name="connsiteY1" fmla="*/ 0 h 5346192"/>
+              <a:gd name="connsiteX2" fmla="*/ 589768 w 589768"/>
+              <a:gd name="connsiteY2" fmla="*/ 98297 h 5346192"/>
+              <a:gd name="connsiteX3" fmla="*/ 589768 w 589768"/>
+              <a:gd name="connsiteY3" fmla="*/ 5346192 h 5346192"/>
+              <a:gd name="connsiteX4" fmla="*/ 589768 w 589768"/>
+              <a:gd name="connsiteY4" fmla="*/ 5346192 h 5346192"/>
+              <a:gd name="connsiteX5" fmla="*/ 0 w 589768"/>
+              <a:gd name="connsiteY5" fmla="*/ 5346192 h 5346192"/>
+              <a:gd name="connsiteX6" fmla="*/ 0 w 589768"/>
+              <a:gd name="connsiteY6" fmla="*/ 5346192 h 5346192"/>
+              <a:gd name="connsiteX7" fmla="*/ 0 w 589768"/>
+              <a:gd name="connsiteY7" fmla="*/ 98297 h 5346192"/>
+              <a:gd name="connsiteX8" fmla="*/ 98297 w 589768"/>
+              <a:gd name="connsiteY8" fmla="*/ 0 h 5346192"/>
+            </a:gdLst>
+            <a:ahLst/>
+            <a:cxnLst>
+              <a:cxn ang="0">
+                <a:pos x="connsiteX0" y="connsiteY0"/>
+              </a:cxn>
+              <a:cxn ang="0">
+                <a:pos x="connsiteX1" y="connsiteY1"/>
+              </a:cxn>
+              <a:cxn ang="0">
+                <a:pos x="connsiteX2" y="connsiteY2"/>
+              </a:cxn>
+              <a:cxn ang="0">
+                <a:pos x="connsiteX3" y="connsiteY3"/>
+              </a:cxn>
+              <a:cxn ang="0">
+                <a:pos x="connsiteX4" y="connsiteY4"/>
+              </a:cxn>
+              <a:cxn ang="0">
+                <a:pos x="connsiteX5" y="connsiteY5"/>
+              </a:cxn>
+              <a:cxn ang="0">
+                <a:pos x="connsiteX6" y="connsiteY6"/>
+              </a:cxn>
+              <a:cxn ang="0">
+                <a:pos x="connsiteX7" y="connsiteY7"/>
+              </a:cxn>
+              <a:cxn ang="0">
+                <a:pos x="connsiteX8" y="connsiteY8"/>
+              </a:cxn>
+            </a:cxnLst>
+            <a:rect l="l" t="t" r="r" b="b"/>
+            <a:pathLst>
+              <a:path w="589768" h="5346192">
+                <a:moveTo>
+                  <a:pt x="589768" y="891056"/>
+                </a:moveTo>
+                <a:lnTo>
+                  <a:pt x="589768" y="4455136"/>
+                </a:lnTo>
+                <a:cubicBezTo>
+                  <a:pt x="589768" y="4947251"/>
+                  <a:pt x="584913" y="5346187"/>
+                  <a:pt x="578924" y="5346187"/>
+                </a:cubicBezTo>
+                <a:lnTo>
+                  <a:pt x="0" y="5346187"/>
+                </a:lnTo>
+                <a:lnTo>
+                  <a:pt x="0" y="5346187"/>
+                </a:lnTo>
+                <a:lnTo>
+                  <a:pt x="0" y="5"/>
+                </a:lnTo>
+                <a:lnTo>
+                  <a:pt x="0" y="5"/>
+                </a:lnTo>
+                <a:lnTo>
+                  <a:pt x="578924" y="5"/>
+                </a:lnTo>
+                <a:cubicBezTo>
+                  <a:pt x="584913" y="5"/>
+                  <a:pt x="589768" y="398941"/>
+                  <a:pt x="589768" y="891056"/>
+                </a:cubicBezTo>
+                <a:close/>
+              </a:path>
+            </a:pathLst>
+          </a:custGeom>
+          <a:noFill/>
+          <a:ln>
+            <a:noFill/>
+          </a:ln>
+          <a:effectLst/>
+        </p:spPr>
+        <p:style>
+          <a:lnRef idx="2">
+            <a:schemeClr val="dk2">
+              <a:alpha val="90000"/>
+              <a:tint val="40000"/>
+              <a:hueOff val="0"/>
+              <a:satOff val="0"/>
+              <a:lumOff val="0"/>
+              <a:alphaOff val="0"/>
+            </a:schemeClr>
+          </a:lnRef>
+          <a:fillRef idx="1">
+            <a:schemeClr val="dk2">
+              <a:alpha val="90000"/>
+              <a:tint val="40000"/>
+              <a:hueOff val="0"/>
+              <a:satOff val="0"/>
+              <a:lumOff val="0"/>
+              <a:alphaOff val="0"/>
+            </a:schemeClr>
+          </a:fillRef>
+          <a:effectRef idx="0">
+            <a:schemeClr val="dk2">
+              <a:alpha val="90000"/>
+              <a:tint val="40000"/>
+              <a:hueOff val="0"/>
+              <a:satOff val="0"/>
+              <a:lumOff val="0"/>
+              <a:alphaOff val="0"/>
+            </a:schemeClr>
+          </a:effectRef>
+          <a:fontRef idx="minor">
+            <a:schemeClr val="dk1">
+              <a:hueOff val="0"/>
+              <a:satOff val="0"/>
+              <a:lumOff val="0"/>
+              <a:alphaOff val="0"/>
+            </a:schemeClr>
+          </a:fontRef>
+        </p:style>
+        <p:txBody>
+          <a:bodyPr spcFirstLastPara="0" vert="horz" wrap="square" lIns="247650" tIns="152615" rIns="276440" bIns="152615" numCol="1" spcCol="1270" anchor="ctr" anchorCtr="0">
+            <a:noAutofit/>
+          </a:bodyPr>
+          <a:lstStyle>
+            <a:defPPr>
+              <a:defRPr lang="zh-CN">
+                <a:solidFill>
+                  <a:schemeClr val="dk1">
+                    <a:hueOff val="0"/>
+                    <a:satOff val="0"/>
+                    <a:lumOff val="0"/>
+                    <a:alphaOff val="0"/>
+                  </a:schemeClr>
+                </a:solidFill>
+              </a:defRPr>
+            </a:defPPr>
+            <a:lvl1pPr marL="0" algn="l" defTabSz="914400" rtl="0" eaLnBrk="1" latinLnBrk="0" hangingPunct="1">
+              <a:defRPr sz="1800" kern="1200">
+                <a:solidFill>
+                  <a:schemeClr val="dk1">
+                    <a:hueOff val="0"/>
+                    <a:satOff val="0"/>
+                    <a:lumOff val="0"/>
+                    <a:alphaOff val="0"/>
+                  </a:schemeClr>
+                </a:solidFill>
+                <a:latin typeface="+mn-lt"/>
+                <a:ea typeface="+mn-ea"/>
+                <a:cs typeface="+mn-cs"/>
+              </a:defRPr>
+            </a:lvl1pPr>
+            <a:lvl2pPr marL="457200" algn="l" defTabSz="914400" rtl="0" eaLnBrk="1" latinLnBrk="0" hangingPunct="1">
+              <a:defRPr sz="1800" kern="1200">
+                <a:solidFill>
+                  <a:schemeClr val="dk1">
+                    <a:hueOff val="0"/>
+                    <a:satOff val="0"/>
+                    <a:lumOff val="0"/>
+                    <a:alphaOff val="0"/>
+                  </a:schemeClr>
+                </a:solidFill>
+                <a:latin typeface="+mn-lt"/>
+                <a:ea typeface="+mn-ea"/>
+                <a:cs typeface="+mn-cs"/>
+              </a:defRPr>
+            </a:lvl2pPr>
+            <a:lvl3pPr marL="914400" algn="l" defTabSz="914400" rtl="0" eaLnBrk="1" latinLnBrk="0" hangingPunct="1">
+              <a:defRPr sz="1800" kern="1200">
+                <a:solidFill>
+                  <a:schemeClr val="dk1">
+                    <a:hueOff val="0"/>
+                    <a:satOff val="0"/>
+                    <a:lumOff val="0"/>
+                    <a:alphaOff val="0"/>
+                  </a:schemeClr>
+                </a:solidFill>
+                <a:latin typeface="+mn-lt"/>
+                <a:ea typeface="+mn-ea"/>
+                <a:cs typeface="+mn-cs"/>
+              </a:defRPr>
+            </a:lvl3pPr>
+            <a:lvl4pPr marL="1371600" algn="l" defTabSz="914400" rtl="0" eaLnBrk="1" latinLnBrk="0" hangingPunct="1">
+              <a:defRPr sz="1800" kern="1200">
+                <a:solidFill>
+                  <a:schemeClr val="dk1">
+                    <a:hueOff val="0"/>
+                    <a:satOff val="0"/>
+                    <a:lumOff val="0"/>
+                    <a:alphaOff val="0"/>
+                  </a:schemeClr>
+                </a:solidFill>
+                <a:latin typeface="+mn-lt"/>
+                <a:ea typeface="+mn-ea"/>
+                <a:cs typeface="+mn-cs"/>
+              </a:defRPr>
+            </a:lvl4pPr>
+            <a:lvl5pPr marL="1828800" algn="l" defTabSz="914400" rtl="0" eaLnBrk="1" latinLnBrk="0" hangingPunct="1">
+              <a:defRPr sz="1800" kern="1200">
+                <a:solidFill>
+                  <a:schemeClr val="dk1">
+                    <a:hueOff val="0"/>
+                    <a:satOff val="0"/>
+                    <a:lumOff val="0"/>
+                    <a:alphaOff val="0"/>
+                  </a:schemeClr>
+                </a:solidFill>
+                <a:latin typeface="+mn-lt"/>
+                <a:ea typeface="+mn-ea"/>
+                <a:cs typeface="+mn-cs"/>
+              </a:defRPr>
+            </a:lvl5pPr>
+            <a:lvl6pPr marL="2286000" algn="l" defTabSz="914400" rtl="0" eaLnBrk="1" latinLnBrk="0" hangingPunct="1">
+              <a:defRPr sz="1800" kern="1200">
+                <a:solidFill>
+                  <a:schemeClr val="dk1">
+                    <a:hueOff val="0"/>
+                    <a:satOff val="0"/>
+                    <a:lumOff val="0"/>
+                    <a:alphaOff val="0"/>
+                  </a:schemeClr>
+                </a:solidFill>
+                <a:latin typeface="+mn-lt"/>
+                <a:ea typeface="+mn-ea"/>
+                <a:cs typeface="+mn-cs"/>
+              </a:defRPr>
+            </a:lvl6pPr>
+            <a:lvl7pPr marL="2743200" algn="l" defTabSz="914400" rtl="0" eaLnBrk="1" latinLnBrk="0" hangingPunct="1">
+              <a:defRPr sz="1800" kern="1200">
+                <a:solidFill>
+                  <a:schemeClr val="dk1">
+                    <a:hueOff val="0"/>
+                    <a:satOff val="0"/>
+                    <a:lumOff val="0"/>
+                    <a:alphaOff val="0"/>
+                  </a:schemeClr>
+                </a:solidFill>
+                <a:latin typeface="+mn-lt"/>
+                <a:ea typeface="+mn-ea"/>
+                <a:cs typeface="+mn-cs"/>
+              </a:defRPr>
+            </a:lvl7pPr>
+            <a:lvl8pPr marL="3200400" algn="l" defTabSz="914400" rtl="0" eaLnBrk="1" latinLnBrk="0" hangingPunct="1">
+              <a:defRPr sz="1800" kern="1200">
+                <a:solidFill>
+                  <a:schemeClr val="dk1">
+                    <a:hueOff val="0"/>
+                    <a:satOff val="0"/>
+                    <a:lumOff val="0"/>
+                    <a:alphaOff val="0"/>
+                  </a:schemeClr>
+                </a:solidFill>
+                <a:latin typeface="+mn-lt"/>
+                <a:ea typeface="+mn-ea"/>
+                <a:cs typeface="+mn-cs"/>
+              </a:defRPr>
+            </a:lvl8pPr>
+            <a:lvl9pPr marL="3657600" algn="l" defTabSz="914400" rtl="0" eaLnBrk="1" latinLnBrk="0" hangingPunct="1">
+              <a:defRPr sz="1800" kern="1200">
+                <a:solidFill>
+                  <a:schemeClr val="dk1">
+                    <a:hueOff val="0"/>
+                    <a:satOff val="0"/>
+                    <a:lumOff val="0"/>
+                    <a:alphaOff val="0"/>
+                  </a:schemeClr>
+                </a:solidFill>
+                <a:latin typeface="+mn-lt"/>
+                <a:ea typeface="+mn-ea"/>
+                <a:cs typeface="+mn-cs"/>
+              </a:defRPr>
+            </a:lvl9pPr>
+          </a:lstStyle>
+          <a:p>
+            <a:pPr marL="0" lvl="1" defTabSz="711200">
+              <a:lnSpc>
+                <a:spcPct val="90000"/>
+              </a:lnSpc>
+              <a:spcBef>
+                <a:spcPct val="0"/>
+              </a:spcBef>
+              <a:spcAft>
+                <a:spcPct val="15000"/>
+              </a:spcAft>
+            </a:pPr>
+            <a:r>
+              <a:rPr lang="zh-CN" altLang="en-US" sz="2400" b="1" dirty="0">
+                <a:solidFill>
+                  <a:schemeClr val="bg1">
+                    <a:lumMod val="50000"/>
+                  </a:schemeClr>
+                </a:solidFill>
+                <a:latin typeface="仿宋" panose="02010609060101010101" charset="-122"/>
+                <a:ea typeface="仿宋" panose="02010609060101010101" charset="-122"/>
+                <a:cs typeface="+mn-ea"/>
+                <a:sym typeface="+mn-lt"/>
+              </a:rPr>
               <a:t>参考资料</a:t>
             </a:r>
             <a:r>
@@ -33093,7 +41576,7 @@
 </p:sld>
 </file>
 
-<file path=ppt/slides/slide39.xml><?xml version="1.0" encoding="utf-8"?>
+<file path=ppt/slides/slide46.xml><?xml version="1.0" encoding="utf-8"?>
 <p:sld xmlns:a="http://schemas.openxmlformats.org/drawingml/2006/main" xmlns:r="http://schemas.openxmlformats.org/officeDocument/2006/relationships" xmlns:p="http://schemas.openxmlformats.org/presentationml/2006/main">
   <p:cSld>
     <p:spTree>
@@ -33228,7 +41711,7 @@
         </p:nvSpPr>
         <p:spPr>
           <a:xfrm>
-            <a:off x="439360" y="340995"/>
+            <a:off x="419040" y="304127"/>
             <a:ext cx="800219" cy="461665"/>
           </a:xfrm>
           <a:prstGeom prst="rect">
@@ -33256,7 +41739,7 @@
                 <a:cs typeface="仿宋" panose="02010609060101010101" charset="-122"/>
                 <a:sym typeface="+mn-lt"/>
               </a:rPr>
-              <a:t>four</a:t>
+              <a:t>five</a:t>
             </a:r>
             <a:endParaRPr lang="en-US" sz="2400" dirty="0">
               <a:solidFill>
@@ -34732,695 +43215,7 @@
 </p:sld>
 </file>
 
-<file path=ppt/slides/slide4.xml><?xml version="1.0" encoding="utf-8"?>
-<p:sld xmlns:a="http://schemas.openxmlformats.org/drawingml/2006/main" xmlns:r="http://schemas.openxmlformats.org/officeDocument/2006/relationships" xmlns:p="http://schemas.openxmlformats.org/presentationml/2006/main">
-  <p:cSld>
-    <p:spTree>
-      <p:nvGrpSpPr>
-        <p:cNvPr id="1" name=""/>
-        <p:cNvGrpSpPr/>
-        <p:nvPr/>
-      </p:nvGrpSpPr>
-      <p:grpSpPr>
-        <a:xfrm>
-          <a:off x="0" y="0"/>
-          <a:ext cx="0" cy="0"/>
-          <a:chOff x="0" y="0"/>
-          <a:chExt cx="0" cy="0"/>
-        </a:xfrm>
-      </p:grpSpPr>
-      <p:grpSp>
-        <p:nvGrpSpPr>
-          <p:cNvPr id="12" name="组合 11"/>
-          <p:cNvGrpSpPr/>
-          <p:nvPr/>
-        </p:nvGrpSpPr>
-        <p:grpSpPr>
-          <a:xfrm>
-            <a:off x="819150" y="304165"/>
-            <a:ext cx="803910" cy="946785"/>
-            <a:chOff x="7448" y="3202"/>
-            <a:chExt cx="2827" cy="3146"/>
-          </a:xfrm>
-        </p:grpSpPr>
-        <p:cxnSp>
-          <p:nvCxnSpPr>
-            <p:cNvPr id="5" name="直接连接符 4"/>
-            <p:cNvCxnSpPr/>
-            <p:nvPr/>
-          </p:nvCxnSpPr>
-          <p:spPr>
-            <a:xfrm flipH="1">
-              <a:off x="7448" y="3324"/>
-              <a:ext cx="2721" cy="3025"/>
-            </a:xfrm>
-            <a:prstGeom prst="line">
-              <a:avLst/>
-            </a:prstGeom>
-            <a:ln>
-              <a:gradFill>
-                <a:gsLst>
-                  <a:gs pos="0">
-                    <a:schemeClr val="bg1"/>
-                  </a:gs>
-                  <a:gs pos="74000">
-                    <a:schemeClr val="bg1">
-                      <a:lumMod val="65000"/>
-                    </a:schemeClr>
-                  </a:gs>
-                </a:gsLst>
-                <a:lin ang="15720000" scaled="1"/>
-              </a:gradFill>
-            </a:ln>
-          </p:spPr>
-          <p:style>
-            <a:lnRef idx="1">
-              <a:schemeClr val="accent1"/>
-            </a:lnRef>
-            <a:fillRef idx="0">
-              <a:schemeClr val="accent1"/>
-            </a:fillRef>
-            <a:effectRef idx="0">
-              <a:schemeClr val="accent1"/>
-            </a:effectRef>
-            <a:fontRef idx="minor">
-              <a:schemeClr val="tx1"/>
-            </a:fontRef>
-          </p:style>
-        </p:cxnSp>
-        <p:sp>
-          <p:nvSpPr>
-            <p:cNvPr id="8" name="椭圆 7"/>
-            <p:cNvSpPr/>
-            <p:nvPr/>
-          </p:nvSpPr>
-          <p:spPr>
-            <a:xfrm>
-              <a:off x="10077" y="3202"/>
-              <a:ext cx="198" cy="213"/>
-            </a:xfrm>
-            <a:prstGeom prst="ellipse">
-              <a:avLst/>
-            </a:prstGeom>
-            <a:solidFill>
-              <a:schemeClr val="bg1">
-                <a:lumMod val="65000"/>
-              </a:schemeClr>
-            </a:solidFill>
-            <a:ln>
-              <a:noFill/>
-            </a:ln>
-          </p:spPr>
-          <p:style>
-            <a:lnRef idx="2">
-              <a:schemeClr val="accent1">
-                <a:shade val="50000"/>
-              </a:schemeClr>
-            </a:lnRef>
-            <a:fillRef idx="1">
-              <a:schemeClr val="accent1"/>
-            </a:fillRef>
-            <a:effectRef idx="0">
-              <a:schemeClr val="accent1"/>
-            </a:effectRef>
-            <a:fontRef idx="minor">
-              <a:schemeClr val="lt1"/>
-            </a:fontRef>
-          </p:style>
-          <p:txBody>
-            <a:bodyPr rtlCol="0" anchor="ctr"/>
-            <a:lstStyle/>
-            <a:p>
-              <a:pPr algn="ctr"/>
-              <a:endParaRPr lang="zh-CN" altLang="en-US">
-                <a:cs typeface="仿宋" panose="02010609060101010101" charset="-122"/>
-              </a:endParaRPr>
-            </a:p>
-          </p:txBody>
-        </p:sp>
-      </p:grpSp>
-      <p:sp>
-        <p:nvSpPr>
-          <p:cNvPr id="4" name="文本框 3"/>
-          <p:cNvSpPr txBox="1"/>
-          <p:nvPr/>
-        </p:nvSpPr>
-        <p:spPr>
-          <a:xfrm>
-            <a:off x="516305" y="340995"/>
-            <a:ext cx="646331" cy="461665"/>
-          </a:xfrm>
-          <a:prstGeom prst="rect">
-            <a:avLst/>
-          </a:prstGeom>
-          <a:noFill/>
-        </p:spPr>
-        <p:txBody>
-          <a:bodyPr wrap="none" rtlCol="0" anchor="t">
-            <a:spAutoFit/>
-          </a:bodyPr>
-          <a:lstStyle/>
-          <a:p>
-            <a:pPr algn="ctr"/>
-            <a:r>
-              <a:rPr lang="en-US" altLang="zh-CN" sz="2400" dirty="0">
-                <a:solidFill>
-                  <a:schemeClr val="tx1">
-                    <a:lumMod val="50000"/>
-                    <a:lumOff val="50000"/>
-                  </a:schemeClr>
-                </a:solidFill>
-                <a:latin typeface="仿宋" panose="02010609060101010101" charset="-122"/>
-                <a:ea typeface="仿宋" panose="02010609060101010101" charset="-122"/>
-                <a:cs typeface="仿宋" panose="02010609060101010101" charset="-122"/>
-                <a:sym typeface="+mn-lt"/>
-              </a:rPr>
-              <a:t>one</a:t>
-            </a:r>
-            <a:endParaRPr lang="en-US" sz="2400" dirty="0">
-              <a:solidFill>
-                <a:schemeClr val="tx1">
-                  <a:lumMod val="50000"/>
-                  <a:lumOff val="50000"/>
-                </a:schemeClr>
-              </a:solidFill>
-              <a:latin typeface="仿宋" panose="02010609060101010101" charset="-122"/>
-              <a:ea typeface="仿宋" panose="02010609060101010101" charset="-122"/>
-              <a:cs typeface="仿宋" panose="02010609060101010101" charset="-122"/>
-              <a:sym typeface="+mn-lt"/>
-            </a:endParaRPr>
-          </a:p>
-        </p:txBody>
-      </p:sp>
-      <p:sp>
-        <p:nvSpPr>
-          <p:cNvPr id="7" name="任意多边形 18"/>
-          <p:cNvSpPr/>
-          <p:nvPr/>
-        </p:nvSpPr>
-        <p:spPr>
-          <a:xfrm>
-            <a:off x="1738453" y="304127"/>
-            <a:ext cx="4419256" cy="618508"/>
-          </a:xfrm>
-          <a:custGeom>
-            <a:avLst/>
-            <a:gdLst>
-              <a:gd name="connsiteX0" fmla="*/ 98297 w 589768"/>
-              <a:gd name="connsiteY0" fmla="*/ 0 h 5346192"/>
-              <a:gd name="connsiteX1" fmla="*/ 491471 w 589768"/>
-              <a:gd name="connsiteY1" fmla="*/ 0 h 5346192"/>
-              <a:gd name="connsiteX2" fmla="*/ 589768 w 589768"/>
-              <a:gd name="connsiteY2" fmla="*/ 98297 h 5346192"/>
-              <a:gd name="connsiteX3" fmla="*/ 589768 w 589768"/>
-              <a:gd name="connsiteY3" fmla="*/ 5346192 h 5346192"/>
-              <a:gd name="connsiteX4" fmla="*/ 589768 w 589768"/>
-              <a:gd name="connsiteY4" fmla="*/ 5346192 h 5346192"/>
-              <a:gd name="connsiteX5" fmla="*/ 0 w 589768"/>
-              <a:gd name="connsiteY5" fmla="*/ 5346192 h 5346192"/>
-              <a:gd name="connsiteX6" fmla="*/ 0 w 589768"/>
-              <a:gd name="connsiteY6" fmla="*/ 5346192 h 5346192"/>
-              <a:gd name="connsiteX7" fmla="*/ 0 w 589768"/>
-              <a:gd name="connsiteY7" fmla="*/ 98297 h 5346192"/>
-              <a:gd name="connsiteX8" fmla="*/ 98297 w 589768"/>
-              <a:gd name="connsiteY8" fmla="*/ 0 h 5346192"/>
-            </a:gdLst>
-            <a:ahLst/>
-            <a:cxnLst>
-              <a:cxn ang="0">
-                <a:pos x="connsiteX0" y="connsiteY0"/>
-              </a:cxn>
-              <a:cxn ang="0">
-                <a:pos x="connsiteX1" y="connsiteY1"/>
-              </a:cxn>
-              <a:cxn ang="0">
-                <a:pos x="connsiteX2" y="connsiteY2"/>
-              </a:cxn>
-              <a:cxn ang="0">
-                <a:pos x="connsiteX3" y="connsiteY3"/>
-              </a:cxn>
-              <a:cxn ang="0">
-                <a:pos x="connsiteX4" y="connsiteY4"/>
-              </a:cxn>
-              <a:cxn ang="0">
-                <a:pos x="connsiteX5" y="connsiteY5"/>
-              </a:cxn>
-              <a:cxn ang="0">
-                <a:pos x="connsiteX6" y="connsiteY6"/>
-              </a:cxn>
-              <a:cxn ang="0">
-                <a:pos x="connsiteX7" y="connsiteY7"/>
-              </a:cxn>
-              <a:cxn ang="0">
-                <a:pos x="connsiteX8" y="connsiteY8"/>
-              </a:cxn>
-            </a:cxnLst>
-            <a:rect l="l" t="t" r="r" b="b"/>
-            <a:pathLst>
-              <a:path w="589768" h="5346192">
-                <a:moveTo>
-                  <a:pt x="589768" y="891056"/>
-                </a:moveTo>
-                <a:lnTo>
-                  <a:pt x="589768" y="4455136"/>
-                </a:lnTo>
-                <a:cubicBezTo>
-                  <a:pt x="589768" y="4947251"/>
-                  <a:pt x="584913" y="5346187"/>
-                  <a:pt x="578924" y="5346187"/>
-                </a:cubicBezTo>
-                <a:lnTo>
-                  <a:pt x="0" y="5346187"/>
-                </a:lnTo>
-                <a:lnTo>
-                  <a:pt x="0" y="5346187"/>
-                </a:lnTo>
-                <a:lnTo>
-                  <a:pt x="0" y="5"/>
-                </a:lnTo>
-                <a:lnTo>
-                  <a:pt x="0" y="5"/>
-                </a:lnTo>
-                <a:lnTo>
-                  <a:pt x="578924" y="5"/>
-                </a:lnTo>
-                <a:cubicBezTo>
-                  <a:pt x="584913" y="5"/>
-                  <a:pt x="589768" y="398941"/>
-                  <a:pt x="589768" y="891056"/>
-                </a:cubicBezTo>
-                <a:close/>
-              </a:path>
-            </a:pathLst>
-          </a:custGeom>
-          <a:noFill/>
-          <a:ln>
-            <a:noFill/>
-          </a:ln>
-          <a:effectLst/>
-        </p:spPr>
-        <p:style>
-          <a:lnRef idx="2">
-            <a:schemeClr val="dk2">
-              <a:alpha val="90000"/>
-              <a:tint val="40000"/>
-              <a:hueOff val="0"/>
-              <a:satOff val="0"/>
-              <a:lumOff val="0"/>
-              <a:alphaOff val="0"/>
-            </a:schemeClr>
-          </a:lnRef>
-          <a:fillRef idx="1">
-            <a:schemeClr val="dk2">
-              <a:alpha val="90000"/>
-              <a:tint val="40000"/>
-              <a:hueOff val="0"/>
-              <a:satOff val="0"/>
-              <a:lumOff val="0"/>
-              <a:alphaOff val="0"/>
-            </a:schemeClr>
-          </a:fillRef>
-          <a:effectRef idx="0">
-            <a:schemeClr val="dk2">
-              <a:alpha val="90000"/>
-              <a:tint val="40000"/>
-              <a:hueOff val="0"/>
-              <a:satOff val="0"/>
-              <a:lumOff val="0"/>
-              <a:alphaOff val="0"/>
-            </a:schemeClr>
-          </a:effectRef>
-          <a:fontRef idx="minor">
-            <a:schemeClr val="dk1">
-              <a:hueOff val="0"/>
-              <a:satOff val="0"/>
-              <a:lumOff val="0"/>
-              <a:alphaOff val="0"/>
-            </a:schemeClr>
-          </a:fontRef>
-        </p:style>
-        <p:txBody>
-          <a:bodyPr spcFirstLastPara="0" vert="horz" wrap="square" lIns="247650" tIns="152615" rIns="276440" bIns="152615" numCol="1" spcCol="1270" anchor="ctr" anchorCtr="0">
-            <a:noAutofit/>
-          </a:bodyPr>
-          <a:lstStyle>
-            <a:defPPr>
-              <a:defRPr lang="zh-CN">
-                <a:solidFill>
-                  <a:schemeClr val="dk1">
-                    <a:hueOff val="0"/>
-                    <a:satOff val="0"/>
-                    <a:lumOff val="0"/>
-                    <a:alphaOff val="0"/>
-                  </a:schemeClr>
-                </a:solidFill>
-              </a:defRPr>
-            </a:defPPr>
-            <a:lvl1pPr marL="0" algn="l" defTabSz="914400" rtl="0" eaLnBrk="1" latinLnBrk="0" hangingPunct="1">
-              <a:defRPr sz="1800" kern="1200">
-                <a:solidFill>
-                  <a:schemeClr val="dk1">
-                    <a:hueOff val="0"/>
-                    <a:satOff val="0"/>
-                    <a:lumOff val="0"/>
-                    <a:alphaOff val="0"/>
-                  </a:schemeClr>
-                </a:solidFill>
-                <a:latin typeface="+mn-lt"/>
-                <a:ea typeface="+mn-ea"/>
-                <a:cs typeface="+mn-cs"/>
-              </a:defRPr>
-            </a:lvl1pPr>
-            <a:lvl2pPr marL="457200" algn="l" defTabSz="914400" rtl="0" eaLnBrk="1" latinLnBrk="0" hangingPunct="1">
-              <a:defRPr sz="1800" kern="1200">
-                <a:solidFill>
-                  <a:schemeClr val="dk1">
-                    <a:hueOff val="0"/>
-                    <a:satOff val="0"/>
-                    <a:lumOff val="0"/>
-                    <a:alphaOff val="0"/>
-                  </a:schemeClr>
-                </a:solidFill>
-                <a:latin typeface="+mn-lt"/>
-                <a:ea typeface="+mn-ea"/>
-                <a:cs typeface="+mn-cs"/>
-              </a:defRPr>
-            </a:lvl2pPr>
-            <a:lvl3pPr marL="914400" algn="l" defTabSz="914400" rtl="0" eaLnBrk="1" latinLnBrk="0" hangingPunct="1">
-              <a:defRPr sz="1800" kern="1200">
-                <a:solidFill>
-                  <a:schemeClr val="dk1">
-                    <a:hueOff val="0"/>
-                    <a:satOff val="0"/>
-                    <a:lumOff val="0"/>
-                    <a:alphaOff val="0"/>
-                  </a:schemeClr>
-                </a:solidFill>
-                <a:latin typeface="+mn-lt"/>
-                <a:ea typeface="+mn-ea"/>
-                <a:cs typeface="+mn-cs"/>
-              </a:defRPr>
-            </a:lvl3pPr>
-            <a:lvl4pPr marL="1371600" algn="l" defTabSz="914400" rtl="0" eaLnBrk="1" latinLnBrk="0" hangingPunct="1">
-              <a:defRPr sz="1800" kern="1200">
-                <a:solidFill>
-                  <a:schemeClr val="dk1">
-                    <a:hueOff val="0"/>
-                    <a:satOff val="0"/>
-                    <a:lumOff val="0"/>
-                    <a:alphaOff val="0"/>
-                  </a:schemeClr>
-                </a:solidFill>
-                <a:latin typeface="+mn-lt"/>
-                <a:ea typeface="+mn-ea"/>
-                <a:cs typeface="+mn-cs"/>
-              </a:defRPr>
-            </a:lvl4pPr>
-            <a:lvl5pPr marL="1828800" algn="l" defTabSz="914400" rtl="0" eaLnBrk="1" latinLnBrk="0" hangingPunct="1">
-              <a:defRPr sz="1800" kern="1200">
-                <a:solidFill>
-                  <a:schemeClr val="dk1">
-                    <a:hueOff val="0"/>
-                    <a:satOff val="0"/>
-                    <a:lumOff val="0"/>
-                    <a:alphaOff val="0"/>
-                  </a:schemeClr>
-                </a:solidFill>
-                <a:latin typeface="+mn-lt"/>
-                <a:ea typeface="+mn-ea"/>
-                <a:cs typeface="+mn-cs"/>
-              </a:defRPr>
-            </a:lvl5pPr>
-            <a:lvl6pPr marL="2286000" algn="l" defTabSz="914400" rtl="0" eaLnBrk="1" latinLnBrk="0" hangingPunct="1">
-              <a:defRPr sz="1800" kern="1200">
-                <a:solidFill>
-                  <a:schemeClr val="dk1">
-                    <a:hueOff val="0"/>
-                    <a:satOff val="0"/>
-                    <a:lumOff val="0"/>
-                    <a:alphaOff val="0"/>
-                  </a:schemeClr>
-                </a:solidFill>
-                <a:latin typeface="+mn-lt"/>
-                <a:ea typeface="+mn-ea"/>
-                <a:cs typeface="+mn-cs"/>
-              </a:defRPr>
-            </a:lvl6pPr>
-            <a:lvl7pPr marL="2743200" algn="l" defTabSz="914400" rtl="0" eaLnBrk="1" latinLnBrk="0" hangingPunct="1">
-              <a:defRPr sz="1800" kern="1200">
-                <a:solidFill>
-                  <a:schemeClr val="dk1">
-                    <a:hueOff val="0"/>
-                    <a:satOff val="0"/>
-                    <a:lumOff val="0"/>
-                    <a:alphaOff val="0"/>
-                  </a:schemeClr>
-                </a:solidFill>
-                <a:latin typeface="+mn-lt"/>
-                <a:ea typeface="+mn-ea"/>
-                <a:cs typeface="+mn-cs"/>
-              </a:defRPr>
-            </a:lvl7pPr>
-            <a:lvl8pPr marL="3200400" algn="l" defTabSz="914400" rtl="0" eaLnBrk="1" latinLnBrk="0" hangingPunct="1">
-              <a:defRPr sz="1800" kern="1200">
-                <a:solidFill>
-                  <a:schemeClr val="dk1">
-                    <a:hueOff val="0"/>
-                    <a:satOff val="0"/>
-                    <a:lumOff val="0"/>
-                    <a:alphaOff val="0"/>
-                  </a:schemeClr>
-                </a:solidFill>
-                <a:latin typeface="+mn-lt"/>
-                <a:ea typeface="+mn-ea"/>
-                <a:cs typeface="+mn-cs"/>
-              </a:defRPr>
-            </a:lvl8pPr>
-            <a:lvl9pPr marL="3657600" algn="l" defTabSz="914400" rtl="0" eaLnBrk="1" latinLnBrk="0" hangingPunct="1">
-              <a:defRPr sz="1800" kern="1200">
-                <a:solidFill>
-                  <a:schemeClr val="dk1">
-                    <a:hueOff val="0"/>
-                    <a:satOff val="0"/>
-                    <a:lumOff val="0"/>
-                    <a:alphaOff val="0"/>
-                  </a:schemeClr>
-                </a:solidFill>
-                <a:latin typeface="+mn-lt"/>
-                <a:ea typeface="+mn-ea"/>
-                <a:cs typeface="+mn-cs"/>
-              </a:defRPr>
-            </a:lvl9pPr>
-          </a:lstStyle>
-          <a:p>
-            <a:pPr marL="0" lvl="1" defTabSz="711200">
-              <a:lnSpc>
-                <a:spcPct val="90000"/>
-              </a:lnSpc>
-              <a:spcBef>
-                <a:spcPct val="0"/>
-              </a:spcBef>
-              <a:spcAft>
-                <a:spcPct val="15000"/>
-              </a:spcAft>
-            </a:pPr>
-            <a:r>
-              <a:rPr lang="zh-CN" altLang="en-US" sz="2400" b="1" dirty="0">
-                <a:solidFill>
-                  <a:schemeClr val="bg1">
-                    <a:lumMod val="50000"/>
-                  </a:schemeClr>
-                </a:solidFill>
-                <a:latin typeface="仿宋" panose="02010609060101010101" charset="-122"/>
-                <a:ea typeface="仿宋" panose="02010609060101010101" charset="-122"/>
-                <a:cs typeface="+mn-ea"/>
-                <a:sym typeface="+mn-lt"/>
-              </a:rPr>
-              <a:t>前言</a:t>
-            </a:r>
-          </a:p>
-        </p:txBody>
-      </p:sp>
-      <p:cxnSp>
-        <p:nvCxnSpPr>
-          <p:cNvPr id="6" name="直接连接符 5"/>
-          <p:cNvCxnSpPr/>
-          <p:nvPr/>
-        </p:nvCxnSpPr>
-        <p:spPr>
-          <a:xfrm flipH="1">
-            <a:off x="5324475" y="6370955"/>
-            <a:ext cx="6680835" cy="19685"/>
-          </a:xfrm>
-          <a:prstGeom prst="line">
-            <a:avLst/>
-          </a:prstGeom>
-          <a:ln w="57150">
-            <a:gradFill>
-              <a:gsLst>
-                <a:gs pos="0">
-                  <a:schemeClr val="bg1">
-                    <a:alpha val="10000"/>
-                  </a:schemeClr>
-                </a:gs>
-                <a:gs pos="90000">
-                  <a:schemeClr val="bg1">
-                    <a:lumMod val="65000"/>
-                    <a:alpha val="44000"/>
-                  </a:schemeClr>
-                </a:gs>
-              </a:gsLst>
-              <a:lin ang="9420000" scaled="1"/>
-            </a:gradFill>
-          </a:ln>
-        </p:spPr>
-        <p:style>
-          <a:lnRef idx="1">
-            <a:schemeClr val="accent1"/>
-          </a:lnRef>
-          <a:fillRef idx="0">
-            <a:schemeClr val="accent1"/>
-          </a:fillRef>
-          <a:effectRef idx="0">
-            <a:schemeClr val="accent1"/>
-          </a:effectRef>
-          <a:fontRef idx="minor">
-            <a:schemeClr val="tx1"/>
-          </a:fontRef>
-        </p:style>
-      </p:cxnSp>
-      <p:sp>
-        <p:nvSpPr>
-          <p:cNvPr id="2" name="文本框 1"/>
-          <p:cNvSpPr txBox="1"/>
-          <p:nvPr/>
-        </p:nvSpPr>
-        <p:spPr>
-          <a:xfrm>
-            <a:off x="1011944" y="1429689"/>
-            <a:ext cx="9747914" cy="3046988"/>
-          </a:xfrm>
-          <a:prstGeom prst="rect">
-            <a:avLst/>
-          </a:prstGeom>
-          <a:noFill/>
-        </p:spPr>
-        <p:txBody>
-          <a:bodyPr wrap="square" rtlCol="0">
-            <a:spAutoFit/>
-          </a:bodyPr>
-          <a:lstStyle/>
-          <a:p>
-            <a:pPr indent="457200"/>
-            <a:r>
-              <a:rPr lang="zh-CN" altLang="en-US" sz="2400" dirty="0"/>
-              <a:t>  随着信息技术的不断发展</a:t>
-            </a:r>
-            <a:r>
-              <a:rPr lang="en-US" altLang="zh-CN" sz="2400" dirty="0"/>
-              <a:t>,</a:t>
-            </a:r>
-            <a:r>
-              <a:rPr lang="zh-CN" altLang="en-US" sz="2400" dirty="0"/>
-              <a:t>计算机技术在现代各行各业中的应用</a:t>
-            </a:r>
-            <a:r>
-              <a:rPr lang="en-US" altLang="zh-CN" sz="2400" dirty="0"/>
-              <a:t>,</a:t>
-            </a:r>
-            <a:r>
-              <a:rPr lang="zh-CN" altLang="en-US" sz="2400" dirty="0"/>
-              <a:t>让计算机软件在各行各业的工作效率的提升过程中发挥了重要的作用。 但是从软件的应用情况来看</a:t>
-            </a:r>
-            <a:r>
-              <a:rPr lang="en-US" altLang="zh-CN" sz="2400" dirty="0"/>
-              <a:t>,</a:t>
-            </a:r>
-            <a:r>
-              <a:rPr lang="en-US" altLang="zh-CN" sz="2400" b="1" dirty="0"/>
-              <a:t>bug</a:t>
-            </a:r>
-            <a:r>
-              <a:rPr lang="zh-CN" altLang="en-US" sz="2400" b="1" dirty="0"/>
-              <a:t>问题</a:t>
-            </a:r>
-            <a:r>
-              <a:rPr lang="zh-CN" altLang="en-US" sz="2400" dirty="0"/>
-              <a:t>已经成为影响软件实际应用效果的一个重要问题。 很多软件在</a:t>
-            </a:r>
-            <a:r>
-              <a:rPr lang="zh-CN" altLang="en-US" sz="2400" b="1" dirty="0"/>
-              <a:t>实际</a:t>
-            </a:r>
-            <a:r>
-              <a:rPr lang="zh-CN" altLang="en-US" sz="2400" dirty="0"/>
-              <a:t>应用中都需要</a:t>
-            </a:r>
-            <a:r>
-              <a:rPr lang="zh-CN" altLang="en-US" sz="2400" b="1" dirty="0"/>
-              <a:t>进行不断更新</a:t>
-            </a:r>
-            <a:r>
-              <a:rPr lang="en-US" altLang="zh-CN" sz="2400" dirty="0"/>
-              <a:t>,</a:t>
-            </a:r>
-            <a:r>
-              <a:rPr lang="zh-CN" altLang="en-US" sz="2400" dirty="0"/>
-              <a:t>在软件系统得到更新以后</a:t>
-            </a:r>
-            <a:r>
-              <a:rPr lang="en-US" altLang="zh-CN" sz="2400" dirty="0"/>
-              <a:t>,</a:t>
-            </a:r>
-            <a:r>
-              <a:rPr lang="zh-CN" altLang="en-US" sz="2400" dirty="0"/>
-              <a:t>软件性还会出现一些影响软件应用的新问题。对于软件设计人员而言</a:t>
-            </a:r>
-            <a:r>
-              <a:rPr lang="en-US" altLang="zh-CN" sz="2400" dirty="0"/>
-              <a:t>,</a:t>
-            </a:r>
-            <a:r>
-              <a:rPr lang="zh-CN" altLang="en-US" sz="2400" dirty="0"/>
-              <a:t>对软件的健壮性进行提升</a:t>
-            </a:r>
-            <a:r>
-              <a:rPr lang="en-US" altLang="zh-CN" sz="2400" dirty="0"/>
-              <a:t>,</a:t>
-            </a:r>
-            <a:r>
-              <a:rPr lang="zh-CN" altLang="en-US" sz="2400" dirty="0"/>
-              <a:t>是其在未来工作中所要面对的一个重要问题。同时从</a:t>
-            </a:r>
-            <a:r>
-              <a:rPr lang="zh-CN" altLang="en-US" sz="2400" b="1" dirty="0"/>
-              <a:t>根本</a:t>
-            </a:r>
-            <a:r>
-              <a:rPr lang="zh-CN" altLang="en-US" sz="2400" dirty="0"/>
-              <a:t>上来讲，软件测试的目标就是</a:t>
-            </a:r>
-            <a:r>
-              <a:rPr lang="zh-CN" altLang="en-US" sz="2400" b="1" dirty="0"/>
-              <a:t>尽可能多地发现并排除软件中潜藏的错误，最终把一个高质量的软件系统交给用户使用。</a:t>
-            </a:r>
-          </a:p>
-        </p:txBody>
-      </p:sp>
-    </p:spTree>
-    <p:extLst>
-      <p:ext uri="{BB962C8B-B14F-4D97-AF65-F5344CB8AC3E}">
-        <p14:creationId xmlns:p14="http://schemas.microsoft.com/office/powerpoint/2010/main" val="2663210319"/>
-      </p:ext>
-    </p:extLst>
-  </p:cSld>
-  <p:clrMapOvr>
-    <a:masterClrMapping/>
-  </p:clrMapOvr>
-</p:sld>
-</file>
-
-<file path=ppt/slides/slide40.xml><?xml version="1.0" encoding="utf-8"?>
+<file path=ppt/slides/slide47.xml><?xml version="1.0" encoding="utf-8"?>
 <p:sld xmlns:a="http://schemas.openxmlformats.org/drawingml/2006/main" xmlns:r="http://schemas.openxmlformats.org/officeDocument/2006/relationships" xmlns:p="http://schemas.openxmlformats.org/presentationml/2006/main">
   <p:cSld>
     <p:bg>
